--- a/thesis/Visualizations.pptx
+++ b/thesis/Visualizations.pptx
@@ -5,8 +5,8 @@
     <p:sldMasterId id="2147483648" r:id="rId1"/>
   </p:sldMasterIdLst>
   <p:sldIdLst>
-    <p:sldId id="256" r:id="rId2"/>
-    <p:sldId id="257" r:id="rId3"/>
+    <p:sldId id="257" r:id="rId2"/>
+    <p:sldId id="258" r:id="rId3"/>
   </p:sldIdLst>
   <p:sldSz cx="12192000" cy="6858000"/>
   <p:notesSz cx="6858000" cy="9144000"/>
@@ -122,6 +122,10 @@
     </p:ext>
   </p:extLst>
 </p:presentation>
+</file>
+
+<file path=ppt/revisionInfo.xml><?xml version="1.0" encoding="utf-8"?>
+<p1510:revInfo xmlns:a="http://schemas.openxmlformats.org/drawingml/2006/main" xmlns:r="http://schemas.openxmlformats.org/officeDocument/2006/relationships" xmlns:p1510="http://schemas.microsoft.com/office/powerpoint/2015/10/main"/>
 </file>
 
 <file path=ppt/slideLayouts/slideLayout1.xml><?xml version="1.0" encoding="utf-8"?>
@@ -273,7 +277,7 @@
           <a:p>
             <a:fld id="{6699013D-A4EE-48DE-98C9-B10BF44144C0}" type="datetimeFigureOut">
               <a:rPr lang="LID4096" smtClean="0"/>
-              <a:t>01/03/2018</a:t>
+              <a:t>01/20/2018</a:t>
             </a:fld>
             <a:endParaRPr lang="LID4096"/>
           </a:p>
@@ -473,7 +477,7 @@
           <a:p>
             <a:fld id="{6699013D-A4EE-48DE-98C9-B10BF44144C0}" type="datetimeFigureOut">
               <a:rPr lang="LID4096" smtClean="0"/>
-              <a:t>01/03/2018</a:t>
+              <a:t>01/20/2018</a:t>
             </a:fld>
             <a:endParaRPr lang="LID4096"/>
           </a:p>
@@ -683,7 +687,7 @@
           <a:p>
             <a:fld id="{6699013D-A4EE-48DE-98C9-B10BF44144C0}" type="datetimeFigureOut">
               <a:rPr lang="LID4096" smtClean="0"/>
-              <a:t>01/03/2018</a:t>
+              <a:t>01/20/2018</a:t>
             </a:fld>
             <a:endParaRPr lang="LID4096"/>
           </a:p>
@@ -883,7 +887,7 @@
           <a:p>
             <a:fld id="{6699013D-A4EE-48DE-98C9-B10BF44144C0}" type="datetimeFigureOut">
               <a:rPr lang="LID4096" smtClean="0"/>
-              <a:t>01/03/2018</a:t>
+              <a:t>01/20/2018</a:t>
             </a:fld>
             <a:endParaRPr lang="LID4096"/>
           </a:p>
@@ -1159,7 +1163,7 @@
           <a:p>
             <a:fld id="{6699013D-A4EE-48DE-98C9-B10BF44144C0}" type="datetimeFigureOut">
               <a:rPr lang="LID4096" smtClean="0"/>
-              <a:t>01/03/2018</a:t>
+              <a:t>01/20/2018</a:t>
             </a:fld>
             <a:endParaRPr lang="LID4096"/>
           </a:p>
@@ -1427,7 +1431,7 @@
           <a:p>
             <a:fld id="{6699013D-A4EE-48DE-98C9-B10BF44144C0}" type="datetimeFigureOut">
               <a:rPr lang="LID4096" smtClean="0"/>
-              <a:t>01/03/2018</a:t>
+              <a:t>01/20/2018</a:t>
             </a:fld>
             <a:endParaRPr lang="LID4096"/>
           </a:p>
@@ -1842,7 +1846,7 @@
           <a:p>
             <a:fld id="{6699013D-A4EE-48DE-98C9-B10BF44144C0}" type="datetimeFigureOut">
               <a:rPr lang="LID4096" smtClean="0"/>
-              <a:t>01/03/2018</a:t>
+              <a:t>01/20/2018</a:t>
             </a:fld>
             <a:endParaRPr lang="LID4096"/>
           </a:p>
@@ -1984,7 +1988,7 @@
           <a:p>
             <a:fld id="{6699013D-A4EE-48DE-98C9-B10BF44144C0}" type="datetimeFigureOut">
               <a:rPr lang="LID4096" smtClean="0"/>
-              <a:t>01/03/2018</a:t>
+              <a:t>01/20/2018</a:t>
             </a:fld>
             <a:endParaRPr lang="LID4096"/>
           </a:p>
@@ -2097,7 +2101,7 @@
           <a:p>
             <a:fld id="{6699013D-A4EE-48DE-98C9-B10BF44144C0}" type="datetimeFigureOut">
               <a:rPr lang="LID4096" smtClean="0"/>
-              <a:t>01/03/2018</a:t>
+              <a:t>01/20/2018</a:t>
             </a:fld>
             <a:endParaRPr lang="LID4096"/>
           </a:p>
@@ -2410,7 +2414,7 @@
           <a:p>
             <a:fld id="{6699013D-A4EE-48DE-98C9-B10BF44144C0}" type="datetimeFigureOut">
               <a:rPr lang="LID4096" smtClean="0"/>
-              <a:t>01/03/2018</a:t>
+              <a:t>01/20/2018</a:t>
             </a:fld>
             <a:endParaRPr lang="LID4096"/>
           </a:p>
@@ -2699,7 +2703,7 @@
           <a:p>
             <a:fld id="{6699013D-A4EE-48DE-98C9-B10BF44144C0}" type="datetimeFigureOut">
               <a:rPr lang="LID4096" smtClean="0"/>
-              <a:t>01/03/2018</a:t>
+              <a:t>01/20/2018</a:t>
             </a:fld>
             <a:endParaRPr lang="LID4096"/>
           </a:p>
@@ -2942,7 +2946,7 @@
           <a:p>
             <a:fld id="{6699013D-A4EE-48DE-98C9-B10BF44144C0}" type="datetimeFigureOut">
               <a:rPr lang="LID4096" smtClean="0"/>
-              <a:t>01/03/2018</a:t>
+              <a:t>01/20/2018</a:t>
             </a:fld>
             <a:endParaRPr lang="LID4096"/>
           </a:p>
@@ -3361,10 +3365,10 @@
       </p:grpSpPr>
       <p:grpSp>
         <p:nvGrpSpPr>
-          <p:cNvPr id="48" name="Group 47">
+          <p:cNvPr id="299" name="Group 298">
             <a:extLst>
               <a:ext uri="{FF2B5EF4-FFF2-40B4-BE49-F238E27FC236}">
-                <a16:creationId xmlns:a16="http://schemas.microsoft.com/office/drawing/2014/main" id="{9D7F5B1B-0F99-4FCA-A3E8-BA1F14109E43}"/>
+                <a16:creationId xmlns:a16="http://schemas.microsoft.com/office/drawing/2014/main" id="{15122A77-7D54-4369-94CE-0954FFB22492}"/>
               </a:ext>
             </a:extLst>
           </p:cNvPr>
@@ -3373,18 +3377,116 @@
         </p:nvGrpSpPr>
         <p:grpSpPr>
           <a:xfrm>
-            <a:off x="1056000" y="549000"/>
-            <a:ext cx="2592982" cy="1546142"/>
-            <a:chOff x="1644703" y="4250566"/>
-            <a:chExt cx="2592982" cy="1546142"/>
+            <a:off x="32874" y="32673"/>
+            <a:ext cx="7219390" cy="2833831"/>
+            <a:chOff x="271755" y="190170"/>
+            <a:chExt cx="7219390" cy="2833831"/>
           </a:xfrm>
         </p:grpSpPr>
+        <p:cxnSp>
+          <p:nvCxnSpPr>
+            <p:cNvPr id="74" name="Straight Arrow Connector 73">
+              <a:extLst>
+                <a:ext uri="{FF2B5EF4-FFF2-40B4-BE49-F238E27FC236}">
+                  <a16:creationId xmlns:a16="http://schemas.microsoft.com/office/drawing/2014/main" id="{A1EEBD3B-4B6D-45B9-B4C9-9DDC8AEE54EF}"/>
+                </a:ext>
+              </a:extLst>
+            </p:cNvPr>
+            <p:cNvCxnSpPr>
+              <a:cxnSpLocks/>
+            </p:cNvCxnSpPr>
+            <p:nvPr/>
+          </p:nvCxnSpPr>
+          <p:spPr>
+            <a:xfrm>
+              <a:off x="271755" y="2934000"/>
+              <a:ext cx="7039245" cy="0"/>
+            </a:xfrm>
+            <a:prstGeom prst="straightConnector1">
+              <a:avLst/>
+            </a:prstGeom>
+            <a:ln w="57150">
+              <a:solidFill>
+                <a:schemeClr val="accent2"/>
+              </a:solidFill>
+              <a:tailEnd type="triangle"/>
+            </a:ln>
+          </p:spPr>
+          <p:style>
+            <a:lnRef idx="1">
+              <a:schemeClr val="accent1"/>
+            </a:lnRef>
+            <a:fillRef idx="0">
+              <a:schemeClr val="accent1"/>
+            </a:fillRef>
+            <a:effectRef idx="0">
+              <a:schemeClr val="accent1"/>
+            </a:effectRef>
+            <a:fontRef idx="minor">
+              <a:schemeClr val="tx1"/>
+            </a:fontRef>
+          </p:style>
+        </p:cxnSp>
+        <p:sp>
+          <p:nvSpPr>
+            <p:cNvPr id="157" name="TextBox 156">
+              <a:extLst>
+                <a:ext uri="{FF2B5EF4-FFF2-40B4-BE49-F238E27FC236}">
+                  <a16:creationId xmlns:a16="http://schemas.microsoft.com/office/drawing/2014/main" id="{BE3B7A2F-39F6-4E55-8124-19FF875A96D6}"/>
+                </a:ext>
+              </a:extLst>
+            </p:cNvPr>
+            <p:cNvSpPr txBox="1"/>
+            <p:nvPr/>
+          </p:nvSpPr>
+          <p:spPr>
+            <a:xfrm rot="5400000">
+              <a:off x="6078472" y="1611328"/>
+              <a:ext cx="2702235" cy="123111"/>
+            </a:xfrm>
+            <a:prstGeom prst="rect">
+              <a:avLst/>
+            </a:prstGeom>
+            <a:solidFill>
+              <a:schemeClr val="accent2"/>
+            </a:solidFill>
+            <a:ln w="3175">
+              <a:solidFill>
+                <a:schemeClr val="accent2"/>
+              </a:solidFill>
+            </a:ln>
+          </p:spPr>
+          <p:txBody>
+            <a:bodyPr wrap="square" lIns="36000" tIns="0" rIns="36000" bIns="0" rtlCol="0">
+              <a:spAutoFit/>
+            </a:bodyPr>
+            <a:lstStyle/>
+            <a:p>
+              <a:pPr algn="ctr"/>
+              <a:r>
+                <a:rPr lang="de-CH" sz="800" dirty="0">
+                  <a:solidFill>
+                    <a:schemeClr val="bg1"/>
+                  </a:solidFill>
+                  <a:latin typeface="+mj-lt"/>
+                </a:rPr>
+                <a:t>Monsoon over Kerala (t)</a:t>
+              </a:r>
+              <a:endParaRPr lang="LID4096" sz="800" dirty="0">
+                <a:solidFill>
+                  <a:schemeClr val="bg1"/>
+                </a:solidFill>
+                <a:latin typeface="+mj-lt"/>
+              </a:endParaRPr>
+            </a:p>
+          </p:txBody>
+        </p:sp>
         <p:grpSp>
           <p:nvGrpSpPr>
-            <p:cNvPr id="49" name="Group 48">
+            <p:cNvPr id="251" name="Group 250">
               <a:extLst>
                 <a:ext uri="{FF2B5EF4-FFF2-40B4-BE49-F238E27FC236}">
-                  <a16:creationId xmlns:a16="http://schemas.microsoft.com/office/drawing/2014/main" id="{67743961-74A3-42B3-AB35-727F710CDFEC}"/>
+                  <a16:creationId xmlns:a16="http://schemas.microsoft.com/office/drawing/2014/main" id="{060521B8-E085-4D52-89B7-B9EC5CE00ED1}"/>
                 </a:ext>
               </a:extLst>
             </p:cNvPr>
@@ -3393,54 +3495,1666 @@
           </p:nvGrpSpPr>
           <p:grpSpPr>
             <a:xfrm>
-              <a:off x="1647878" y="4250566"/>
-              <a:ext cx="2589807" cy="1546142"/>
-              <a:chOff x="377498" y="710424"/>
-              <a:chExt cx="2589807" cy="1546142"/>
+              <a:off x="2001000" y="190170"/>
+              <a:ext cx="5206931" cy="1263221"/>
+              <a:chOff x="2001000" y="190170"/>
+              <a:chExt cx="5206931" cy="1263221"/>
             </a:xfrm>
           </p:grpSpPr>
-          <p:pic>
-            <p:nvPicPr>
-              <p:cNvPr id="52" name="Picture 51">
+          <p:grpSp>
+            <p:nvGrpSpPr>
+              <p:cNvPr id="202" name="Group 201">
                 <a:extLst>
                   <a:ext uri="{FF2B5EF4-FFF2-40B4-BE49-F238E27FC236}">
-                    <a16:creationId xmlns:a16="http://schemas.microsoft.com/office/drawing/2014/main" id="{D56DB851-23DF-408F-B6C7-B027981AE952}"/>
+                    <a16:creationId xmlns:a16="http://schemas.microsoft.com/office/drawing/2014/main" id="{474CA0DE-60D4-4441-B1AB-17719162D5ED}"/>
                   </a:ext>
                 </a:extLst>
               </p:cNvPr>
-              <p:cNvPicPr>
-                <a:picLocks noChangeAspect="1"/>
-              </p:cNvPicPr>
+              <p:cNvGrpSpPr/>
               <p:nvPr/>
-            </p:nvPicPr>
-            <p:blipFill rotWithShape="1">
-              <a:blip r:embed="rId2"/>
-              <a:srcRect l="1976" t="2981" r="2028" b="4155"/>
-              <a:stretch/>
-            </p:blipFill>
-            <p:spPr>
+            </p:nvGrpSpPr>
+            <p:grpSpPr>
               <a:xfrm>
-                <a:off x="380673" y="867307"/>
-                <a:ext cx="2586632" cy="1389259"/>
+                <a:off x="2001000" y="333640"/>
+                <a:ext cx="5206931" cy="1119751"/>
+                <a:chOff x="229242" y="1402883"/>
+                <a:chExt cx="5206931" cy="1119751"/>
               </a:xfrm>
-              <a:prstGeom prst="rect">
-                <a:avLst/>
-              </a:prstGeom>
-              <a:ln w="6350">
-                <a:solidFill>
-                  <a:schemeClr val="bg1">
-                    <a:lumMod val="85000"/>
+            </p:grpSpPr>
+            <p:sp>
+              <p:nvSpPr>
+                <p:cNvPr id="201" name="Rectangle 200">
+                  <a:extLst>
+                    <a:ext uri="{FF2B5EF4-FFF2-40B4-BE49-F238E27FC236}">
+                      <a16:creationId xmlns:a16="http://schemas.microsoft.com/office/drawing/2014/main" id="{40B7A6C6-B7DE-4629-8954-70B5EFFFE0C1}"/>
+                    </a:ext>
+                  </a:extLst>
+                </p:cNvPr>
+                <p:cNvSpPr/>
+                <p:nvPr/>
+              </p:nvSpPr>
+              <p:spPr>
+                <a:xfrm>
+                  <a:off x="229242" y="1402883"/>
+                  <a:ext cx="5206931" cy="1119751"/>
+                </a:xfrm>
+                <a:prstGeom prst="rect">
+                  <a:avLst/>
+                </a:prstGeom>
+                <a:noFill/>
+                <a:ln w="28575">
+                  <a:solidFill>
+                    <a:schemeClr val="accent2"/>
+                  </a:solidFill>
+                </a:ln>
+              </p:spPr>
+              <p:style>
+                <a:lnRef idx="2">
+                  <a:schemeClr val="accent1">
+                    <a:shade val="50000"/>
                   </a:schemeClr>
-                </a:solidFill>
-              </a:ln>
-            </p:spPr>
-          </p:pic>
+                </a:lnRef>
+                <a:fillRef idx="1">
+                  <a:schemeClr val="accent1"/>
+                </a:fillRef>
+                <a:effectRef idx="0">
+                  <a:schemeClr val="accent1"/>
+                </a:effectRef>
+                <a:fontRef idx="minor">
+                  <a:schemeClr val="lt1"/>
+                </a:fontRef>
+              </p:style>
+              <p:txBody>
+                <a:bodyPr rtlCol="0" anchor="ctr"/>
+                <a:lstStyle/>
+                <a:p>
+                  <a:pPr algn="ctr"/>
+                  <a:endParaRPr lang="LID4096"/>
+                </a:p>
+              </p:txBody>
+            </p:sp>
+            <p:grpSp>
+              <p:nvGrpSpPr>
+                <p:cNvPr id="159" name="Group 158">
+                  <a:extLst>
+                    <a:ext uri="{FF2B5EF4-FFF2-40B4-BE49-F238E27FC236}">
+                      <a16:creationId xmlns:a16="http://schemas.microsoft.com/office/drawing/2014/main" id="{B699EE14-9A66-4C7C-80F1-D6A0AC70913D}"/>
+                    </a:ext>
+                  </a:extLst>
+                </p:cNvPr>
+                <p:cNvGrpSpPr/>
+                <p:nvPr/>
+              </p:nvGrpSpPr>
+              <p:grpSpPr>
+                <a:xfrm>
+                  <a:off x="274401" y="1443600"/>
+                  <a:ext cx="1673518" cy="1037171"/>
+                  <a:chOff x="215774" y="187074"/>
+                  <a:chExt cx="2857606" cy="1771015"/>
+                </a:xfrm>
+              </p:grpSpPr>
+              <p:grpSp>
+                <p:nvGrpSpPr>
+                  <p:cNvPr id="160" name="Group 159">
+                    <a:extLst>
+                      <a:ext uri="{FF2B5EF4-FFF2-40B4-BE49-F238E27FC236}">
+                        <a16:creationId xmlns:a16="http://schemas.microsoft.com/office/drawing/2014/main" id="{97E15939-3A02-4E8A-A710-EA90AE129AFD}"/>
+                      </a:ext>
+                    </a:extLst>
+                  </p:cNvPr>
+                  <p:cNvGrpSpPr/>
+                  <p:nvPr/>
+                </p:nvGrpSpPr>
+                <p:grpSpPr>
+                  <a:xfrm>
+                    <a:off x="471000" y="189000"/>
+                    <a:ext cx="2590590" cy="1393217"/>
+                    <a:chOff x="5237042" y="3580335"/>
+                    <a:chExt cx="2590590" cy="1393217"/>
+                  </a:xfrm>
+                </p:grpSpPr>
+                <p:pic>
+                  <p:nvPicPr>
+                    <p:cNvPr id="171" name="Picture 170">
+                      <a:extLst>
+                        <a:ext uri="{FF2B5EF4-FFF2-40B4-BE49-F238E27FC236}">
+                          <a16:creationId xmlns:a16="http://schemas.microsoft.com/office/drawing/2014/main" id="{32034268-F3E7-42EC-8D49-F6FBCAE019A2}"/>
+                        </a:ext>
+                      </a:extLst>
+                    </p:cNvPr>
+                    <p:cNvPicPr>
+                      <a:picLocks noChangeAspect="1"/>
+                    </p:cNvPicPr>
+                    <p:nvPr/>
+                  </p:nvPicPr>
+                  <p:blipFill rotWithShape="1">
+                    <a:blip r:embed="rId2"/>
+                    <a:srcRect l="1976" t="2981" r="2028" b="4155"/>
+                    <a:stretch/>
+                  </p:blipFill>
+                  <p:spPr>
+                    <a:xfrm>
+                      <a:off x="5241000" y="3584293"/>
+                      <a:ext cx="2586632" cy="1389259"/>
+                    </a:xfrm>
+                    <a:prstGeom prst="rect">
+                      <a:avLst/>
+                    </a:prstGeom>
+                    <a:ln w="6350">
+                      <a:solidFill>
+                        <a:schemeClr val="tx1"/>
+                      </a:solidFill>
+                    </a:ln>
+                  </p:spPr>
+                </p:pic>
+                <p:sp>
+                  <p:nvSpPr>
+                    <p:cNvPr id="172" name="TextBox 171">
+                      <a:extLst>
+                        <a:ext uri="{FF2B5EF4-FFF2-40B4-BE49-F238E27FC236}">
+                          <a16:creationId xmlns:a16="http://schemas.microsoft.com/office/drawing/2014/main" id="{DDF59B03-F58A-4DA5-A328-6E07A5DD0664}"/>
+                        </a:ext>
+                      </a:extLst>
+                    </p:cNvPr>
+                    <p:cNvSpPr txBox="1"/>
+                    <p:nvPr/>
+                  </p:nvSpPr>
+                  <p:spPr>
+                    <a:xfrm>
+                      <a:off x="5237042" y="3580335"/>
+                      <a:ext cx="1440882" cy="210217"/>
+                    </a:xfrm>
+                    <a:prstGeom prst="rect">
+                      <a:avLst/>
+                    </a:prstGeom>
+                    <a:solidFill>
+                      <a:srgbClr val="C00000">
+                        <a:alpha val="89804"/>
+                      </a:srgbClr>
+                    </a:solidFill>
+                    <a:ln w="3175">
+                      <a:solidFill>
+                        <a:schemeClr val="tx1"/>
+                      </a:solidFill>
+                    </a:ln>
+                  </p:spPr>
+                  <p:txBody>
+                    <a:bodyPr wrap="square" lIns="36000" tIns="0" rIns="36000" bIns="0" rtlCol="0">
+                      <a:spAutoFit/>
+                    </a:bodyPr>
+                    <a:lstStyle/>
+                    <a:p>
+                      <a:pPr algn="ctr"/>
+                      <a:r>
+                        <a:rPr lang="de-CH" sz="800" dirty="0">
+                          <a:solidFill>
+                            <a:schemeClr val="bg1"/>
+                          </a:solidFill>
+                          <a:latin typeface="+mj-lt"/>
+                        </a:rPr>
+                        <a:t>...</a:t>
+                      </a:r>
+                      <a:endParaRPr lang="LID4096" sz="800" dirty="0">
+                        <a:solidFill>
+                          <a:schemeClr val="bg1"/>
+                        </a:solidFill>
+                        <a:latin typeface="+mj-lt"/>
+                      </a:endParaRPr>
+                    </a:p>
+                  </p:txBody>
+                </p:sp>
+              </p:grpSp>
+              <p:grpSp>
+                <p:nvGrpSpPr>
+                  <p:cNvPr id="161" name="Group 160">
+                    <a:extLst>
+                      <a:ext uri="{FF2B5EF4-FFF2-40B4-BE49-F238E27FC236}">
+                        <a16:creationId xmlns:a16="http://schemas.microsoft.com/office/drawing/2014/main" id="{187DE78A-DBC5-4ADC-8011-AFA59BDFA355}"/>
+                      </a:ext>
+                    </a:extLst>
+                  </p:cNvPr>
+                  <p:cNvGrpSpPr/>
+                  <p:nvPr/>
+                </p:nvGrpSpPr>
+                <p:grpSpPr>
+                  <a:xfrm>
+                    <a:off x="354434" y="375028"/>
+                    <a:ext cx="2590592" cy="1393217"/>
+                    <a:chOff x="5237040" y="3580335"/>
+                    <a:chExt cx="2590592" cy="1393217"/>
+                  </a:xfrm>
+                </p:grpSpPr>
+                <p:pic>
+                  <p:nvPicPr>
+                    <p:cNvPr id="169" name="Picture 168">
+                      <a:extLst>
+                        <a:ext uri="{FF2B5EF4-FFF2-40B4-BE49-F238E27FC236}">
+                          <a16:creationId xmlns:a16="http://schemas.microsoft.com/office/drawing/2014/main" id="{90B3696C-76B8-4BF5-9A88-554E313F7ED7}"/>
+                        </a:ext>
+                      </a:extLst>
+                    </p:cNvPr>
+                    <p:cNvPicPr>
+                      <a:picLocks noChangeAspect="1"/>
+                    </p:cNvPicPr>
+                    <p:nvPr/>
+                  </p:nvPicPr>
+                  <p:blipFill rotWithShape="1">
+                    <a:blip r:embed="rId2"/>
+                    <a:srcRect l="1976" t="2981" r="2028" b="4155"/>
+                    <a:stretch/>
+                  </p:blipFill>
+                  <p:spPr>
+                    <a:xfrm>
+                      <a:off x="5241000" y="3584293"/>
+                      <a:ext cx="2586632" cy="1389259"/>
+                    </a:xfrm>
+                    <a:prstGeom prst="rect">
+                      <a:avLst/>
+                    </a:prstGeom>
+                    <a:ln w="6350">
+                      <a:solidFill>
+                        <a:schemeClr val="tx1"/>
+                      </a:solidFill>
+                    </a:ln>
+                  </p:spPr>
+                </p:pic>
+                <p:sp>
+                  <p:nvSpPr>
+                    <p:cNvPr id="170" name="TextBox 169">
+                      <a:extLst>
+                        <a:ext uri="{FF2B5EF4-FFF2-40B4-BE49-F238E27FC236}">
+                          <a16:creationId xmlns:a16="http://schemas.microsoft.com/office/drawing/2014/main" id="{61A05FE9-8FAA-4C58-A95A-8C7C0BE9AEFC}"/>
+                        </a:ext>
+                      </a:extLst>
+                    </p:cNvPr>
+                    <p:cNvSpPr txBox="1"/>
+                    <p:nvPr/>
+                  </p:nvSpPr>
+                  <p:spPr>
+                    <a:xfrm>
+                      <a:off x="5237040" y="3580335"/>
+                      <a:ext cx="1480610" cy="210217"/>
+                    </a:xfrm>
+                    <a:prstGeom prst="rect">
+                      <a:avLst/>
+                    </a:prstGeom>
+                    <a:solidFill>
+                      <a:srgbClr val="C00000">
+                        <a:alpha val="89804"/>
+                      </a:srgbClr>
+                    </a:solidFill>
+                    <a:ln w="3175">
+                      <a:solidFill>
+                        <a:schemeClr val="tx1"/>
+                      </a:solidFill>
+                    </a:ln>
+                  </p:spPr>
+                  <p:txBody>
+                    <a:bodyPr wrap="square" lIns="36000" tIns="0" rIns="36000" bIns="0" rtlCol="0">
+                      <a:spAutoFit/>
+                    </a:bodyPr>
+                    <a:lstStyle/>
+                    <a:p>
+                      <a:pPr algn="ctr"/>
+                      <a:r>
+                        <a:rPr lang="de-CH" sz="800" dirty="0">
+                          <a:solidFill>
+                            <a:schemeClr val="bg1"/>
+                          </a:solidFill>
+                          <a:latin typeface="+mj-lt"/>
+                        </a:rPr>
+                        <a:t>Relative Humidity</a:t>
+                      </a:r>
+                      <a:endParaRPr lang="LID4096" sz="800" dirty="0">
+                        <a:solidFill>
+                          <a:schemeClr val="bg1"/>
+                        </a:solidFill>
+                        <a:latin typeface="+mj-lt"/>
+                      </a:endParaRPr>
+                    </a:p>
+                  </p:txBody>
+                </p:sp>
+              </p:grpSp>
+              <p:grpSp>
+                <p:nvGrpSpPr>
+                  <p:cNvPr id="162" name="Group 161">
+                    <a:extLst>
+                      <a:ext uri="{FF2B5EF4-FFF2-40B4-BE49-F238E27FC236}">
+                        <a16:creationId xmlns:a16="http://schemas.microsoft.com/office/drawing/2014/main" id="{2BEEF885-290D-4639-B071-E6BAEE484BE1}"/>
+                      </a:ext>
+                    </a:extLst>
+                  </p:cNvPr>
+                  <p:cNvGrpSpPr/>
+                  <p:nvPr/>
+                </p:nvGrpSpPr>
+                <p:grpSpPr>
+                  <a:xfrm>
+                    <a:off x="219436" y="561057"/>
+                    <a:ext cx="2590590" cy="1393217"/>
+                    <a:chOff x="5237042" y="3580335"/>
+                    <a:chExt cx="2590590" cy="1393217"/>
+                  </a:xfrm>
+                </p:grpSpPr>
+                <p:pic>
+                  <p:nvPicPr>
+                    <p:cNvPr id="167" name="Picture 166">
+                      <a:extLst>
+                        <a:ext uri="{FF2B5EF4-FFF2-40B4-BE49-F238E27FC236}">
+                          <a16:creationId xmlns:a16="http://schemas.microsoft.com/office/drawing/2014/main" id="{B2EE5788-C3EA-4B83-94EE-F7E0D19D2E69}"/>
+                        </a:ext>
+                      </a:extLst>
+                    </p:cNvPr>
+                    <p:cNvPicPr>
+                      <a:picLocks noChangeAspect="1"/>
+                    </p:cNvPicPr>
+                    <p:nvPr/>
+                  </p:nvPicPr>
+                  <p:blipFill rotWithShape="1">
+                    <a:blip r:embed="rId2"/>
+                    <a:srcRect l="1976" t="2981" r="2028" b="4155"/>
+                    <a:stretch/>
+                  </p:blipFill>
+                  <p:spPr>
+                    <a:xfrm>
+                      <a:off x="5241000" y="3584293"/>
+                      <a:ext cx="2586632" cy="1389259"/>
+                    </a:xfrm>
+                    <a:prstGeom prst="rect">
+                      <a:avLst/>
+                    </a:prstGeom>
+                    <a:ln w="6350">
+                      <a:solidFill>
+                        <a:schemeClr val="tx1"/>
+                      </a:solidFill>
+                    </a:ln>
+                  </p:spPr>
+                </p:pic>
+                <p:sp>
+                  <p:nvSpPr>
+                    <p:cNvPr id="168" name="TextBox 167">
+                      <a:extLst>
+                        <a:ext uri="{FF2B5EF4-FFF2-40B4-BE49-F238E27FC236}">
+                          <a16:creationId xmlns:a16="http://schemas.microsoft.com/office/drawing/2014/main" id="{764A88A5-D7AD-408C-A8BA-5C867BEA7D9C}"/>
+                        </a:ext>
+                      </a:extLst>
+                    </p:cNvPr>
+                    <p:cNvSpPr txBox="1"/>
+                    <p:nvPr/>
+                  </p:nvSpPr>
+                  <p:spPr>
+                    <a:xfrm>
+                      <a:off x="5237042" y="3580335"/>
+                      <a:ext cx="1538767" cy="210217"/>
+                    </a:xfrm>
+                    <a:prstGeom prst="rect">
+                      <a:avLst/>
+                    </a:prstGeom>
+                    <a:solidFill>
+                      <a:srgbClr val="C00000">
+                        <a:alpha val="89804"/>
+                      </a:srgbClr>
+                    </a:solidFill>
+                    <a:ln w="3175">
+                      <a:solidFill>
+                        <a:schemeClr val="tx1"/>
+                      </a:solidFill>
+                    </a:ln>
+                  </p:spPr>
+                  <p:txBody>
+                    <a:bodyPr wrap="square" lIns="36000" tIns="0" rIns="36000" bIns="0" rtlCol="0">
+                      <a:spAutoFit/>
+                    </a:bodyPr>
+                    <a:lstStyle/>
+                    <a:p>
+                      <a:pPr algn="ctr"/>
+                      <a:r>
+                        <a:rPr lang="de-CH" sz="800" dirty="0">
+                          <a:solidFill>
+                            <a:schemeClr val="bg1"/>
+                          </a:solidFill>
+                          <a:latin typeface="+mj-lt"/>
+                        </a:rPr>
+                        <a:t>Temperature</a:t>
+                      </a:r>
+                      <a:endParaRPr lang="LID4096" sz="800" dirty="0">
+                        <a:solidFill>
+                          <a:schemeClr val="bg1"/>
+                        </a:solidFill>
+                        <a:latin typeface="+mj-lt"/>
+                      </a:endParaRPr>
+                    </a:p>
+                  </p:txBody>
+                </p:sp>
+              </p:grpSp>
+              <p:cxnSp>
+                <p:nvCxnSpPr>
+                  <p:cNvPr id="163" name="Straight Connector 162">
+                    <a:extLst>
+                      <a:ext uri="{FF2B5EF4-FFF2-40B4-BE49-F238E27FC236}">
+                        <a16:creationId xmlns:a16="http://schemas.microsoft.com/office/drawing/2014/main" id="{D321AB42-9577-4828-8D6D-94A1C6A3B2FE}"/>
+                      </a:ext>
+                    </a:extLst>
+                  </p:cNvPr>
+                  <p:cNvCxnSpPr>
+                    <a:cxnSpLocks/>
+                  </p:cNvCxnSpPr>
+                  <p:nvPr/>
+                </p:nvCxnSpPr>
+                <p:spPr>
+                  <a:xfrm flipV="1">
+                    <a:off x="2821816" y="1586032"/>
+                    <a:ext cx="251564" cy="372057"/>
+                  </a:xfrm>
+                  <a:prstGeom prst="line">
+                    <a:avLst/>
+                  </a:prstGeom>
+                  <a:ln w="6350"/>
+                </p:spPr>
+                <p:style>
+                  <a:lnRef idx="1">
+                    <a:schemeClr val="dk1"/>
+                  </a:lnRef>
+                  <a:fillRef idx="0">
+                    <a:schemeClr val="dk1"/>
+                  </a:fillRef>
+                  <a:effectRef idx="0">
+                    <a:schemeClr val="dk1"/>
+                  </a:effectRef>
+                  <a:fontRef idx="minor">
+                    <a:schemeClr val="tx1"/>
+                  </a:fontRef>
+                </p:style>
+              </p:cxnSp>
+              <p:cxnSp>
+                <p:nvCxnSpPr>
+                  <p:cNvPr id="164" name="Straight Connector 163">
+                    <a:extLst>
+                      <a:ext uri="{FF2B5EF4-FFF2-40B4-BE49-F238E27FC236}">
+                        <a16:creationId xmlns:a16="http://schemas.microsoft.com/office/drawing/2014/main" id="{00844D28-FD4D-48FD-8425-0BD73CF1E520}"/>
+                      </a:ext>
+                    </a:extLst>
+                  </p:cNvPr>
+                  <p:cNvCxnSpPr>
+                    <a:cxnSpLocks/>
+                  </p:cNvCxnSpPr>
+                  <p:nvPr/>
+                </p:nvCxnSpPr>
+                <p:spPr>
+                  <a:xfrm flipV="1">
+                    <a:off x="2802406" y="192957"/>
+                    <a:ext cx="259184" cy="378284"/>
+                  </a:xfrm>
+                  <a:prstGeom prst="line">
+                    <a:avLst/>
+                  </a:prstGeom>
+                  <a:ln w="6350"/>
+                </p:spPr>
+                <p:style>
+                  <a:lnRef idx="1">
+                    <a:schemeClr val="dk1"/>
+                  </a:lnRef>
+                  <a:fillRef idx="0">
+                    <a:schemeClr val="dk1"/>
+                  </a:fillRef>
+                  <a:effectRef idx="0">
+                    <a:schemeClr val="dk1"/>
+                  </a:effectRef>
+                  <a:fontRef idx="minor">
+                    <a:schemeClr val="tx1"/>
+                  </a:fontRef>
+                </p:style>
+              </p:cxnSp>
+              <p:sp>
+                <p:nvSpPr>
+                  <p:cNvPr id="165" name="TextBox 164">
+                    <a:extLst>
+                      <a:ext uri="{FF2B5EF4-FFF2-40B4-BE49-F238E27FC236}">
+                        <a16:creationId xmlns:a16="http://schemas.microsoft.com/office/drawing/2014/main" id="{12C0C696-200C-4830-9EEA-8A4B437288A7}"/>
+                      </a:ext>
+                    </a:extLst>
+                  </p:cNvPr>
+                  <p:cNvSpPr txBox="1"/>
+                  <p:nvPr/>
+                </p:nvSpPr>
+                <p:spPr>
+                  <a:xfrm>
+                    <a:off x="959380" y="1708053"/>
+                    <a:ext cx="1113677" cy="210217"/>
+                  </a:xfrm>
+                  <a:prstGeom prst="rect">
+                    <a:avLst/>
+                  </a:prstGeom>
+                  <a:solidFill>
+                    <a:srgbClr val="C00000"/>
+                  </a:solidFill>
+                  <a:ln w="3175">
+                    <a:solidFill>
+                      <a:schemeClr val="tx1"/>
+                    </a:solidFill>
+                  </a:ln>
+                </p:spPr>
+                <p:txBody>
+                  <a:bodyPr wrap="square" lIns="36000" tIns="0" rIns="36000" bIns="0" rtlCol="0">
+                    <a:spAutoFit/>
+                  </a:bodyPr>
+                  <a:lstStyle/>
+                  <a:p>
+                    <a:pPr algn="ctr"/>
+                    <a:r>
+                      <a:rPr lang="de-CH" sz="800" dirty="0">
+                        <a:solidFill>
+                          <a:schemeClr val="bg1"/>
+                        </a:solidFill>
+                        <a:latin typeface="+mj-lt"/>
+                      </a:rPr>
+                      <a:t>t - 60</a:t>
+                    </a:r>
+                    <a:endParaRPr lang="LID4096" sz="800" dirty="0">
+                      <a:solidFill>
+                        <a:schemeClr val="bg1"/>
+                      </a:solidFill>
+                      <a:latin typeface="+mj-lt"/>
+                    </a:endParaRPr>
+                  </a:p>
+                </p:txBody>
+              </p:sp>
+              <p:cxnSp>
+                <p:nvCxnSpPr>
+                  <p:cNvPr id="166" name="Straight Connector 165">
+                    <a:extLst>
+                      <a:ext uri="{FF2B5EF4-FFF2-40B4-BE49-F238E27FC236}">
+                        <a16:creationId xmlns:a16="http://schemas.microsoft.com/office/drawing/2014/main" id="{518128E5-A51B-401F-8A90-7A5D5095E80A}"/>
+                      </a:ext>
+                    </a:extLst>
+                  </p:cNvPr>
+                  <p:cNvCxnSpPr>
+                    <a:cxnSpLocks/>
+                  </p:cNvCxnSpPr>
+                  <p:nvPr/>
+                </p:nvCxnSpPr>
+                <p:spPr>
+                  <a:xfrm flipV="1">
+                    <a:off x="215774" y="187074"/>
+                    <a:ext cx="259184" cy="378284"/>
+                  </a:xfrm>
+                  <a:prstGeom prst="line">
+                    <a:avLst/>
+                  </a:prstGeom>
+                  <a:ln w="6350"/>
+                </p:spPr>
+                <p:style>
+                  <a:lnRef idx="1">
+                    <a:schemeClr val="dk1"/>
+                  </a:lnRef>
+                  <a:fillRef idx="0">
+                    <a:schemeClr val="dk1"/>
+                  </a:fillRef>
+                  <a:effectRef idx="0">
+                    <a:schemeClr val="dk1"/>
+                  </a:effectRef>
+                  <a:fontRef idx="minor">
+                    <a:schemeClr val="tx1"/>
+                  </a:fontRef>
+                </p:style>
+              </p:cxnSp>
+            </p:grpSp>
+            <p:grpSp>
+              <p:nvGrpSpPr>
+                <p:cNvPr id="173" name="Group 172">
+                  <a:extLst>
+                    <a:ext uri="{FF2B5EF4-FFF2-40B4-BE49-F238E27FC236}">
+                      <a16:creationId xmlns:a16="http://schemas.microsoft.com/office/drawing/2014/main" id="{CFBD31A3-DF8A-4C5D-88A5-1C253B8A453F}"/>
+                    </a:ext>
+                  </a:extLst>
+                </p:cNvPr>
+                <p:cNvGrpSpPr/>
+                <p:nvPr/>
+              </p:nvGrpSpPr>
+              <p:grpSpPr>
+                <a:xfrm>
+                  <a:off x="1990962" y="1448068"/>
+                  <a:ext cx="1673518" cy="1037171"/>
+                  <a:chOff x="215774" y="187074"/>
+                  <a:chExt cx="2857606" cy="1771015"/>
+                </a:xfrm>
+              </p:grpSpPr>
+              <p:grpSp>
+                <p:nvGrpSpPr>
+                  <p:cNvPr id="174" name="Group 173">
+                    <a:extLst>
+                      <a:ext uri="{FF2B5EF4-FFF2-40B4-BE49-F238E27FC236}">
+                        <a16:creationId xmlns:a16="http://schemas.microsoft.com/office/drawing/2014/main" id="{8BE68AAC-969D-43D3-8768-154563928CC8}"/>
+                      </a:ext>
+                    </a:extLst>
+                  </p:cNvPr>
+                  <p:cNvGrpSpPr/>
+                  <p:nvPr/>
+                </p:nvGrpSpPr>
+                <p:grpSpPr>
+                  <a:xfrm>
+                    <a:off x="471000" y="189000"/>
+                    <a:ext cx="2590590" cy="1393217"/>
+                    <a:chOff x="5237042" y="3580335"/>
+                    <a:chExt cx="2590590" cy="1393217"/>
+                  </a:xfrm>
+                </p:grpSpPr>
+                <p:pic>
+                  <p:nvPicPr>
+                    <p:cNvPr id="185" name="Picture 184">
+                      <a:extLst>
+                        <a:ext uri="{FF2B5EF4-FFF2-40B4-BE49-F238E27FC236}">
+                          <a16:creationId xmlns:a16="http://schemas.microsoft.com/office/drawing/2014/main" id="{9446540C-6A60-43D5-AF45-9CDC4B6BFF39}"/>
+                        </a:ext>
+                      </a:extLst>
+                    </p:cNvPr>
+                    <p:cNvPicPr>
+                      <a:picLocks noChangeAspect="1"/>
+                    </p:cNvPicPr>
+                    <p:nvPr/>
+                  </p:nvPicPr>
+                  <p:blipFill rotWithShape="1">
+                    <a:blip r:embed="rId2"/>
+                    <a:srcRect l="1976" t="2981" r="2028" b="4155"/>
+                    <a:stretch/>
+                  </p:blipFill>
+                  <p:spPr>
+                    <a:xfrm>
+                      <a:off x="5241000" y="3584293"/>
+                      <a:ext cx="2586632" cy="1389259"/>
+                    </a:xfrm>
+                    <a:prstGeom prst="rect">
+                      <a:avLst/>
+                    </a:prstGeom>
+                    <a:ln w="6350">
+                      <a:solidFill>
+                        <a:schemeClr val="tx1"/>
+                      </a:solidFill>
+                    </a:ln>
+                  </p:spPr>
+                </p:pic>
+                <p:sp>
+                  <p:nvSpPr>
+                    <p:cNvPr id="186" name="TextBox 185">
+                      <a:extLst>
+                        <a:ext uri="{FF2B5EF4-FFF2-40B4-BE49-F238E27FC236}">
+                          <a16:creationId xmlns:a16="http://schemas.microsoft.com/office/drawing/2014/main" id="{5E19603D-33B5-4707-A04C-BBFA8BBBCC70}"/>
+                        </a:ext>
+                      </a:extLst>
+                    </p:cNvPr>
+                    <p:cNvSpPr txBox="1"/>
+                    <p:nvPr/>
+                  </p:nvSpPr>
+                  <p:spPr>
+                    <a:xfrm>
+                      <a:off x="5237042" y="3580335"/>
+                      <a:ext cx="1440882" cy="210217"/>
+                    </a:xfrm>
+                    <a:prstGeom prst="rect">
+                      <a:avLst/>
+                    </a:prstGeom>
+                    <a:solidFill>
+                      <a:srgbClr val="C00000">
+                        <a:alpha val="89804"/>
+                      </a:srgbClr>
+                    </a:solidFill>
+                    <a:ln w="3175">
+                      <a:solidFill>
+                        <a:schemeClr val="tx1"/>
+                      </a:solidFill>
+                    </a:ln>
+                  </p:spPr>
+                  <p:txBody>
+                    <a:bodyPr wrap="square" lIns="36000" tIns="0" rIns="36000" bIns="0" rtlCol="0">
+                      <a:spAutoFit/>
+                    </a:bodyPr>
+                    <a:lstStyle/>
+                    <a:p>
+                      <a:pPr algn="ctr"/>
+                      <a:r>
+                        <a:rPr lang="de-CH" sz="800" dirty="0">
+                          <a:solidFill>
+                            <a:schemeClr val="bg1"/>
+                          </a:solidFill>
+                          <a:latin typeface="+mj-lt"/>
+                        </a:rPr>
+                        <a:t>...</a:t>
+                      </a:r>
+                      <a:endParaRPr lang="LID4096" sz="800" dirty="0">
+                        <a:solidFill>
+                          <a:schemeClr val="bg1"/>
+                        </a:solidFill>
+                        <a:latin typeface="+mj-lt"/>
+                      </a:endParaRPr>
+                    </a:p>
+                  </p:txBody>
+                </p:sp>
+              </p:grpSp>
+              <p:grpSp>
+                <p:nvGrpSpPr>
+                  <p:cNvPr id="175" name="Group 174">
+                    <a:extLst>
+                      <a:ext uri="{FF2B5EF4-FFF2-40B4-BE49-F238E27FC236}">
+                        <a16:creationId xmlns:a16="http://schemas.microsoft.com/office/drawing/2014/main" id="{654D2E8E-13B3-465E-ACB4-5E1DC6460C7D}"/>
+                      </a:ext>
+                    </a:extLst>
+                  </p:cNvPr>
+                  <p:cNvGrpSpPr/>
+                  <p:nvPr/>
+                </p:nvGrpSpPr>
+                <p:grpSpPr>
+                  <a:xfrm>
+                    <a:off x="354434" y="375028"/>
+                    <a:ext cx="2590592" cy="1393217"/>
+                    <a:chOff x="5237040" y="3580335"/>
+                    <a:chExt cx="2590592" cy="1393217"/>
+                  </a:xfrm>
+                </p:grpSpPr>
+                <p:pic>
+                  <p:nvPicPr>
+                    <p:cNvPr id="183" name="Picture 182">
+                      <a:extLst>
+                        <a:ext uri="{FF2B5EF4-FFF2-40B4-BE49-F238E27FC236}">
+                          <a16:creationId xmlns:a16="http://schemas.microsoft.com/office/drawing/2014/main" id="{39BCE61D-C411-4BC7-A179-CCCEFB45D500}"/>
+                        </a:ext>
+                      </a:extLst>
+                    </p:cNvPr>
+                    <p:cNvPicPr>
+                      <a:picLocks noChangeAspect="1"/>
+                    </p:cNvPicPr>
+                    <p:nvPr/>
+                  </p:nvPicPr>
+                  <p:blipFill rotWithShape="1">
+                    <a:blip r:embed="rId2"/>
+                    <a:srcRect l="1976" t="2981" r="2028" b="4155"/>
+                    <a:stretch/>
+                  </p:blipFill>
+                  <p:spPr>
+                    <a:xfrm>
+                      <a:off x="5241000" y="3584293"/>
+                      <a:ext cx="2586632" cy="1389259"/>
+                    </a:xfrm>
+                    <a:prstGeom prst="rect">
+                      <a:avLst/>
+                    </a:prstGeom>
+                    <a:ln w="6350">
+                      <a:solidFill>
+                        <a:schemeClr val="tx1"/>
+                      </a:solidFill>
+                    </a:ln>
+                  </p:spPr>
+                </p:pic>
+                <p:sp>
+                  <p:nvSpPr>
+                    <p:cNvPr id="184" name="TextBox 183">
+                      <a:extLst>
+                        <a:ext uri="{FF2B5EF4-FFF2-40B4-BE49-F238E27FC236}">
+                          <a16:creationId xmlns:a16="http://schemas.microsoft.com/office/drawing/2014/main" id="{9AC31A60-B372-4B3C-B7FB-9812A03A3910}"/>
+                        </a:ext>
+                      </a:extLst>
+                    </p:cNvPr>
+                    <p:cNvSpPr txBox="1"/>
+                    <p:nvPr/>
+                  </p:nvSpPr>
+                  <p:spPr>
+                    <a:xfrm>
+                      <a:off x="5237040" y="3580335"/>
+                      <a:ext cx="1480610" cy="210217"/>
+                    </a:xfrm>
+                    <a:prstGeom prst="rect">
+                      <a:avLst/>
+                    </a:prstGeom>
+                    <a:solidFill>
+                      <a:srgbClr val="C00000">
+                        <a:alpha val="89804"/>
+                      </a:srgbClr>
+                    </a:solidFill>
+                    <a:ln w="3175">
+                      <a:solidFill>
+                        <a:schemeClr val="tx1"/>
+                      </a:solidFill>
+                    </a:ln>
+                  </p:spPr>
+                  <p:txBody>
+                    <a:bodyPr wrap="square" lIns="36000" tIns="0" rIns="36000" bIns="0" rtlCol="0">
+                      <a:spAutoFit/>
+                    </a:bodyPr>
+                    <a:lstStyle/>
+                    <a:p>
+                      <a:pPr algn="ctr"/>
+                      <a:r>
+                        <a:rPr lang="de-CH" sz="800" dirty="0">
+                          <a:solidFill>
+                            <a:schemeClr val="bg1"/>
+                          </a:solidFill>
+                          <a:latin typeface="+mj-lt"/>
+                        </a:rPr>
+                        <a:t>Relative Humidity</a:t>
+                      </a:r>
+                      <a:endParaRPr lang="LID4096" sz="800" dirty="0">
+                        <a:solidFill>
+                          <a:schemeClr val="bg1"/>
+                        </a:solidFill>
+                        <a:latin typeface="+mj-lt"/>
+                      </a:endParaRPr>
+                    </a:p>
+                  </p:txBody>
+                </p:sp>
+              </p:grpSp>
+              <p:grpSp>
+                <p:nvGrpSpPr>
+                  <p:cNvPr id="176" name="Group 175">
+                    <a:extLst>
+                      <a:ext uri="{FF2B5EF4-FFF2-40B4-BE49-F238E27FC236}">
+                        <a16:creationId xmlns:a16="http://schemas.microsoft.com/office/drawing/2014/main" id="{2EA16CA7-77EF-4FEA-8230-4A2972BB70A6}"/>
+                      </a:ext>
+                    </a:extLst>
+                  </p:cNvPr>
+                  <p:cNvGrpSpPr/>
+                  <p:nvPr/>
+                </p:nvGrpSpPr>
+                <p:grpSpPr>
+                  <a:xfrm>
+                    <a:off x="219436" y="561057"/>
+                    <a:ext cx="2590590" cy="1393217"/>
+                    <a:chOff x="5237042" y="3580335"/>
+                    <a:chExt cx="2590590" cy="1393217"/>
+                  </a:xfrm>
+                </p:grpSpPr>
+                <p:pic>
+                  <p:nvPicPr>
+                    <p:cNvPr id="181" name="Picture 180">
+                      <a:extLst>
+                        <a:ext uri="{FF2B5EF4-FFF2-40B4-BE49-F238E27FC236}">
+                          <a16:creationId xmlns:a16="http://schemas.microsoft.com/office/drawing/2014/main" id="{81C9C642-76CD-4463-AB3C-0D4FF0A96985}"/>
+                        </a:ext>
+                      </a:extLst>
+                    </p:cNvPr>
+                    <p:cNvPicPr>
+                      <a:picLocks noChangeAspect="1"/>
+                    </p:cNvPicPr>
+                    <p:nvPr/>
+                  </p:nvPicPr>
+                  <p:blipFill rotWithShape="1">
+                    <a:blip r:embed="rId2"/>
+                    <a:srcRect l="1976" t="2981" r="2028" b="4155"/>
+                    <a:stretch/>
+                  </p:blipFill>
+                  <p:spPr>
+                    <a:xfrm>
+                      <a:off x="5241000" y="3584293"/>
+                      <a:ext cx="2586632" cy="1389259"/>
+                    </a:xfrm>
+                    <a:prstGeom prst="rect">
+                      <a:avLst/>
+                    </a:prstGeom>
+                    <a:ln w="6350">
+                      <a:solidFill>
+                        <a:schemeClr val="tx1"/>
+                      </a:solidFill>
+                    </a:ln>
+                  </p:spPr>
+                </p:pic>
+                <p:sp>
+                  <p:nvSpPr>
+                    <p:cNvPr id="182" name="TextBox 181">
+                      <a:extLst>
+                        <a:ext uri="{FF2B5EF4-FFF2-40B4-BE49-F238E27FC236}">
+                          <a16:creationId xmlns:a16="http://schemas.microsoft.com/office/drawing/2014/main" id="{9A7E56E9-907F-4740-8572-D5FA70D4E34C}"/>
+                        </a:ext>
+                      </a:extLst>
+                    </p:cNvPr>
+                    <p:cNvSpPr txBox="1"/>
+                    <p:nvPr/>
+                  </p:nvSpPr>
+                  <p:spPr>
+                    <a:xfrm>
+                      <a:off x="5237042" y="3580335"/>
+                      <a:ext cx="1538767" cy="210217"/>
+                    </a:xfrm>
+                    <a:prstGeom prst="rect">
+                      <a:avLst/>
+                    </a:prstGeom>
+                    <a:solidFill>
+                      <a:srgbClr val="C00000">
+                        <a:alpha val="89804"/>
+                      </a:srgbClr>
+                    </a:solidFill>
+                    <a:ln w="3175">
+                      <a:solidFill>
+                        <a:schemeClr val="tx1"/>
+                      </a:solidFill>
+                    </a:ln>
+                  </p:spPr>
+                  <p:txBody>
+                    <a:bodyPr wrap="square" lIns="36000" tIns="0" rIns="36000" bIns="0" rtlCol="0">
+                      <a:spAutoFit/>
+                    </a:bodyPr>
+                    <a:lstStyle/>
+                    <a:p>
+                      <a:pPr algn="ctr"/>
+                      <a:r>
+                        <a:rPr lang="de-CH" sz="800" dirty="0">
+                          <a:solidFill>
+                            <a:schemeClr val="bg1"/>
+                          </a:solidFill>
+                          <a:latin typeface="+mj-lt"/>
+                        </a:rPr>
+                        <a:t>Temperature</a:t>
+                      </a:r>
+                      <a:endParaRPr lang="LID4096" sz="800" dirty="0">
+                        <a:solidFill>
+                          <a:schemeClr val="bg1"/>
+                        </a:solidFill>
+                        <a:latin typeface="+mj-lt"/>
+                      </a:endParaRPr>
+                    </a:p>
+                  </p:txBody>
+                </p:sp>
+              </p:grpSp>
+              <p:cxnSp>
+                <p:nvCxnSpPr>
+                  <p:cNvPr id="177" name="Straight Connector 176">
+                    <a:extLst>
+                      <a:ext uri="{FF2B5EF4-FFF2-40B4-BE49-F238E27FC236}">
+                        <a16:creationId xmlns:a16="http://schemas.microsoft.com/office/drawing/2014/main" id="{2BD629E5-5ACA-472B-ACFF-7BE6759733A6}"/>
+                      </a:ext>
+                    </a:extLst>
+                  </p:cNvPr>
+                  <p:cNvCxnSpPr>
+                    <a:cxnSpLocks/>
+                  </p:cNvCxnSpPr>
+                  <p:nvPr/>
+                </p:nvCxnSpPr>
+                <p:spPr>
+                  <a:xfrm flipV="1">
+                    <a:off x="2821816" y="1586032"/>
+                    <a:ext cx="251564" cy="372057"/>
+                  </a:xfrm>
+                  <a:prstGeom prst="line">
+                    <a:avLst/>
+                  </a:prstGeom>
+                  <a:ln w="6350"/>
+                </p:spPr>
+                <p:style>
+                  <a:lnRef idx="1">
+                    <a:schemeClr val="dk1"/>
+                  </a:lnRef>
+                  <a:fillRef idx="0">
+                    <a:schemeClr val="dk1"/>
+                  </a:fillRef>
+                  <a:effectRef idx="0">
+                    <a:schemeClr val="dk1"/>
+                  </a:effectRef>
+                  <a:fontRef idx="minor">
+                    <a:schemeClr val="tx1"/>
+                  </a:fontRef>
+                </p:style>
+              </p:cxnSp>
+              <p:cxnSp>
+                <p:nvCxnSpPr>
+                  <p:cNvPr id="178" name="Straight Connector 177">
+                    <a:extLst>
+                      <a:ext uri="{FF2B5EF4-FFF2-40B4-BE49-F238E27FC236}">
+                        <a16:creationId xmlns:a16="http://schemas.microsoft.com/office/drawing/2014/main" id="{8CA5621C-2B2E-42AF-8CAB-B61B6A140699}"/>
+                      </a:ext>
+                    </a:extLst>
+                  </p:cNvPr>
+                  <p:cNvCxnSpPr>
+                    <a:cxnSpLocks/>
+                  </p:cNvCxnSpPr>
+                  <p:nvPr/>
+                </p:nvCxnSpPr>
+                <p:spPr>
+                  <a:xfrm flipV="1">
+                    <a:off x="2802406" y="192957"/>
+                    <a:ext cx="259184" cy="378284"/>
+                  </a:xfrm>
+                  <a:prstGeom prst="line">
+                    <a:avLst/>
+                  </a:prstGeom>
+                  <a:ln w="6350"/>
+                </p:spPr>
+                <p:style>
+                  <a:lnRef idx="1">
+                    <a:schemeClr val="dk1"/>
+                  </a:lnRef>
+                  <a:fillRef idx="0">
+                    <a:schemeClr val="dk1"/>
+                  </a:fillRef>
+                  <a:effectRef idx="0">
+                    <a:schemeClr val="dk1"/>
+                  </a:effectRef>
+                  <a:fontRef idx="minor">
+                    <a:schemeClr val="tx1"/>
+                  </a:fontRef>
+                </p:style>
+              </p:cxnSp>
+              <p:sp>
+                <p:nvSpPr>
+                  <p:cNvPr id="179" name="TextBox 178">
+                    <a:extLst>
+                      <a:ext uri="{FF2B5EF4-FFF2-40B4-BE49-F238E27FC236}">
+                        <a16:creationId xmlns:a16="http://schemas.microsoft.com/office/drawing/2014/main" id="{44624689-36BA-47CD-A7F2-51584024CD90}"/>
+                      </a:ext>
+                    </a:extLst>
+                  </p:cNvPr>
+                  <p:cNvSpPr txBox="1"/>
+                  <p:nvPr/>
+                </p:nvSpPr>
+                <p:spPr>
+                  <a:xfrm>
+                    <a:off x="959380" y="1708053"/>
+                    <a:ext cx="1113677" cy="210217"/>
+                  </a:xfrm>
+                  <a:prstGeom prst="rect">
+                    <a:avLst/>
+                  </a:prstGeom>
+                  <a:solidFill>
+                    <a:srgbClr val="C00000"/>
+                  </a:solidFill>
+                  <a:ln w="3175">
+                    <a:solidFill>
+                      <a:schemeClr val="tx1"/>
+                    </a:solidFill>
+                  </a:ln>
+                </p:spPr>
+                <p:txBody>
+                  <a:bodyPr wrap="square" lIns="36000" tIns="0" rIns="36000" bIns="0" rtlCol="0">
+                    <a:spAutoFit/>
+                  </a:bodyPr>
+                  <a:lstStyle/>
+                  <a:p>
+                    <a:pPr algn="ctr"/>
+                    <a:r>
+                      <a:rPr lang="de-CH" sz="800" dirty="0">
+                        <a:solidFill>
+                          <a:schemeClr val="bg1"/>
+                        </a:solidFill>
+                        <a:latin typeface="+mj-lt"/>
+                      </a:rPr>
+                      <a:t>...</a:t>
+                    </a:r>
+                    <a:endParaRPr lang="LID4096" sz="800" dirty="0">
+                      <a:solidFill>
+                        <a:schemeClr val="bg1"/>
+                      </a:solidFill>
+                      <a:latin typeface="+mj-lt"/>
+                    </a:endParaRPr>
+                  </a:p>
+                </p:txBody>
+              </p:sp>
+              <p:cxnSp>
+                <p:nvCxnSpPr>
+                  <p:cNvPr id="180" name="Straight Connector 179">
+                    <a:extLst>
+                      <a:ext uri="{FF2B5EF4-FFF2-40B4-BE49-F238E27FC236}">
+                        <a16:creationId xmlns:a16="http://schemas.microsoft.com/office/drawing/2014/main" id="{A19F213C-27D0-4AFC-8365-BEDB0FBA9C3E}"/>
+                      </a:ext>
+                    </a:extLst>
+                  </p:cNvPr>
+                  <p:cNvCxnSpPr>
+                    <a:cxnSpLocks/>
+                  </p:cNvCxnSpPr>
+                  <p:nvPr/>
+                </p:nvCxnSpPr>
+                <p:spPr>
+                  <a:xfrm flipV="1">
+                    <a:off x="215774" y="187074"/>
+                    <a:ext cx="259184" cy="378284"/>
+                  </a:xfrm>
+                  <a:prstGeom prst="line">
+                    <a:avLst/>
+                  </a:prstGeom>
+                  <a:ln w="6350"/>
+                </p:spPr>
+                <p:style>
+                  <a:lnRef idx="1">
+                    <a:schemeClr val="dk1"/>
+                  </a:lnRef>
+                  <a:fillRef idx="0">
+                    <a:schemeClr val="dk1"/>
+                  </a:fillRef>
+                  <a:effectRef idx="0">
+                    <a:schemeClr val="dk1"/>
+                  </a:effectRef>
+                  <a:fontRef idx="minor">
+                    <a:schemeClr val="tx1"/>
+                  </a:fontRef>
+                </p:style>
+              </p:cxnSp>
+            </p:grpSp>
+            <p:grpSp>
+              <p:nvGrpSpPr>
+                <p:cNvPr id="187" name="Group 186">
+                  <a:extLst>
+                    <a:ext uri="{FF2B5EF4-FFF2-40B4-BE49-F238E27FC236}">
+                      <a16:creationId xmlns:a16="http://schemas.microsoft.com/office/drawing/2014/main" id="{F6F4974F-5BD7-4610-9FF3-8986409A03AE}"/>
+                    </a:ext>
+                  </a:extLst>
+                </p:cNvPr>
+                <p:cNvGrpSpPr/>
+                <p:nvPr/>
+              </p:nvGrpSpPr>
+              <p:grpSpPr>
+                <a:xfrm>
+                  <a:off x="3716135" y="1445834"/>
+                  <a:ext cx="1673518" cy="1037171"/>
+                  <a:chOff x="215774" y="187074"/>
+                  <a:chExt cx="2857606" cy="1771015"/>
+                </a:xfrm>
+              </p:grpSpPr>
+              <p:grpSp>
+                <p:nvGrpSpPr>
+                  <p:cNvPr id="188" name="Group 187">
+                    <a:extLst>
+                      <a:ext uri="{FF2B5EF4-FFF2-40B4-BE49-F238E27FC236}">
+                        <a16:creationId xmlns:a16="http://schemas.microsoft.com/office/drawing/2014/main" id="{4D081FD4-BD53-4A73-B991-27C710A4236E}"/>
+                      </a:ext>
+                    </a:extLst>
+                  </p:cNvPr>
+                  <p:cNvGrpSpPr/>
+                  <p:nvPr/>
+                </p:nvGrpSpPr>
+                <p:grpSpPr>
+                  <a:xfrm>
+                    <a:off x="471000" y="189000"/>
+                    <a:ext cx="2590590" cy="1393217"/>
+                    <a:chOff x="5237042" y="3580335"/>
+                    <a:chExt cx="2590590" cy="1393217"/>
+                  </a:xfrm>
+                </p:grpSpPr>
+                <p:pic>
+                  <p:nvPicPr>
+                    <p:cNvPr id="199" name="Picture 198">
+                      <a:extLst>
+                        <a:ext uri="{FF2B5EF4-FFF2-40B4-BE49-F238E27FC236}">
+                          <a16:creationId xmlns:a16="http://schemas.microsoft.com/office/drawing/2014/main" id="{F316729E-94E9-4995-B3D7-AE2FAF558117}"/>
+                        </a:ext>
+                      </a:extLst>
+                    </p:cNvPr>
+                    <p:cNvPicPr>
+                      <a:picLocks noChangeAspect="1"/>
+                    </p:cNvPicPr>
+                    <p:nvPr/>
+                  </p:nvPicPr>
+                  <p:blipFill rotWithShape="1">
+                    <a:blip r:embed="rId2"/>
+                    <a:srcRect l="1976" t="2981" r="2028" b="4155"/>
+                    <a:stretch/>
+                  </p:blipFill>
+                  <p:spPr>
+                    <a:xfrm>
+                      <a:off x="5241000" y="3584293"/>
+                      <a:ext cx="2586632" cy="1389259"/>
+                    </a:xfrm>
+                    <a:prstGeom prst="rect">
+                      <a:avLst/>
+                    </a:prstGeom>
+                    <a:ln w="6350">
+                      <a:solidFill>
+                        <a:schemeClr val="tx1"/>
+                      </a:solidFill>
+                    </a:ln>
+                  </p:spPr>
+                </p:pic>
+                <p:sp>
+                  <p:nvSpPr>
+                    <p:cNvPr id="200" name="TextBox 199">
+                      <a:extLst>
+                        <a:ext uri="{FF2B5EF4-FFF2-40B4-BE49-F238E27FC236}">
+                          <a16:creationId xmlns:a16="http://schemas.microsoft.com/office/drawing/2014/main" id="{D4BE51E0-0168-4D6F-827B-85A521389676}"/>
+                        </a:ext>
+                      </a:extLst>
+                    </p:cNvPr>
+                    <p:cNvSpPr txBox="1"/>
+                    <p:nvPr/>
+                  </p:nvSpPr>
+                  <p:spPr>
+                    <a:xfrm>
+                      <a:off x="5237042" y="3580335"/>
+                      <a:ext cx="1440882" cy="210217"/>
+                    </a:xfrm>
+                    <a:prstGeom prst="rect">
+                      <a:avLst/>
+                    </a:prstGeom>
+                    <a:solidFill>
+                      <a:srgbClr val="C00000">
+                        <a:alpha val="89804"/>
+                      </a:srgbClr>
+                    </a:solidFill>
+                    <a:ln w="3175">
+                      <a:solidFill>
+                        <a:schemeClr val="tx1"/>
+                      </a:solidFill>
+                    </a:ln>
+                  </p:spPr>
+                  <p:txBody>
+                    <a:bodyPr wrap="square" lIns="36000" tIns="0" rIns="36000" bIns="0" rtlCol="0">
+                      <a:spAutoFit/>
+                    </a:bodyPr>
+                    <a:lstStyle/>
+                    <a:p>
+                      <a:pPr algn="ctr"/>
+                      <a:r>
+                        <a:rPr lang="de-CH" sz="800" dirty="0">
+                          <a:solidFill>
+                            <a:schemeClr val="bg1"/>
+                          </a:solidFill>
+                          <a:latin typeface="+mj-lt"/>
+                        </a:rPr>
+                        <a:t>...</a:t>
+                      </a:r>
+                      <a:endParaRPr lang="LID4096" sz="800" dirty="0">
+                        <a:solidFill>
+                          <a:schemeClr val="bg1"/>
+                        </a:solidFill>
+                        <a:latin typeface="+mj-lt"/>
+                      </a:endParaRPr>
+                    </a:p>
+                  </p:txBody>
+                </p:sp>
+              </p:grpSp>
+              <p:grpSp>
+                <p:nvGrpSpPr>
+                  <p:cNvPr id="189" name="Group 188">
+                    <a:extLst>
+                      <a:ext uri="{FF2B5EF4-FFF2-40B4-BE49-F238E27FC236}">
+                        <a16:creationId xmlns:a16="http://schemas.microsoft.com/office/drawing/2014/main" id="{F71B5C8A-3FDA-463D-B620-5AE20005A7B2}"/>
+                      </a:ext>
+                    </a:extLst>
+                  </p:cNvPr>
+                  <p:cNvGrpSpPr/>
+                  <p:nvPr/>
+                </p:nvGrpSpPr>
+                <p:grpSpPr>
+                  <a:xfrm>
+                    <a:off x="354434" y="375028"/>
+                    <a:ext cx="2590592" cy="1393217"/>
+                    <a:chOff x="5237040" y="3580335"/>
+                    <a:chExt cx="2590592" cy="1393217"/>
+                  </a:xfrm>
+                </p:grpSpPr>
+                <p:pic>
+                  <p:nvPicPr>
+                    <p:cNvPr id="197" name="Picture 196">
+                      <a:extLst>
+                        <a:ext uri="{FF2B5EF4-FFF2-40B4-BE49-F238E27FC236}">
+                          <a16:creationId xmlns:a16="http://schemas.microsoft.com/office/drawing/2014/main" id="{592494CE-BA61-45C6-879E-CA33A52793AD}"/>
+                        </a:ext>
+                      </a:extLst>
+                    </p:cNvPr>
+                    <p:cNvPicPr>
+                      <a:picLocks noChangeAspect="1"/>
+                    </p:cNvPicPr>
+                    <p:nvPr/>
+                  </p:nvPicPr>
+                  <p:blipFill rotWithShape="1">
+                    <a:blip r:embed="rId2"/>
+                    <a:srcRect l="1976" t="2981" r="2028" b="4155"/>
+                    <a:stretch/>
+                  </p:blipFill>
+                  <p:spPr>
+                    <a:xfrm>
+                      <a:off x="5241000" y="3584293"/>
+                      <a:ext cx="2586632" cy="1389259"/>
+                    </a:xfrm>
+                    <a:prstGeom prst="rect">
+                      <a:avLst/>
+                    </a:prstGeom>
+                    <a:ln w="6350">
+                      <a:solidFill>
+                        <a:schemeClr val="tx1"/>
+                      </a:solidFill>
+                    </a:ln>
+                  </p:spPr>
+                </p:pic>
+                <p:sp>
+                  <p:nvSpPr>
+                    <p:cNvPr id="198" name="TextBox 197">
+                      <a:extLst>
+                        <a:ext uri="{FF2B5EF4-FFF2-40B4-BE49-F238E27FC236}">
+                          <a16:creationId xmlns:a16="http://schemas.microsoft.com/office/drawing/2014/main" id="{A46D9D38-A2C6-496E-BDAA-AA4E4F5B89AB}"/>
+                        </a:ext>
+                      </a:extLst>
+                    </p:cNvPr>
+                    <p:cNvSpPr txBox="1"/>
+                    <p:nvPr/>
+                  </p:nvSpPr>
+                  <p:spPr>
+                    <a:xfrm>
+                      <a:off x="5237040" y="3580335"/>
+                      <a:ext cx="1480610" cy="210217"/>
+                    </a:xfrm>
+                    <a:prstGeom prst="rect">
+                      <a:avLst/>
+                    </a:prstGeom>
+                    <a:solidFill>
+                      <a:srgbClr val="C00000">
+                        <a:alpha val="89804"/>
+                      </a:srgbClr>
+                    </a:solidFill>
+                    <a:ln w="3175">
+                      <a:solidFill>
+                        <a:schemeClr val="tx1"/>
+                      </a:solidFill>
+                    </a:ln>
+                  </p:spPr>
+                  <p:txBody>
+                    <a:bodyPr wrap="square" lIns="36000" tIns="0" rIns="36000" bIns="0" rtlCol="0">
+                      <a:spAutoFit/>
+                    </a:bodyPr>
+                    <a:lstStyle/>
+                    <a:p>
+                      <a:pPr algn="ctr"/>
+                      <a:r>
+                        <a:rPr lang="de-CH" sz="800" dirty="0">
+                          <a:solidFill>
+                            <a:schemeClr val="bg1"/>
+                          </a:solidFill>
+                          <a:latin typeface="+mj-lt"/>
+                        </a:rPr>
+                        <a:t>Relative Humidity</a:t>
+                      </a:r>
+                      <a:endParaRPr lang="LID4096" sz="800" dirty="0">
+                        <a:solidFill>
+                          <a:schemeClr val="bg1"/>
+                        </a:solidFill>
+                        <a:latin typeface="+mj-lt"/>
+                      </a:endParaRPr>
+                    </a:p>
+                  </p:txBody>
+                </p:sp>
+              </p:grpSp>
+              <p:grpSp>
+                <p:nvGrpSpPr>
+                  <p:cNvPr id="190" name="Group 189">
+                    <a:extLst>
+                      <a:ext uri="{FF2B5EF4-FFF2-40B4-BE49-F238E27FC236}">
+                        <a16:creationId xmlns:a16="http://schemas.microsoft.com/office/drawing/2014/main" id="{99D2B8EE-5574-47D6-89F2-228F70C49A86}"/>
+                      </a:ext>
+                    </a:extLst>
+                  </p:cNvPr>
+                  <p:cNvGrpSpPr/>
+                  <p:nvPr/>
+                </p:nvGrpSpPr>
+                <p:grpSpPr>
+                  <a:xfrm>
+                    <a:off x="219436" y="561057"/>
+                    <a:ext cx="2590590" cy="1393217"/>
+                    <a:chOff x="5237042" y="3580335"/>
+                    <a:chExt cx="2590590" cy="1393217"/>
+                  </a:xfrm>
+                </p:grpSpPr>
+                <p:pic>
+                  <p:nvPicPr>
+                    <p:cNvPr id="195" name="Picture 194">
+                      <a:extLst>
+                        <a:ext uri="{FF2B5EF4-FFF2-40B4-BE49-F238E27FC236}">
+                          <a16:creationId xmlns:a16="http://schemas.microsoft.com/office/drawing/2014/main" id="{57DBB382-3374-4DD1-ADAF-15AFC6541967}"/>
+                        </a:ext>
+                      </a:extLst>
+                    </p:cNvPr>
+                    <p:cNvPicPr>
+                      <a:picLocks noChangeAspect="1"/>
+                    </p:cNvPicPr>
+                    <p:nvPr/>
+                  </p:nvPicPr>
+                  <p:blipFill rotWithShape="1">
+                    <a:blip r:embed="rId2"/>
+                    <a:srcRect l="1976" t="2981" r="2028" b="4155"/>
+                    <a:stretch/>
+                  </p:blipFill>
+                  <p:spPr>
+                    <a:xfrm>
+                      <a:off x="5241000" y="3584293"/>
+                      <a:ext cx="2586632" cy="1389259"/>
+                    </a:xfrm>
+                    <a:prstGeom prst="rect">
+                      <a:avLst/>
+                    </a:prstGeom>
+                    <a:ln w="6350">
+                      <a:solidFill>
+                        <a:schemeClr val="tx1"/>
+                      </a:solidFill>
+                    </a:ln>
+                  </p:spPr>
+                </p:pic>
+                <p:sp>
+                  <p:nvSpPr>
+                    <p:cNvPr id="196" name="TextBox 195">
+                      <a:extLst>
+                        <a:ext uri="{FF2B5EF4-FFF2-40B4-BE49-F238E27FC236}">
+                          <a16:creationId xmlns:a16="http://schemas.microsoft.com/office/drawing/2014/main" id="{89D24603-2EA4-45D5-84D9-BB703B154C0C}"/>
+                        </a:ext>
+                      </a:extLst>
+                    </p:cNvPr>
+                    <p:cNvSpPr txBox="1"/>
+                    <p:nvPr/>
+                  </p:nvSpPr>
+                  <p:spPr>
+                    <a:xfrm>
+                      <a:off x="5237042" y="3580335"/>
+                      <a:ext cx="1538767" cy="210217"/>
+                    </a:xfrm>
+                    <a:prstGeom prst="rect">
+                      <a:avLst/>
+                    </a:prstGeom>
+                    <a:solidFill>
+                      <a:srgbClr val="C00000">
+                        <a:alpha val="89804"/>
+                      </a:srgbClr>
+                    </a:solidFill>
+                    <a:ln w="3175">
+                      <a:solidFill>
+                        <a:schemeClr val="tx1"/>
+                      </a:solidFill>
+                    </a:ln>
+                  </p:spPr>
+                  <p:txBody>
+                    <a:bodyPr wrap="square" lIns="36000" tIns="0" rIns="36000" bIns="0" rtlCol="0">
+                      <a:spAutoFit/>
+                    </a:bodyPr>
+                    <a:lstStyle/>
+                    <a:p>
+                      <a:pPr algn="ctr"/>
+                      <a:r>
+                        <a:rPr lang="de-CH" sz="800" dirty="0">
+                          <a:solidFill>
+                            <a:schemeClr val="bg1"/>
+                          </a:solidFill>
+                          <a:latin typeface="+mj-lt"/>
+                        </a:rPr>
+                        <a:t>Temperature</a:t>
+                      </a:r>
+                      <a:endParaRPr lang="LID4096" sz="800" dirty="0">
+                        <a:solidFill>
+                          <a:schemeClr val="bg1"/>
+                        </a:solidFill>
+                        <a:latin typeface="+mj-lt"/>
+                      </a:endParaRPr>
+                    </a:p>
+                  </p:txBody>
+                </p:sp>
+              </p:grpSp>
+              <p:cxnSp>
+                <p:nvCxnSpPr>
+                  <p:cNvPr id="191" name="Straight Connector 190">
+                    <a:extLst>
+                      <a:ext uri="{FF2B5EF4-FFF2-40B4-BE49-F238E27FC236}">
+                        <a16:creationId xmlns:a16="http://schemas.microsoft.com/office/drawing/2014/main" id="{CFEEEE92-EB17-44AA-902E-BB415E47AA5A}"/>
+                      </a:ext>
+                    </a:extLst>
+                  </p:cNvPr>
+                  <p:cNvCxnSpPr>
+                    <a:cxnSpLocks/>
+                  </p:cNvCxnSpPr>
+                  <p:nvPr/>
+                </p:nvCxnSpPr>
+                <p:spPr>
+                  <a:xfrm flipV="1">
+                    <a:off x="2821816" y="1586032"/>
+                    <a:ext cx="251564" cy="372057"/>
+                  </a:xfrm>
+                  <a:prstGeom prst="line">
+                    <a:avLst/>
+                  </a:prstGeom>
+                  <a:ln w="6350"/>
+                </p:spPr>
+                <p:style>
+                  <a:lnRef idx="1">
+                    <a:schemeClr val="dk1"/>
+                  </a:lnRef>
+                  <a:fillRef idx="0">
+                    <a:schemeClr val="dk1"/>
+                  </a:fillRef>
+                  <a:effectRef idx="0">
+                    <a:schemeClr val="dk1"/>
+                  </a:effectRef>
+                  <a:fontRef idx="minor">
+                    <a:schemeClr val="tx1"/>
+                  </a:fontRef>
+                </p:style>
+              </p:cxnSp>
+              <p:cxnSp>
+                <p:nvCxnSpPr>
+                  <p:cNvPr id="192" name="Straight Connector 191">
+                    <a:extLst>
+                      <a:ext uri="{FF2B5EF4-FFF2-40B4-BE49-F238E27FC236}">
+                        <a16:creationId xmlns:a16="http://schemas.microsoft.com/office/drawing/2014/main" id="{AF7B4065-64B3-455A-A17B-BBB1F37B8048}"/>
+                      </a:ext>
+                    </a:extLst>
+                  </p:cNvPr>
+                  <p:cNvCxnSpPr>
+                    <a:cxnSpLocks/>
+                  </p:cNvCxnSpPr>
+                  <p:nvPr/>
+                </p:nvCxnSpPr>
+                <p:spPr>
+                  <a:xfrm flipV="1">
+                    <a:off x="2802406" y="192957"/>
+                    <a:ext cx="259184" cy="378284"/>
+                  </a:xfrm>
+                  <a:prstGeom prst="line">
+                    <a:avLst/>
+                  </a:prstGeom>
+                  <a:ln w="6350"/>
+                </p:spPr>
+                <p:style>
+                  <a:lnRef idx="1">
+                    <a:schemeClr val="dk1"/>
+                  </a:lnRef>
+                  <a:fillRef idx="0">
+                    <a:schemeClr val="dk1"/>
+                  </a:fillRef>
+                  <a:effectRef idx="0">
+                    <a:schemeClr val="dk1"/>
+                  </a:effectRef>
+                  <a:fontRef idx="minor">
+                    <a:schemeClr val="tx1"/>
+                  </a:fontRef>
+                </p:style>
+              </p:cxnSp>
+              <p:sp>
+                <p:nvSpPr>
+                  <p:cNvPr id="193" name="TextBox 192">
+                    <a:extLst>
+                      <a:ext uri="{FF2B5EF4-FFF2-40B4-BE49-F238E27FC236}">
+                        <a16:creationId xmlns:a16="http://schemas.microsoft.com/office/drawing/2014/main" id="{06F05597-6654-47F8-AFA1-0EDDE4B67420}"/>
+                      </a:ext>
+                    </a:extLst>
+                  </p:cNvPr>
+                  <p:cNvSpPr txBox="1"/>
+                  <p:nvPr/>
+                </p:nvSpPr>
+                <p:spPr>
+                  <a:xfrm>
+                    <a:off x="959380" y="1708053"/>
+                    <a:ext cx="1113677" cy="210217"/>
+                  </a:xfrm>
+                  <a:prstGeom prst="rect">
+                    <a:avLst/>
+                  </a:prstGeom>
+                  <a:solidFill>
+                    <a:srgbClr val="C00000"/>
+                  </a:solidFill>
+                  <a:ln w="3175">
+                    <a:solidFill>
+                      <a:schemeClr val="tx1"/>
+                    </a:solidFill>
+                  </a:ln>
+                </p:spPr>
+                <p:txBody>
+                  <a:bodyPr wrap="square" lIns="36000" tIns="0" rIns="36000" bIns="0" rtlCol="0">
+                    <a:spAutoFit/>
+                  </a:bodyPr>
+                  <a:lstStyle/>
+                  <a:p>
+                    <a:pPr algn="ctr"/>
+                    <a:r>
+                      <a:rPr lang="de-CH" sz="800" dirty="0">
+                        <a:solidFill>
+                          <a:schemeClr val="bg1"/>
+                        </a:solidFill>
+                        <a:latin typeface="+mj-lt"/>
+                      </a:rPr>
+                      <a:t>t - 1</a:t>
+                    </a:r>
+                    <a:endParaRPr lang="LID4096" sz="800" dirty="0">
+                      <a:solidFill>
+                        <a:schemeClr val="bg1"/>
+                      </a:solidFill>
+                      <a:latin typeface="+mj-lt"/>
+                    </a:endParaRPr>
+                  </a:p>
+                </p:txBody>
+              </p:sp>
+              <p:cxnSp>
+                <p:nvCxnSpPr>
+                  <p:cNvPr id="194" name="Straight Connector 193">
+                    <a:extLst>
+                      <a:ext uri="{FF2B5EF4-FFF2-40B4-BE49-F238E27FC236}">
+                        <a16:creationId xmlns:a16="http://schemas.microsoft.com/office/drawing/2014/main" id="{700410FE-E8FE-4E76-8672-BB2C98487EC9}"/>
+                      </a:ext>
+                    </a:extLst>
+                  </p:cNvPr>
+                  <p:cNvCxnSpPr>
+                    <a:cxnSpLocks/>
+                  </p:cNvCxnSpPr>
+                  <p:nvPr/>
+                </p:nvCxnSpPr>
+                <p:spPr>
+                  <a:xfrm flipV="1">
+                    <a:off x="215774" y="187074"/>
+                    <a:ext cx="259184" cy="378284"/>
+                  </a:xfrm>
+                  <a:prstGeom prst="line">
+                    <a:avLst/>
+                  </a:prstGeom>
+                  <a:ln w="6350"/>
+                </p:spPr>
+                <p:style>
+                  <a:lnRef idx="1">
+                    <a:schemeClr val="dk1"/>
+                  </a:lnRef>
+                  <a:fillRef idx="0">
+                    <a:schemeClr val="dk1"/>
+                  </a:fillRef>
+                  <a:effectRef idx="0">
+                    <a:schemeClr val="dk1"/>
+                  </a:effectRef>
+                  <a:fontRef idx="minor">
+                    <a:schemeClr val="tx1"/>
+                  </a:fontRef>
+                </p:style>
+              </p:cxnSp>
+            </p:grpSp>
+          </p:grpSp>
           <p:sp>
             <p:nvSpPr>
-              <p:cNvPr id="53" name="TextBox 52">
+              <p:cNvPr id="250" name="TextBox 249">
                 <a:extLst>
                   <a:ext uri="{FF2B5EF4-FFF2-40B4-BE49-F238E27FC236}">
-                    <a16:creationId xmlns:a16="http://schemas.microsoft.com/office/drawing/2014/main" id="{D008BE9B-B835-4D5B-A165-139C381440A5}"/>
+                    <a16:creationId xmlns:a16="http://schemas.microsoft.com/office/drawing/2014/main" id="{293F9FC5-F1B5-4398-87E7-AE581D1CEF8F}"/>
                   </a:ext>
                 </a:extLst>
               </p:cNvPr>
@@ -3449,20 +5163,18 @@
             </p:nvSpPr>
             <p:spPr>
               <a:xfrm>
-                <a:off x="377498" y="710424"/>
-                <a:ext cx="696791" cy="153888"/>
+                <a:off x="3945800" y="190170"/>
+                <a:ext cx="1530445" cy="123111"/>
               </a:xfrm>
               <a:prstGeom prst="rect">
                 <a:avLst/>
               </a:prstGeom>
               <a:solidFill>
-                <a:srgbClr val="C00000"/>
+                <a:schemeClr val="accent2"/>
               </a:solidFill>
-              <a:ln w="6350">
+              <a:ln w="3175">
                 <a:solidFill>
-                  <a:schemeClr val="bg1">
-                    <a:lumMod val="85000"/>
-                  </a:schemeClr>
+                  <a:schemeClr val="accent2"/>
                 </a:solidFill>
               </a:ln>
             </p:spPr>
@@ -3474,157 +5186,30 @@
               <a:p>
                 <a:pPr algn="ctr"/>
                 <a:r>
-                  <a:rPr lang="de-CH" sz="1000" dirty="0">
+                  <a:rPr lang="de-CH" sz="800" dirty="0">
                     <a:solidFill>
                       <a:schemeClr val="bg1"/>
                     </a:solidFill>
+                    <a:latin typeface="+mj-lt"/>
                   </a:rPr>
-                  <a:t>11.05.2017</a:t>
+                  <a:t>Sequence of length 60 with offset 1</a:t>
                 </a:r>
-                <a:endParaRPr lang="LID4096" sz="1000" dirty="0">
+                <a:endParaRPr lang="LID4096" sz="800" dirty="0">
                   <a:solidFill>
                     <a:schemeClr val="bg1"/>
                   </a:solidFill>
+                  <a:latin typeface="+mj-lt"/>
                 </a:endParaRPr>
               </a:p>
             </p:txBody>
           </p:sp>
         </p:grpSp>
-        <p:sp>
-          <p:nvSpPr>
-            <p:cNvPr id="50" name="Rectangle 49">
+        <p:grpSp>
+          <p:nvGrpSpPr>
+            <p:cNvPr id="252" name="Group 251">
               <a:extLst>
                 <a:ext uri="{FF2B5EF4-FFF2-40B4-BE49-F238E27FC236}">
-                  <a16:creationId xmlns:a16="http://schemas.microsoft.com/office/drawing/2014/main" id="{C07A0F29-0299-4502-BE52-11E2A6BA5E50}"/>
-                </a:ext>
-              </a:extLst>
-            </p:cNvPr>
-            <p:cNvSpPr/>
-            <p:nvPr/>
-          </p:nvSpPr>
-          <p:spPr>
-            <a:xfrm>
-              <a:off x="1647878" y="4407449"/>
-              <a:ext cx="2586632" cy="1389259"/>
-            </a:xfrm>
-            <a:prstGeom prst="rect">
-              <a:avLst/>
-            </a:prstGeom>
-            <a:solidFill>
-              <a:srgbClr val="F2F2F2">
-                <a:alpha val="63922"/>
-              </a:srgbClr>
-            </a:solidFill>
-            <a:ln w="6350">
-              <a:noFill/>
-            </a:ln>
-          </p:spPr>
-          <p:style>
-            <a:lnRef idx="2">
-              <a:schemeClr val="accent1">
-                <a:shade val="50000"/>
-              </a:schemeClr>
-            </a:lnRef>
-            <a:fillRef idx="1">
-              <a:schemeClr val="accent1"/>
-            </a:fillRef>
-            <a:effectRef idx="0">
-              <a:schemeClr val="accent1"/>
-            </a:effectRef>
-            <a:fontRef idx="minor">
-              <a:schemeClr val="lt1"/>
-            </a:fontRef>
-          </p:style>
-          <p:txBody>
-            <a:bodyPr rtlCol="0" anchor="ctr"/>
-            <a:lstStyle/>
-            <a:p>
-              <a:pPr algn="ctr"/>
-              <a:endParaRPr lang="LID4096" dirty="0"/>
-            </a:p>
-          </p:txBody>
-        </p:sp>
-        <p:sp>
-          <p:nvSpPr>
-            <p:cNvPr id="51" name="Rectangle 50">
-              <a:extLst>
-                <a:ext uri="{FF2B5EF4-FFF2-40B4-BE49-F238E27FC236}">
-                  <a16:creationId xmlns:a16="http://schemas.microsoft.com/office/drawing/2014/main" id="{EE9D1FC7-7172-4D85-A08D-D6F12C587DF9}"/>
-                </a:ext>
-              </a:extLst>
-            </p:cNvPr>
-            <p:cNvSpPr/>
-            <p:nvPr/>
-          </p:nvSpPr>
-          <p:spPr>
-            <a:xfrm>
-              <a:off x="1644703" y="4250566"/>
-              <a:ext cx="696791" cy="153888"/>
-            </a:xfrm>
-            <a:prstGeom prst="rect">
-              <a:avLst/>
-            </a:prstGeom>
-            <a:solidFill>
-              <a:srgbClr val="F2F2F2">
-                <a:alpha val="63922"/>
-              </a:srgbClr>
-            </a:solidFill>
-            <a:ln w="6350">
-              <a:noFill/>
-            </a:ln>
-          </p:spPr>
-          <p:style>
-            <a:lnRef idx="2">
-              <a:schemeClr val="accent1">
-                <a:shade val="50000"/>
-              </a:schemeClr>
-            </a:lnRef>
-            <a:fillRef idx="1">
-              <a:schemeClr val="accent1"/>
-            </a:fillRef>
-            <a:effectRef idx="0">
-              <a:schemeClr val="accent1"/>
-            </a:effectRef>
-            <a:fontRef idx="minor">
-              <a:schemeClr val="lt1"/>
-            </a:fontRef>
-          </p:style>
-          <p:txBody>
-            <a:bodyPr rtlCol="0" anchor="ctr"/>
-            <a:lstStyle/>
-            <a:p>
-              <a:pPr algn="ctr"/>
-              <a:endParaRPr lang="LID4096" dirty="0"/>
-            </a:p>
-          </p:txBody>
-        </p:sp>
-      </p:grpSp>
-      <p:grpSp>
-        <p:nvGrpSpPr>
-          <p:cNvPr id="42" name="Group 41">
-            <a:extLst>
-              <a:ext uri="{FF2B5EF4-FFF2-40B4-BE49-F238E27FC236}">
-                <a16:creationId xmlns:a16="http://schemas.microsoft.com/office/drawing/2014/main" id="{D10D2319-0EC7-4FEF-B3C5-90C620A7D7DB}"/>
-              </a:ext>
-            </a:extLst>
-          </p:cNvPr>
-          <p:cNvGrpSpPr/>
-          <p:nvPr/>
-        </p:nvGrpSpPr>
-        <p:grpSpPr>
-          <a:xfrm>
-            <a:off x="876000" y="729000"/>
-            <a:ext cx="2592982" cy="1546142"/>
-            <a:chOff x="1644703" y="4250566"/>
-            <a:chExt cx="2592982" cy="1546142"/>
-          </a:xfrm>
-        </p:grpSpPr>
-        <p:grpSp>
-          <p:nvGrpSpPr>
-            <p:cNvPr id="43" name="Group 42">
-              <a:extLst>
-                <a:ext uri="{FF2B5EF4-FFF2-40B4-BE49-F238E27FC236}">
-                  <a16:creationId xmlns:a16="http://schemas.microsoft.com/office/drawing/2014/main" id="{CB963E29-5297-47DC-A6E4-62AA3E1386C5}"/>
+                  <a16:creationId xmlns:a16="http://schemas.microsoft.com/office/drawing/2014/main" id="{5B2B3F0B-E4FB-4FA6-AA43-9C4F55EEF701}"/>
                 </a:ext>
               </a:extLst>
             </p:cNvPr>
@@ -3633,54 +5218,1666 @@
           </p:nvGrpSpPr>
           <p:grpSpPr>
             <a:xfrm>
-              <a:off x="1647878" y="4250566"/>
-              <a:ext cx="2589807" cy="1546142"/>
-              <a:chOff x="377498" y="710424"/>
-              <a:chExt cx="2589807" cy="1546142"/>
+              <a:off x="283629" y="1526171"/>
+              <a:ext cx="5206931" cy="1263221"/>
+              <a:chOff x="2001000" y="190170"/>
+              <a:chExt cx="5206931" cy="1263221"/>
             </a:xfrm>
           </p:grpSpPr>
-          <p:pic>
-            <p:nvPicPr>
-              <p:cNvPr id="46" name="Picture 45">
+          <p:grpSp>
+            <p:nvGrpSpPr>
+              <p:cNvPr id="253" name="Group 252">
                 <a:extLst>
                   <a:ext uri="{FF2B5EF4-FFF2-40B4-BE49-F238E27FC236}">
-                    <a16:creationId xmlns:a16="http://schemas.microsoft.com/office/drawing/2014/main" id="{6C60275C-96AB-40BA-B425-2F0DAA8ED12C}"/>
+                    <a16:creationId xmlns:a16="http://schemas.microsoft.com/office/drawing/2014/main" id="{8D4211D9-EEB2-453F-BD53-C7F5839A4A8B}"/>
                   </a:ext>
                 </a:extLst>
               </p:cNvPr>
-              <p:cNvPicPr>
-                <a:picLocks noChangeAspect="1"/>
-              </p:cNvPicPr>
+              <p:cNvGrpSpPr/>
               <p:nvPr/>
-            </p:nvPicPr>
-            <p:blipFill rotWithShape="1">
-              <a:blip r:embed="rId2"/>
-              <a:srcRect l="1976" t="2981" r="2028" b="4155"/>
-              <a:stretch/>
-            </p:blipFill>
-            <p:spPr>
+            </p:nvGrpSpPr>
+            <p:grpSpPr>
               <a:xfrm>
-                <a:off x="380673" y="867307"/>
-                <a:ext cx="2586632" cy="1389259"/>
+                <a:off x="2001000" y="333640"/>
+                <a:ext cx="5206931" cy="1119751"/>
+                <a:chOff x="229242" y="1402883"/>
+                <a:chExt cx="5206931" cy="1119751"/>
               </a:xfrm>
-              <a:prstGeom prst="rect">
-                <a:avLst/>
-              </a:prstGeom>
-              <a:ln w="6350">
-                <a:solidFill>
-                  <a:schemeClr val="bg1">
-                    <a:lumMod val="85000"/>
+            </p:grpSpPr>
+            <p:sp>
+              <p:nvSpPr>
+                <p:cNvPr id="255" name="Rectangle 254">
+                  <a:extLst>
+                    <a:ext uri="{FF2B5EF4-FFF2-40B4-BE49-F238E27FC236}">
+                      <a16:creationId xmlns:a16="http://schemas.microsoft.com/office/drawing/2014/main" id="{A6E6F91D-BC7A-4D49-84E6-A4F34EB9682E}"/>
+                    </a:ext>
+                  </a:extLst>
+                </p:cNvPr>
+                <p:cNvSpPr/>
+                <p:nvPr/>
+              </p:nvSpPr>
+              <p:spPr>
+                <a:xfrm>
+                  <a:off x="229242" y="1402883"/>
+                  <a:ext cx="5206931" cy="1119751"/>
+                </a:xfrm>
+                <a:prstGeom prst="rect">
+                  <a:avLst/>
+                </a:prstGeom>
+                <a:noFill/>
+                <a:ln w="28575">
+                  <a:solidFill>
+                    <a:schemeClr val="accent2"/>
+                  </a:solidFill>
+                </a:ln>
+              </p:spPr>
+              <p:style>
+                <a:lnRef idx="2">
+                  <a:schemeClr val="accent1">
+                    <a:shade val="50000"/>
                   </a:schemeClr>
-                </a:solidFill>
-              </a:ln>
-            </p:spPr>
-          </p:pic>
+                </a:lnRef>
+                <a:fillRef idx="1">
+                  <a:schemeClr val="accent1"/>
+                </a:fillRef>
+                <a:effectRef idx="0">
+                  <a:schemeClr val="accent1"/>
+                </a:effectRef>
+                <a:fontRef idx="minor">
+                  <a:schemeClr val="lt1"/>
+                </a:fontRef>
+              </p:style>
+              <p:txBody>
+                <a:bodyPr rtlCol="0" anchor="ctr"/>
+                <a:lstStyle/>
+                <a:p>
+                  <a:pPr algn="ctr"/>
+                  <a:endParaRPr lang="LID4096"/>
+                </a:p>
+              </p:txBody>
+            </p:sp>
+            <p:grpSp>
+              <p:nvGrpSpPr>
+                <p:cNvPr id="256" name="Group 255">
+                  <a:extLst>
+                    <a:ext uri="{FF2B5EF4-FFF2-40B4-BE49-F238E27FC236}">
+                      <a16:creationId xmlns:a16="http://schemas.microsoft.com/office/drawing/2014/main" id="{64973A36-E76C-412D-9587-565A0830483F}"/>
+                    </a:ext>
+                  </a:extLst>
+                </p:cNvPr>
+                <p:cNvGrpSpPr/>
+                <p:nvPr/>
+              </p:nvGrpSpPr>
+              <p:grpSpPr>
+                <a:xfrm>
+                  <a:off x="274401" y="1443600"/>
+                  <a:ext cx="1673518" cy="1037171"/>
+                  <a:chOff x="215774" y="187074"/>
+                  <a:chExt cx="2857606" cy="1771015"/>
+                </a:xfrm>
+              </p:grpSpPr>
+              <p:grpSp>
+                <p:nvGrpSpPr>
+                  <p:cNvPr id="285" name="Group 284">
+                    <a:extLst>
+                      <a:ext uri="{FF2B5EF4-FFF2-40B4-BE49-F238E27FC236}">
+                        <a16:creationId xmlns:a16="http://schemas.microsoft.com/office/drawing/2014/main" id="{BEC69479-61D7-48B1-A2CD-B7C0F4B5087B}"/>
+                      </a:ext>
+                    </a:extLst>
+                  </p:cNvPr>
+                  <p:cNvGrpSpPr/>
+                  <p:nvPr/>
+                </p:nvGrpSpPr>
+                <p:grpSpPr>
+                  <a:xfrm>
+                    <a:off x="471000" y="189000"/>
+                    <a:ext cx="2590590" cy="1393217"/>
+                    <a:chOff x="5237042" y="3580335"/>
+                    <a:chExt cx="2590590" cy="1393217"/>
+                  </a:xfrm>
+                </p:grpSpPr>
+                <p:pic>
+                  <p:nvPicPr>
+                    <p:cNvPr id="296" name="Picture 295">
+                      <a:extLst>
+                        <a:ext uri="{FF2B5EF4-FFF2-40B4-BE49-F238E27FC236}">
+                          <a16:creationId xmlns:a16="http://schemas.microsoft.com/office/drawing/2014/main" id="{84291E57-65A7-41D9-8393-825C11D7E2DD}"/>
+                        </a:ext>
+                      </a:extLst>
+                    </p:cNvPr>
+                    <p:cNvPicPr>
+                      <a:picLocks noChangeAspect="1"/>
+                    </p:cNvPicPr>
+                    <p:nvPr/>
+                  </p:nvPicPr>
+                  <p:blipFill rotWithShape="1">
+                    <a:blip r:embed="rId2"/>
+                    <a:srcRect l="1976" t="2981" r="2028" b="4155"/>
+                    <a:stretch/>
+                  </p:blipFill>
+                  <p:spPr>
+                    <a:xfrm>
+                      <a:off x="5241000" y="3584293"/>
+                      <a:ext cx="2586632" cy="1389259"/>
+                    </a:xfrm>
+                    <a:prstGeom prst="rect">
+                      <a:avLst/>
+                    </a:prstGeom>
+                    <a:ln w="6350">
+                      <a:solidFill>
+                        <a:schemeClr val="tx1"/>
+                      </a:solidFill>
+                    </a:ln>
+                  </p:spPr>
+                </p:pic>
+                <p:sp>
+                  <p:nvSpPr>
+                    <p:cNvPr id="297" name="TextBox 296">
+                      <a:extLst>
+                        <a:ext uri="{FF2B5EF4-FFF2-40B4-BE49-F238E27FC236}">
+                          <a16:creationId xmlns:a16="http://schemas.microsoft.com/office/drawing/2014/main" id="{C038B34D-3E4F-4E8F-81C0-329DF9838E09}"/>
+                        </a:ext>
+                      </a:extLst>
+                    </p:cNvPr>
+                    <p:cNvSpPr txBox="1"/>
+                    <p:nvPr/>
+                  </p:nvSpPr>
+                  <p:spPr>
+                    <a:xfrm>
+                      <a:off x="5237042" y="3580335"/>
+                      <a:ext cx="1440882" cy="210217"/>
+                    </a:xfrm>
+                    <a:prstGeom prst="rect">
+                      <a:avLst/>
+                    </a:prstGeom>
+                    <a:solidFill>
+                      <a:srgbClr val="C00000">
+                        <a:alpha val="89804"/>
+                      </a:srgbClr>
+                    </a:solidFill>
+                    <a:ln w="3175">
+                      <a:solidFill>
+                        <a:schemeClr val="tx1"/>
+                      </a:solidFill>
+                    </a:ln>
+                  </p:spPr>
+                  <p:txBody>
+                    <a:bodyPr wrap="square" lIns="36000" tIns="0" rIns="36000" bIns="0" rtlCol="0">
+                      <a:spAutoFit/>
+                    </a:bodyPr>
+                    <a:lstStyle/>
+                    <a:p>
+                      <a:pPr algn="ctr"/>
+                      <a:r>
+                        <a:rPr lang="de-CH" sz="800" dirty="0">
+                          <a:solidFill>
+                            <a:schemeClr val="bg1"/>
+                          </a:solidFill>
+                          <a:latin typeface="+mj-lt"/>
+                        </a:rPr>
+                        <a:t>...</a:t>
+                      </a:r>
+                      <a:endParaRPr lang="LID4096" sz="800" dirty="0">
+                        <a:solidFill>
+                          <a:schemeClr val="bg1"/>
+                        </a:solidFill>
+                        <a:latin typeface="+mj-lt"/>
+                      </a:endParaRPr>
+                    </a:p>
+                  </p:txBody>
+                </p:sp>
+              </p:grpSp>
+              <p:grpSp>
+                <p:nvGrpSpPr>
+                  <p:cNvPr id="286" name="Group 285">
+                    <a:extLst>
+                      <a:ext uri="{FF2B5EF4-FFF2-40B4-BE49-F238E27FC236}">
+                        <a16:creationId xmlns:a16="http://schemas.microsoft.com/office/drawing/2014/main" id="{5A3EAA55-FA14-47CB-A34E-B1E145F243BE}"/>
+                      </a:ext>
+                    </a:extLst>
+                  </p:cNvPr>
+                  <p:cNvGrpSpPr/>
+                  <p:nvPr/>
+                </p:nvGrpSpPr>
+                <p:grpSpPr>
+                  <a:xfrm>
+                    <a:off x="354434" y="375028"/>
+                    <a:ext cx="2590592" cy="1393217"/>
+                    <a:chOff x="5237040" y="3580335"/>
+                    <a:chExt cx="2590592" cy="1393217"/>
+                  </a:xfrm>
+                </p:grpSpPr>
+                <p:pic>
+                  <p:nvPicPr>
+                    <p:cNvPr id="294" name="Picture 293">
+                      <a:extLst>
+                        <a:ext uri="{FF2B5EF4-FFF2-40B4-BE49-F238E27FC236}">
+                          <a16:creationId xmlns:a16="http://schemas.microsoft.com/office/drawing/2014/main" id="{523608A8-BDE9-4661-920C-2C992FFC82EE}"/>
+                        </a:ext>
+                      </a:extLst>
+                    </p:cNvPr>
+                    <p:cNvPicPr>
+                      <a:picLocks noChangeAspect="1"/>
+                    </p:cNvPicPr>
+                    <p:nvPr/>
+                  </p:nvPicPr>
+                  <p:blipFill rotWithShape="1">
+                    <a:blip r:embed="rId2"/>
+                    <a:srcRect l="1976" t="2981" r="2028" b="4155"/>
+                    <a:stretch/>
+                  </p:blipFill>
+                  <p:spPr>
+                    <a:xfrm>
+                      <a:off x="5241000" y="3584293"/>
+                      <a:ext cx="2586632" cy="1389259"/>
+                    </a:xfrm>
+                    <a:prstGeom prst="rect">
+                      <a:avLst/>
+                    </a:prstGeom>
+                    <a:ln w="6350">
+                      <a:solidFill>
+                        <a:schemeClr val="tx1"/>
+                      </a:solidFill>
+                    </a:ln>
+                  </p:spPr>
+                </p:pic>
+                <p:sp>
+                  <p:nvSpPr>
+                    <p:cNvPr id="295" name="TextBox 294">
+                      <a:extLst>
+                        <a:ext uri="{FF2B5EF4-FFF2-40B4-BE49-F238E27FC236}">
+                          <a16:creationId xmlns:a16="http://schemas.microsoft.com/office/drawing/2014/main" id="{A898D838-29A9-46CB-884E-5922043D8381}"/>
+                        </a:ext>
+                      </a:extLst>
+                    </p:cNvPr>
+                    <p:cNvSpPr txBox="1"/>
+                    <p:nvPr/>
+                  </p:nvSpPr>
+                  <p:spPr>
+                    <a:xfrm>
+                      <a:off x="5237040" y="3580335"/>
+                      <a:ext cx="1480610" cy="210217"/>
+                    </a:xfrm>
+                    <a:prstGeom prst="rect">
+                      <a:avLst/>
+                    </a:prstGeom>
+                    <a:solidFill>
+                      <a:srgbClr val="C00000">
+                        <a:alpha val="89804"/>
+                      </a:srgbClr>
+                    </a:solidFill>
+                    <a:ln w="3175">
+                      <a:solidFill>
+                        <a:schemeClr val="tx1"/>
+                      </a:solidFill>
+                    </a:ln>
+                  </p:spPr>
+                  <p:txBody>
+                    <a:bodyPr wrap="square" lIns="36000" tIns="0" rIns="36000" bIns="0" rtlCol="0">
+                      <a:spAutoFit/>
+                    </a:bodyPr>
+                    <a:lstStyle/>
+                    <a:p>
+                      <a:pPr algn="ctr"/>
+                      <a:r>
+                        <a:rPr lang="de-CH" sz="800" dirty="0">
+                          <a:solidFill>
+                            <a:schemeClr val="bg1"/>
+                          </a:solidFill>
+                          <a:latin typeface="+mj-lt"/>
+                        </a:rPr>
+                        <a:t>Relative Humidity</a:t>
+                      </a:r>
+                      <a:endParaRPr lang="LID4096" sz="800" dirty="0">
+                        <a:solidFill>
+                          <a:schemeClr val="bg1"/>
+                        </a:solidFill>
+                        <a:latin typeface="+mj-lt"/>
+                      </a:endParaRPr>
+                    </a:p>
+                  </p:txBody>
+                </p:sp>
+              </p:grpSp>
+              <p:grpSp>
+                <p:nvGrpSpPr>
+                  <p:cNvPr id="287" name="Group 286">
+                    <a:extLst>
+                      <a:ext uri="{FF2B5EF4-FFF2-40B4-BE49-F238E27FC236}">
+                        <a16:creationId xmlns:a16="http://schemas.microsoft.com/office/drawing/2014/main" id="{9ABF125F-14A8-41C6-BB24-2D0AEAF3D9D9}"/>
+                      </a:ext>
+                    </a:extLst>
+                  </p:cNvPr>
+                  <p:cNvGrpSpPr/>
+                  <p:nvPr/>
+                </p:nvGrpSpPr>
+                <p:grpSpPr>
+                  <a:xfrm>
+                    <a:off x="219436" y="561057"/>
+                    <a:ext cx="2590590" cy="1393217"/>
+                    <a:chOff x="5237042" y="3580335"/>
+                    <a:chExt cx="2590590" cy="1393217"/>
+                  </a:xfrm>
+                </p:grpSpPr>
+                <p:pic>
+                  <p:nvPicPr>
+                    <p:cNvPr id="292" name="Picture 291">
+                      <a:extLst>
+                        <a:ext uri="{FF2B5EF4-FFF2-40B4-BE49-F238E27FC236}">
+                          <a16:creationId xmlns:a16="http://schemas.microsoft.com/office/drawing/2014/main" id="{BD41C809-C90D-472A-9798-6CC0C3455737}"/>
+                        </a:ext>
+                      </a:extLst>
+                    </p:cNvPr>
+                    <p:cNvPicPr>
+                      <a:picLocks noChangeAspect="1"/>
+                    </p:cNvPicPr>
+                    <p:nvPr/>
+                  </p:nvPicPr>
+                  <p:blipFill rotWithShape="1">
+                    <a:blip r:embed="rId2"/>
+                    <a:srcRect l="1976" t="2981" r="2028" b="4155"/>
+                    <a:stretch/>
+                  </p:blipFill>
+                  <p:spPr>
+                    <a:xfrm>
+                      <a:off x="5241000" y="3584293"/>
+                      <a:ext cx="2586632" cy="1389259"/>
+                    </a:xfrm>
+                    <a:prstGeom prst="rect">
+                      <a:avLst/>
+                    </a:prstGeom>
+                    <a:ln w="6350">
+                      <a:solidFill>
+                        <a:schemeClr val="tx1"/>
+                      </a:solidFill>
+                    </a:ln>
+                  </p:spPr>
+                </p:pic>
+                <p:sp>
+                  <p:nvSpPr>
+                    <p:cNvPr id="293" name="TextBox 292">
+                      <a:extLst>
+                        <a:ext uri="{FF2B5EF4-FFF2-40B4-BE49-F238E27FC236}">
+                          <a16:creationId xmlns:a16="http://schemas.microsoft.com/office/drawing/2014/main" id="{681454AC-FB8C-4724-BEED-8DFDBFDC19F1}"/>
+                        </a:ext>
+                      </a:extLst>
+                    </p:cNvPr>
+                    <p:cNvSpPr txBox="1"/>
+                    <p:nvPr/>
+                  </p:nvSpPr>
+                  <p:spPr>
+                    <a:xfrm>
+                      <a:off x="5237042" y="3580335"/>
+                      <a:ext cx="1538767" cy="210217"/>
+                    </a:xfrm>
+                    <a:prstGeom prst="rect">
+                      <a:avLst/>
+                    </a:prstGeom>
+                    <a:solidFill>
+                      <a:srgbClr val="C00000">
+                        <a:alpha val="89804"/>
+                      </a:srgbClr>
+                    </a:solidFill>
+                    <a:ln w="3175">
+                      <a:solidFill>
+                        <a:schemeClr val="tx1"/>
+                      </a:solidFill>
+                    </a:ln>
+                  </p:spPr>
+                  <p:txBody>
+                    <a:bodyPr wrap="square" lIns="36000" tIns="0" rIns="36000" bIns="0" rtlCol="0">
+                      <a:spAutoFit/>
+                    </a:bodyPr>
+                    <a:lstStyle/>
+                    <a:p>
+                      <a:pPr algn="ctr"/>
+                      <a:r>
+                        <a:rPr lang="de-CH" sz="800" dirty="0">
+                          <a:solidFill>
+                            <a:schemeClr val="bg1"/>
+                          </a:solidFill>
+                          <a:latin typeface="+mj-lt"/>
+                        </a:rPr>
+                        <a:t>Temperature</a:t>
+                      </a:r>
+                      <a:endParaRPr lang="LID4096" sz="800" dirty="0">
+                        <a:solidFill>
+                          <a:schemeClr val="bg1"/>
+                        </a:solidFill>
+                        <a:latin typeface="+mj-lt"/>
+                      </a:endParaRPr>
+                    </a:p>
+                  </p:txBody>
+                </p:sp>
+              </p:grpSp>
+              <p:cxnSp>
+                <p:nvCxnSpPr>
+                  <p:cNvPr id="288" name="Straight Connector 287">
+                    <a:extLst>
+                      <a:ext uri="{FF2B5EF4-FFF2-40B4-BE49-F238E27FC236}">
+                        <a16:creationId xmlns:a16="http://schemas.microsoft.com/office/drawing/2014/main" id="{C83D4445-7F5F-47B9-A76B-3C57E68F8712}"/>
+                      </a:ext>
+                    </a:extLst>
+                  </p:cNvPr>
+                  <p:cNvCxnSpPr>
+                    <a:cxnSpLocks/>
+                  </p:cNvCxnSpPr>
+                  <p:nvPr/>
+                </p:nvCxnSpPr>
+                <p:spPr>
+                  <a:xfrm flipV="1">
+                    <a:off x="2821816" y="1586032"/>
+                    <a:ext cx="251564" cy="372057"/>
+                  </a:xfrm>
+                  <a:prstGeom prst="line">
+                    <a:avLst/>
+                  </a:prstGeom>
+                  <a:ln w="6350"/>
+                </p:spPr>
+                <p:style>
+                  <a:lnRef idx="1">
+                    <a:schemeClr val="dk1"/>
+                  </a:lnRef>
+                  <a:fillRef idx="0">
+                    <a:schemeClr val="dk1"/>
+                  </a:fillRef>
+                  <a:effectRef idx="0">
+                    <a:schemeClr val="dk1"/>
+                  </a:effectRef>
+                  <a:fontRef idx="minor">
+                    <a:schemeClr val="tx1"/>
+                  </a:fontRef>
+                </p:style>
+              </p:cxnSp>
+              <p:cxnSp>
+                <p:nvCxnSpPr>
+                  <p:cNvPr id="289" name="Straight Connector 288">
+                    <a:extLst>
+                      <a:ext uri="{FF2B5EF4-FFF2-40B4-BE49-F238E27FC236}">
+                        <a16:creationId xmlns:a16="http://schemas.microsoft.com/office/drawing/2014/main" id="{4552524C-8EAA-47E5-9F52-BB0357AD35D8}"/>
+                      </a:ext>
+                    </a:extLst>
+                  </p:cNvPr>
+                  <p:cNvCxnSpPr>
+                    <a:cxnSpLocks/>
+                  </p:cNvCxnSpPr>
+                  <p:nvPr/>
+                </p:nvCxnSpPr>
+                <p:spPr>
+                  <a:xfrm flipV="1">
+                    <a:off x="2802406" y="192957"/>
+                    <a:ext cx="259184" cy="378284"/>
+                  </a:xfrm>
+                  <a:prstGeom prst="line">
+                    <a:avLst/>
+                  </a:prstGeom>
+                  <a:ln w="6350"/>
+                </p:spPr>
+                <p:style>
+                  <a:lnRef idx="1">
+                    <a:schemeClr val="dk1"/>
+                  </a:lnRef>
+                  <a:fillRef idx="0">
+                    <a:schemeClr val="dk1"/>
+                  </a:fillRef>
+                  <a:effectRef idx="0">
+                    <a:schemeClr val="dk1"/>
+                  </a:effectRef>
+                  <a:fontRef idx="minor">
+                    <a:schemeClr val="tx1"/>
+                  </a:fontRef>
+                </p:style>
+              </p:cxnSp>
+              <p:sp>
+                <p:nvSpPr>
+                  <p:cNvPr id="290" name="TextBox 289">
+                    <a:extLst>
+                      <a:ext uri="{FF2B5EF4-FFF2-40B4-BE49-F238E27FC236}">
+                        <a16:creationId xmlns:a16="http://schemas.microsoft.com/office/drawing/2014/main" id="{0954F14A-9169-4FC3-82F4-D8B7804601F5}"/>
+                      </a:ext>
+                    </a:extLst>
+                  </p:cNvPr>
+                  <p:cNvSpPr txBox="1"/>
+                  <p:nvPr/>
+                </p:nvSpPr>
+                <p:spPr>
+                  <a:xfrm>
+                    <a:off x="959380" y="1708053"/>
+                    <a:ext cx="1113677" cy="210217"/>
+                  </a:xfrm>
+                  <a:prstGeom prst="rect">
+                    <a:avLst/>
+                  </a:prstGeom>
+                  <a:solidFill>
+                    <a:srgbClr val="C00000"/>
+                  </a:solidFill>
+                  <a:ln w="3175">
+                    <a:solidFill>
+                      <a:schemeClr val="tx1"/>
+                    </a:solidFill>
+                  </a:ln>
+                </p:spPr>
+                <p:txBody>
+                  <a:bodyPr wrap="square" lIns="36000" tIns="0" rIns="36000" bIns="0" rtlCol="0">
+                    <a:spAutoFit/>
+                  </a:bodyPr>
+                  <a:lstStyle/>
+                  <a:p>
+                    <a:pPr algn="ctr"/>
+                    <a:r>
+                      <a:rPr lang="de-CH" sz="800" dirty="0">
+                        <a:solidFill>
+                          <a:schemeClr val="bg1"/>
+                        </a:solidFill>
+                        <a:latin typeface="+mj-lt"/>
+                      </a:rPr>
+                      <a:t>t - 61</a:t>
+                    </a:r>
+                    <a:endParaRPr lang="LID4096" sz="800" dirty="0">
+                      <a:solidFill>
+                        <a:schemeClr val="bg1"/>
+                      </a:solidFill>
+                      <a:latin typeface="+mj-lt"/>
+                    </a:endParaRPr>
+                  </a:p>
+                </p:txBody>
+              </p:sp>
+              <p:cxnSp>
+                <p:nvCxnSpPr>
+                  <p:cNvPr id="291" name="Straight Connector 290">
+                    <a:extLst>
+                      <a:ext uri="{FF2B5EF4-FFF2-40B4-BE49-F238E27FC236}">
+                        <a16:creationId xmlns:a16="http://schemas.microsoft.com/office/drawing/2014/main" id="{30FA95E8-23E0-44B4-94BB-CC671187853F}"/>
+                      </a:ext>
+                    </a:extLst>
+                  </p:cNvPr>
+                  <p:cNvCxnSpPr>
+                    <a:cxnSpLocks/>
+                  </p:cNvCxnSpPr>
+                  <p:nvPr/>
+                </p:nvCxnSpPr>
+                <p:spPr>
+                  <a:xfrm flipV="1">
+                    <a:off x="215774" y="187074"/>
+                    <a:ext cx="259184" cy="378284"/>
+                  </a:xfrm>
+                  <a:prstGeom prst="line">
+                    <a:avLst/>
+                  </a:prstGeom>
+                  <a:ln w="6350"/>
+                </p:spPr>
+                <p:style>
+                  <a:lnRef idx="1">
+                    <a:schemeClr val="dk1"/>
+                  </a:lnRef>
+                  <a:fillRef idx="0">
+                    <a:schemeClr val="dk1"/>
+                  </a:fillRef>
+                  <a:effectRef idx="0">
+                    <a:schemeClr val="dk1"/>
+                  </a:effectRef>
+                  <a:fontRef idx="minor">
+                    <a:schemeClr val="tx1"/>
+                  </a:fontRef>
+                </p:style>
+              </p:cxnSp>
+            </p:grpSp>
+            <p:grpSp>
+              <p:nvGrpSpPr>
+                <p:cNvPr id="257" name="Group 256">
+                  <a:extLst>
+                    <a:ext uri="{FF2B5EF4-FFF2-40B4-BE49-F238E27FC236}">
+                      <a16:creationId xmlns:a16="http://schemas.microsoft.com/office/drawing/2014/main" id="{52DBAEDE-5224-4A54-8FC2-88C374D7C6E5}"/>
+                    </a:ext>
+                  </a:extLst>
+                </p:cNvPr>
+                <p:cNvGrpSpPr/>
+                <p:nvPr/>
+              </p:nvGrpSpPr>
+              <p:grpSpPr>
+                <a:xfrm>
+                  <a:off x="1990962" y="1448068"/>
+                  <a:ext cx="1673518" cy="1037171"/>
+                  <a:chOff x="215774" y="187074"/>
+                  <a:chExt cx="2857606" cy="1771015"/>
+                </a:xfrm>
+              </p:grpSpPr>
+              <p:grpSp>
+                <p:nvGrpSpPr>
+                  <p:cNvPr id="272" name="Group 271">
+                    <a:extLst>
+                      <a:ext uri="{FF2B5EF4-FFF2-40B4-BE49-F238E27FC236}">
+                        <a16:creationId xmlns:a16="http://schemas.microsoft.com/office/drawing/2014/main" id="{72653AFB-823C-42E5-9E16-6636BA4C01AC}"/>
+                      </a:ext>
+                    </a:extLst>
+                  </p:cNvPr>
+                  <p:cNvGrpSpPr/>
+                  <p:nvPr/>
+                </p:nvGrpSpPr>
+                <p:grpSpPr>
+                  <a:xfrm>
+                    <a:off x="471000" y="189000"/>
+                    <a:ext cx="2590590" cy="1393217"/>
+                    <a:chOff x="5237042" y="3580335"/>
+                    <a:chExt cx="2590590" cy="1393217"/>
+                  </a:xfrm>
+                </p:grpSpPr>
+                <p:pic>
+                  <p:nvPicPr>
+                    <p:cNvPr id="283" name="Picture 282">
+                      <a:extLst>
+                        <a:ext uri="{FF2B5EF4-FFF2-40B4-BE49-F238E27FC236}">
+                          <a16:creationId xmlns:a16="http://schemas.microsoft.com/office/drawing/2014/main" id="{7F5CBB24-0A21-467A-9719-65195C68A623}"/>
+                        </a:ext>
+                      </a:extLst>
+                    </p:cNvPr>
+                    <p:cNvPicPr>
+                      <a:picLocks noChangeAspect="1"/>
+                    </p:cNvPicPr>
+                    <p:nvPr/>
+                  </p:nvPicPr>
+                  <p:blipFill rotWithShape="1">
+                    <a:blip r:embed="rId2"/>
+                    <a:srcRect l="1976" t="2981" r="2028" b="4155"/>
+                    <a:stretch/>
+                  </p:blipFill>
+                  <p:spPr>
+                    <a:xfrm>
+                      <a:off x="5241000" y="3584293"/>
+                      <a:ext cx="2586632" cy="1389259"/>
+                    </a:xfrm>
+                    <a:prstGeom prst="rect">
+                      <a:avLst/>
+                    </a:prstGeom>
+                    <a:ln w="6350">
+                      <a:solidFill>
+                        <a:schemeClr val="tx1"/>
+                      </a:solidFill>
+                    </a:ln>
+                  </p:spPr>
+                </p:pic>
+                <p:sp>
+                  <p:nvSpPr>
+                    <p:cNvPr id="284" name="TextBox 283">
+                      <a:extLst>
+                        <a:ext uri="{FF2B5EF4-FFF2-40B4-BE49-F238E27FC236}">
+                          <a16:creationId xmlns:a16="http://schemas.microsoft.com/office/drawing/2014/main" id="{C3A098F1-B900-461E-A8F9-CC5191DA8AE0}"/>
+                        </a:ext>
+                      </a:extLst>
+                    </p:cNvPr>
+                    <p:cNvSpPr txBox="1"/>
+                    <p:nvPr/>
+                  </p:nvSpPr>
+                  <p:spPr>
+                    <a:xfrm>
+                      <a:off x="5237042" y="3580335"/>
+                      <a:ext cx="1440882" cy="210217"/>
+                    </a:xfrm>
+                    <a:prstGeom prst="rect">
+                      <a:avLst/>
+                    </a:prstGeom>
+                    <a:solidFill>
+                      <a:srgbClr val="C00000">
+                        <a:alpha val="89804"/>
+                      </a:srgbClr>
+                    </a:solidFill>
+                    <a:ln w="3175">
+                      <a:solidFill>
+                        <a:schemeClr val="tx1"/>
+                      </a:solidFill>
+                    </a:ln>
+                  </p:spPr>
+                  <p:txBody>
+                    <a:bodyPr wrap="square" lIns="36000" tIns="0" rIns="36000" bIns="0" rtlCol="0">
+                      <a:spAutoFit/>
+                    </a:bodyPr>
+                    <a:lstStyle/>
+                    <a:p>
+                      <a:pPr algn="ctr"/>
+                      <a:r>
+                        <a:rPr lang="de-CH" sz="800" dirty="0">
+                          <a:solidFill>
+                            <a:schemeClr val="bg1"/>
+                          </a:solidFill>
+                          <a:latin typeface="+mj-lt"/>
+                        </a:rPr>
+                        <a:t>...</a:t>
+                      </a:r>
+                      <a:endParaRPr lang="LID4096" sz="800" dirty="0">
+                        <a:solidFill>
+                          <a:schemeClr val="bg1"/>
+                        </a:solidFill>
+                        <a:latin typeface="+mj-lt"/>
+                      </a:endParaRPr>
+                    </a:p>
+                  </p:txBody>
+                </p:sp>
+              </p:grpSp>
+              <p:grpSp>
+                <p:nvGrpSpPr>
+                  <p:cNvPr id="273" name="Group 272">
+                    <a:extLst>
+                      <a:ext uri="{FF2B5EF4-FFF2-40B4-BE49-F238E27FC236}">
+                        <a16:creationId xmlns:a16="http://schemas.microsoft.com/office/drawing/2014/main" id="{0C54ABF9-309D-4E73-8C22-BA41A643D8F4}"/>
+                      </a:ext>
+                    </a:extLst>
+                  </p:cNvPr>
+                  <p:cNvGrpSpPr/>
+                  <p:nvPr/>
+                </p:nvGrpSpPr>
+                <p:grpSpPr>
+                  <a:xfrm>
+                    <a:off x="354434" y="375028"/>
+                    <a:ext cx="2590592" cy="1393217"/>
+                    <a:chOff x="5237040" y="3580335"/>
+                    <a:chExt cx="2590592" cy="1393217"/>
+                  </a:xfrm>
+                </p:grpSpPr>
+                <p:pic>
+                  <p:nvPicPr>
+                    <p:cNvPr id="281" name="Picture 280">
+                      <a:extLst>
+                        <a:ext uri="{FF2B5EF4-FFF2-40B4-BE49-F238E27FC236}">
+                          <a16:creationId xmlns:a16="http://schemas.microsoft.com/office/drawing/2014/main" id="{432240F0-0767-4209-932C-669D2131FDD6}"/>
+                        </a:ext>
+                      </a:extLst>
+                    </p:cNvPr>
+                    <p:cNvPicPr>
+                      <a:picLocks noChangeAspect="1"/>
+                    </p:cNvPicPr>
+                    <p:nvPr/>
+                  </p:nvPicPr>
+                  <p:blipFill rotWithShape="1">
+                    <a:blip r:embed="rId2"/>
+                    <a:srcRect l="1976" t="2981" r="2028" b="4155"/>
+                    <a:stretch/>
+                  </p:blipFill>
+                  <p:spPr>
+                    <a:xfrm>
+                      <a:off x="5241000" y="3584293"/>
+                      <a:ext cx="2586632" cy="1389259"/>
+                    </a:xfrm>
+                    <a:prstGeom prst="rect">
+                      <a:avLst/>
+                    </a:prstGeom>
+                    <a:ln w="6350">
+                      <a:solidFill>
+                        <a:schemeClr val="tx1"/>
+                      </a:solidFill>
+                    </a:ln>
+                  </p:spPr>
+                </p:pic>
+                <p:sp>
+                  <p:nvSpPr>
+                    <p:cNvPr id="282" name="TextBox 281">
+                      <a:extLst>
+                        <a:ext uri="{FF2B5EF4-FFF2-40B4-BE49-F238E27FC236}">
+                          <a16:creationId xmlns:a16="http://schemas.microsoft.com/office/drawing/2014/main" id="{F2411451-90FA-4926-BA63-E1A927FEDB2B}"/>
+                        </a:ext>
+                      </a:extLst>
+                    </p:cNvPr>
+                    <p:cNvSpPr txBox="1"/>
+                    <p:nvPr/>
+                  </p:nvSpPr>
+                  <p:spPr>
+                    <a:xfrm>
+                      <a:off x="5237040" y="3580335"/>
+                      <a:ext cx="1480610" cy="210217"/>
+                    </a:xfrm>
+                    <a:prstGeom prst="rect">
+                      <a:avLst/>
+                    </a:prstGeom>
+                    <a:solidFill>
+                      <a:srgbClr val="C00000">
+                        <a:alpha val="89804"/>
+                      </a:srgbClr>
+                    </a:solidFill>
+                    <a:ln w="3175">
+                      <a:solidFill>
+                        <a:schemeClr val="tx1"/>
+                      </a:solidFill>
+                    </a:ln>
+                  </p:spPr>
+                  <p:txBody>
+                    <a:bodyPr wrap="square" lIns="36000" tIns="0" rIns="36000" bIns="0" rtlCol="0">
+                      <a:spAutoFit/>
+                    </a:bodyPr>
+                    <a:lstStyle/>
+                    <a:p>
+                      <a:pPr algn="ctr"/>
+                      <a:r>
+                        <a:rPr lang="de-CH" sz="800" dirty="0">
+                          <a:solidFill>
+                            <a:schemeClr val="bg1"/>
+                          </a:solidFill>
+                          <a:latin typeface="+mj-lt"/>
+                        </a:rPr>
+                        <a:t>Relative Humidity</a:t>
+                      </a:r>
+                      <a:endParaRPr lang="LID4096" sz="800" dirty="0">
+                        <a:solidFill>
+                          <a:schemeClr val="bg1"/>
+                        </a:solidFill>
+                        <a:latin typeface="+mj-lt"/>
+                      </a:endParaRPr>
+                    </a:p>
+                  </p:txBody>
+                </p:sp>
+              </p:grpSp>
+              <p:grpSp>
+                <p:nvGrpSpPr>
+                  <p:cNvPr id="274" name="Group 273">
+                    <a:extLst>
+                      <a:ext uri="{FF2B5EF4-FFF2-40B4-BE49-F238E27FC236}">
+                        <a16:creationId xmlns:a16="http://schemas.microsoft.com/office/drawing/2014/main" id="{045237DD-A6C7-4CD6-8C1B-90C70CDF88C1}"/>
+                      </a:ext>
+                    </a:extLst>
+                  </p:cNvPr>
+                  <p:cNvGrpSpPr/>
+                  <p:nvPr/>
+                </p:nvGrpSpPr>
+                <p:grpSpPr>
+                  <a:xfrm>
+                    <a:off x="219436" y="561057"/>
+                    <a:ext cx="2590590" cy="1393217"/>
+                    <a:chOff x="5237042" y="3580335"/>
+                    <a:chExt cx="2590590" cy="1393217"/>
+                  </a:xfrm>
+                </p:grpSpPr>
+                <p:pic>
+                  <p:nvPicPr>
+                    <p:cNvPr id="279" name="Picture 278">
+                      <a:extLst>
+                        <a:ext uri="{FF2B5EF4-FFF2-40B4-BE49-F238E27FC236}">
+                          <a16:creationId xmlns:a16="http://schemas.microsoft.com/office/drawing/2014/main" id="{53095682-6EE0-4A19-A6B0-0727C5E0E9B5}"/>
+                        </a:ext>
+                      </a:extLst>
+                    </p:cNvPr>
+                    <p:cNvPicPr>
+                      <a:picLocks noChangeAspect="1"/>
+                    </p:cNvPicPr>
+                    <p:nvPr/>
+                  </p:nvPicPr>
+                  <p:blipFill rotWithShape="1">
+                    <a:blip r:embed="rId2"/>
+                    <a:srcRect l="1976" t="2981" r="2028" b="4155"/>
+                    <a:stretch/>
+                  </p:blipFill>
+                  <p:spPr>
+                    <a:xfrm>
+                      <a:off x="5241000" y="3584293"/>
+                      <a:ext cx="2586632" cy="1389259"/>
+                    </a:xfrm>
+                    <a:prstGeom prst="rect">
+                      <a:avLst/>
+                    </a:prstGeom>
+                    <a:ln w="6350">
+                      <a:solidFill>
+                        <a:schemeClr val="tx1"/>
+                      </a:solidFill>
+                    </a:ln>
+                  </p:spPr>
+                </p:pic>
+                <p:sp>
+                  <p:nvSpPr>
+                    <p:cNvPr id="280" name="TextBox 279">
+                      <a:extLst>
+                        <a:ext uri="{FF2B5EF4-FFF2-40B4-BE49-F238E27FC236}">
+                          <a16:creationId xmlns:a16="http://schemas.microsoft.com/office/drawing/2014/main" id="{FD61782E-9219-4959-90CF-949D8130D6AE}"/>
+                        </a:ext>
+                      </a:extLst>
+                    </p:cNvPr>
+                    <p:cNvSpPr txBox="1"/>
+                    <p:nvPr/>
+                  </p:nvSpPr>
+                  <p:spPr>
+                    <a:xfrm>
+                      <a:off x="5237042" y="3580335"/>
+                      <a:ext cx="1538767" cy="210217"/>
+                    </a:xfrm>
+                    <a:prstGeom prst="rect">
+                      <a:avLst/>
+                    </a:prstGeom>
+                    <a:solidFill>
+                      <a:srgbClr val="C00000">
+                        <a:alpha val="89804"/>
+                      </a:srgbClr>
+                    </a:solidFill>
+                    <a:ln w="3175">
+                      <a:solidFill>
+                        <a:schemeClr val="tx1"/>
+                      </a:solidFill>
+                    </a:ln>
+                  </p:spPr>
+                  <p:txBody>
+                    <a:bodyPr wrap="square" lIns="36000" tIns="0" rIns="36000" bIns="0" rtlCol="0">
+                      <a:spAutoFit/>
+                    </a:bodyPr>
+                    <a:lstStyle/>
+                    <a:p>
+                      <a:pPr algn="ctr"/>
+                      <a:r>
+                        <a:rPr lang="de-CH" sz="800" dirty="0">
+                          <a:solidFill>
+                            <a:schemeClr val="bg1"/>
+                          </a:solidFill>
+                          <a:latin typeface="+mj-lt"/>
+                        </a:rPr>
+                        <a:t>Temperature</a:t>
+                      </a:r>
+                      <a:endParaRPr lang="LID4096" sz="800" dirty="0">
+                        <a:solidFill>
+                          <a:schemeClr val="bg1"/>
+                        </a:solidFill>
+                        <a:latin typeface="+mj-lt"/>
+                      </a:endParaRPr>
+                    </a:p>
+                  </p:txBody>
+                </p:sp>
+              </p:grpSp>
+              <p:cxnSp>
+                <p:nvCxnSpPr>
+                  <p:cNvPr id="275" name="Straight Connector 274">
+                    <a:extLst>
+                      <a:ext uri="{FF2B5EF4-FFF2-40B4-BE49-F238E27FC236}">
+                        <a16:creationId xmlns:a16="http://schemas.microsoft.com/office/drawing/2014/main" id="{FF444F28-FEC9-4110-B1F6-9953A1232BCD}"/>
+                      </a:ext>
+                    </a:extLst>
+                  </p:cNvPr>
+                  <p:cNvCxnSpPr>
+                    <a:cxnSpLocks/>
+                  </p:cNvCxnSpPr>
+                  <p:nvPr/>
+                </p:nvCxnSpPr>
+                <p:spPr>
+                  <a:xfrm flipV="1">
+                    <a:off x="2821816" y="1586032"/>
+                    <a:ext cx="251564" cy="372057"/>
+                  </a:xfrm>
+                  <a:prstGeom prst="line">
+                    <a:avLst/>
+                  </a:prstGeom>
+                  <a:ln w="6350"/>
+                </p:spPr>
+                <p:style>
+                  <a:lnRef idx="1">
+                    <a:schemeClr val="dk1"/>
+                  </a:lnRef>
+                  <a:fillRef idx="0">
+                    <a:schemeClr val="dk1"/>
+                  </a:fillRef>
+                  <a:effectRef idx="0">
+                    <a:schemeClr val="dk1"/>
+                  </a:effectRef>
+                  <a:fontRef idx="minor">
+                    <a:schemeClr val="tx1"/>
+                  </a:fontRef>
+                </p:style>
+              </p:cxnSp>
+              <p:cxnSp>
+                <p:nvCxnSpPr>
+                  <p:cNvPr id="276" name="Straight Connector 275">
+                    <a:extLst>
+                      <a:ext uri="{FF2B5EF4-FFF2-40B4-BE49-F238E27FC236}">
+                        <a16:creationId xmlns:a16="http://schemas.microsoft.com/office/drawing/2014/main" id="{BECAC458-5872-462F-BB9C-6AF24F057FCF}"/>
+                      </a:ext>
+                    </a:extLst>
+                  </p:cNvPr>
+                  <p:cNvCxnSpPr>
+                    <a:cxnSpLocks/>
+                  </p:cNvCxnSpPr>
+                  <p:nvPr/>
+                </p:nvCxnSpPr>
+                <p:spPr>
+                  <a:xfrm flipV="1">
+                    <a:off x="2802406" y="192957"/>
+                    <a:ext cx="259184" cy="378284"/>
+                  </a:xfrm>
+                  <a:prstGeom prst="line">
+                    <a:avLst/>
+                  </a:prstGeom>
+                  <a:ln w="6350"/>
+                </p:spPr>
+                <p:style>
+                  <a:lnRef idx="1">
+                    <a:schemeClr val="dk1"/>
+                  </a:lnRef>
+                  <a:fillRef idx="0">
+                    <a:schemeClr val="dk1"/>
+                  </a:fillRef>
+                  <a:effectRef idx="0">
+                    <a:schemeClr val="dk1"/>
+                  </a:effectRef>
+                  <a:fontRef idx="minor">
+                    <a:schemeClr val="tx1"/>
+                  </a:fontRef>
+                </p:style>
+              </p:cxnSp>
+              <p:sp>
+                <p:nvSpPr>
+                  <p:cNvPr id="277" name="TextBox 276">
+                    <a:extLst>
+                      <a:ext uri="{FF2B5EF4-FFF2-40B4-BE49-F238E27FC236}">
+                        <a16:creationId xmlns:a16="http://schemas.microsoft.com/office/drawing/2014/main" id="{D090DEC2-591F-40DA-9B30-23C25C2541F2}"/>
+                      </a:ext>
+                    </a:extLst>
+                  </p:cNvPr>
+                  <p:cNvSpPr txBox="1"/>
+                  <p:nvPr/>
+                </p:nvSpPr>
+                <p:spPr>
+                  <a:xfrm>
+                    <a:off x="959380" y="1708053"/>
+                    <a:ext cx="1113677" cy="210217"/>
+                  </a:xfrm>
+                  <a:prstGeom prst="rect">
+                    <a:avLst/>
+                  </a:prstGeom>
+                  <a:solidFill>
+                    <a:srgbClr val="C00000"/>
+                  </a:solidFill>
+                  <a:ln w="3175">
+                    <a:solidFill>
+                      <a:schemeClr val="tx1"/>
+                    </a:solidFill>
+                  </a:ln>
+                </p:spPr>
+                <p:txBody>
+                  <a:bodyPr wrap="square" lIns="36000" tIns="0" rIns="36000" bIns="0" rtlCol="0">
+                    <a:spAutoFit/>
+                  </a:bodyPr>
+                  <a:lstStyle/>
+                  <a:p>
+                    <a:pPr algn="ctr"/>
+                    <a:r>
+                      <a:rPr lang="de-CH" sz="800" dirty="0">
+                        <a:solidFill>
+                          <a:schemeClr val="bg1"/>
+                        </a:solidFill>
+                        <a:latin typeface="+mj-lt"/>
+                      </a:rPr>
+                      <a:t>...</a:t>
+                    </a:r>
+                    <a:endParaRPr lang="LID4096" sz="800" dirty="0">
+                      <a:solidFill>
+                        <a:schemeClr val="bg1"/>
+                      </a:solidFill>
+                      <a:latin typeface="+mj-lt"/>
+                    </a:endParaRPr>
+                  </a:p>
+                </p:txBody>
+              </p:sp>
+              <p:cxnSp>
+                <p:nvCxnSpPr>
+                  <p:cNvPr id="278" name="Straight Connector 277">
+                    <a:extLst>
+                      <a:ext uri="{FF2B5EF4-FFF2-40B4-BE49-F238E27FC236}">
+                        <a16:creationId xmlns:a16="http://schemas.microsoft.com/office/drawing/2014/main" id="{3AFD966C-8615-4B41-BD82-8F5E708B88E6}"/>
+                      </a:ext>
+                    </a:extLst>
+                  </p:cNvPr>
+                  <p:cNvCxnSpPr>
+                    <a:cxnSpLocks/>
+                  </p:cNvCxnSpPr>
+                  <p:nvPr/>
+                </p:nvCxnSpPr>
+                <p:spPr>
+                  <a:xfrm flipV="1">
+                    <a:off x="215774" y="187074"/>
+                    <a:ext cx="259184" cy="378284"/>
+                  </a:xfrm>
+                  <a:prstGeom prst="line">
+                    <a:avLst/>
+                  </a:prstGeom>
+                  <a:ln w="6350"/>
+                </p:spPr>
+                <p:style>
+                  <a:lnRef idx="1">
+                    <a:schemeClr val="dk1"/>
+                  </a:lnRef>
+                  <a:fillRef idx="0">
+                    <a:schemeClr val="dk1"/>
+                  </a:fillRef>
+                  <a:effectRef idx="0">
+                    <a:schemeClr val="dk1"/>
+                  </a:effectRef>
+                  <a:fontRef idx="minor">
+                    <a:schemeClr val="tx1"/>
+                  </a:fontRef>
+                </p:style>
+              </p:cxnSp>
+            </p:grpSp>
+            <p:grpSp>
+              <p:nvGrpSpPr>
+                <p:cNvPr id="258" name="Group 257">
+                  <a:extLst>
+                    <a:ext uri="{FF2B5EF4-FFF2-40B4-BE49-F238E27FC236}">
+                      <a16:creationId xmlns:a16="http://schemas.microsoft.com/office/drawing/2014/main" id="{B811E454-44EC-4512-9B42-DD1D5C0BB3EC}"/>
+                    </a:ext>
+                  </a:extLst>
+                </p:cNvPr>
+                <p:cNvGrpSpPr/>
+                <p:nvPr/>
+              </p:nvGrpSpPr>
+              <p:grpSpPr>
+                <a:xfrm>
+                  <a:off x="3716135" y="1445834"/>
+                  <a:ext cx="1673518" cy="1037171"/>
+                  <a:chOff x="215774" y="187074"/>
+                  <a:chExt cx="2857606" cy="1771015"/>
+                </a:xfrm>
+              </p:grpSpPr>
+              <p:grpSp>
+                <p:nvGrpSpPr>
+                  <p:cNvPr id="259" name="Group 258">
+                    <a:extLst>
+                      <a:ext uri="{FF2B5EF4-FFF2-40B4-BE49-F238E27FC236}">
+                        <a16:creationId xmlns:a16="http://schemas.microsoft.com/office/drawing/2014/main" id="{EA45BF24-55E8-4140-AF87-C842F346A15B}"/>
+                      </a:ext>
+                    </a:extLst>
+                  </p:cNvPr>
+                  <p:cNvGrpSpPr/>
+                  <p:nvPr/>
+                </p:nvGrpSpPr>
+                <p:grpSpPr>
+                  <a:xfrm>
+                    <a:off x="471000" y="189000"/>
+                    <a:ext cx="2590590" cy="1393217"/>
+                    <a:chOff x="5237042" y="3580335"/>
+                    <a:chExt cx="2590590" cy="1393217"/>
+                  </a:xfrm>
+                </p:grpSpPr>
+                <p:pic>
+                  <p:nvPicPr>
+                    <p:cNvPr id="270" name="Picture 269">
+                      <a:extLst>
+                        <a:ext uri="{FF2B5EF4-FFF2-40B4-BE49-F238E27FC236}">
+                          <a16:creationId xmlns:a16="http://schemas.microsoft.com/office/drawing/2014/main" id="{AE0BEBAA-024B-400A-B526-732B3DCBD3B1}"/>
+                        </a:ext>
+                      </a:extLst>
+                    </p:cNvPr>
+                    <p:cNvPicPr>
+                      <a:picLocks noChangeAspect="1"/>
+                    </p:cNvPicPr>
+                    <p:nvPr/>
+                  </p:nvPicPr>
+                  <p:blipFill rotWithShape="1">
+                    <a:blip r:embed="rId2"/>
+                    <a:srcRect l="1976" t="2981" r="2028" b="4155"/>
+                    <a:stretch/>
+                  </p:blipFill>
+                  <p:spPr>
+                    <a:xfrm>
+                      <a:off x="5241000" y="3584293"/>
+                      <a:ext cx="2586632" cy="1389259"/>
+                    </a:xfrm>
+                    <a:prstGeom prst="rect">
+                      <a:avLst/>
+                    </a:prstGeom>
+                    <a:ln w="6350">
+                      <a:solidFill>
+                        <a:schemeClr val="tx1"/>
+                      </a:solidFill>
+                    </a:ln>
+                  </p:spPr>
+                </p:pic>
+                <p:sp>
+                  <p:nvSpPr>
+                    <p:cNvPr id="271" name="TextBox 270">
+                      <a:extLst>
+                        <a:ext uri="{FF2B5EF4-FFF2-40B4-BE49-F238E27FC236}">
+                          <a16:creationId xmlns:a16="http://schemas.microsoft.com/office/drawing/2014/main" id="{61256F95-E671-4C66-9F36-A550F31BAA21}"/>
+                        </a:ext>
+                      </a:extLst>
+                    </p:cNvPr>
+                    <p:cNvSpPr txBox="1"/>
+                    <p:nvPr/>
+                  </p:nvSpPr>
+                  <p:spPr>
+                    <a:xfrm>
+                      <a:off x="5237042" y="3580335"/>
+                      <a:ext cx="1440882" cy="210217"/>
+                    </a:xfrm>
+                    <a:prstGeom prst="rect">
+                      <a:avLst/>
+                    </a:prstGeom>
+                    <a:solidFill>
+                      <a:srgbClr val="C00000">
+                        <a:alpha val="89804"/>
+                      </a:srgbClr>
+                    </a:solidFill>
+                    <a:ln w="3175">
+                      <a:solidFill>
+                        <a:schemeClr val="tx1"/>
+                      </a:solidFill>
+                    </a:ln>
+                  </p:spPr>
+                  <p:txBody>
+                    <a:bodyPr wrap="square" lIns="36000" tIns="0" rIns="36000" bIns="0" rtlCol="0">
+                      <a:spAutoFit/>
+                    </a:bodyPr>
+                    <a:lstStyle/>
+                    <a:p>
+                      <a:pPr algn="ctr"/>
+                      <a:r>
+                        <a:rPr lang="de-CH" sz="800" dirty="0">
+                          <a:solidFill>
+                            <a:schemeClr val="bg1"/>
+                          </a:solidFill>
+                          <a:latin typeface="+mj-lt"/>
+                        </a:rPr>
+                        <a:t>...</a:t>
+                      </a:r>
+                      <a:endParaRPr lang="LID4096" sz="800" dirty="0">
+                        <a:solidFill>
+                          <a:schemeClr val="bg1"/>
+                        </a:solidFill>
+                        <a:latin typeface="+mj-lt"/>
+                      </a:endParaRPr>
+                    </a:p>
+                  </p:txBody>
+                </p:sp>
+              </p:grpSp>
+              <p:grpSp>
+                <p:nvGrpSpPr>
+                  <p:cNvPr id="260" name="Group 259">
+                    <a:extLst>
+                      <a:ext uri="{FF2B5EF4-FFF2-40B4-BE49-F238E27FC236}">
+                        <a16:creationId xmlns:a16="http://schemas.microsoft.com/office/drawing/2014/main" id="{E47510D5-C2AE-49D6-A30B-C1235DC2D815}"/>
+                      </a:ext>
+                    </a:extLst>
+                  </p:cNvPr>
+                  <p:cNvGrpSpPr/>
+                  <p:nvPr/>
+                </p:nvGrpSpPr>
+                <p:grpSpPr>
+                  <a:xfrm>
+                    <a:off x="354434" y="375028"/>
+                    <a:ext cx="2590592" cy="1393217"/>
+                    <a:chOff x="5237040" y="3580335"/>
+                    <a:chExt cx="2590592" cy="1393217"/>
+                  </a:xfrm>
+                </p:grpSpPr>
+                <p:pic>
+                  <p:nvPicPr>
+                    <p:cNvPr id="268" name="Picture 267">
+                      <a:extLst>
+                        <a:ext uri="{FF2B5EF4-FFF2-40B4-BE49-F238E27FC236}">
+                          <a16:creationId xmlns:a16="http://schemas.microsoft.com/office/drawing/2014/main" id="{F6ACD024-2453-444A-85B3-1C8482B8E4F8}"/>
+                        </a:ext>
+                      </a:extLst>
+                    </p:cNvPr>
+                    <p:cNvPicPr>
+                      <a:picLocks noChangeAspect="1"/>
+                    </p:cNvPicPr>
+                    <p:nvPr/>
+                  </p:nvPicPr>
+                  <p:blipFill rotWithShape="1">
+                    <a:blip r:embed="rId2"/>
+                    <a:srcRect l="1976" t="2981" r="2028" b="4155"/>
+                    <a:stretch/>
+                  </p:blipFill>
+                  <p:spPr>
+                    <a:xfrm>
+                      <a:off x="5241000" y="3584293"/>
+                      <a:ext cx="2586632" cy="1389259"/>
+                    </a:xfrm>
+                    <a:prstGeom prst="rect">
+                      <a:avLst/>
+                    </a:prstGeom>
+                    <a:ln w="6350">
+                      <a:solidFill>
+                        <a:schemeClr val="tx1"/>
+                      </a:solidFill>
+                    </a:ln>
+                  </p:spPr>
+                </p:pic>
+                <p:sp>
+                  <p:nvSpPr>
+                    <p:cNvPr id="269" name="TextBox 268">
+                      <a:extLst>
+                        <a:ext uri="{FF2B5EF4-FFF2-40B4-BE49-F238E27FC236}">
+                          <a16:creationId xmlns:a16="http://schemas.microsoft.com/office/drawing/2014/main" id="{A2355942-36E2-4F94-A28A-387A3472174A}"/>
+                        </a:ext>
+                      </a:extLst>
+                    </p:cNvPr>
+                    <p:cNvSpPr txBox="1"/>
+                    <p:nvPr/>
+                  </p:nvSpPr>
+                  <p:spPr>
+                    <a:xfrm>
+                      <a:off x="5237040" y="3580335"/>
+                      <a:ext cx="1480610" cy="210217"/>
+                    </a:xfrm>
+                    <a:prstGeom prst="rect">
+                      <a:avLst/>
+                    </a:prstGeom>
+                    <a:solidFill>
+                      <a:srgbClr val="C00000">
+                        <a:alpha val="89804"/>
+                      </a:srgbClr>
+                    </a:solidFill>
+                    <a:ln w="3175">
+                      <a:solidFill>
+                        <a:schemeClr val="tx1"/>
+                      </a:solidFill>
+                    </a:ln>
+                  </p:spPr>
+                  <p:txBody>
+                    <a:bodyPr wrap="square" lIns="36000" tIns="0" rIns="36000" bIns="0" rtlCol="0">
+                      <a:spAutoFit/>
+                    </a:bodyPr>
+                    <a:lstStyle/>
+                    <a:p>
+                      <a:pPr algn="ctr"/>
+                      <a:r>
+                        <a:rPr lang="de-CH" sz="800" dirty="0">
+                          <a:solidFill>
+                            <a:schemeClr val="bg1"/>
+                          </a:solidFill>
+                          <a:latin typeface="+mj-lt"/>
+                        </a:rPr>
+                        <a:t>Relative Humidity</a:t>
+                      </a:r>
+                      <a:endParaRPr lang="LID4096" sz="800" dirty="0">
+                        <a:solidFill>
+                          <a:schemeClr val="bg1"/>
+                        </a:solidFill>
+                        <a:latin typeface="+mj-lt"/>
+                      </a:endParaRPr>
+                    </a:p>
+                  </p:txBody>
+                </p:sp>
+              </p:grpSp>
+              <p:grpSp>
+                <p:nvGrpSpPr>
+                  <p:cNvPr id="261" name="Group 260">
+                    <a:extLst>
+                      <a:ext uri="{FF2B5EF4-FFF2-40B4-BE49-F238E27FC236}">
+                        <a16:creationId xmlns:a16="http://schemas.microsoft.com/office/drawing/2014/main" id="{6E0C97E5-0E75-4BD7-9072-C67719EA57D7}"/>
+                      </a:ext>
+                    </a:extLst>
+                  </p:cNvPr>
+                  <p:cNvGrpSpPr/>
+                  <p:nvPr/>
+                </p:nvGrpSpPr>
+                <p:grpSpPr>
+                  <a:xfrm>
+                    <a:off x="219436" y="561057"/>
+                    <a:ext cx="2590590" cy="1393217"/>
+                    <a:chOff x="5237042" y="3580335"/>
+                    <a:chExt cx="2590590" cy="1393217"/>
+                  </a:xfrm>
+                </p:grpSpPr>
+                <p:pic>
+                  <p:nvPicPr>
+                    <p:cNvPr id="266" name="Picture 265">
+                      <a:extLst>
+                        <a:ext uri="{FF2B5EF4-FFF2-40B4-BE49-F238E27FC236}">
+                          <a16:creationId xmlns:a16="http://schemas.microsoft.com/office/drawing/2014/main" id="{3B098C76-C331-4ACC-B947-A6DDEAEF9150}"/>
+                        </a:ext>
+                      </a:extLst>
+                    </p:cNvPr>
+                    <p:cNvPicPr>
+                      <a:picLocks noChangeAspect="1"/>
+                    </p:cNvPicPr>
+                    <p:nvPr/>
+                  </p:nvPicPr>
+                  <p:blipFill rotWithShape="1">
+                    <a:blip r:embed="rId2"/>
+                    <a:srcRect l="1976" t="2981" r="2028" b="4155"/>
+                    <a:stretch/>
+                  </p:blipFill>
+                  <p:spPr>
+                    <a:xfrm>
+                      <a:off x="5241000" y="3584293"/>
+                      <a:ext cx="2586632" cy="1389259"/>
+                    </a:xfrm>
+                    <a:prstGeom prst="rect">
+                      <a:avLst/>
+                    </a:prstGeom>
+                    <a:ln w="6350">
+                      <a:solidFill>
+                        <a:schemeClr val="tx1"/>
+                      </a:solidFill>
+                    </a:ln>
+                  </p:spPr>
+                </p:pic>
+                <p:sp>
+                  <p:nvSpPr>
+                    <p:cNvPr id="267" name="TextBox 266">
+                      <a:extLst>
+                        <a:ext uri="{FF2B5EF4-FFF2-40B4-BE49-F238E27FC236}">
+                          <a16:creationId xmlns:a16="http://schemas.microsoft.com/office/drawing/2014/main" id="{3B46240A-2F46-4B45-8552-8CDEA0002236}"/>
+                        </a:ext>
+                      </a:extLst>
+                    </p:cNvPr>
+                    <p:cNvSpPr txBox="1"/>
+                    <p:nvPr/>
+                  </p:nvSpPr>
+                  <p:spPr>
+                    <a:xfrm>
+                      <a:off x="5237042" y="3580335"/>
+                      <a:ext cx="1538767" cy="210217"/>
+                    </a:xfrm>
+                    <a:prstGeom prst="rect">
+                      <a:avLst/>
+                    </a:prstGeom>
+                    <a:solidFill>
+                      <a:srgbClr val="C00000">
+                        <a:alpha val="89804"/>
+                      </a:srgbClr>
+                    </a:solidFill>
+                    <a:ln w="3175">
+                      <a:solidFill>
+                        <a:schemeClr val="tx1"/>
+                      </a:solidFill>
+                    </a:ln>
+                  </p:spPr>
+                  <p:txBody>
+                    <a:bodyPr wrap="square" lIns="36000" tIns="0" rIns="36000" bIns="0" rtlCol="0">
+                      <a:spAutoFit/>
+                    </a:bodyPr>
+                    <a:lstStyle/>
+                    <a:p>
+                      <a:pPr algn="ctr"/>
+                      <a:r>
+                        <a:rPr lang="de-CH" sz="800" dirty="0">
+                          <a:solidFill>
+                            <a:schemeClr val="bg1"/>
+                          </a:solidFill>
+                          <a:latin typeface="+mj-lt"/>
+                        </a:rPr>
+                        <a:t>Temperature</a:t>
+                      </a:r>
+                      <a:endParaRPr lang="LID4096" sz="800" dirty="0">
+                        <a:solidFill>
+                          <a:schemeClr val="bg1"/>
+                        </a:solidFill>
+                        <a:latin typeface="+mj-lt"/>
+                      </a:endParaRPr>
+                    </a:p>
+                  </p:txBody>
+                </p:sp>
+              </p:grpSp>
+              <p:cxnSp>
+                <p:nvCxnSpPr>
+                  <p:cNvPr id="262" name="Straight Connector 261">
+                    <a:extLst>
+                      <a:ext uri="{FF2B5EF4-FFF2-40B4-BE49-F238E27FC236}">
+                        <a16:creationId xmlns:a16="http://schemas.microsoft.com/office/drawing/2014/main" id="{20779DC0-8550-43C6-9A8E-A15B291C2D6B}"/>
+                      </a:ext>
+                    </a:extLst>
+                  </p:cNvPr>
+                  <p:cNvCxnSpPr>
+                    <a:cxnSpLocks/>
+                  </p:cNvCxnSpPr>
+                  <p:nvPr/>
+                </p:nvCxnSpPr>
+                <p:spPr>
+                  <a:xfrm flipV="1">
+                    <a:off x="2821816" y="1586032"/>
+                    <a:ext cx="251564" cy="372057"/>
+                  </a:xfrm>
+                  <a:prstGeom prst="line">
+                    <a:avLst/>
+                  </a:prstGeom>
+                  <a:ln w="6350"/>
+                </p:spPr>
+                <p:style>
+                  <a:lnRef idx="1">
+                    <a:schemeClr val="dk1"/>
+                  </a:lnRef>
+                  <a:fillRef idx="0">
+                    <a:schemeClr val="dk1"/>
+                  </a:fillRef>
+                  <a:effectRef idx="0">
+                    <a:schemeClr val="dk1"/>
+                  </a:effectRef>
+                  <a:fontRef idx="minor">
+                    <a:schemeClr val="tx1"/>
+                  </a:fontRef>
+                </p:style>
+              </p:cxnSp>
+              <p:cxnSp>
+                <p:nvCxnSpPr>
+                  <p:cNvPr id="263" name="Straight Connector 262">
+                    <a:extLst>
+                      <a:ext uri="{FF2B5EF4-FFF2-40B4-BE49-F238E27FC236}">
+                        <a16:creationId xmlns:a16="http://schemas.microsoft.com/office/drawing/2014/main" id="{0F4BAF81-3D42-46FB-83E1-0A639D5C91BF}"/>
+                      </a:ext>
+                    </a:extLst>
+                  </p:cNvPr>
+                  <p:cNvCxnSpPr>
+                    <a:cxnSpLocks/>
+                  </p:cNvCxnSpPr>
+                  <p:nvPr/>
+                </p:nvCxnSpPr>
+                <p:spPr>
+                  <a:xfrm flipV="1">
+                    <a:off x="2802406" y="192957"/>
+                    <a:ext cx="259184" cy="378284"/>
+                  </a:xfrm>
+                  <a:prstGeom prst="line">
+                    <a:avLst/>
+                  </a:prstGeom>
+                  <a:ln w="6350"/>
+                </p:spPr>
+                <p:style>
+                  <a:lnRef idx="1">
+                    <a:schemeClr val="dk1"/>
+                  </a:lnRef>
+                  <a:fillRef idx="0">
+                    <a:schemeClr val="dk1"/>
+                  </a:fillRef>
+                  <a:effectRef idx="0">
+                    <a:schemeClr val="dk1"/>
+                  </a:effectRef>
+                  <a:fontRef idx="minor">
+                    <a:schemeClr val="tx1"/>
+                  </a:fontRef>
+                </p:style>
+              </p:cxnSp>
+              <p:sp>
+                <p:nvSpPr>
+                  <p:cNvPr id="264" name="TextBox 263">
+                    <a:extLst>
+                      <a:ext uri="{FF2B5EF4-FFF2-40B4-BE49-F238E27FC236}">
+                        <a16:creationId xmlns:a16="http://schemas.microsoft.com/office/drawing/2014/main" id="{A260D30E-334D-47D6-9647-0D98FA28ACDC}"/>
+                      </a:ext>
+                    </a:extLst>
+                  </p:cNvPr>
+                  <p:cNvSpPr txBox="1"/>
+                  <p:nvPr/>
+                </p:nvSpPr>
+                <p:spPr>
+                  <a:xfrm>
+                    <a:off x="959380" y="1708053"/>
+                    <a:ext cx="1113677" cy="210217"/>
+                  </a:xfrm>
+                  <a:prstGeom prst="rect">
+                    <a:avLst/>
+                  </a:prstGeom>
+                  <a:solidFill>
+                    <a:srgbClr val="C00000"/>
+                  </a:solidFill>
+                  <a:ln w="3175">
+                    <a:solidFill>
+                      <a:schemeClr val="tx1"/>
+                    </a:solidFill>
+                  </a:ln>
+                </p:spPr>
+                <p:txBody>
+                  <a:bodyPr wrap="square" lIns="36000" tIns="0" rIns="36000" bIns="0" rtlCol="0">
+                    <a:spAutoFit/>
+                  </a:bodyPr>
+                  <a:lstStyle/>
+                  <a:p>
+                    <a:pPr algn="ctr"/>
+                    <a:r>
+                      <a:rPr lang="de-CH" sz="800" dirty="0">
+                        <a:solidFill>
+                          <a:schemeClr val="bg1"/>
+                        </a:solidFill>
+                        <a:latin typeface="+mj-lt"/>
+                      </a:rPr>
+                      <a:t>t - 2</a:t>
+                    </a:r>
+                    <a:endParaRPr lang="LID4096" sz="800" dirty="0">
+                      <a:solidFill>
+                        <a:schemeClr val="bg1"/>
+                      </a:solidFill>
+                      <a:latin typeface="+mj-lt"/>
+                    </a:endParaRPr>
+                  </a:p>
+                </p:txBody>
+              </p:sp>
+              <p:cxnSp>
+                <p:nvCxnSpPr>
+                  <p:cNvPr id="265" name="Straight Connector 264">
+                    <a:extLst>
+                      <a:ext uri="{FF2B5EF4-FFF2-40B4-BE49-F238E27FC236}">
+                        <a16:creationId xmlns:a16="http://schemas.microsoft.com/office/drawing/2014/main" id="{6FB355F6-10B4-4FCF-905E-44AB5F0E949B}"/>
+                      </a:ext>
+                    </a:extLst>
+                  </p:cNvPr>
+                  <p:cNvCxnSpPr>
+                    <a:cxnSpLocks/>
+                  </p:cNvCxnSpPr>
+                  <p:nvPr/>
+                </p:nvCxnSpPr>
+                <p:spPr>
+                  <a:xfrm flipV="1">
+                    <a:off x="215774" y="187074"/>
+                    <a:ext cx="259184" cy="378284"/>
+                  </a:xfrm>
+                  <a:prstGeom prst="line">
+                    <a:avLst/>
+                  </a:prstGeom>
+                  <a:ln w="6350"/>
+                </p:spPr>
+                <p:style>
+                  <a:lnRef idx="1">
+                    <a:schemeClr val="dk1"/>
+                  </a:lnRef>
+                  <a:fillRef idx="0">
+                    <a:schemeClr val="dk1"/>
+                  </a:fillRef>
+                  <a:effectRef idx="0">
+                    <a:schemeClr val="dk1"/>
+                  </a:effectRef>
+                  <a:fontRef idx="minor">
+                    <a:schemeClr val="tx1"/>
+                  </a:fontRef>
+                </p:style>
+              </p:cxnSp>
+            </p:grpSp>
+          </p:grpSp>
           <p:sp>
             <p:nvSpPr>
-              <p:cNvPr id="47" name="TextBox 46">
+              <p:cNvPr id="254" name="TextBox 253">
                 <a:extLst>
                   <a:ext uri="{FF2B5EF4-FFF2-40B4-BE49-F238E27FC236}">
-                    <a16:creationId xmlns:a16="http://schemas.microsoft.com/office/drawing/2014/main" id="{BF31762C-4253-4879-B0B9-8AA113A6B75C}"/>
+                    <a16:creationId xmlns:a16="http://schemas.microsoft.com/office/drawing/2014/main" id="{A9B094F9-7036-4598-A529-B9041DDE49CB}"/>
                   </a:ext>
                 </a:extLst>
               </p:cNvPr>
@@ -3689,20 +6886,18 @@
             </p:nvSpPr>
             <p:spPr>
               <a:xfrm>
-                <a:off x="377498" y="710424"/>
-                <a:ext cx="696791" cy="153888"/>
+                <a:off x="3945800" y="190170"/>
+                <a:ext cx="1530445" cy="123111"/>
               </a:xfrm>
               <a:prstGeom prst="rect">
                 <a:avLst/>
               </a:prstGeom>
               <a:solidFill>
-                <a:srgbClr val="C00000"/>
+                <a:schemeClr val="accent2"/>
               </a:solidFill>
-              <a:ln w="6350">
+              <a:ln w="3175">
                 <a:solidFill>
-                  <a:schemeClr val="bg1">
-                    <a:lumMod val="85000"/>
-                  </a:schemeClr>
+                  <a:schemeClr val="accent2"/>
                 </a:solidFill>
               </a:ln>
             </p:spPr>
@@ -3714,826 +6909,29 @@
               <a:p>
                 <a:pPr algn="ctr"/>
                 <a:r>
-                  <a:rPr lang="de-CH" sz="1000" dirty="0">
+                  <a:rPr lang="de-CH" sz="800" dirty="0">
                     <a:solidFill>
                       <a:schemeClr val="bg1"/>
                     </a:solidFill>
+                    <a:latin typeface="+mj-lt"/>
                   </a:rPr>
-                  <a:t>...</a:t>
+                  <a:t>Sequence of length 60 with offset 2</a:t>
                 </a:r>
-                <a:endParaRPr lang="LID4096" sz="1000" dirty="0">
+                <a:endParaRPr lang="LID4096" sz="800" dirty="0">
                   <a:solidFill>
                     <a:schemeClr val="bg1"/>
                   </a:solidFill>
+                  <a:latin typeface="+mj-lt"/>
                 </a:endParaRPr>
               </a:p>
             </p:txBody>
           </p:sp>
         </p:grpSp>
-        <p:sp>
-          <p:nvSpPr>
-            <p:cNvPr id="44" name="Rectangle 43">
-              <a:extLst>
-                <a:ext uri="{FF2B5EF4-FFF2-40B4-BE49-F238E27FC236}">
-                  <a16:creationId xmlns:a16="http://schemas.microsoft.com/office/drawing/2014/main" id="{F42CEDAF-F160-4EAB-A2B3-09974F4410F9}"/>
-                </a:ext>
-              </a:extLst>
-            </p:cNvPr>
-            <p:cNvSpPr/>
-            <p:nvPr/>
-          </p:nvSpPr>
-          <p:spPr>
-            <a:xfrm>
-              <a:off x="1647878" y="4407449"/>
-              <a:ext cx="2586632" cy="1389259"/>
-            </a:xfrm>
-            <a:prstGeom prst="rect">
-              <a:avLst/>
-            </a:prstGeom>
-            <a:solidFill>
-              <a:srgbClr val="F2F2F2">
-                <a:alpha val="63922"/>
-              </a:srgbClr>
-            </a:solidFill>
-            <a:ln w="6350">
-              <a:noFill/>
-            </a:ln>
-          </p:spPr>
-          <p:style>
-            <a:lnRef idx="2">
-              <a:schemeClr val="accent1">
-                <a:shade val="50000"/>
-              </a:schemeClr>
-            </a:lnRef>
-            <a:fillRef idx="1">
-              <a:schemeClr val="accent1"/>
-            </a:fillRef>
-            <a:effectRef idx="0">
-              <a:schemeClr val="accent1"/>
-            </a:effectRef>
-            <a:fontRef idx="minor">
-              <a:schemeClr val="lt1"/>
-            </a:fontRef>
-          </p:style>
-          <p:txBody>
-            <a:bodyPr rtlCol="0" anchor="ctr"/>
-            <a:lstStyle/>
-            <a:p>
-              <a:pPr algn="ctr"/>
-              <a:endParaRPr lang="LID4096" dirty="0"/>
-            </a:p>
-          </p:txBody>
-        </p:sp>
-        <p:sp>
-          <p:nvSpPr>
-            <p:cNvPr id="45" name="Rectangle 44">
-              <a:extLst>
-                <a:ext uri="{FF2B5EF4-FFF2-40B4-BE49-F238E27FC236}">
-                  <a16:creationId xmlns:a16="http://schemas.microsoft.com/office/drawing/2014/main" id="{A312473B-AA2D-4614-BB24-141453B97694}"/>
-                </a:ext>
-              </a:extLst>
-            </p:cNvPr>
-            <p:cNvSpPr/>
-            <p:nvPr/>
-          </p:nvSpPr>
-          <p:spPr>
-            <a:xfrm>
-              <a:off x="1644703" y="4250566"/>
-              <a:ext cx="696791" cy="153888"/>
-            </a:xfrm>
-            <a:prstGeom prst="rect">
-              <a:avLst/>
-            </a:prstGeom>
-            <a:solidFill>
-              <a:srgbClr val="F2F2F2">
-                <a:alpha val="63922"/>
-              </a:srgbClr>
-            </a:solidFill>
-            <a:ln w="6350">
-              <a:noFill/>
-            </a:ln>
-          </p:spPr>
-          <p:style>
-            <a:lnRef idx="2">
-              <a:schemeClr val="accent1">
-                <a:shade val="50000"/>
-              </a:schemeClr>
-            </a:lnRef>
-            <a:fillRef idx="1">
-              <a:schemeClr val="accent1"/>
-            </a:fillRef>
-            <a:effectRef idx="0">
-              <a:schemeClr val="accent1"/>
-            </a:effectRef>
-            <a:fontRef idx="minor">
-              <a:schemeClr val="lt1"/>
-            </a:fontRef>
-          </p:style>
-          <p:txBody>
-            <a:bodyPr rtlCol="0" anchor="ctr"/>
-            <a:lstStyle/>
-            <a:p>
-              <a:pPr algn="ctr"/>
-              <a:endParaRPr lang="LID4096" dirty="0"/>
-            </a:p>
-          </p:txBody>
-        </p:sp>
-      </p:grpSp>
-      <p:grpSp>
-        <p:nvGrpSpPr>
-          <p:cNvPr id="36" name="Group 35">
-            <a:extLst>
-              <a:ext uri="{FF2B5EF4-FFF2-40B4-BE49-F238E27FC236}">
-                <a16:creationId xmlns:a16="http://schemas.microsoft.com/office/drawing/2014/main" id="{57C3C693-C009-434B-B4B2-03FD3025C59D}"/>
-              </a:ext>
-            </a:extLst>
-          </p:cNvPr>
-          <p:cNvGrpSpPr/>
-          <p:nvPr/>
-        </p:nvGrpSpPr>
-        <p:grpSpPr>
-          <a:xfrm>
-            <a:off x="696000" y="909000"/>
-            <a:ext cx="2589807" cy="1546142"/>
-            <a:chOff x="1647878" y="4250566"/>
-            <a:chExt cx="2589807" cy="1546142"/>
-          </a:xfrm>
-        </p:grpSpPr>
-        <p:grpSp>
-          <p:nvGrpSpPr>
-            <p:cNvPr id="37" name="Group 36">
-              <a:extLst>
-                <a:ext uri="{FF2B5EF4-FFF2-40B4-BE49-F238E27FC236}">
-                  <a16:creationId xmlns:a16="http://schemas.microsoft.com/office/drawing/2014/main" id="{9C057533-8CAA-4261-8DD4-509128C5B6EB}"/>
-                </a:ext>
-              </a:extLst>
-            </p:cNvPr>
-            <p:cNvGrpSpPr/>
-            <p:nvPr/>
-          </p:nvGrpSpPr>
-          <p:grpSpPr>
-            <a:xfrm>
-              <a:off x="1647878" y="4250566"/>
-              <a:ext cx="2589807" cy="1546142"/>
-              <a:chOff x="377498" y="710424"/>
-              <a:chExt cx="2589807" cy="1546142"/>
-            </a:xfrm>
-          </p:grpSpPr>
-          <p:pic>
-            <p:nvPicPr>
-              <p:cNvPr id="40" name="Picture 39">
-                <a:extLst>
-                  <a:ext uri="{FF2B5EF4-FFF2-40B4-BE49-F238E27FC236}">
-                    <a16:creationId xmlns:a16="http://schemas.microsoft.com/office/drawing/2014/main" id="{FFDC24C5-8130-4989-B374-C238603EA6B8}"/>
-                  </a:ext>
-                </a:extLst>
-              </p:cNvPr>
-              <p:cNvPicPr>
-                <a:picLocks noChangeAspect="1"/>
-              </p:cNvPicPr>
-              <p:nvPr/>
-            </p:nvPicPr>
-            <p:blipFill rotWithShape="1">
-              <a:blip r:embed="rId2"/>
-              <a:srcRect l="1976" t="2981" r="2028" b="4155"/>
-              <a:stretch/>
-            </p:blipFill>
-            <p:spPr>
-              <a:xfrm>
-                <a:off x="380673" y="867307"/>
-                <a:ext cx="2586632" cy="1389259"/>
-              </a:xfrm>
-              <a:prstGeom prst="rect">
-                <a:avLst/>
-              </a:prstGeom>
-              <a:ln w="6350">
-                <a:solidFill>
-                  <a:schemeClr val="bg1">
-                    <a:lumMod val="85000"/>
-                  </a:schemeClr>
-                </a:solidFill>
-              </a:ln>
-            </p:spPr>
-          </p:pic>
-          <p:sp>
-            <p:nvSpPr>
-              <p:cNvPr id="41" name="TextBox 40">
-                <a:extLst>
-                  <a:ext uri="{FF2B5EF4-FFF2-40B4-BE49-F238E27FC236}">
-                    <a16:creationId xmlns:a16="http://schemas.microsoft.com/office/drawing/2014/main" id="{2678EF98-20F4-4638-AF1E-D45D5A02BA3D}"/>
-                  </a:ext>
-                </a:extLst>
-              </p:cNvPr>
-              <p:cNvSpPr txBox="1"/>
-              <p:nvPr/>
-            </p:nvSpPr>
-            <p:spPr>
-              <a:xfrm>
-                <a:off x="377498" y="710424"/>
-                <a:ext cx="696791" cy="153888"/>
-              </a:xfrm>
-              <a:prstGeom prst="rect">
-                <a:avLst/>
-              </a:prstGeom>
-              <a:solidFill>
-                <a:srgbClr val="C00000"/>
-              </a:solidFill>
-              <a:ln w="6350">
-                <a:solidFill>
-                  <a:schemeClr val="bg1">
-                    <a:lumMod val="85000"/>
-                  </a:schemeClr>
-                </a:solidFill>
-              </a:ln>
-            </p:spPr>
-            <p:txBody>
-              <a:bodyPr wrap="square" lIns="36000" tIns="0" rIns="36000" bIns="0" rtlCol="0">
-                <a:spAutoFit/>
-              </a:bodyPr>
-              <a:lstStyle/>
-              <a:p>
-                <a:pPr algn="ctr"/>
-                <a:r>
-                  <a:rPr lang="de-CH" sz="1000" dirty="0">
-                    <a:solidFill>
-                      <a:schemeClr val="bg1"/>
-                    </a:solidFill>
-                  </a:rPr>
-                  <a:t>03.03.2017</a:t>
-                </a:r>
-                <a:endParaRPr lang="LID4096" sz="1000" dirty="0">
-                  <a:solidFill>
-                    <a:schemeClr val="bg1"/>
-                  </a:solidFill>
-                </a:endParaRPr>
-              </a:p>
-            </p:txBody>
-          </p:sp>
-        </p:grpSp>
-        <p:sp>
-          <p:nvSpPr>
-            <p:cNvPr id="38" name="Rectangle 37">
-              <a:extLst>
-                <a:ext uri="{FF2B5EF4-FFF2-40B4-BE49-F238E27FC236}">
-                  <a16:creationId xmlns:a16="http://schemas.microsoft.com/office/drawing/2014/main" id="{0DAB4ABC-84F3-4CDC-A8FD-FBDA49611016}"/>
-                </a:ext>
-              </a:extLst>
-            </p:cNvPr>
-            <p:cNvSpPr/>
-            <p:nvPr/>
-          </p:nvSpPr>
-          <p:spPr>
-            <a:xfrm>
-              <a:off x="1647878" y="4407449"/>
-              <a:ext cx="2586632" cy="1389259"/>
-            </a:xfrm>
-            <a:prstGeom prst="rect">
-              <a:avLst/>
-            </a:prstGeom>
-            <a:solidFill>
-              <a:srgbClr val="F2F2F2">
-                <a:alpha val="63922"/>
-              </a:srgbClr>
-            </a:solidFill>
-            <a:ln w="6350">
-              <a:noFill/>
-            </a:ln>
-          </p:spPr>
-          <p:style>
-            <a:lnRef idx="2">
-              <a:schemeClr val="accent1">
-                <a:shade val="50000"/>
-              </a:schemeClr>
-            </a:lnRef>
-            <a:fillRef idx="1">
-              <a:schemeClr val="accent1"/>
-            </a:fillRef>
-            <a:effectRef idx="0">
-              <a:schemeClr val="accent1"/>
-            </a:effectRef>
-            <a:fontRef idx="minor">
-              <a:schemeClr val="lt1"/>
-            </a:fontRef>
-          </p:style>
-          <p:txBody>
-            <a:bodyPr rtlCol="0" anchor="ctr"/>
-            <a:lstStyle/>
-            <a:p>
-              <a:pPr algn="ctr"/>
-              <a:endParaRPr lang="LID4096" dirty="0"/>
-            </a:p>
-          </p:txBody>
-        </p:sp>
-        <p:sp>
-          <p:nvSpPr>
-            <p:cNvPr id="39" name="Rectangle 38">
-              <a:extLst>
-                <a:ext uri="{FF2B5EF4-FFF2-40B4-BE49-F238E27FC236}">
-                  <a16:creationId xmlns:a16="http://schemas.microsoft.com/office/drawing/2014/main" id="{E6E73B12-A75F-4AD5-A91F-7E14C9D5DF46}"/>
-                </a:ext>
-              </a:extLst>
-            </p:cNvPr>
-            <p:cNvSpPr/>
-            <p:nvPr/>
-          </p:nvSpPr>
-          <p:spPr>
-            <a:xfrm>
-              <a:off x="1651053" y="4250566"/>
-              <a:ext cx="696791" cy="153888"/>
-            </a:xfrm>
-            <a:prstGeom prst="rect">
-              <a:avLst/>
-            </a:prstGeom>
-            <a:solidFill>
-              <a:srgbClr val="F2F2F2">
-                <a:alpha val="63922"/>
-              </a:srgbClr>
-            </a:solidFill>
-            <a:ln w="6350">
-              <a:noFill/>
-            </a:ln>
-          </p:spPr>
-          <p:style>
-            <a:lnRef idx="2">
-              <a:schemeClr val="accent1">
-                <a:shade val="50000"/>
-              </a:schemeClr>
-            </a:lnRef>
-            <a:fillRef idx="1">
-              <a:schemeClr val="accent1"/>
-            </a:fillRef>
-            <a:effectRef idx="0">
-              <a:schemeClr val="accent1"/>
-            </a:effectRef>
-            <a:fontRef idx="minor">
-              <a:schemeClr val="lt1"/>
-            </a:fontRef>
-          </p:style>
-          <p:txBody>
-            <a:bodyPr rtlCol="0" anchor="ctr"/>
-            <a:lstStyle/>
-            <a:p>
-              <a:pPr algn="ctr"/>
-              <a:endParaRPr lang="LID4096" dirty="0"/>
-            </a:p>
-          </p:txBody>
-        </p:sp>
-      </p:grpSp>
-      <p:grpSp>
-        <p:nvGrpSpPr>
-          <p:cNvPr id="22" name="Group 21">
-            <a:extLst>
-              <a:ext uri="{FF2B5EF4-FFF2-40B4-BE49-F238E27FC236}">
-                <a16:creationId xmlns:a16="http://schemas.microsoft.com/office/drawing/2014/main" id="{4BD9A5BF-F94D-44E7-A195-F99B65AB80FD}"/>
-              </a:ext>
-            </a:extLst>
-          </p:cNvPr>
-          <p:cNvGrpSpPr/>
-          <p:nvPr/>
-        </p:nvGrpSpPr>
-        <p:grpSpPr>
-          <a:xfrm>
-            <a:off x="516000" y="1089000"/>
-            <a:ext cx="2589807" cy="1546142"/>
-            <a:chOff x="1647878" y="4250566"/>
-            <a:chExt cx="2589807" cy="1546142"/>
-          </a:xfrm>
-        </p:grpSpPr>
-        <p:grpSp>
-          <p:nvGrpSpPr>
-            <p:cNvPr id="30" name="Group 29">
-              <a:extLst>
-                <a:ext uri="{FF2B5EF4-FFF2-40B4-BE49-F238E27FC236}">
-                  <a16:creationId xmlns:a16="http://schemas.microsoft.com/office/drawing/2014/main" id="{80683E21-B99B-46B5-9DC9-0726683B5BEC}"/>
-                </a:ext>
-              </a:extLst>
-            </p:cNvPr>
-            <p:cNvGrpSpPr/>
-            <p:nvPr/>
-          </p:nvGrpSpPr>
-          <p:grpSpPr>
-            <a:xfrm>
-              <a:off x="1647878" y="4250566"/>
-              <a:ext cx="2589807" cy="1546142"/>
-              <a:chOff x="377498" y="710424"/>
-              <a:chExt cx="2589807" cy="1546142"/>
-            </a:xfrm>
-          </p:grpSpPr>
-          <p:pic>
-            <p:nvPicPr>
-              <p:cNvPr id="31" name="Picture 30">
-                <a:extLst>
-                  <a:ext uri="{FF2B5EF4-FFF2-40B4-BE49-F238E27FC236}">
-                    <a16:creationId xmlns:a16="http://schemas.microsoft.com/office/drawing/2014/main" id="{BABBFD80-505C-4A32-BBE1-E92E84AFD0E4}"/>
-                  </a:ext>
-                </a:extLst>
-              </p:cNvPr>
-              <p:cNvPicPr>
-                <a:picLocks noChangeAspect="1"/>
-              </p:cNvPicPr>
-              <p:nvPr/>
-            </p:nvPicPr>
-            <p:blipFill rotWithShape="1">
-              <a:blip r:embed="rId2"/>
-              <a:srcRect l="1976" t="2981" r="2028" b="4155"/>
-              <a:stretch/>
-            </p:blipFill>
-            <p:spPr>
-              <a:xfrm>
-                <a:off x="380673" y="867307"/>
-                <a:ext cx="2586632" cy="1389259"/>
-              </a:xfrm>
-              <a:prstGeom prst="rect">
-                <a:avLst/>
-              </a:prstGeom>
-              <a:ln w="6350">
-                <a:solidFill>
-                  <a:schemeClr val="bg1">
-                    <a:lumMod val="85000"/>
-                  </a:schemeClr>
-                </a:solidFill>
-              </a:ln>
-            </p:spPr>
-          </p:pic>
-          <p:sp>
-            <p:nvSpPr>
-              <p:cNvPr id="32" name="TextBox 31">
-                <a:extLst>
-                  <a:ext uri="{FF2B5EF4-FFF2-40B4-BE49-F238E27FC236}">
-                    <a16:creationId xmlns:a16="http://schemas.microsoft.com/office/drawing/2014/main" id="{3EEA09B0-E369-4667-8D62-3EBF796D8BBC}"/>
-                  </a:ext>
-                </a:extLst>
-              </p:cNvPr>
-              <p:cNvSpPr txBox="1"/>
-              <p:nvPr/>
-            </p:nvSpPr>
-            <p:spPr>
-              <a:xfrm>
-                <a:off x="377498" y="710424"/>
-                <a:ext cx="696791" cy="153888"/>
-              </a:xfrm>
-              <a:prstGeom prst="rect">
-                <a:avLst/>
-              </a:prstGeom>
-              <a:solidFill>
-                <a:srgbClr val="C00000"/>
-              </a:solidFill>
-              <a:ln w="6350">
-                <a:solidFill>
-                  <a:schemeClr val="bg1">
-                    <a:lumMod val="85000"/>
-                  </a:schemeClr>
-                </a:solidFill>
-              </a:ln>
-            </p:spPr>
-            <p:txBody>
-              <a:bodyPr wrap="square" lIns="36000" tIns="0" rIns="36000" bIns="0" rtlCol="0">
-                <a:spAutoFit/>
-              </a:bodyPr>
-              <a:lstStyle/>
-              <a:p>
-                <a:pPr algn="ctr"/>
-                <a:r>
-                  <a:rPr lang="de-CH" sz="1000" dirty="0">
-                    <a:solidFill>
-                      <a:schemeClr val="bg1"/>
-                    </a:solidFill>
-                  </a:rPr>
-                  <a:t>02.03.2017</a:t>
-                </a:r>
-                <a:endParaRPr lang="LID4096" sz="1000" dirty="0">
-                  <a:solidFill>
-                    <a:schemeClr val="bg1"/>
-                  </a:solidFill>
-                </a:endParaRPr>
-              </a:p>
-            </p:txBody>
-          </p:sp>
-        </p:grpSp>
-        <p:sp>
-          <p:nvSpPr>
-            <p:cNvPr id="33" name="Rectangle 32">
-              <a:extLst>
-                <a:ext uri="{FF2B5EF4-FFF2-40B4-BE49-F238E27FC236}">
-                  <a16:creationId xmlns:a16="http://schemas.microsoft.com/office/drawing/2014/main" id="{433FD6A0-4AAB-4E95-B189-50791270488B}"/>
-                </a:ext>
-              </a:extLst>
-            </p:cNvPr>
-            <p:cNvSpPr/>
-            <p:nvPr/>
-          </p:nvSpPr>
-          <p:spPr>
-            <a:xfrm>
-              <a:off x="1647878" y="4407449"/>
-              <a:ext cx="2586632" cy="1389259"/>
-            </a:xfrm>
-            <a:prstGeom prst="rect">
-              <a:avLst/>
-            </a:prstGeom>
-            <a:solidFill>
-              <a:srgbClr val="F2F2F2">
-                <a:alpha val="63922"/>
-              </a:srgbClr>
-            </a:solidFill>
-            <a:ln w="6350">
-              <a:noFill/>
-            </a:ln>
-          </p:spPr>
-          <p:style>
-            <a:lnRef idx="2">
-              <a:schemeClr val="accent1">
-                <a:shade val="50000"/>
-              </a:schemeClr>
-            </a:lnRef>
-            <a:fillRef idx="1">
-              <a:schemeClr val="accent1"/>
-            </a:fillRef>
-            <a:effectRef idx="0">
-              <a:schemeClr val="accent1"/>
-            </a:effectRef>
-            <a:fontRef idx="minor">
-              <a:schemeClr val="lt1"/>
-            </a:fontRef>
-          </p:style>
-          <p:txBody>
-            <a:bodyPr rtlCol="0" anchor="ctr"/>
-            <a:lstStyle/>
-            <a:p>
-              <a:pPr algn="ctr"/>
-              <a:endParaRPr lang="LID4096" dirty="0"/>
-            </a:p>
-          </p:txBody>
-        </p:sp>
-        <p:sp>
-          <p:nvSpPr>
-            <p:cNvPr id="34" name="Rectangle 33">
-              <a:extLst>
-                <a:ext uri="{FF2B5EF4-FFF2-40B4-BE49-F238E27FC236}">
-                  <a16:creationId xmlns:a16="http://schemas.microsoft.com/office/drawing/2014/main" id="{617DB8C9-2BDF-4626-92CD-AAF39F838DF8}"/>
-                </a:ext>
-              </a:extLst>
-            </p:cNvPr>
-            <p:cNvSpPr/>
-            <p:nvPr/>
-          </p:nvSpPr>
-          <p:spPr>
-            <a:xfrm>
-              <a:off x="1651053" y="4250566"/>
-              <a:ext cx="696791" cy="153888"/>
-            </a:xfrm>
-            <a:prstGeom prst="rect">
-              <a:avLst/>
-            </a:prstGeom>
-            <a:solidFill>
-              <a:srgbClr val="F2F2F2">
-                <a:alpha val="63922"/>
-              </a:srgbClr>
-            </a:solidFill>
-            <a:ln w="6350">
-              <a:noFill/>
-            </a:ln>
-          </p:spPr>
-          <p:style>
-            <a:lnRef idx="2">
-              <a:schemeClr val="accent1">
-                <a:shade val="50000"/>
-              </a:schemeClr>
-            </a:lnRef>
-            <a:fillRef idx="1">
-              <a:schemeClr val="accent1"/>
-            </a:fillRef>
-            <a:effectRef idx="0">
-              <a:schemeClr val="accent1"/>
-            </a:effectRef>
-            <a:fontRef idx="minor">
-              <a:schemeClr val="lt1"/>
-            </a:fontRef>
-          </p:style>
-          <p:txBody>
-            <a:bodyPr rtlCol="0" anchor="ctr"/>
-            <a:lstStyle/>
-            <a:p>
-              <a:pPr algn="ctr"/>
-              <a:endParaRPr lang="LID4096" dirty="0"/>
-            </a:p>
-          </p:txBody>
-        </p:sp>
-      </p:grpSp>
-      <p:sp>
-        <p:nvSpPr>
-          <p:cNvPr id="4" name="Rectangle 3">
-            <a:extLst>
-              <a:ext uri="{FF2B5EF4-FFF2-40B4-BE49-F238E27FC236}">
-                <a16:creationId xmlns:a16="http://schemas.microsoft.com/office/drawing/2014/main" id="{DA627CE1-02BE-4096-A973-5701AE2FB704}"/>
-              </a:ext>
-            </a:extLst>
-          </p:cNvPr>
-          <p:cNvSpPr/>
-          <p:nvPr/>
-        </p:nvSpPr>
-        <p:spPr>
-          <a:xfrm rot="16200000">
-            <a:off x="4702429" y="2757964"/>
-            <a:ext cx="2534284" cy="335057"/>
-          </a:xfrm>
-          <a:prstGeom prst="rect">
-            <a:avLst/>
-          </a:prstGeom>
-        </p:spPr>
-        <p:style>
-          <a:lnRef idx="2">
-            <a:schemeClr val="accent1">
-              <a:shade val="50000"/>
-            </a:schemeClr>
-          </a:lnRef>
-          <a:fillRef idx="1">
-            <a:schemeClr val="accent1"/>
-          </a:fillRef>
-          <a:effectRef idx="0">
-            <a:schemeClr val="accent1"/>
-          </a:effectRef>
-          <a:fontRef idx="minor">
-            <a:schemeClr val="lt1"/>
-          </a:fontRef>
-        </p:style>
-        <p:txBody>
-          <a:bodyPr rtlCol="0" anchor="ctr"/>
-          <a:lstStyle/>
-          <a:p>
-            <a:pPr algn="ctr"/>
-            <a:r>
-              <a:rPr lang="de-CH" dirty="0"/>
-              <a:t>LSTM</a:t>
-            </a:r>
-            <a:endParaRPr lang="LID4096" dirty="0"/>
-          </a:p>
-        </p:txBody>
-      </p:sp>
-      <p:sp>
-        <p:nvSpPr>
-          <p:cNvPr id="6" name="Rectangle 5">
-            <a:extLst>
-              <a:ext uri="{FF2B5EF4-FFF2-40B4-BE49-F238E27FC236}">
-                <a16:creationId xmlns:a16="http://schemas.microsoft.com/office/drawing/2014/main" id="{A0912C1A-9C19-41FF-8FD5-30ED6395CDF3}"/>
-              </a:ext>
-            </a:extLst>
-          </p:cNvPr>
-          <p:cNvSpPr/>
-          <p:nvPr/>
-        </p:nvSpPr>
-        <p:spPr>
-          <a:xfrm rot="16200000">
-            <a:off x="5479474" y="2757665"/>
-            <a:ext cx="2534284" cy="335655"/>
-          </a:xfrm>
-          <a:prstGeom prst="rect">
-            <a:avLst/>
-          </a:prstGeom>
-        </p:spPr>
-        <p:style>
-          <a:lnRef idx="2">
-            <a:schemeClr val="accent1">
-              <a:shade val="50000"/>
-            </a:schemeClr>
-          </a:lnRef>
-          <a:fillRef idx="1">
-            <a:schemeClr val="accent1"/>
-          </a:fillRef>
-          <a:effectRef idx="0">
-            <a:schemeClr val="accent1"/>
-          </a:effectRef>
-          <a:fontRef idx="minor">
-            <a:schemeClr val="lt1"/>
-          </a:fontRef>
-        </p:style>
-        <p:txBody>
-          <a:bodyPr rtlCol="0" anchor="ctr"/>
-          <a:lstStyle/>
-          <a:p>
-            <a:pPr algn="ctr"/>
-            <a:r>
-              <a:rPr lang="de-CH" dirty="0"/>
-              <a:t>Dense</a:t>
-            </a:r>
-            <a:endParaRPr lang="LID4096" dirty="0"/>
-          </a:p>
-        </p:txBody>
-      </p:sp>
-      <p:grpSp>
-        <p:nvGrpSpPr>
-          <p:cNvPr id="8" name="Group 7">
-            <a:extLst>
-              <a:ext uri="{FF2B5EF4-FFF2-40B4-BE49-F238E27FC236}">
-                <a16:creationId xmlns:a16="http://schemas.microsoft.com/office/drawing/2014/main" id="{62D62B61-3690-4AA2-8AA7-DFA2E3BC3CCA}"/>
-              </a:ext>
-            </a:extLst>
-          </p:cNvPr>
-          <p:cNvGrpSpPr/>
-          <p:nvPr/>
-        </p:nvGrpSpPr>
-        <p:grpSpPr>
-          <a:xfrm>
-            <a:off x="336000" y="1269000"/>
-            <a:ext cx="2589807" cy="1546142"/>
-            <a:chOff x="377498" y="710424"/>
-            <a:chExt cx="2589807" cy="1546142"/>
-          </a:xfrm>
-        </p:grpSpPr>
-        <p:pic>
-          <p:nvPicPr>
-            <p:cNvPr id="5" name="Picture 4">
-              <a:extLst>
-                <a:ext uri="{FF2B5EF4-FFF2-40B4-BE49-F238E27FC236}">
-                  <a16:creationId xmlns:a16="http://schemas.microsoft.com/office/drawing/2014/main" id="{0CD5E5B4-1E43-4E17-8734-632E9146C8B1}"/>
-                </a:ext>
-              </a:extLst>
-            </p:cNvPr>
-            <p:cNvPicPr>
-              <a:picLocks noChangeAspect="1"/>
-            </p:cNvPicPr>
-            <p:nvPr/>
-          </p:nvPicPr>
-          <p:blipFill rotWithShape="1">
-            <a:blip r:embed="rId2"/>
-            <a:srcRect l="1976" t="2981" r="2028" b="4155"/>
-            <a:stretch/>
-          </p:blipFill>
-          <p:spPr>
-            <a:xfrm>
-              <a:off x="380673" y="867307"/>
-              <a:ext cx="2586632" cy="1389259"/>
-            </a:xfrm>
-            <a:prstGeom prst="rect">
-              <a:avLst/>
-            </a:prstGeom>
-            <a:ln w="6350">
-              <a:solidFill>
-                <a:schemeClr val="bg1">
-                  <a:lumMod val="85000"/>
-                </a:schemeClr>
-              </a:solidFill>
-            </a:ln>
-          </p:spPr>
-        </p:pic>
-        <p:sp>
-          <p:nvSpPr>
-            <p:cNvPr id="7" name="TextBox 6">
-              <a:extLst>
-                <a:ext uri="{FF2B5EF4-FFF2-40B4-BE49-F238E27FC236}">
-                  <a16:creationId xmlns:a16="http://schemas.microsoft.com/office/drawing/2014/main" id="{AC6CA081-DF0A-4A86-9218-8D78B40EA962}"/>
-                </a:ext>
-              </a:extLst>
-            </p:cNvPr>
-            <p:cNvSpPr txBox="1"/>
-            <p:nvPr/>
-          </p:nvSpPr>
-          <p:spPr>
-            <a:xfrm>
-              <a:off x="377498" y="710424"/>
-              <a:ext cx="696791" cy="153888"/>
-            </a:xfrm>
-            <a:prstGeom prst="rect">
-              <a:avLst/>
-            </a:prstGeom>
-            <a:solidFill>
-              <a:srgbClr val="C00000"/>
-            </a:solidFill>
-            <a:ln w="6350">
-              <a:solidFill>
-                <a:schemeClr val="bg1">
-                  <a:lumMod val="85000"/>
-                </a:schemeClr>
-              </a:solidFill>
-            </a:ln>
-          </p:spPr>
-          <p:txBody>
-            <a:bodyPr wrap="square" lIns="36000" tIns="0" rIns="36000" bIns="0" rtlCol="0">
-              <a:spAutoFit/>
-            </a:bodyPr>
-            <a:lstStyle/>
-            <a:p>
-              <a:pPr algn="ctr"/>
-              <a:r>
-                <a:rPr lang="de-CH" sz="1000" dirty="0">
-                  <a:solidFill>
-                    <a:schemeClr val="bg1"/>
-                  </a:solidFill>
-                </a:rPr>
-                <a:t>01.03.2017</a:t>
-              </a:r>
-              <a:endParaRPr lang="LID4096" sz="1000" dirty="0">
-                <a:solidFill>
-                  <a:schemeClr val="bg1"/>
-                </a:solidFill>
-              </a:endParaRPr>
-            </a:p>
-          </p:txBody>
-        </p:sp>
       </p:grpSp>
     </p:spTree>
     <p:extLst>
       <p:ext uri="{BB962C8B-B14F-4D97-AF65-F5344CB8AC3E}">
-        <p14:creationId xmlns:p14="http://schemas.microsoft.com/office/powerpoint/2010/main" val="157495772"/>
+        <p14:creationId xmlns:p14="http://schemas.microsoft.com/office/powerpoint/2010/main" val="3722058136"/>
       </p:ext>
     </p:extLst>
   </p:cSld>
@@ -4562,10 +6960,10 @@
       </p:grpSpPr>
       <p:grpSp>
         <p:nvGrpSpPr>
-          <p:cNvPr id="4" name="Group 3">
+          <p:cNvPr id="120" name="Group 119">
             <a:extLst>
               <a:ext uri="{FF2B5EF4-FFF2-40B4-BE49-F238E27FC236}">
-                <a16:creationId xmlns:a16="http://schemas.microsoft.com/office/drawing/2014/main" id="{D1A37176-0F00-4B14-B3DC-52B7A0B02845}"/>
+                <a16:creationId xmlns:a16="http://schemas.microsoft.com/office/drawing/2014/main" id="{8A4A729A-3ACC-4FEC-B250-554CE8E9F87D}"/>
               </a:ext>
             </a:extLst>
           </p:cNvPr>
@@ -4574,656 +6972,2897 @@
         </p:nvGrpSpPr>
         <p:grpSpPr>
           <a:xfrm>
-            <a:off x="201000" y="189000"/>
-            <a:ext cx="2589807" cy="1546142"/>
-            <a:chOff x="377498" y="710424"/>
-            <a:chExt cx="2589807" cy="1546142"/>
+            <a:off x="33291" y="41083"/>
+            <a:ext cx="6885654" cy="5625548"/>
+            <a:chOff x="3249700" y="616226"/>
+            <a:chExt cx="6885654" cy="5625548"/>
           </a:xfrm>
         </p:grpSpPr>
-        <p:pic>
-          <p:nvPicPr>
-            <p:cNvPr id="5" name="Picture 4">
+        <p:grpSp>
+          <p:nvGrpSpPr>
+            <p:cNvPr id="3" name="Group 2">
               <a:extLst>
                 <a:ext uri="{FF2B5EF4-FFF2-40B4-BE49-F238E27FC236}">
-                  <a16:creationId xmlns:a16="http://schemas.microsoft.com/office/drawing/2014/main" id="{08B59E7A-86B6-47EB-BDFA-8D7F08446DE9}"/>
+                  <a16:creationId xmlns:a16="http://schemas.microsoft.com/office/drawing/2014/main" id="{AC4231EE-5530-4CFB-90B1-D3D634E3AADA}"/>
                 </a:ext>
               </a:extLst>
             </p:cNvPr>
-            <p:cNvPicPr>
-              <a:picLocks noChangeAspect="1"/>
-            </p:cNvPicPr>
+            <p:cNvGrpSpPr/>
             <p:nvPr/>
-          </p:nvPicPr>
-          <p:blipFill rotWithShape="1">
-            <a:blip r:embed="rId2"/>
-            <a:srcRect l="1976" t="2981" r="2028" b="4155"/>
-            <a:stretch/>
-          </p:blipFill>
-          <p:spPr>
+          </p:nvGrpSpPr>
+          <p:grpSpPr>
             <a:xfrm>
-              <a:off x="380673" y="867307"/>
-              <a:ext cx="2586632" cy="1389259"/>
+              <a:off x="3256806" y="616226"/>
+              <a:ext cx="5206931" cy="1119751"/>
+              <a:chOff x="229242" y="1402883"/>
+              <a:chExt cx="5206931" cy="1119751"/>
             </a:xfrm>
-            <a:prstGeom prst="rect">
-              <a:avLst/>
-            </a:prstGeom>
-            <a:ln w="6350">
-              <a:solidFill>
-                <a:schemeClr val="bg1">
-                  <a:lumMod val="85000"/>
+          </p:grpSpPr>
+          <p:sp>
+            <p:nvSpPr>
+              <p:cNvPr id="5" name="Rectangle 4">
+                <a:extLst>
+                  <a:ext uri="{FF2B5EF4-FFF2-40B4-BE49-F238E27FC236}">
+                    <a16:creationId xmlns:a16="http://schemas.microsoft.com/office/drawing/2014/main" id="{D7CC062C-1414-469F-ACC7-79FC10F5F994}"/>
+                  </a:ext>
+                </a:extLst>
+              </p:cNvPr>
+              <p:cNvSpPr/>
+              <p:nvPr/>
+            </p:nvSpPr>
+            <p:spPr>
+              <a:xfrm>
+                <a:off x="229242" y="1402883"/>
+                <a:ext cx="5206931" cy="1119751"/>
+              </a:xfrm>
+              <a:prstGeom prst="rect">
+                <a:avLst/>
+              </a:prstGeom>
+              <a:noFill/>
+              <a:ln w="28575">
+                <a:solidFill>
+                  <a:schemeClr val="accent2"/>
+                </a:solidFill>
+              </a:ln>
+            </p:spPr>
+            <p:style>
+              <a:lnRef idx="2">
+                <a:schemeClr val="accent1">
+                  <a:shade val="50000"/>
                 </a:schemeClr>
-              </a:solidFill>
-            </a:ln>
-          </p:spPr>
-        </p:pic>
-        <p:sp>
-          <p:nvSpPr>
-            <p:cNvPr id="6" name="TextBox 5">
+              </a:lnRef>
+              <a:fillRef idx="1">
+                <a:schemeClr val="accent1"/>
+              </a:fillRef>
+              <a:effectRef idx="0">
+                <a:schemeClr val="accent1"/>
+              </a:effectRef>
+              <a:fontRef idx="minor">
+                <a:schemeClr val="lt1"/>
+              </a:fontRef>
+            </p:style>
+            <p:txBody>
+              <a:bodyPr rtlCol="0" anchor="ctr"/>
+              <a:lstStyle/>
+              <a:p>
+                <a:pPr algn="ctr"/>
+                <a:endParaRPr lang="LID4096"/>
+              </a:p>
+            </p:txBody>
+          </p:sp>
+          <p:grpSp>
+            <p:nvGrpSpPr>
+              <p:cNvPr id="6" name="Group 5">
+                <a:extLst>
+                  <a:ext uri="{FF2B5EF4-FFF2-40B4-BE49-F238E27FC236}">
+                    <a16:creationId xmlns:a16="http://schemas.microsoft.com/office/drawing/2014/main" id="{D492E6D4-40DE-4CA7-93FE-211FFAE2AA45}"/>
+                  </a:ext>
+                </a:extLst>
+              </p:cNvPr>
+              <p:cNvGrpSpPr/>
+              <p:nvPr/>
+            </p:nvGrpSpPr>
+            <p:grpSpPr>
+              <a:xfrm>
+                <a:off x="274401" y="1443600"/>
+                <a:ext cx="1673518" cy="1037171"/>
+                <a:chOff x="215774" y="187074"/>
+                <a:chExt cx="2857606" cy="1771015"/>
+              </a:xfrm>
+            </p:grpSpPr>
+            <p:grpSp>
+              <p:nvGrpSpPr>
+                <p:cNvPr id="35" name="Group 34">
+                  <a:extLst>
+                    <a:ext uri="{FF2B5EF4-FFF2-40B4-BE49-F238E27FC236}">
+                      <a16:creationId xmlns:a16="http://schemas.microsoft.com/office/drawing/2014/main" id="{96088ED9-AC07-4C0D-856F-45013AA48EB4}"/>
+                    </a:ext>
+                  </a:extLst>
+                </p:cNvPr>
+                <p:cNvGrpSpPr/>
+                <p:nvPr/>
+              </p:nvGrpSpPr>
+              <p:grpSpPr>
+                <a:xfrm>
+                  <a:off x="471000" y="189000"/>
+                  <a:ext cx="2590590" cy="1393217"/>
+                  <a:chOff x="5237042" y="3580335"/>
+                  <a:chExt cx="2590590" cy="1393217"/>
+                </a:xfrm>
+              </p:grpSpPr>
+              <p:pic>
+                <p:nvPicPr>
+                  <p:cNvPr id="46" name="Picture 45">
+                    <a:extLst>
+                      <a:ext uri="{FF2B5EF4-FFF2-40B4-BE49-F238E27FC236}">
+                        <a16:creationId xmlns:a16="http://schemas.microsoft.com/office/drawing/2014/main" id="{FDF0D5FF-1D61-4C68-8A73-068C5FF743D1}"/>
+                      </a:ext>
+                    </a:extLst>
+                  </p:cNvPr>
+                  <p:cNvPicPr>
+                    <a:picLocks noChangeAspect="1"/>
+                  </p:cNvPicPr>
+                  <p:nvPr/>
+                </p:nvPicPr>
+                <p:blipFill rotWithShape="1">
+                  <a:blip r:embed="rId2"/>
+                  <a:srcRect l="1976" t="2981" r="2028" b="4155"/>
+                  <a:stretch/>
+                </p:blipFill>
+                <p:spPr>
+                  <a:xfrm>
+                    <a:off x="5241000" y="3584293"/>
+                    <a:ext cx="2586632" cy="1389259"/>
+                  </a:xfrm>
+                  <a:prstGeom prst="rect">
+                    <a:avLst/>
+                  </a:prstGeom>
+                  <a:ln w="6350">
+                    <a:solidFill>
+                      <a:schemeClr val="tx1"/>
+                    </a:solidFill>
+                  </a:ln>
+                </p:spPr>
+              </p:pic>
+              <p:sp>
+                <p:nvSpPr>
+                  <p:cNvPr id="47" name="TextBox 46">
+                    <a:extLst>
+                      <a:ext uri="{FF2B5EF4-FFF2-40B4-BE49-F238E27FC236}">
+                        <a16:creationId xmlns:a16="http://schemas.microsoft.com/office/drawing/2014/main" id="{E4C81257-DA6E-49D3-ABB7-A686DCF83349}"/>
+                      </a:ext>
+                    </a:extLst>
+                  </p:cNvPr>
+                  <p:cNvSpPr txBox="1"/>
+                  <p:nvPr/>
+                </p:nvSpPr>
+                <p:spPr>
+                  <a:xfrm>
+                    <a:off x="5237042" y="3580335"/>
+                    <a:ext cx="1440882" cy="210217"/>
+                  </a:xfrm>
+                  <a:prstGeom prst="rect">
+                    <a:avLst/>
+                  </a:prstGeom>
+                  <a:solidFill>
+                    <a:srgbClr val="C00000">
+                      <a:alpha val="89804"/>
+                    </a:srgbClr>
+                  </a:solidFill>
+                  <a:ln w="3175">
+                    <a:solidFill>
+                      <a:schemeClr val="tx1"/>
+                    </a:solidFill>
+                  </a:ln>
+                </p:spPr>
+                <p:txBody>
+                  <a:bodyPr wrap="square" lIns="36000" tIns="0" rIns="36000" bIns="0" rtlCol="0">
+                    <a:spAutoFit/>
+                  </a:bodyPr>
+                  <a:lstStyle/>
+                  <a:p>
+                    <a:pPr algn="ctr"/>
+                    <a:r>
+                      <a:rPr lang="de-CH" sz="800" dirty="0">
+                        <a:solidFill>
+                          <a:schemeClr val="bg1"/>
+                        </a:solidFill>
+                        <a:latin typeface="+mj-lt"/>
+                      </a:rPr>
+                      <a:t>...</a:t>
+                    </a:r>
+                    <a:endParaRPr lang="LID4096" sz="800" dirty="0">
+                      <a:solidFill>
+                        <a:schemeClr val="bg1"/>
+                      </a:solidFill>
+                      <a:latin typeface="+mj-lt"/>
+                    </a:endParaRPr>
+                  </a:p>
+                </p:txBody>
+              </p:sp>
+            </p:grpSp>
+            <p:grpSp>
+              <p:nvGrpSpPr>
+                <p:cNvPr id="36" name="Group 35">
+                  <a:extLst>
+                    <a:ext uri="{FF2B5EF4-FFF2-40B4-BE49-F238E27FC236}">
+                      <a16:creationId xmlns:a16="http://schemas.microsoft.com/office/drawing/2014/main" id="{277B92E6-A578-400E-A037-5DB5A97F01B4}"/>
+                    </a:ext>
+                  </a:extLst>
+                </p:cNvPr>
+                <p:cNvGrpSpPr/>
+                <p:nvPr/>
+              </p:nvGrpSpPr>
+              <p:grpSpPr>
+                <a:xfrm>
+                  <a:off x="354434" y="375028"/>
+                  <a:ext cx="2590592" cy="1393217"/>
+                  <a:chOff x="5237040" y="3580335"/>
+                  <a:chExt cx="2590592" cy="1393217"/>
+                </a:xfrm>
+              </p:grpSpPr>
+              <p:pic>
+                <p:nvPicPr>
+                  <p:cNvPr id="44" name="Picture 43">
+                    <a:extLst>
+                      <a:ext uri="{FF2B5EF4-FFF2-40B4-BE49-F238E27FC236}">
+                        <a16:creationId xmlns:a16="http://schemas.microsoft.com/office/drawing/2014/main" id="{75136E5E-8423-48CA-B742-531ED69D30FA}"/>
+                      </a:ext>
+                    </a:extLst>
+                  </p:cNvPr>
+                  <p:cNvPicPr>
+                    <a:picLocks noChangeAspect="1"/>
+                  </p:cNvPicPr>
+                  <p:nvPr/>
+                </p:nvPicPr>
+                <p:blipFill rotWithShape="1">
+                  <a:blip r:embed="rId2"/>
+                  <a:srcRect l="1976" t="2981" r="2028" b="4155"/>
+                  <a:stretch/>
+                </p:blipFill>
+                <p:spPr>
+                  <a:xfrm>
+                    <a:off x="5241000" y="3584293"/>
+                    <a:ext cx="2586632" cy="1389259"/>
+                  </a:xfrm>
+                  <a:prstGeom prst="rect">
+                    <a:avLst/>
+                  </a:prstGeom>
+                  <a:ln w="6350">
+                    <a:solidFill>
+                      <a:schemeClr val="tx1"/>
+                    </a:solidFill>
+                  </a:ln>
+                </p:spPr>
+              </p:pic>
+              <p:sp>
+                <p:nvSpPr>
+                  <p:cNvPr id="45" name="TextBox 44">
+                    <a:extLst>
+                      <a:ext uri="{FF2B5EF4-FFF2-40B4-BE49-F238E27FC236}">
+                        <a16:creationId xmlns:a16="http://schemas.microsoft.com/office/drawing/2014/main" id="{323284B8-38FC-418C-83F4-6115538C9BA1}"/>
+                      </a:ext>
+                    </a:extLst>
+                  </p:cNvPr>
+                  <p:cNvSpPr txBox="1"/>
+                  <p:nvPr/>
+                </p:nvSpPr>
+                <p:spPr>
+                  <a:xfrm>
+                    <a:off x="5237040" y="3580335"/>
+                    <a:ext cx="1480610" cy="210217"/>
+                  </a:xfrm>
+                  <a:prstGeom prst="rect">
+                    <a:avLst/>
+                  </a:prstGeom>
+                  <a:solidFill>
+                    <a:srgbClr val="C00000">
+                      <a:alpha val="89804"/>
+                    </a:srgbClr>
+                  </a:solidFill>
+                  <a:ln w="3175">
+                    <a:solidFill>
+                      <a:schemeClr val="tx1"/>
+                    </a:solidFill>
+                  </a:ln>
+                </p:spPr>
+                <p:txBody>
+                  <a:bodyPr wrap="square" lIns="36000" tIns="0" rIns="36000" bIns="0" rtlCol="0">
+                    <a:spAutoFit/>
+                  </a:bodyPr>
+                  <a:lstStyle/>
+                  <a:p>
+                    <a:pPr algn="ctr"/>
+                    <a:r>
+                      <a:rPr lang="de-CH" sz="800" dirty="0">
+                        <a:solidFill>
+                          <a:schemeClr val="bg1"/>
+                        </a:solidFill>
+                        <a:latin typeface="+mj-lt"/>
+                      </a:rPr>
+                      <a:t>Relative Humidity</a:t>
+                    </a:r>
+                    <a:endParaRPr lang="LID4096" sz="800" dirty="0">
+                      <a:solidFill>
+                        <a:schemeClr val="bg1"/>
+                      </a:solidFill>
+                      <a:latin typeface="+mj-lt"/>
+                    </a:endParaRPr>
+                  </a:p>
+                </p:txBody>
+              </p:sp>
+            </p:grpSp>
+            <p:grpSp>
+              <p:nvGrpSpPr>
+                <p:cNvPr id="37" name="Group 36">
+                  <a:extLst>
+                    <a:ext uri="{FF2B5EF4-FFF2-40B4-BE49-F238E27FC236}">
+                      <a16:creationId xmlns:a16="http://schemas.microsoft.com/office/drawing/2014/main" id="{36D4A33B-C6F3-4855-B904-158309771E53}"/>
+                    </a:ext>
+                  </a:extLst>
+                </p:cNvPr>
+                <p:cNvGrpSpPr/>
+                <p:nvPr/>
+              </p:nvGrpSpPr>
+              <p:grpSpPr>
+                <a:xfrm>
+                  <a:off x="219436" y="561057"/>
+                  <a:ext cx="2590590" cy="1393217"/>
+                  <a:chOff x="5237042" y="3580335"/>
+                  <a:chExt cx="2590590" cy="1393217"/>
+                </a:xfrm>
+              </p:grpSpPr>
+              <p:pic>
+                <p:nvPicPr>
+                  <p:cNvPr id="42" name="Picture 41">
+                    <a:extLst>
+                      <a:ext uri="{FF2B5EF4-FFF2-40B4-BE49-F238E27FC236}">
+                        <a16:creationId xmlns:a16="http://schemas.microsoft.com/office/drawing/2014/main" id="{9A6620ED-86A4-4DEF-A259-F0194C09F06B}"/>
+                      </a:ext>
+                    </a:extLst>
+                  </p:cNvPr>
+                  <p:cNvPicPr>
+                    <a:picLocks noChangeAspect="1"/>
+                  </p:cNvPicPr>
+                  <p:nvPr/>
+                </p:nvPicPr>
+                <p:blipFill rotWithShape="1">
+                  <a:blip r:embed="rId2"/>
+                  <a:srcRect l="1976" t="2981" r="2028" b="4155"/>
+                  <a:stretch/>
+                </p:blipFill>
+                <p:spPr>
+                  <a:xfrm>
+                    <a:off x="5241000" y="3584293"/>
+                    <a:ext cx="2586632" cy="1389259"/>
+                  </a:xfrm>
+                  <a:prstGeom prst="rect">
+                    <a:avLst/>
+                  </a:prstGeom>
+                  <a:ln w="6350">
+                    <a:solidFill>
+                      <a:schemeClr val="tx1"/>
+                    </a:solidFill>
+                  </a:ln>
+                </p:spPr>
+              </p:pic>
+              <p:sp>
+                <p:nvSpPr>
+                  <p:cNvPr id="43" name="TextBox 42">
+                    <a:extLst>
+                      <a:ext uri="{FF2B5EF4-FFF2-40B4-BE49-F238E27FC236}">
+                        <a16:creationId xmlns:a16="http://schemas.microsoft.com/office/drawing/2014/main" id="{AEB610CA-DB9C-44EE-9DAB-5899BDAAC5AB}"/>
+                      </a:ext>
+                    </a:extLst>
+                  </p:cNvPr>
+                  <p:cNvSpPr txBox="1"/>
+                  <p:nvPr/>
+                </p:nvSpPr>
+                <p:spPr>
+                  <a:xfrm>
+                    <a:off x="5237042" y="3580335"/>
+                    <a:ext cx="1538767" cy="210217"/>
+                  </a:xfrm>
+                  <a:prstGeom prst="rect">
+                    <a:avLst/>
+                  </a:prstGeom>
+                  <a:solidFill>
+                    <a:srgbClr val="C00000">
+                      <a:alpha val="89804"/>
+                    </a:srgbClr>
+                  </a:solidFill>
+                  <a:ln w="3175">
+                    <a:solidFill>
+                      <a:schemeClr val="tx1"/>
+                    </a:solidFill>
+                  </a:ln>
+                </p:spPr>
+                <p:txBody>
+                  <a:bodyPr wrap="square" lIns="36000" tIns="0" rIns="36000" bIns="0" rtlCol="0">
+                    <a:spAutoFit/>
+                  </a:bodyPr>
+                  <a:lstStyle/>
+                  <a:p>
+                    <a:pPr algn="ctr"/>
+                    <a:r>
+                      <a:rPr lang="de-CH" sz="800" dirty="0">
+                        <a:solidFill>
+                          <a:schemeClr val="bg1"/>
+                        </a:solidFill>
+                        <a:latin typeface="+mj-lt"/>
+                      </a:rPr>
+                      <a:t>Temperature</a:t>
+                    </a:r>
+                    <a:endParaRPr lang="LID4096" sz="800" dirty="0">
+                      <a:solidFill>
+                        <a:schemeClr val="bg1"/>
+                      </a:solidFill>
+                      <a:latin typeface="+mj-lt"/>
+                    </a:endParaRPr>
+                  </a:p>
+                </p:txBody>
+              </p:sp>
+            </p:grpSp>
+            <p:cxnSp>
+              <p:nvCxnSpPr>
+                <p:cNvPr id="38" name="Straight Connector 37">
+                  <a:extLst>
+                    <a:ext uri="{FF2B5EF4-FFF2-40B4-BE49-F238E27FC236}">
+                      <a16:creationId xmlns:a16="http://schemas.microsoft.com/office/drawing/2014/main" id="{A0082AC3-6B41-406B-A359-6E5D74F8F543}"/>
+                    </a:ext>
+                  </a:extLst>
+                </p:cNvPr>
+                <p:cNvCxnSpPr>
+                  <a:cxnSpLocks/>
+                </p:cNvCxnSpPr>
+                <p:nvPr/>
+              </p:nvCxnSpPr>
+              <p:spPr>
+                <a:xfrm flipV="1">
+                  <a:off x="2821816" y="1586032"/>
+                  <a:ext cx="251564" cy="372057"/>
+                </a:xfrm>
+                <a:prstGeom prst="line">
+                  <a:avLst/>
+                </a:prstGeom>
+                <a:ln w="6350"/>
+              </p:spPr>
+              <p:style>
+                <a:lnRef idx="1">
+                  <a:schemeClr val="dk1"/>
+                </a:lnRef>
+                <a:fillRef idx="0">
+                  <a:schemeClr val="dk1"/>
+                </a:fillRef>
+                <a:effectRef idx="0">
+                  <a:schemeClr val="dk1"/>
+                </a:effectRef>
+                <a:fontRef idx="minor">
+                  <a:schemeClr val="tx1"/>
+                </a:fontRef>
+              </p:style>
+            </p:cxnSp>
+            <p:cxnSp>
+              <p:nvCxnSpPr>
+                <p:cNvPr id="39" name="Straight Connector 38">
+                  <a:extLst>
+                    <a:ext uri="{FF2B5EF4-FFF2-40B4-BE49-F238E27FC236}">
+                      <a16:creationId xmlns:a16="http://schemas.microsoft.com/office/drawing/2014/main" id="{8E4C70AF-90ED-410B-AE19-327717A00F63}"/>
+                    </a:ext>
+                  </a:extLst>
+                </p:cNvPr>
+                <p:cNvCxnSpPr>
+                  <a:cxnSpLocks/>
+                </p:cNvCxnSpPr>
+                <p:nvPr/>
+              </p:nvCxnSpPr>
+              <p:spPr>
+                <a:xfrm flipV="1">
+                  <a:off x="2802406" y="192957"/>
+                  <a:ext cx="259184" cy="378284"/>
+                </a:xfrm>
+                <a:prstGeom prst="line">
+                  <a:avLst/>
+                </a:prstGeom>
+                <a:ln w="6350"/>
+              </p:spPr>
+              <p:style>
+                <a:lnRef idx="1">
+                  <a:schemeClr val="dk1"/>
+                </a:lnRef>
+                <a:fillRef idx="0">
+                  <a:schemeClr val="dk1"/>
+                </a:fillRef>
+                <a:effectRef idx="0">
+                  <a:schemeClr val="dk1"/>
+                </a:effectRef>
+                <a:fontRef idx="minor">
+                  <a:schemeClr val="tx1"/>
+                </a:fontRef>
+              </p:style>
+            </p:cxnSp>
+            <p:sp>
+              <p:nvSpPr>
+                <p:cNvPr id="40" name="TextBox 39">
+                  <a:extLst>
+                    <a:ext uri="{FF2B5EF4-FFF2-40B4-BE49-F238E27FC236}">
+                      <a16:creationId xmlns:a16="http://schemas.microsoft.com/office/drawing/2014/main" id="{AB60174D-3F20-47FB-A211-E157554F08DA}"/>
+                    </a:ext>
+                  </a:extLst>
+                </p:cNvPr>
+                <p:cNvSpPr txBox="1"/>
+                <p:nvPr/>
+              </p:nvSpPr>
+              <p:spPr>
+                <a:xfrm>
+                  <a:off x="959380" y="1708053"/>
+                  <a:ext cx="1113677" cy="210217"/>
+                </a:xfrm>
+                <a:prstGeom prst="rect">
+                  <a:avLst/>
+                </a:prstGeom>
+                <a:solidFill>
+                  <a:srgbClr val="C00000"/>
+                </a:solidFill>
+                <a:ln w="3175">
+                  <a:solidFill>
+                    <a:schemeClr val="tx1"/>
+                  </a:solidFill>
+                </a:ln>
+              </p:spPr>
+              <p:txBody>
+                <a:bodyPr wrap="square" lIns="36000" tIns="0" rIns="36000" bIns="0" rtlCol="0">
+                  <a:spAutoFit/>
+                </a:bodyPr>
+                <a:lstStyle/>
+                <a:p>
+                  <a:pPr algn="ctr"/>
+                  <a:r>
+                    <a:rPr lang="de-CH" sz="800" dirty="0">
+                      <a:solidFill>
+                        <a:schemeClr val="bg1"/>
+                      </a:solidFill>
+                      <a:latin typeface="+mj-lt"/>
+                    </a:rPr>
+                    <a:t>t - 60</a:t>
+                  </a:r>
+                  <a:endParaRPr lang="LID4096" sz="800" dirty="0">
+                    <a:solidFill>
+                      <a:schemeClr val="bg1"/>
+                    </a:solidFill>
+                    <a:latin typeface="+mj-lt"/>
+                  </a:endParaRPr>
+                </a:p>
+              </p:txBody>
+            </p:sp>
+            <p:cxnSp>
+              <p:nvCxnSpPr>
+                <p:cNvPr id="41" name="Straight Connector 40">
+                  <a:extLst>
+                    <a:ext uri="{FF2B5EF4-FFF2-40B4-BE49-F238E27FC236}">
+                      <a16:creationId xmlns:a16="http://schemas.microsoft.com/office/drawing/2014/main" id="{106D670F-5A6B-49C9-831D-67CF90575EC6}"/>
+                    </a:ext>
+                  </a:extLst>
+                </p:cNvPr>
+                <p:cNvCxnSpPr>
+                  <a:cxnSpLocks/>
+                </p:cNvCxnSpPr>
+                <p:nvPr/>
+              </p:nvCxnSpPr>
+              <p:spPr>
+                <a:xfrm flipV="1">
+                  <a:off x="215774" y="187074"/>
+                  <a:ext cx="259184" cy="378284"/>
+                </a:xfrm>
+                <a:prstGeom prst="line">
+                  <a:avLst/>
+                </a:prstGeom>
+                <a:ln w="6350"/>
+              </p:spPr>
+              <p:style>
+                <a:lnRef idx="1">
+                  <a:schemeClr val="dk1"/>
+                </a:lnRef>
+                <a:fillRef idx="0">
+                  <a:schemeClr val="dk1"/>
+                </a:fillRef>
+                <a:effectRef idx="0">
+                  <a:schemeClr val="dk1"/>
+                </a:effectRef>
+                <a:fontRef idx="minor">
+                  <a:schemeClr val="tx1"/>
+                </a:fontRef>
+              </p:style>
+            </p:cxnSp>
+          </p:grpSp>
+          <p:grpSp>
+            <p:nvGrpSpPr>
+              <p:cNvPr id="7" name="Group 6">
+                <a:extLst>
+                  <a:ext uri="{FF2B5EF4-FFF2-40B4-BE49-F238E27FC236}">
+                    <a16:creationId xmlns:a16="http://schemas.microsoft.com/office/drawing/2014/main" id="{8F9C42EB-C622-4F03-893C-FD732FF7BB09}"/>
+                  </a:ext>
+                </a:extLst>
+              </p:cNvPr>
+              <p:cNvGrpSpPr/>
+              <p:nvPr/>
+            </p:nvGrpSpPr>
+            <p:grpSpPr>
+              <a:xfrm>
+                <a:off x="1990962" y="1448068"/>
+                <a:ext cx="1673518" cy="1037171"/>
+                <a:chOff x="215774" y="187074"/>
+                <a:chExt cx="2857606" cy="1771015"/>
+              </a:xfrm>
+            </p:grpSpPr>
+            <p:grpSp>
+              <p:nvGrpSpPr>
+                <p:cNvPr id="22" name="Group 21">
+                  <a:extLst>
+                    <a:ext uri="{FF2B5EF4-FFF2-40B4-BE49-F238E27FC236}">
+                      <a16:creationId xmlns:a16="http://schemas.microsoft.com/office/drawing/2014/main" id="{DDDBAC35-FDAE-4810-979C-B3602CF5977C}"/>
+                    </a:ext>
+                  </a:extLst>
+                </p:cNvPr>
+                <p:cNvGrpSpPr/>
+                <p:nvPr/>
+              </p:nvGrpSpPr>
+              <p:grpSpPr>
+                <a:xfrm>
+                  <a:off x="471000" y="189000"/>
+                  <a:ext cx="2590590" cy="1393217"/>
+                  <a:chOff x="5237042" y="3580335"/>
+                  <a:chExt cx="2590590" cy="1393217"/>
+                </a:xfrm>
+              </p:grpSpPr>
+              <p:pic>
+                <p:nvPicPr>
+                  <p:cNvPr id="33" name="Picture 32">
+                    <a:extLst>
+                      <a:ext uri="{FF2B5EF4-FFF2-40B4-BE49-F238E27FC236}">
+                        <a16:creationId xmlns:a16="http://schemas.microsoft.com/office/drawing/2014/main" id="{96453FA3-69BC-49B2-A080-AFC06AC4AC4A}"/>
+                      </a:ext>
+                    </a:extLst>
+                  </p:cNvPr>
+                  <p:cNvPicPr>
+                    <a:picLocks noChangeAspect="1"/>
+                  </p:cNvPicPr>
+                  <p:nvPr/>
+                </p:nvPicPr>
+                <p:blipFill rotWithShape="1">
+                  <a:blip r:embed="rId2"/>
+                  <a:srcRect l="1976" t="2981" r="2028" b="4155"/>
+                  <a:stretch/>
+                </p:blipFill>
+                <p:spPr>
+                  <a:xfrm>
+                    <a:off x="5241000" y="3584293"/>
+                    <a:ext cx="2586632" cy="1389259"/>
+                  </a:xfrm>
+                  <a:prstGeom prst="rect">
+                    <a:avLst/>
+                  </a:prstGeom>
+                  <a:ln w="6350">
+                    <a:solidFill>
+                      <a:schemeClr val="tx1"/>
+                    </a:solidFill>
+                  </a:ln>
+                </p:spPr>
+              </p:pic>
+              <p:sp>
+                <p:nvSpPr>
+                  <p:cNvPr id="34" name="TextBox 33">
+                    <a:extLst>
+                      <a:ext uri="{FF2B5EF4-FFF2-40B4-BE49-F238E27FC236}">
+                        <a16:creationId xmlns:a16="http://schemas.microsoft.com/office/drawing/2014/main" id="{A3C1B39B-0BF5-4F4E-B3D5-794E1175AB8A}"/>
+                      </a:ext>
+                    </a:extLst>
+                  </p:cNvPr>
+                  <p:cNvSpPr txBox="1"/>
+                  <p:nvPr/>
+                </p:nvSpPr>
+                <p:spPr>
+                  <a:xfrm>
+                    <a:off x="5237042" y="3580335"/>
+                    <a:ext cx="1440882" cy="210217"/>
+                  </a:xfrm>
+                  <a:prstGeom prst="rect">
+                    <a:avLst/>
+                  </a:prstGeom>
+                  <a:solidFill>
+                    <a:srgbClr val="C00000">
+                      <a:alpha val="89804"/>
+                    </a:srgbClr>
+                  </a:solidFill>
+                  <a:ln w="3175">
+                    <a:solidFill>
+                      <a:schemeClr val="tx1"/>
+                    </a:solidFill>
+                  </a:ln>
+                </p:spPr>
+                <p:txBody>
+                  <a:bodyPr wrap="square" lIns="36000" tIns="0" rIns="36000" bIns="0" rtlCol="0">
+                    <a:spAutoFit/>
+                  </a:bodyPr>
+                  <a:lstStyle/>
+                  <a:p>
+                    <a:pPr algn="ctr"/>
+                    <a:r>
+                      <a:rPr lang="de-CH" sz="800" dirty="0">
+                        <a:solidFill>
+                          <a:schemeClr val="bg1"/>
+                        </a:solidFill>
+                        <a:latin typeface="+mj-lt"/>
+                      </a:rPr>
+                      <a:t>...</a:t>
+                    </a:r>
+                    <a:endParaRPr lang="LID4096" sz="800" dirty="0">
+                      <a:solidFill>
+                        <a:schemeClr val="bg1"/>
+                      </a:solidFill>
+                      <a:latin typeface="+mj-lt"/>
+                    </a:endParaRPr>
+                  </a:p>
+                </p:txBody>
+              </p:sp>
+            </p:grpSp>
+            <p:grpSp>
+              <p:nvGrpSpPr>
+                <p:cNvPr id="23" name="Group 22">
+                  <a:extLst>
+                    <a:ext uri="{FF2B5EF4-FFF2-40B4-BE49-F238E27FC236}">
+                      <a16:creationId xmlns:a16="http://schemas.microsoft.com/office/drawing/2014/main" id="{C6653BE2-FA57-4C74-8E16-42CC1DC61333}"/>
+                    </a:ext>
+                  </a:extLst>
+                </p:cNvPr>
+                <p:cNvGrpSpPr/>
+                <p:nvPr/>
+              </p:nvGrpSpPr>
+              <p:grpSpPr>
+                <a:xfrm>
+                  <a:off x="354434" y="375028"/>
+                  <a:ext cx="2590592" cy="1393217"/>
+                  <a:chOff x="5237040" y="3580335"/>
+                  <a:chExt cx="2590592" cy="1393217"/>
+                </a:xfrm>
+              </p:grpSpPr>
+              <p:pic>
+                <p:nvPicPr>
+                  <p:cNvPr id="31" name="Picture 30">
+                    <a:extLst>
+                      <a:ext uri="{FF2B5EF4-FFF2-40B4-BE49-F238E27FC236}">
+                        <a16:creationId xmlns:a16="http://schemas.microsoft.com/office/drawing/2014/main" id="{B904B5A1-FECC-48ED-BEE3-43DDBA267E33}"/>
+                      </a:ext>
+                    </a:extLst>
+                  </p:cNvPr>
+                  <p:cNvPicPr>
+                    <a:picLocks noChangeAspect="1"/>
+                  </p:cNvPicPr>
+                  <p:nvPr/>
+                </p:nvPicPr>
+                <p:blipFill rotWithShape="1">
+                  <a:blip r:embed="rId2"/>
+                  <a:srcRect l="1976" t="2981" r="2028" b="4155"/>
+                  <a:stretch/>
+                </p:blipFill>
+                <p:spPr>
+                  <a:xfrm>
+                    <a:off x="5241000" y="3584293"/>
+                    <a:ext cx="2586632" cy="1389259"/>
+                  </a:xfrm>
+                  <a:prstGeom prst="rect">
+                    <a:avLst/>
+                  </a:prstGeom>
+                  <a:ln w="6350">
+                    <a:solidFill>
+                      <a:schemeClr val="tx1"/>
+                    </a:solidFill>
+                  </a:ln>
+                </p:spPr>
+              </p:pic>
+              <p:sp>
+                <p:nvSpPr>
+                  <p:cNvPr id="32" name="TextBox 31">
+                    <a:extLst>
+                      <a:ext uri="{FF2B5EF4-FFF2-40B4-BE49-F238E27FC236}">
+                        <a16:creationId xmlns:a16="http://schemas.microsoft.com/office/drawing/2014/main" id="{B21D37E3-03C3-40EF-B218-555E829C7C7C}"/>
+                      </a:ext>
+                    </a:extLst>
+                  </p:cNvPr>
+                  <p:cNvSpPr txBox="1"/>
+                  <p:nvPr/>
+                </p:nvSpPr>
+                <p:spPr>
+                  <a:xfrm>
+                    <a:off x="5237040" y="3580335"/>
+                    <a:ext cx="1480610" cy="210217"/>
+                  </a:xfrm>
+                  <a:prstGeom prst="rect">
+                    <a:avLst/>
+                  </a:prstGeom>
+                  <a:solidFill>
+                    <a:srgbClr val="C00000">
+                      <a:alpha val="89804"/>
+                    </a:srgbClr>
+                  </a:solidFill>
+                  <a:ln w="3175">
+                    <a:solidFill>
+                      <a:schemeClr val="tx1"/>
+                    </a:solidFill>
+                  </a:ln>
+                </p:spPr>
+                <p:txBody>
+                  <a:bodyPr wrap="square" lIns="36000" tIns="0" rIns="36000" bIns="0" rtlCol="0">
+                    <a:spAutoFit/>
+                  </a:bodyPr>
+                  <a:lstStyle/>
+                  <a:p>
+                    <a:pPr algn="ctr"/>
+                    <a:r>
+                      <a:rPr lang="de-CH" sz="800" dirty="0">
+                        <a:solidFill>
+                          <a:schemeClr val="bg1"/>
+                        </a:solidFill>
+                        <a:latin typeface="+mj-lt"/>
+                      </a:rPr>
+                      <a:t>Relative Humidity</a:t>
+                    </a:r>
+                    <a:endParaRPr lang="LID4096" sz="800" dirty="0">
+                      <a:solidFill>
+                        <a:schemeClr val="bg1"/>
+                      </a:solidFill>
+                      <a:latin typeface="+mj-lt"/>
+                    </a:endParaRPr>
+                  </a:p>
+                </p:txBody>
+              </p:sp>
+            </p:grpSp>
+            <p:grpSp>
+              <p:nvGrpSpPr>
+                <p:cNvPr id="24" name="Group 23">
+                  <a:extLst>
+                    <a:ext uri="{FF2B5EF4-FFF2-40B4-BE49-F238E27FC236}">
+                      <a16:creationId xmlns:a16="http://schemas.microsoft.com/office/drawing/2014/main" id="{E664D13C-4949-43C3-845E-5E2C3D087725}"/>
+                    </a:ext>
+                  </a:extLst>
+                </p:cNvPr>
+                <p:cNvGrpSpPr/>
+                <p:nvPr/>
+              </p:nvGrpSpPr>
+              <p:grpSpPr>
+                <a:xfrm>
+                  <a:off x="219436" y="561057"/>
+                  <a:ext cx="2590590" cy="1393217"/>
+                  <a:chOff x="5237042" y="3580335"/>
+                  <a:chExt cx="2590590" cy="1393217"/>
+                </a:xfrm>
+              </p:grpSpPr>
+              <p:pic>
+                <p:nvPicPr>
+                  <p:cNvPr id="29" name="Picture 28">
+                    <a:extLst>
+                      <a:ext uri="{FF2B5EF4-FFF2-40B4-BE49-F238E27FC236}">
+                        <a16:creationId xmlns:a16="http://schemas.microsoft.com/office/drawing/2014/main" id="{698EC1B9-C227-4BE2-8508-B6D493F5F010}"/>
+                      </a:ext>
+                    </a:extLst>
+                  </p:cNvPr>
+                  <p:cNvPicPr>
+                    <a:picLocks noChangeAspect="1"/>
+                  </p:cNvPicPr>
+                  <p:nvPr/>
+                </p:nvPicPr>
+                <p:blipFill rotWithShape="1">
+                  <a:blip r:embed="rId2"/>
+                  <a:srcRect l="1976" t="2981" r="2028" b="4155"/>
+                  <a:stretch/>
+                </p:blipFill>
+                <p:spPr>
+                  <a:xfrm>
+                    <a:off x="5241000" y="3584293"/>
+                    <a:ext cx="2586632" cy="1389259"/>
+                  </a:xfrm>
+                  <a:prstGeom prst="rect">
+                    <a:avLst/>
+                  </a:prstGeom>
+                  <a:ln w="6350">
+                    <a:solidFill>
+                      <a:schemeClr val="tx1"/>
+                    </a:solidFill>
+                  </a:ln>
+                </p:spPr>
+              </p:pic>
+              <p:sp>
+                <p:nvSpPr>
+                  <p:cNvPr id="30" name="TextBox 29">
+                    <a:extLst>
+                      <a:ext uri="{FF2B5EF4-FFF2-40B4-BE49-F238E27FC236}">
+                        <a16:creationId xmlns:a16="http://schemas.microsoft.com/office/drawing/2014/main" id="{61E5F9D6-9185-4FFA-B185-AA93C7FD49AC}"/>
+                      </a:ext>
+                    </a:extLst>
+                  </p:cNvPr>
+                  <p:cNvSpPr txBox="1"/>
+                  <p:nvPr/>
+                </p:nvSpPr>
+                <p:spPr>
+                  <a:xfrm>
+                    <a:off x="5237042" y="3580335"/>
+                    <a:ext cx="1538767" cy="210217"/>
+                  </a:xfrm>
+                  <a:prstGeom prst="rect">
+                    <a:avLst/>
+                  </a:prstGeom>
+                  <a:solidFill>
+                    <a:srgbClr val="C00000">
+                      <a:alpha val="89804"/>
+                    </a:srgbClr>
+                  </a:solidFill>
+                  <a:ln w="3175">
+                    <a:solidFill>
+                      <a:schemeClr val="tx1"/>
+                    </a:solidFill>
+                  </a:ln>
+                </p:spPr>
+                <p:txBody>
+                  <a:bodyPr wrap="square" lIns="36000" tIns="0" rIns="36000" bIns="0" rtlCol="0">
+                    <a:spAutoFit/>
+                  </a:bodyPr>
+                  <a:lstStyle/>
+                  <a:p>
+                    <a:pPr algn="ctr"/>
+                    <a:r>
+                      <a:rPr lang="de-CH" sz="800" dirty="0">
+                        <a:solidFill>
+                          <a:schemeClr val="bg1"/>
+                        </a:solidFill>
+                        <a:latin typeface="+mj-lt"/>
+                      </a:rPr>
+                      <a:t>Temperature</a:t>
+                    </a:r>
+                    <a:endParaRPr lang="LID4096" sz="800" dirty="0">
+                      <a:solidFill>
+                        <a:schemeClr val="bg1"/>
+                      </a:solidFill>
+                      <a:latin typeface="+mj-lt"/>
+                    </a:endParaRPr>
+                  </a:p>
+                </p:txBody>
+              </p:sp>
+            </p:grpSp>
+            <p:cxnSp>
+              <p:nvCxnSpPr>
+                <p:cNvPr id="25" name="Straight Connector 24">
+                  <a:extLst>
+                    <a:ext uri="{FF2B5EF4-FFF2-40B4-BE49-F238E27FC236}">
+                      <a16:creationId xmlns:a16="http://schemas.microsoft.com/office/drawing/2014/main" id="{89CB2A76-A6B2-4755-8A16-32C55EDB70FD}"/>
+                    </a:ext>
+                  </a:extLst>
+                </p:cNvPr>
+                <p:cNvCxnSpPr>
+                  <a:cxnSpLocks/>
+                </p:cNvCxnSpPr>
+                <p:nvPr/>
+              </p:nvCxnSpPr>
+              <p:spPr>
+                <a:xfrm flipV="1">
+                  <a:off x="2821816" y="1586032"/>
+                  <a:ext cx="251564" cy="372057"/>
+                </a:xfrm>
+                <a:prstGeom prst="line">
+                  <a:avLst/>
+                </a:prstGeom>
+                <a:ln w="6350"/>
+              </p:spPr>
+              <p:style>
+                <a:lnRef idx="1">
+                  <a:schemeClr val="dk1"/>
+                </a:lnRef>
+                <a:fillRef idx="0">
+                  <a:schemeClr val="dk1"/>
+                </a:fillRef>
+                <a:effectRef idx="0">
+                  <a:schemeClr val="dk1"/>
+                </a:effectRef>
+                <a:fontRef idx="minor">
+                  <a:schemeClr val="tx1"/>
+                </a:fontRef>
+              </p:style>
+            </p:cxnSp>
+            <p:cxnSp>
+              <p:nvCxnSpPr>
+                <p:cNvPr id="26" name="Straight Connector 25">
+                  <a:extLst>
+                    <a:ext uri="{FF2B5EF4-FFF2-40B4-BE49-F238E27FC236}">
+                      <a16:creationId xmlns:a16="http://schemas.microsoft.com/office/drawing/2014/main" id="{7DF00E94-D8BC-480A-9D86-1A775771323D}"/>
+                    </a:ext>
+                  </a:extLst>
+                </p:cNvPr>
+                <p:cNvCxnSpPr>
+                  <a:cxnSpLocks/>
+                </p:cNvCxnSpPr>
+                <p:nvPr/>
+              </p:nvCxnSpPr>
+              <p:spPr>
+                <a:xfrm flipV="1">
+                  <a:off x="2802406" y="192957"/>
+                  <a:ext cx="259184" cy="378284"/>
+                </a:xfrm>
+                <a:prstGeom prst="line">
+                  <a:avLst/>
+                </a:prstGeom>
+                <a:ln w="6350"/>
+              </p:spPr>
+              <p:style>
+                <a:lnRef idx="1">
+                  <a:schemeClr val="dk1"/>
+                </a:lnRef>
+                <a:fillRef idx="0">
+                  <a:schemeClr val="dk1"/>
+                </a:fillRef>
+                <a:effectRef idx="0">
+                  <a:schemeClr val="dk1"/>
+                </a:effectRef>
+                <a:fontRef idx="minor">
+                  <a:schemeClr val="tx1"/>
+                </a:fontRef>
+              </p:style>
+            </p:cxnSp>
+            <p:sp>
+              <p:nvSpPr>
+                <p:cNvPr id="27" name="TextBox 26">
+                  <a:extLst>
+                    <a:ext uri="{FF2B5EF4-FFF2-40B4-BE49-F238E27FC236}">
+                      <a16:creationId xmlns:a16="http://schemas.microsoft.com/office/drawing/2014/main" id="{E0778BE7-4560-434A-BE6A-2E6412EF5207}"/>
+                    </a:ext>
+                  </a:extLst>
+                </p:cNvPr>
+                <p:cNvSpPr txBox="1"/>
+                <p:nvPr/>
+              </p:nvSpPr>
+              <p:spPr>
+                <a:xfrm>
+                  <a:off x="959380" y="1708053"/>
+                  <a:ext cx="1113677" cy="210217"/>
+                </a:xfrm>
+                <a:prstGeom prst="rect">
+                  <a:avLst/>
+                </a:prstGeom>
+                <a:solidFill>
+                  <a:srgbClr val="C00000"/>
+                </a:solidFill>
+                <a:ln w="3175">
+                  <a:solidFill>
+                    <a:schemeClr val="tx1"/>
+                  </a:solidFill>
+                </a:ln>
+              </p:spPr>
+              <p:txBody>
+                <a:bodyPr wrap="square" lIns="36000" tIns="0" rIns="36000" bIns="0" rtlCol="0">
+                  <a:spAutoFit/>
+                </a:bodyPr>
+                <a:lstStyle/>
+                <a:p>
+                  <a:pPr algn="ctr"/>
+                  <a:r>
+                    <a:rPr lang="de-CH" sz="800" dirty="0">
+                      <a:solidFill>
+                        <a:schemeClr val="bg1"/>
+                      </a:solidFill>
+                      <a:latin typeface="+mj-lt"/>
+                    </a:rPr>
+                    <a:t>...</a:t>
+                  </a:r>
+                  <a:endParaRPr lang="LID4096" sz="800" dirty="0">
+                    <a:solidFill>
+                      <a:schemeClr val="bg1"/>
+                    </a:solidFill>
+                    <a:latin typeface="+mj-lt"/>
+                  </a:endParaRPr>
+                </a:p>
+              </p:txBody>
+            </p:sp>
+            <p:cxnSp>
+              <p:nvCxnSpPr>
+                <p:cNvPr id="28" name="Straight Connector 27">
+                  <a:extLst>
+                    <a:ext uri="{FF2B5EF4-FFF2-40B4-BE49-F238E27FC236}">
+                      <a16:creationId xmlns:a16="http://schemas.microsoft.com/office/drawing/2014/main" id="{7557B864-ED02-498C-B127-F86377CFC17C}"/>
+                    </a:ext>
+                  </a:extLst>
+                </p:cNvPr>
+                <p:cNvCxnSpPr>
+                  <a:cxnSpLocks/>
+                </p:cNvCxnSpPr>
+                <p:nvPr/>
+              </p:nvCxnSpPr>
+              <p:spPr>
+                <a:xfrm flipV="1">
+                  <a:off x="215774" y="187074"/>
+                  <a:ext cx="259184" cy="378284"/>
+                </a:xfrm>
+                <a:prstGeom prst="line">
+                  <a:avLst/>
+                </a:prstGeom>
+                <a:ln w="6350"/>
+              </p:spPr>
+              <p:style>
+                <a:lnRef idx="1">
+                  <a:schemeClr val="dk1"/>
+                </a:lnRef>
+                <a:fillRef idx="0">
+                  <a:schemeClr val="dk1"/>
+                </a:fillRef>
+                <a:effectRef idx="0">
+                  <a:schemeClr val="dk1"/>
+                </a:effectRef>
+                <a:fontRef idx="minor">
+                  <a:schemeClr val="tx1"/>
+                </a:fontRef>
+              </p:style>
+            </p:cxnSp>
+          </p:grpSp>
+          <p:grpSp>
+            <p:nvGrpSpPr>
+              <p:cNvPr id="8" name="Group 7">
+                <a:extLst>
+                  <a:ext uri="{FF2B5EF4-FFF2-40B4-BE49-F238E27FC236}">
+                    <a16:creationId xmlns:a16="http://schemas.microsoft.com/office/drawing/2014/main" id="{95A0652E-0160-41E1-B885-D9E8AE5B1BBD}"/>
+                  </a:ext>
+                </a:extLst>
+              </p:cNvPr>
+              <p:cNvGrpSpPr/>
+              <p:nvPr/>
+            </p:nvGrpSpPr>
+            <p:grpSpPr>
+              <a:xfrm>
+                <a:off x="3716135" y="1445834"/>
+                <a:ext cx="1673518" cy="1037171"/>
+                <a:chOff x="215774" y="187074"/>
+                <a:chExt cx="2857606" cy="1771015"/>
+              </a:xfrm>
+            </p:grpSpPr>
+            <p:grpSp>
+              <p:nvGrpSpPr>
+                <p:cNvPr id="9" name="Group 8">
+                  <a:extLst>
+                    <a:ext uri="{FF2B5EF4-FFF2-40B4-BE49-F238E27FC236}">
+                      <a16:creationId xmlns:a16="http://schemas.microsoft.com/office/drawing/2014/main" id="{7CC7C9A5-B74B-4761-BC2B-9E08A2189C82}"/>
+                    </a:ext>
+                  </a:extLst>
+                </p:cNvPr>
+                <p:cNvGrpSpPr/>
+                <p:nvPr/>
+              </p:nvGrpSpPr>
+              <p:grpSpPr>
+                <a:xfrm>
+                  <a:off x="471000" y="189000"/>
+                  <a:ext cx="2590590" cy="1393217"/>
+                  <a:chOff x="5237042" y="3580335"/>
+                  <a:chExt cx="2590590" cy="1393217"/>
+                </a:xfrm>
+              </p:grpSpPr>
+              <p:pic>
+                <p:nvPicPr>
+                  <p:cNvPr id="20" name="Picture 19">
+                    <a:extLst>
+                      <a:ext uri="{FF2B5EF4-FFF2-40B4-BE49-F238E27FC236}">
+                        <a16:creationId xmlns:a16="http://schemas.microsoft.com/office/drawing/2014/main" id="{02A5BB5C-FD74-40C6-A283-08103CD76551}"/>
+                      </a:ext>
+                    </a:extLst>
+                  </p:cNvPr>
+                  <p:cNvPicPr>
+                    <a:picLocks noChangeAspect="1"/>
+                  </p:cNvPicPr>
+                  <p:nvPr/>
+                </p:nvPicPr>
+                <p:blipFill rotWithShape="1">
+                  <a:blip r:embed="rId2"/>
+                  <a:srcRect l="1976" t="2981" r="2028" b="4155"/>
+                  <a:stretch/>
+                </p:blipFill>
+                <p:spPr>
+                  <a:xfrm>
+                    <a:off x="5241000" y="3584293"/>
+                    <a:ext cx="2586632" cy="1389259"/>
+                  </a:xfrm>
+                  <a:prstGeom prst="rect">
+                    <a:avLst/>
+                  </a:prstGeom>
+                  <a:ln w="6350">
+                    <a:solidFill>
+                      <a:schemeClr val="tx1"/>
+                    </a:solidFill>
+                  </a:ln>
+                </p:spPr>
+              </p:pic>
+              <p:sp>
+                <p:nvSpPr>
+                  <p:cNvPr id="21" name="TextBox 20">
+                    <a:extLst>
+                      <a:ext uri="{FF2B5EF4-FFF2-40B4-BE49-F238E27FC236}">
+                        <a16:creationId xmlns:a16="http://schemas.microsoft.com/office/drawing/2014/main" id="{4A9AB5D6-F52E-47CC-A99C-939ED8F65539}"/>
+                      </a:ext>
+                    </a:extLst>
+                  </p:cNvPr>
+                  <p:cNvSpPr txBox="1"/>
+                  <p:nvPr/>
+                </p:nvSpPr>
+                <p:spPr>
+                  <a:xfrm>
+                    <a:off x="5237042" y="3580335"/>
+                    <a:ext cx="1440882" cy="210217"/>
+                  </a:xfrm>
+                  <a:prstGeom prst="rect">
+                    <a:avLst/>
+                  </a:prstGeom>
+                  <a:solidFill>
+                    <a:srgbClr val="C00000">
+                      <a:alpha val="89804"/>
+                    </a:srgbClr>
+                  </a:solidFill>
+                  <a:ln w="3175">
+                    <a:solidFill>
+                      <a:schemeClr val="tx1"/>
+                    </a:solidFill>
+                  </a:ln>
+                </p:spPr>
+                <p:txBody>
+                  <a:bodyPr wrap="square" lIns="36000" tIns="0" rIns="36000" bIns="0" rtlCol="0">
+                    <a:spAutoFit/>
+                  </a:bodyPr>
+                  <a:lstStyle/>
+                  <a:p>
+                    <a:pPr algn="ctr"/>
+                    <a:r>
+                      <a:rPr lang="de-CH" sz="800" dirty="0">
+                        <a:solidFill>
+                          <a:schemeClr val="bg1"/>
+                        </a:solidFill>
+                        <a:latin typeface="+mj-lt"/>
+                      </a:rPr>
+                      <a:t>...</a:t>
+                    </a:r>
+                    <a:endParaRPr lang="LID4096" sz="800" dirty="0">
+                      <a:solidFill>
+                        <a:schemeClr val="bg1"/>
+                      </a:solidFill>
+                      <a:latin typeface="+mj-lt"/>
+                    </a:endParaRPr>
+                  </a:p>
+                </p:txBody>
+              </p:sp>
+            </p:grpSp>
+            <p:grpSp>
+              <p:nvGrpSpPr>
+                <p:cNvPr id="10" name="Group 9">
+                  <a:extLst>
+                    <a:ext uri="{FF2B5EF4-FFF2-40B4-BE49-F238E27FC236}">
+                      <a16:creationId xmlns:a16="http://schemas.microsoft.com/office/drawing/2014/main" id="{38E8D448-60F3-4C71-88FB-9AD5D40F0804}"/>
+                    </a:ext>
+                  </a:extLst>
+                </p:cNvPr>
+                <p:cNvGrpSpPr/>
+                <p:nvPr/>
+              </p:nvGrpSpPr>
+              <p:grpSpPr>
+                <a:xfrm>
+                  <a:off x="354434" y="375028"/>
+                  <a:ext cx="2590592" cy="1393217"/>
+                  <a:chOff x="5237040" y="3580335"/>
+                  <a:chExt cx="2590592" cy="1393217"/>
+                </a:xfrm>
+              </p:grpSpPr>
+              <p:pic>
+                <p:nvPicPr>
+                  <p:cNvPr id="18" name="Picture 17">
+                    <a:extLst>
+                      <a:ext uri="{FF2B5EF4-FFF2-40B4-BE49-F238E27FC236}">
+                        <a16:creationId xmlns:a16="http://schemas.microsoft.com/office/drawing/2014/main" id="{0DE029F2-A271-45DC-9836-7339F9ACF50B}"/>
+                      </a:ext>
+                    </a:extLst>
+                  </p:cNvPr>
+                  <p:cNvPicPr>
+                    <a:picLocks noChangeAspect="1"/>
+                  </p:cNvPicPr>
+                  <p:nvPr/>
+                </p:nvPicPr>
+                <p:blipFill rotWithShape="1">
+                  <a:blip r:embed="rId2"/>
+                  <a:srcRect l="1976" t="2981" r="2028" b="4155"/>
+                  <a:stretch/>
+                </p:blipFill>
+                <p:spPr>
+                  <a:xfrm>
+                    <a:off x="5241000" y="3584293"/>
+                    <a:ext cx="2586632" cy="1389259"/>
+                  </a:xfrm>
+                  <a:prstGeom prst="rect">
+                    <a:avLst/>
+                  </a:prstGeom>
+                  <a:ln w="6350">
+                    <a:solidFill>
+                      <a:schemeClr val="tx1"/>
+                    </a:solidFill>
+                  </a:ln>
+                </p:spPr>
+              </p:pic>
+              <p:sp>
+                <p:nvSpPr>
+                  <p:cNvPr id="19" name="TextBox 18">
+                    <a:extLst>
+                      <a:ext uri="{FF2B5EF4-FFF2-40B4-BE49-F238E27FC236}">
+                        <a16:creationId xmlns:a16="http://schemas.microsoft.com/office/drawing/2014/main" id="{C3FB06F9-A6BE-41AA-A69D-F76A7A81F970}"/>
+                      </a:ext>
+                    </a:extLst>
+                  </p:cNvPr>
+                  <p:cNvSpPr txBox="1"/>
+                  <p:nvPr/>
+                </p:nvSpPr>
+                <p:spPr>
+                  <a:xfrm>
+                    <a:off x="5237040" y="3580335"/>
+                    <a:ext cx="1480610" cy="210217"/>
+                  </a:xfrm>
+                  <a:prstGeom prst="rect">
+                    <a:avLst/>
+                  </a:prstGeom>
+                  <a:solidFill>
+                    <a:srgbClr val="C00000">
+                      <a:alpha val="89804"/>
+                    </a:srgbClr>
+                  </a:solidFill>
+                  <a:ln w="3175">
+                    <a:solidFill>
+                      <a:schemeClr val="tx1"/>
+                    </a:solidFill>
+                  </a:ln>
+                </p:spPr>
+                <p:txBody>
+                  <a:bodyPr wrap="square" lIns="36000" tIns="0" rIns="36000" bIns="0" rtlCol="0">
+                    <a:spAutoFit/>
+                  </a:bodyPr>
+                  <a:lstStyle/>
+                  <a:p>
+                    <a:pPr algn="ctr"/>
+                    <a:r>
+                      <a:rPr lang="de-CH" sz="800" dirty="0">
+                        <a:solidFill>
+                          <a:schemeClr val="bg1"/>
+                        </a:solidFill>
+                        <a:latin typeface="+mj-lt"/>
+                      </a:rPr>
+                      <a:t>Relative Humidity</a:t>
+                    </a:r>
+                    <a:endParaRPr lang="LID4096" sz="800" dirty="0">
+                      <a:solidFill>
+                        <a:schemeClr val="bg1"/>
+                      </a:solidFill>
+                      <a:latin typeface="+mj-lt"/>
+                    </a:endParaRPr>
+                  </a:p>
+                </p:txBody>
+              </p:sp>
+            </p:grpSp>
+            <p:grpSp>
+              <p:nvGrpSpPr>
+                <p:cNvPr id="11" name="Group 10">
+                  <a:extLst>
+                    <a:ext uri="{FF2B5EF4-FFF2-40B4-BE49-F238E27FC236}">
+                      <a16:creationId xmlns:a16="http://schemas.microsoft.com/office/drawing/2014/main" id="{3AF7CB6A-1F97-40FA-8B1A-3F6BDF279076}"/>
+                    </a:ext>
+                  </a:extLst>
+                </p:cNvPr>
+                <p:cNvGrpSpPr/>
+                <p:nvPr/>
+              </p:nvGrpSpPr>
+              <p:grpSpPr>
+                <a:xfrm>
+                  <a:off x="219436" y="561057"/>
+                  <a:ext cx="2590590" cy="1393217"/>
+                  <a:chOff x="5237042" y="3580335"/>
+                  <a:chExt cx="2590590" cy="1393217"/>
+                </a:xfrm>
+              </p:grpSpPr>
+              <p:pic>
+                <p:nvPicPr>
+                  <p:cNvPr id="16" name="Picture 15">
+                    <a:extLst>
+                      <a:ext uri="{FF2B5EF4-FFF2-40B4-BE49-F238E27FC236}">
+                        <a16:creationId xmlns:a16="http://schemas.microsoft.com/office/drawing/2014/main" id="{136EF09B-1D46-4087-9DC5-DD122A8EA190}"/>
+                      </a:ext>
+                    </a:extLst>
+                  </p:cNvPr>
+                  <p:cNvPicPr>
+                    <a:picLocks noChangeAspect="1"/>
+                  </p:cNvPicPr>
+                  <p:nvPr/>
+                </p:nvPicPr>
+                <p:blipFill rotWithShape="1">
+                  <a:blip r:embed="rId2"/>
+                  <a:srcRect l="1976" t="2981" r="2028" b="4155"/>
+                  <a:stretch/>
+                </p:blipFill>
+                <p:spPr>
+                  <a:xfrm>
+                    <a:off x="5241000" y="3584293"/>
+                    <a:ext cx="2586632" cy="1389259"/>
+                  </a:xfrm>
+                  <a:prstGeom prst="rect">
+                    <a:avLst/>
+                  </a:prstGeom>
+                  <a:ln w="6350">
+                    <a:solidFill>
+                      <a:schemeClr val="tx1"/>
+                    </a:solidFill>
+                  </a:ln>
+                </p:spPr>
+              </p:pic>
+              <p:sp>
+                <p:nvSpPr>
+                  <p:cNvPr id="17" name="TextBox 16">
+                    <a:extLst>
+                      <a:ext uri="{FF2B5EF4-FFF2-40B4-BE49-F238E27FC236}">
+                        <a16:creationId xmlns:a16="http://schemas.microsoft.com/office/drawing/2014/main" id="{1678C956-83E8-48DB-AD1C-0424A96FE1EF}"/>
+                      </a:ext>
+                    </a:extLst>
+                  </p:cNvPr>
+                  <p:cNvSpPr txBox="1"/>
+                  <p:nvPr/>
+                </p:nvSpPr>
+                <p:spPr>
+                  <a:xfrm>
+                    <a:off x="5237042" y="3580335"/>
+                    <a:ext cx="1538767" cy="210217"/>
+                  </a:xfrm>
+                  <a:prstGeom prst="rect">
+                    <a:avLst/>
+                  </a:prstGeom>
+                  <a:solidFill>
+                    <a:srgbClr val="C00000">
+                      <a:alpha val="89804"/>
+                    </a:srgbClr>
+                  </a:solidFill>
+                  <a:ln w="3175">
+                    <a:solidFill>
+                      <a:schemeClr val="tx1"/>
+                    </a:solidFill>
+                  </a:ln>
+                </p:spPr>
+                <p:txBody>
+                  <a:bodyPr wrap="square" lIns="36000" tIns="0" rIns="36000" bIns="0" rtlCol="0">
+                    <a:spAutoFit/>
+                  </a:bodyPr>
+                  <a:lstStyle/>
+                  <a:p>
+                    <a:pPr algn="ctr"/>
+                    <a:r>
+                      <a:rPr lang="de-CH" sz="800" dirty="0">
+                        <a:solidFill>
+                          <a:schemeClr val="bg1"/>
+                        </a:solidFill>
+                        <a:latin typeface="+mj-lt"/>
+                      </a:rPr>
+                      <a:t>Temperature</a:t>
+                    </a:r>
+                    <a:endParaRPr lang="LID4096" sz="800" dirty="0">
+                      <a:solidFill>
+                        <a:schemeClr val="bg1"/>
+                      </a:solidFill>
+                      <a:latin typeface="+mj-lt"/>
+                    </a:endParaRPr>
+                  </a:p>
+                </p:txBody>
+              </p:sp>
+            </p:grpSp>
+            <p:cxnSp>
+              <p:nvCxnSpPr>
+                <p:cNvPr id="12" name="Straight Connector 11">
+                  <a:extLst>
+                    <a:ext uri="{FF2B5EF4-FFF2-40B4-BE49-F238E27FC236}">
+                      <a16:creationId xmlns:a16="http://schemas.microsoft.com/office/drawing/2014/main" id="{BF286A9B-C6E5-4990-8C30-961CC2880A85}"/>
+                    </a:ext>
+                  </a:extLst>
+                </p:cNvPr>
+                <p:cNvCxnSpPr>
+                  <a:cxnSpLocks/>
+                </p:cNvCxnSpPr>
+                <p:nvPr/>
+              </p:nvCxnSpPr>
+              <p:spPr>
+                <a:xfrm flipV="1">
+                  <a:off x="2821816" y="1586032"/>
+                  <a:ext cx="251564" cy="372057"/>
+                </a:xfrm>
+                <a:prstGeom prst="line">
+                  <a:avLst/>
+                </a:prstGeom>
+                <a:ln w="6350"/>
+              </p:spPr>
+              <p:style>
+                <a:lnRef idx="1">
+                  <a:schemeClr val="dk1"/>
+                </a:lnRef>
+                <a:fillRef idx="0">
+                  <a:schemeClr val="dk1"/>
+                </a:fillRef>
+                <a:effectRef idx="0">
+                  <a:schemeClr val="dk1"/>
+                </a:effectRef>
+                <a:fontRef idx="minor">
+                  <a:schemeClr val="tx1"/>
+                </a:fontRef>
+              </p:style>
+            </p:cxnSp>
+            <p:cxnSp>
+              <p:nvCxnSpPr>
+                <p:cNvPr id="13" name="Straight Connector 12">
+                  <a:extLst>
+                    <a:ext uri="{FF2B5EF4-FFF2-40B4-BE49-F238E27FC236}">
+                      <a16:creationId xmlns:a16="http://schemas.microsoft.com/office/drawing/2014/main" id="{A01F7E7E-93E4-4C32-A31A-2DBD622587EF}"/>
+                    </a:ext>
+                  </a:extLst>
+                </p:cNvPr>
+                <p:cNvCxnSpPr>
+                  <a:cxnSpLocks/>
+                </p:cNvCxnSpPr>
+                <p:nvPr/>
+              </p:nvCxnSpPr>
+              <p:spPr>
+                <a:xfrm flipV="1">
+                  <a:off x="2802406" y="192957"/>
+                  <a:ext cx="259184" cy="378284"/>
+                </a:xfrm>
+                <a:prstGeom prst="line">
+                  <a:avLst/>
+                </a:prstGeom>
+                <a:ln w="6350"/>
+              </p:spPr>
+              <p:style>
+                <a:lnRef idx="1">
+                  <a:schemeClr val="dk1"/>
+                </a:lnRef>
+                <a:fillRef idx="0">
+                  <a:schemeClr val="dk1"/>
+                </a:fillRef>
+                <a:effectRef idx="0">
+                  <a:schemeClr val="dk1"/>
+                </a:effectRef>
+                <a:fontRef idx="minor">
+                  <a:schemeClr val="tx1"/>
+                </a:fontRef>
+              </p:style>
+            </p:cxnSp>
+            <p:sp>
+              <p:nvSpPr>
+                <p:cNvPr id="14" name="TextBox 13">
+                  <a:extLst>
+                    <a:ext uri="{FF2B5EF4-FFF2-40B4-BE49-F238E27FC236}">
+                      <a16:creationId xmlns:a16="http://schemas.microsoft.com/office/drawing/2014/main" id="{80E8FE5A-4DFA-4F85-A235-BE461520A3F6}"/>
+                    </a:ext>
+                  </a:extLst>
+                </p:cNvPr>
+                <p:cNvSpPr txBox="1"/>
+                <p:nvPr/>
+              </p:nvSpPr>
+              <p:spPr>
+                <a:xfrm>
+                  <a:off x="959380" y="1708053"/>
+                  <a:ext cx="1113677" cy="210217"/>
+                </a:xfrm>
+                <a:prstGeom prst="rect">
+                  <a:avLst/>
+                </a:prstGeom>
+                <a:solidFill>
+                  <a:srgbClr val="C00000"/>
+                </a:solidFill>
+                <a:ln w="3175">
+                  <a:solidFill>
+                    <a:schemeClr val="tx1"/>
+                  </a:solidFill>
+                </a:ln>
+              </p:spPr>
+              <p:txBody>
+                <a:bodyPr wrap="square" lIns="36000" tIns="0" rIns="36000" bIns="0" rtlCol="0">
+                  <a:spAutoFit/>
+                </a:bodyPr>
+                <a:lstStyle/>
+                <a:p>
+                  <a:pPr algn="ctr"/>
+                  <a:r>
+                    <a:rPr lang="de-CH" sz="800" dirty="0">
+                      <a:solidFill>
+                        <a:schemeClr val="bg1"/>
+                      </a:solidFill>
+                      <a:latin typeface="+mj-lt"/>
+                    </a:rPr>
+                    <a:t>t - 1</a:t>
+                  </a:r>
+                  <a:endParaRPr lang="LID4096" sz="800" dirty="0">
+                    <a:solidFill>
+                      <a:schemeClr val="bg1"/>
+                    </a:solidFill>
+                    <a:latin typeface="+mj-lt"/>
+                  </a:endParaRPr>
+                </a:p>
+              </p:txBody>
+            </p:sp>
+            <p:cxnSp>
+              <p:nvCxnSpPr>
+                <p:cNvPr id="15" name="Straight Connector 14">
+                  <a:extLst>
+                    <a:ext uri="{FF2B5EF4-FFF2-40B4-BE49-F238E27FC236}">
+                      <a16:creationId xmlns:a16="http://schemas.microsoft.com/office/drawing/2014/main" id="{3A6DB20D-6A80-4B27-8E2B-CF8C67A478BC}"/>
+                    </a:ext>
+                  </a:extLst>
+                </p:cNvPr>
+                <p:cNvCxnSpPr>
+                  <a:cxnSpLocks/>
+                </p:cNvCxnSpPr>
+                <p:nvPr/>
+              </p:nvCxnSpPr>
+              <p:spPr>
+                <a:xfrm flipV="1">
+                  <a:off x="215774" y="187074"/>
+                  <a:ext cx="259184" cy="378284"/>
+                </a:xfrm>
+                <a:prstGeom prst="line">
+                  <a:avLst/>
+                </a:prstGeom>
+                <a:ln w="6350"/>
+              </p:spPr>
+              <p:style>
+                <a:lnRef idx="1">
+                  <a:schemeClr val="dk1"/>
+                </a:lnRef>
+                <a:fillRef idx="0">
+                  <a:schemeClr val="dk1"/>
+                </a:fillRef>
+                <a:effectRef idx="0">
+                  <a:schemeClr val="dk1"/>
+                </a:effectRef>
+                <a:fontRef idx="minor">
+                  <a:schemeClr val="tx1"/>
+                </a:fontRef>
+              </p:style>
+            </p:cxnSp>
+          </p:grpSp>
+        </p:grpSp>
+        <p:grpSp>
+          <p:nvGrpSpPr>
+            <p:cNvPr id="98" name="Group 97">
               <a:extLst>
                 <a:ext uri="{FF2B5EF4-FFF2-40B4-BE49-F238E27FC236}">
-                  <a16:creationId xmlns:a16="http://schemas.microsoft.com/office/drawing/2014/main" id="{28607D04-EE2B-43A0-93B2-BDEBED5BF9D3}"/>
+                  <a16:creationId xmlns:a16="http://schemas.microsoft.com/office/drawing/2014/main" id="{3AC9FAA3-71B1-4491-B9AC-F0712A3E87AF}"/>
                 </a:ext>
               </a:extLst>
             </p:cNvPr>
-            <p:cNvSpPr txBox="1"/>
+            <p:cNvGrpSpPr/>
+            <p:nvPr/>
+          </p:nvGrpSpPr>
+          <p:grpSpPr>
+            <a:xfrm>
+              <a:off x="3249700" y="1846618"/>
+              <a:ext cx="6885000" cy="441097"/>
+              <a:chOff x="3261000" y="1682902"/>
+              <a:chExt cx="6885000" cy="441097"/>
+            </a:xfrm>
+          </p:grpSpPr>
+          <p:sp>
+            <p:nvSpPr>
+              <p:cNvPr id="97" name="Rectangle 96">
+                <a:extLst>
+                  <a:ext uri="{FF2B5EF4-FFF2-40B4-BE49-F238E27FC236}">
+                    <a16:creationId xmlns:a16="http://schemas.microsoft.com/office/drawing/2014/main" id="{A9912151-9854-43C8-A4C1-2890F7049BF8}"/>
+                  </a:ext>
+                </a:extLst>
+              </p:cNvPr>
+              <p:cNvSpPr/>
+              <p:nvPr/>
+            </p:nvSpPr>
+            <p:spPr>
+              <a:xfrm>
+                <a:off x="3261000" y="1682902"/>
+                <a:ext cx="6885000" cy="441097"/>
+              </a:xfrm>
+              <a:prstGeom prst="rect">
+                <a:avLst/>
+              </a:prstGeom>
+              <a:solidFill>
+                <a:schemeClr val="bg1">
+                  <a:lumMod val="50000"/>
+                </a:schemeClr>
+              </a:solidFill>
+            </p:spPr>
+            <p:style>
+              <a:lnRef idx="2">
+                <a:schemeClr val="accent1">
+                  <a:shade val="50000"/>
+                </a:schemeClr>
+              </a:lnRef>
+              <a:fillRef idx="1">
+                <a:schemeClr val="accent1"/>
+              </a:fillRef>
+              <a:effectRef idx="0">
+                <a:schemeClr val="accent1"/>
+              </a:effectRef>
+              <a:fontRef idx="minor">
+                <a:schemeClr val="lt1"/>
+              </a:fontRef>
+            </p:style>
+            <p:txBody>
+              <a:bodyPr rtlCol="0" anchor="ctr"/>
+              <a:lstStyle/>
+              <a:p>
+                <a:pPr algn="r"/>
+                <a:r>
+                  <a:rPr lang="de-CH" sz="1600" dirty="0">
+                    <a:latin typeface="+mj-lt"/>
+                  </a:rPr>
+                  <a:t>TimeDistributed</a:t>
+                </a:r>
+                <a:endParaRPr lang="LID4096" sz="1600" dirty="0">
+                  <a:latin typeface="+mj-lt"/>
+                </a:endParaRPr>
+              </a:p>
+            </p:txBody>
+          </p:sp>
+          <p:sp>
+            <p:nvSpPr>
+              <p:cNvPr id="48" name="Rectangle 47">
+                <a:extLst>
+                  <a:ext uri="{FF2B5EF4-FFF2-40B4-BE49-F238E27FC236}">
+                    <a16:creationId xmlns:a16="http://schemas.microsoft.com/office/drawing/2014/main" id="{50D3EB69-CB8A-432C-A021-572869B633C0}"/>
+                  </a:ext>
+                </a:extLst>
+              </p:cNvPr>
+              <p:cNvSpPr/>
+              <p:nvPr/>
+            </p:nvSpPr>
+            <p:spPr>
+              <a:xfrm>
+                <a:off x="3310816" y="1743505"/>
+                <a:ext cx="1665000" cy="315000"/>
+              </a:xfrm>
+              <a:prstGeom prst="rect">
+                <a:avLst/>
+              </a:prstGeom>
+              <a:solidFill>
+                <a:schemeClr val="accent1">
+                  <a:lumMod val="75000"/>
+                </a:schemeClr>
+              </a:solidFill>
+              <a:ln>
+                <a:solidFill>
+                  <a:schemeClr val="bg1"/>
+                </a:solidFill>
+              </a:ln>
+            </p:spPr>
+            <p:style>
+              <a:lnRef idx="2">
+                <a:schemeClr val="accent1">
+                  <a:shade val="50000"/>
+                </a:schemeClr>
+              </a:lnRef>
+              <a:fillRef idx="1">
+                <a:schemeClr val="accent1"/>
+              </a:fillRef>
+              <a:effectRef idx="0">
+                <a:schemeClr val="accent1"/>
+              </a:effectRef>
+              <a:fontRef idx="minor">
+                <a:schemeClr val="lt1"/>
+              </a:fontRef>
+            </p:style>
+            <p:txBody>
+              <a:bodyPr rtlCol="0" anchor="ctr"/>
+              <a:lstStyle/>
+              <a:p>
+                <a:pPr algn="ctr"/>
+                <a:r>
+                  <a:rPr lang="de-CH" sz="1400" dirty="0">
+                    <a:latin typeface="+mj-lt"/>
+                  </a:rPr>
+                  <a:t>Conv2D, 16, 3x3</a:t>
+                </a:r>
+                <a:endParaRPr lang="LID4096" sz="1400" dirty="0">
+                  <a:latin typeface="+mj-lt"/>
+                </a:endParaRPr>
+              </a:p>
+            </p:txBody>
+          </p:sp>
+          <p:sp>
+            <p:nvSpPr>
+              <p:cNvPr id="95" name="Rectangle 94">
+                <a:extLst>
+                  <a:ext uri="{FF2B5EF4-FFF2-40B4-BE49-F238E27FC236}">
+                    <a16:creationId xmlns:a16="http://schemas.microsoft.com/office/drawing/2014/main" id="{3DE22A54-C545-4081-8A0D-25417078A6B2}"/>
+                  </a:ext>
+                </a:extLst>
+              </p:cNvPr>
+              <p:cNvSpPr/>
+              <p:nvPr/>
+            </p:nvSpPr>
+            <p:spPr>
+              <a:xfrm>
+                <a:off x="5032250" y="1743505"/>
+                <a:ext cx="1665000" cy="315000"/>
+              </a:xfrm>
+              <a:prstGeom prst="rect">
+                <a:avLst/>
+              </a:prstGeom>
+              <a:solidFill>
+                <a:schemeClr val="accent1">
+                  <a:lumMod val="75000"/>
+                </a:schemeClr>
+              </a:solidFill>
+              <a:ln>
+                <a:solidFill>
+                  <a:schemeClr val="bg1"/>
+                </a:solidFill>
+              </a:ln>
+            </p:spPr>
+            <p:style>
+              <a:lnRef idx="2">
+                <a:schemeClr val="accent1">
+                  <a:shade val="50000"/>
+                </a:schemeClr>
+              </a:lnRef>
+              <a:fillRef idx="1">
+                <a:schemeClr val="accent1"/>
+              </a:fillRef>
+              <a:effectRef idx="0">
+                <a:schemeClr val="accent1"/>
+              </a:effectRef>
+              <a:fontRef idx="minor">
+                <a:schemeClr val="lt1"/>
+              </a:fontRef>
+            </p:style>
+            <p:txBody>
+              <a:bodyPr rtlCol="0" anchor="ctr"/>
+              <a:lstStyle/>
+              <a:p>
+                <a:pPr algn="ctr"/>
+                <a:r>
+                  <a:rPr lang="de-CH" sz="1400" dirty="0">
+                    <a:latin typeface="+mj-lt"/>
+                  </a:rPr>
+                  <a:t>Conv2D, 16, 3x3</a:t>
+                </a:r>
+                <a:endParaRPr lang="LID4096" sz="1400" dirty="0">
+                  <a:latin typeface="+mj-lt"/>
+                </a:endParaRPr>
+              </a:p>
+            </p:txBody>
+          </p:sp>
+          <p:sp>
+            <p:nvSpPr>
+              <p:cNvPr id="96" name="Rectangle 95">
+                <a:extLst>
+                  <a:ext uri="{FF2B5EF4-FFF2-40B4-BE49-F238E27FC236}">
+                    <a16:creationId xmlns:a16="http://schemas.microsoft.com/office/drawing/2014/main" id="{166D1188-61F2-4E94-860F-1773181F5159}"/>
+                  </a:ext>
+                </a:extLst>
+              </p:cNvPr>
+              <p:cNvSpPr/>
+              <p:nvPr/>
+            </p:nvSpPr>
+            <p:spPr>
+              <a:xfrm>
+                <a:off x="6757423" y="1743505"/>
+                <a:ext cx="1665000" cy="315000"/>
+              </a:xfrm>
+              <a:prstGeom prst="rect">
+                <a:avLst/>
+              </a:prstGeom>
+              <a:solidFill>
+                <a:schemeClr val="accent1">
+                  <a:lumMod val="75000"/>
+                </a:schemeClr>
+              </a:solidFill>
+              <a:ln>
+                <a:solidFill>
+                  <a:schemeClr val="bg1"/>
+                </a:solidFill>
+              </a:ln>
+            </p:spPr>
+            <p:style>
+              <a:lnRef idx="2">
+                <a:schemeClr val="accent1">
+                  <a:shade val="50000"/>
+                </a:schemeClr>
+              </a:lnRef>
+              <a:fillRef idx="1">
+                <a:schemeClr val="accent1"/>
+              </a:fillRef>
+              <a:effectRef idx="0">
+                <a:schemeClr val="accent1"/>
+              </a:effectRef>
+              <a:fontRef idx="minor">
+                <a:schemeClr val="lt1"/>
+              </a:fontRef>
+            </p:style>
+            <p:txBody>
+              <a:bodyPr rtlCol="0" anchor="ctr"/>
+              <a:lstStyle/>
+              <a:p>
+                <a:pPr algn="ctr"/>
+                <a:r>
+                  <a:rPr lang="de-CH" sz="1400" dirty="0">
+                    <a:latin typeface="+mj-lt"/>
+                  </a:rPr>
+                  <a:t>Conv2D, 16, 3x3</a:t>
+                </a:r>
+                <a:endParaRPr lang="LID4096" sz="1400" dirty="0">
+                  <a:latin typeface="+mj-lt"/>
+                </a:endParaRPr>
+              </a:p>
+            </p:txBody>
+          </p:sp>
+        </p:grpSp>
+        <p:sp>
+          <p:nvSpPr>
+            <p:cNvPr id="99" name="Rectangle 98">
+              <a:extLst>
+                <a:ext uri="{FF2B5EF4-FFF2-40B4-BE49-F238E27FC236}">
+                  <a16:creationId xmlns:a16="http://schemas.microsoft.com/office/drawing/2014/main" id="{3EE71832-D823-4301-AAD5-1AF942D9D790}"/>
+                </a:ext>
+              </a:extLst>
+            </p:cNvPr>
+            <p:cNvSpPr/>
             <p:nvPr/>
           </p:nvSpPr>
           <p:spPr>
             <a:xfrm>
-              <a:off x="377498" y="710424"/>
-              <a:ext cx="696791" cy="153888"/>
+              <a:off x="3299516" y="3358156"/>
+              <a:ext cx="5111607" cy="360000"/>
             </a:xfrm>
             <a:prstGeom prst="rect">
               <a:avLst/>
             </a:prstGeom>
             <a:solidFill>
-              <a:srgbClr val="C00000"/>
+              <a:schemeClr val="accent1">
+                <a:lumMod val="75000"/>
+              </a:schemeClr>
             </a:solidFill>
-            <a:ln w="6350">
-              <a:solidFill>
-                <a:schemeClr val="bg1">
-                  <a:lumMod val="85000"/>
-                </a:schemeClr>
-              </a:solidFill>
-            </a:ln>
           </p:spPr>
+          <p:style>
+            <a:lnRef idx="2">
+              <a:schemeClr val="accent1">
+                <a:shade val="50000"/>
+              </a:schemeClr>
+            </a:lnRef>
+            <a:fillRef idx="1">
+              <a:schemeClr val="accent1"/>
+            </a:fillRef>
+            <a:effectRef idx="0">
+              <a:schemeClr val="accent1"/>
+            </a:effectRef>
+            <a:fontRef idx="minor">
+              <a:schemeClr val="lt1"/>
+            </a:fontRef>
+          </p:style>
           <p:txBody>
-            <a:bodyPr wrap="square" lIns="36000" tIns="0" rIns="36000" bIns="0" rtlCol="0">
-              <a:spAutoFit/>
-            </a:bodyPr>
+            <a:bodyPr rtlCol="0" anchor="ctr"/>
             <a:lstStyle/>
             <a:p>
               <a:pPr algn="ctr"/>
               <a:r>
-                <a:rPr lang="de-CH" sz="1000" dirty="0">
-                  <a:solidFill>
-                    <a:schemeClr val="bg1"/>
-                  </a:solidFill>
+                <a:rPr lang="de-CH" sz="1600" dirty="0">
+                  <a:latin typeface="+mj-lt"/>
                 </a:rPr>
-                <a:t>01.03.2017</a:t>
+                <a:t>ConvLSTM2D, 16, 3x3</a:t>
               </a:r>
-              <a:endParaRPr lang="LID4096" sz="1000" dirty="0">
-                <a:solidFill>
-                  <a:schemeClr val="bg1"/>
-                </a:solidFill>
+              <a:endParaRPr lang="LID4096" sz="1600" dirty="0">
+                <a:latin typeface="+mj-lt"/>
               </a:endParaRPr>
             </a:p>
           </p:txBody>
         </p:sp>
-      </p:grpSp>
-      <p:grpSp>
-        <p:nvGrpSpPr>
-          <p:cNvPr id="7" name="Group 6">
-            <a:extLst>
-              <a:ext uri="{FF2B5EF4-FFF2-40B4-BE49-F238E27FC236}">
-                <a16:creationId xmlns:a16="http://schemas.microsoft.com/office/drawing/2014/main" id="{0C859FEE-21A3-43A1-982A-B0FD61AF5871}"/>
-              </a:ext>
-            </a:extLst>
-          </p:cNvPr>
-          <p:cNvGrpSpPr/>
-          <p:nvPr/>
-        </p:nvGrpSpPr>
-        <p:grpSpPr>
-          <a:xfrm>
-            <a:off x="2901000" y="189000"/>
-            <a:ext cx="2589807" cy="1546142"/>
-            <a:chOff x="377498" y="710424"/>
-            <a:chExt cx="2589807" cy="1546142"/>
-          </a:xfrm>
-        </p:grpSpPr>
-        <p:pic>
-          <p:nvPicPr>
-            <p:cNvPr id="8" name="Picture 7">
+        <p:grpSp>
+          <p:nvGrpSpPr>
+            <p:cNvPr id="100" name="Group 99">
               <a:extLst>
                 <a:ext uri="{FF2B5EF4-FFF2-40B4-BE49-F238E27FC236}">
-                  <a16:creationId xmlns:a16="http://schemas.microsoft.com/office/drawing/2014/main" id="{F0F6433E-C5A9-4989-B1F5-FDDFE6C65895}"/>
+                  <a16:creationId xmlns:a16="http://schemas.microsoft.com/office/drawing/2014/main" id="{162BF05C-8C09-401A-848A-1651B8170BFD}"/>
                 </a:ext>
               </a:extLst>
             </p:cNvPr>
-            <p:cNvPicPr>
-              <a:picLocks noChangeAspect="1"/>
-            </p:cNvPicPr>
+            <p:cNvGrpSpPr/>
             <p:nvPr/>
-          </p:nvPicPr>
-          <p:blipFill rotWithShape="1">
-            <a:blip r:embed="rId2"/>
-            <a:srcRect l="1976" t="2981" r="2028" b="4155"/>
-            <a:stretch/>
-          </p:blipFill>
-          <p:spPr>
+          </p:nvGrpSpPr>
+          <p:grpSpPr>
             <a:xfrm>
-              <a:off x="380673" y="867307"/>
-              <a:ext cx="2586632" cy="1389259"/>
+              <a:off x="3250354" y="2352841"/>
+              <a:ext cx="6885000" cy="441097"/>
+              <a:chOff x="3261000" y="1682902"/>
+              <a:chExt cx="6885000" cy="441097"/>
             </a:xfrm>
-            <a:prstGeom prst="rect">
-              <a:avLst/>
-            </a:prstGeom>
-            <a:ln w="6350">
+          </p:grpSpPr>
+          <p:sp>
+            <p:nvSpPr>
+              <p:cNvPr id="101" name="Rectangle 100">
+                <a:extLst>
+                  <a:ext uri="{FF2B5EF4-FFF2-40B4-BE49-F238E27FC236}">
+                    <a16:creationId xmlns:a16="http://schemas.microsoft.com/office/drawing/2014/main" id="{A71C3F78-ABF8-4605-B788-F8A5A4A4BE9F}"/>
+                  </a:ext>
+                </a:extLst>
+              </p:cNvPr>
+              <p:cNvSpPr/>
+              <p:nvPr/>
+            </p:nvSpPr>
+            <p:spPr>
+              <a:xfrm>
+                <a:off x="3261000" y="1682902"/>
+                <a:ext cx="6885000" cy="441097"/>
+              </a:xfrm>
+              <a:prstGeom prst="rect">
+                <a:avLst/>
+              </a:prstGeom>
               <a:solidFill>
                 <a:schemeClr val="bg1">
-                  <a:lumMod val="85000"/>
+                  <a:lumMod val="50000"/>
                 </a:schemeClr>
               </a:solidFill>
-            </a:ln>
-          </p:spPr>
-        </p:pic>
+            </p:spPr>
+            <p:style>
+              <a:lnRef idx="2">
+                <a:schemeClr val="accent1">
+                  <a:shade val="50000"/>
+                </a:schemeClr>
+              </a:lnRef>
+              <a:fillRef idx="1">
+                <a:schemeClr val="accent1"/>
+              </a:fillRef>
+              <a:effectRef idx="0">
+                <a:schemeClr val="accent1"/>
+              </a:effectRef>
+              <a:fontRef idx="minor">
+                <a:schemeClr val="lt1"/>
+              </a:fontRef>
+            </p:style>
+            <p:txBody>
+              <a:bodyPr rtlCol="0" anchor="ctr"/>
+              <a:lstStyle/>
+              <a:p>
+                <a:pPr algn="r"/>
+                <a:r>
+                  <a:rPr lang="de-CH" sz="1600" dirty="0">
+                    <a:latin typeface="+mj-lt"/>
+                  </a:rPr>
+                  <a:t>TimeDistributed</a:t>
+                </a:r>
+                <a:endParaRPr lang="LID4096" sz="1600" dirty="0">
+                  <a:latin typeface="+mj-lt"/>
+                </a:endParaRPr>
+              </a:p>
+            </p:txBody>
+          </p:sp>
+          <p:sp>
+            <p:nvSpPr>
+              <p:cNvPr id="102" name="Rectangle 101">
+                <a:extLst>
+                  <a:ext uri="{FF2B5EF4-FFF2-40B4-BE49-F238E27FC236}">
+                    <a16:creationId xmlns:a16="http://schemas.microsoft.com/office/drawing/2014/main" id="{B6583998-C609-4E0E-AC5F-38F734D481CA}"/>
+                  </a:ext>
+                </a:extLst>
+              </p:cNvPr>
+              <p:cNvSpPr/>
+              <p:nvPr/>
+            </p:nvSpPr>
+            <p:spPr>
+              <a:xfrm>
+                <a:off x="3310816" y="1743505"/>
+                <a:ext cx="1665000" cy="315000"/>
+              </a:xfrm>
+              <a:prstGeom prst="rect">
+                <a:avLst/>
+              </a:prstGeom>
+              <a:solidFill>
+                <a:schemeClr val="accent1">
+                  <a:lumMod val="75000"/>
+                </a:schemeClr>
+              </a:solidFill>
+              <a:ln>
+                <a:solidFill>
+                  <a:schemeClr val="bg1"/>
+                </a:solidFill>
+              </a:ln>
+            </p:spPr>
+            <p:style>
+              <a:lnRef idx="2">
+                <a:schemeClr val="accent1">
+                  <a:shade val="50000"/>
+                </a:schemeClr>
+              </a:lnRef>
+              <a:fillRef idx="1">
+                <a:schemeClr val="accent1"/>
+              </a:fillRef>
+              <a:effectRef idx="0">
+                <a:schemeClr val="accent1"/>
+              </a:effectRef>
+              <a:fontRef idx="minor">
+                <a:schemeClr val="lt1"/>
+              </a:fontRef>
+            </p:style>
+            <p:txBody>
+              <a:bodyPr rtlCol="0" anchor="ctr"/>
+              <a:lstStyle/>
+              <a:p>
+                <a:pPr algn="ctr"/>
+                <a:r>
+                  <a:rPr lang="de-CH" sz="1400" dirty="0">
+                    <a:latin typeface="+mj-lt"/>
+                  </a:rPr>
+                  <a:t>Conv2D, 16, 3x3</a:t>
+                </a:r>
+                <a:endParaRPr lang="LID4096" sz="1400" dirty="0">
+                  <a:latin typeface="+mj-lt"/>
+                </a:endParaRPr>
+              </a:p>
+            </p:txBody>
+          </p:sp>
+          <p:sp>
+            <p:nvSpPr>
+              <p:cNvPr id="103" name="Rectangle 102">
+                <a:extLst>
+                  <a:ext uri="{FF2B5EF4-FFF2-40B4-BE49-F238E27FC236}">
+                    <a16:creationId xmlns:a16="http://schemas.microsoft.com/office/drawing/2014/main" id="{1D53C6B5-D090-4CE9-9F5D-B146317AA189}"/>
+                  </a:ext>
+                </a:extLst>
+              </p:cNvPr>
+              <p:cNvSpPr/>
+              <p:nvPr/>
+            </p:nvSpPr>
+            <p:spPr>
+              <a:xfrm>
+                <a:off x="5032250" y="1743505"/>
+                <a:ext cx="1665000" cy="315000"/>
+              </a:xfrm>
+              <a:prstGeom prst="rect">
+                <a:avLst/>
+              </a:prstGeom>
+              <a:solidFill>
+                <a:schemeClr val="accent1">
+                  <a:lumMod val="75000"/>
+                </a:schemeClr>
+              </a:solidFill>
+              <a:ln>
+                <a:solidFill>
+                  <a:schemeClr val="bg1"/>
+                </a:solidFill>
+              </a:ln>
+            </p:spPr>
+            <p:style>
+              <a:lnRef idx="2">
+                <a:schemeClr val="accent1">
+                  <a:shade val="50000"/>
+                </a:schemeClr>
+              </a:lnRef>
+              <a:fillRef idx="1">
+                <a:schemeClr val="accent1"/>
+              </a:fillRef>
+              <a:effectRef idx="0">
+                <a:schemeClr val="accent1"/>
+              </a:effectRef>
+              <a:fontRef idx="minor">
+                <a:schemeClr val="lt1"/>
+              </a:fontRef>
+            </p:style>
+            <p:txBody>
+              <a:bodyPr rtlCol="0" anchor="ctr"/>
+              <a:lstStyle/>
+              <a:p>
+                <a:pPr algn="ctr"/>
+                <a:r>
+                  <a:rPr lang="de-CH" sz="1400" dirty="0">
+                    <a:latin typeface="+mj-lt"/>
+                  </a:rPr>
+                  <a:t>Conv2D, 16, 3x3</a:t>
+                </a:r>
+                <a:endParaRPr lang="LID4096" sz="1400" dirty="0">
+                  <a:latin typeface="+mj-lt"/>
+                </a:endParaRPr>
+              </a:p>
+            </p:txBody>
+          </p:sp>
+          <p:sp>
+            <p:nvSpPr>
+              <p:cNvPr id="104" name="Rectangle 103">
+                <a:extLst>
+                  <a:ext uri="{FF2B5EF4-FFF2-40B4-BE49-F238E27FC236}">
+                    <a16:creationId xmlns:a16="http://schemas.microsoft.com/office/drawing/2014/main" id="{F5B59F43-E998-4B3A-962E-B0AEF94541A3}"/>
+                  </a:ext>
+                </a:extLst>
+              </p:cNvPr>
+              <p:cNvSpPr/>
+              <p:nvPr/>
+            </p:nvSpPr>
+            <p:spPr>
+              <a:xfrm>
+                <a:off x="6757423" y="1743505"/>
+                <a:ext cx="1665000" cy="315000"/>
+              </a:xfrm>
+              <a:prstGeom prst="rect">
+                <a:avLst/>
+              </a:prstGeom>
+              <a:solidFill>
+                <a:schemeClr val="accent1">
+                  <a:lumMod val="75000"/>
+                </a:schemeClr>
+              </a:solidFill>
+              <a:ln>
+                <a:solidFill>
+                  <a:schemeClr val="bg1"/>
+                </a:solidFill>
+              </a:ln>
+            </p:spPr>
+            <p:style>
+              <a:lnRef idx="2">
+                <a:schemeClr val="accent1">
+                  <a:shade val="50000"/>
+                </a:schemeClr>
+              </a:lnRef>
+              <a:fillRef idx="1">
+                <a:schemeClr val="accent1"/>
+              </a:fillRef>
+              <a:effectRef idx="0">
+                <a:schemeClr val="accent1"/>
+              </a:effectRef>
+              <a:fontRef idx="minor">
+                <a:schemeClr val="lt1"/>
+              </a:fontRef>
+            </p:style>
+            <p:txBody>
+              <a:bodyPr rtlCol="0" anchor="ctr"/>
+              <a:lstStyle/>
+              <a:p>
+                <a:pPr algn="ctr"/>
+                <a:r>
+                  <a:rPr lang="de-CH" sz="1400" dirty="0">
+                    <a:latin typeface="+mj-lt"/>
+                  </a:rPr>
+                  <a:t>Conv2D, 16, 3x3</a:t>
+                </a:r>
+                <a:endParaRPr lang="LID4096" sz="1400" dirty="0">
+                  <a:latin typeface="+mj-lt"/>
+                </a:endParaRPr>
+              </a:p>
+            </p:txBody>
+          </p:sp>
+        </p:grpSp>
         <p:sp>
           <p:nvSpPr>
-            <p:cNvPr id="9" name="TextBox 8">
+            <p:cNvPr id="105" name="Rectangle 104">
               <a:extLst>
                 <a:ext uri="{FF2B5EF4-FFF2-40B4-BE49-F238E27FC236}">
-                  <a16:creationId xmlns:a16="http://schemas.microsoft.com/office/drawing/2014/main" id="{7359F34B-EB40-4684-8BEF-DEDDD551C9FB}"/>
+                  <a16:creationId xmlns:a16="http://schemas.microsoft.com/office/drawing/2014/main" id="{2AFC8125-52F3-47A2-BA43-02CD883C1339}"/>
                 </a:ext>
               </a:extLst>
             </p:cNvPr>
-            <p:cNvSpPr txBox="1"/>
+            <p:cNvSpPr/>
             <p:nvPr/>
           </p:nvSpPr>
           <p:spPr>
             <a:xfrm>
-              <a:off x="377498" y="710424"/>
-              <a:ext cx="696791" cy="153888"/>
+              <a:off x="3299516" y="3778759"/>
+              <a:ext cx="5111607" cy="360000"/>
             </a:xfrm>
             <a:prstGeom prst="rect">
               <a:avLst/>
             </a:prstGeom>
             <a:solidFill>
-              <a:srgbClr val="C00000"/>
+              <a:schemeClr val="accent1">
+                <a:lumMod val="75000"/>
+              </a:schemeClr>
             </a:solidFill>
-            <a:ln w="6350">
-              <a:solidFill>
-                <a:schemeClr val="bg1">
-                  <a:lumMod val="85000"/>
-                </a:schemeClr>
-              </a:solidFill>
-            </a:ln>
           </p:spPr>
+          <p:style>
+            <a:lnRef idx="2">
+              <a:schemeClr val="accent1">
+                <a:shade val="50000"/>
+              </a:schemeClr>
+            </a:lnRef>
+            <a:fillRef idx="1">
+              <a:schemeClr val="accent1"/>
+            </a:fillRef>
+            <a:effectRef idx="0">
+              <a:schemeClr val="accent1"/>
+            </a:effectRef>
+            <a:fontRef idx="minor">
+              <a:schemeClr val="lt1"/>
+            </a:fontRef>
+          </p:style>
           <p:txBody>
-            <a:bodyPr wrap="square" lIns="36000" tIns="0" rIns="36000" bIns="0" rtlCol="0">
-              <a:spAutoFit/>
-            </a:bodyPr>
+            <a:bodyPr rtlCol="0" anchor="ctr"/>
             <a:lstStyle/>
             <a:p>
               <a:pPr algn="ctr"/>
               <a:r>
-                <a:rPr lang="de-CH" sz="1000" dirty="0">
-                  <a:solidFill>
-                    <a:schemeClr val="bg1"/>
-                  </a:solidFill>
+                <a:rPr lang="de-CH" sz="1600" dirty="0">
+                  <a:latin typeface="+mj-lt"/>
                 </a:rPr>
-                <a:t>02.03.2017</a:t>
+                <a:t>ConvLSTM2D, 16, 3x3</a:t>
               </a:r>
-              <a:endParaRPr lang="LID4096" sz="1000" dirty="0">
-                <a:solidFill>
-                  <a:schemeClr val="bg1"/>
-                </a:solidFill>
+              <a:endParaRPr lang="LID4096" sz="1600" dirty="0">
+                <a:latin typeface="+mj-lt"/>
               </a:endParaRPr>
             </a:p>
           </p:txBody>
         </p:sp>
-      </p:grpSp>
-      <p:grpSp>
-        <p:nvGrpSpPr>
-          <p:cNvPr id="10" name="Group 9">
-            <a:extLst>
-              <a:ext uri="{FF2B5EF4-FFF2-40B4-BE49-F238E27FC236}">
-                <a16:creationId xmlns:a16="http://schemas.microsoft.com/office/drawing/2014/main" id="{40ED11A2-5617-4D59-B292-C364EDFC10BE}"/>
-              </a:ext>
-            </a:extLst>
-          </p:cNvPr>
-          <p:cNvGrpSpPr/>
-          <p:nvPr/>
-        </p:nvGrpSpPr>
-        <p:grpSpPr>
-          <a:xfrm>
-            <a:off x="5615240" y="189000"/>
-            <a:ext cx="2589807" cy="1546142"/>
-            <a:chOff x="377498" y="710424"/>
-            <a:chExt cx="2589807" cy="1546142"/>
-          </a:xfrm>
-        </p:grpSpPr>
-        <p:pic>
-          <p:nvPicPr>
-            <p:cNvPr id="11" name="Picture 10">
+        <p:sp>
+          <p:nvSpPr>
+            <p:cNvPr id="106" name="Rectangle 105">
               <a:extLst>
                 <a:ext uri="{FF2B5EF4-FFF2-40B4-BE49-F238E27FC236}">
-                  <a16:creationId xmlns:a16="http://schemas.microsoft.com/office/drawing/2014/main" id="{4461EECF-7C90-4997-A2E8-C40384EB9E92}"/>
+                  <a16:creationId xmlns:a16="http://schemas.microsoft.com/office/drawing/2014/main" id="{E1D1F545-BAE7-4B4B-B879-B4F34A296396}"/>
                 </a:ext>
               </a:extLst>
             </p:cNvPr>
-            <p:cNvPicPr>
-              <a:picLocks noChangeAspect="1"/>
-            </p:cNvPicPr>
-            <p:nvPr/>
-          </p:nvPicPr>
-          <p:blipFill rotWithShape="1">
-            <a:blip r:embed="rId2"/>
-            <a:srcRect l="1976" t="2981" r="2028" b="4155"/>
-            <a:stretch/>
-          </p:blipFill>
-          <p:spPr>
-            <a:xfrm>
-              <a:off x="380673" y="867307"/>
-              <a:ext cx="2586632" cy="1389259"/>
-            </a:xfrm>
-            <a:prstGeom prst="rect">
-              <a:avLst/>
-            </a:prstGeom>
-            <a:ln w="6350">
-              <a:solidFill>
-                <a:schemeClr val="bg1">
-                  <a:lumMod val="85000"/>
-                </a:schemeClr>
-              </a:solidFill>
-            </a:ln>
-          </p:spPr>
-        </p:pic>
-        <p:sp>
-          <p:nvSpPr>
-            <p:cNvPr id="12" name="TextBox 11">
-              <a:extLst>
-                <a:ext uri="{FF2B5EF4-FFF2-40B4-BE49-F238E27FC236}">
-                  <a16:creationId xmlns:a16="http://schemas.microsoft.com/office/drawing/2014/main" id="{85C5977E-C29C-4A87-972D-61E61CA3A23D}"/>
-                </a:ext>
-              </a:extLst>
-            </p:cNvPr>
-            <p:cNvSpPr txBox="1"/>
+            <p:cNvSpPr/>
             <p:nvPr/>
           </p:nvSpPr>
           <p:spPr>
             <a:xfrm>
-              <a:off x="377498" y="710424"/>
-              <a:ext cx="696791" cy="153888"/>
+              <a:off x="3299516" y="4199362"/>
+              <a:ext cx="5111607" cy="360000"/>
             </a:xfrm>
             <a:prstGeom prst="rect">
               <a:avLst/>
             </a:prstGeom>
             <a:solidFill>
-              <a:srgbClr val="C00000"/>
+              <a:schemeClr val="accent1">
+                <a:lumMod val="75000"/>
+              </a:schemeClr>
             </a:solidFill>
-            <a:ln w="6350">
-              <a:solidFill>
-                <a:schemeClr val="bg1">
-                  <a:lumMod val="85000"/>
-                </a:schemeClr>
-              </a:solidFill>
-            </a:ln>
           </p:spPr>
+          <p:style>
+            <a:lnRef idx="2">
+              <a:schemeClr val="accent1">
+                <a:shade val="50000"/>
+              </a:schemeClr>
+            </a:lnRef>
+            <a:fillRef idx="1">
+              <a:schemeClr val="accent1"/>
+            </a:fillRef>
+            <a:effectRef idx="0">
+              <a:schemeClr val="accent1"/>
+            </a:effectRef>
+            <a:fontRef idx="minor">
+              <a:schemeClr val="lt1"/>
+            </a:fontRef>
+          </p:style>
           <p:txBody>
-            <a:bodyPr wrap="square" lIns="36000" tIns="0" rIns="36000" bIns="0" rtlCol="0">
-              <a:spAutoFit/>
-            </a:bodyPr>
+            <a:bodyPr rtlCol="0" anchor="ctr"/>
             <a:lstStyle/>
             <a:p>
               <a:pPr algn="ctr"/>
               <a:r>
-                <a:rPr lang="de-CH" sz="1000" dirty="0">
-                  <a:solidFill>
-                    <a:schemeClr val="bg1"/>
-                  </a:solidFill>
+                <a:rPr lang="de-CH" sz="1600" dirty="0">
+                  <a:latin typeface="+mj-lt"/>
                 </a:rPr>
-                <a:t>...</a:t>
+                <a:t>ConvLSTM2D, 16, 3x3</a:t>
               </a:r>
-              <a:endParaRPr lang="LID4096" sz="1000" dirty="0">
-                <a:solidFill>
-                  <a:schemeClr val="bg1"/>
-                </a:solidFill>
+              <a:endParaRPr lang="LID4096" sz="1600" dirty="0">
+                <a:latin typeface="+mj-lt"/>
               </a:endParaRPr>
             </a:p>
           </p:txBody>
         </p:sp>
-      </p:grpSp>
-      <p:grpSp>
-        <p:nvGrpSpPr>
-          <p:cNvPr id="13" name="Group 12">
-            <a:extLst>
-              <a:ext uri="{FF2B5EF4-FFF2-40B4-BE49-F238E27FC236}">
-                <a16:creationId xmlns:a16="http://schemas.microsoft.com/office/drawing/2014/main" id="{952C1157-CA71-4E12-BA04-8702FAE17003}"/>
-              </a:ext>
-            </a:extLst>
-          </p:cNvPr>
-          <p:cNvGrpSpPr/>
-          <p:nvPr/>
-        </p:nvGrpSpPr>
-        <p:grpSpPr>
-          <a:xfrm>
-            <a:off x="8329480" y="189000"/>
-            <a:ext cx="2589807" cy="1546142"/>
-            <a:chOff x="377498" y="710424"/>
-            <a:chExt cx="2589807" cy="1546142"/>
-          </a:xfrm>
-        </p:grpSpPr>
-        <p:pic>
-          <p:nvPicPr>
-            <p:cNvPr id="14" name="Picture 13">
+        <p:sp>
+          <p:nvSpPr>
+            <p:cNvPr id="107" name="Rectangle 106">
               <a:extLst>
                 <a:ext uri="{FF2B5EF4-FFF2-40B4-BE49-F238E27FC236}">
-                  <a16:creationId xmlns:a16="http://schemas.microsoft.com/office/drawing/2014/main" id="{2F2DF89A-76D1-4BE3-9B2E-98AD8DD47CF9}"/>
+                  <a16:creationId xmlns:a16="http://schemas.microsoft.com/office/drawing/2014/main" id="{F7FEE356-1A4E-4CA2-8D41-4C568E9F513F}"/>
                 </a:ext>
               </a:extLst>
             </p:cNvPr>
-            <p:cNvPicPr>
-              <a:picLocks noChangeAspect="1"/>
-            </p:cNvPicPr>
-            <p:nvPr/>
-          </p:nvPicPr>
-          <p:blipFill rotWithShape="1">
-            <a:blip r:embed="rId2"/>
-            <a:srcRect l="1976" t="2981" r="2028" b="4155"/>
-            <a:stretch/>
-          </p:blipFill>
-          <p:spPr>
-            <a:xfrm>
-              <a:off x="380673" y="867307"/>
-              <a:ext cx="2586632" cy="1389259"/>
-            </a:xfrm>
-            <a:prstGeom prst="rect">
-              <a:avLst/>
-            </a:prstGeom>
-            <a:ln w="6350">
-              <a:solidFill>
-                <a:schemeClr val="bg1">
-                  <a:lumMod val="85000"/>
-                </a:schemeClr>
-              </a:solidFill>
-            </a:ln>
-          </p:spPr>
-        </p:pic>
-        <p:sp>
-          <p:nvSpPr>
-            <p:cNvPr id="15" name="TextBox 14">
-              <a:extLst>
-                <a:ext uri="{FF2B5EF4-FFF2-40B4-BE49-F238E27FC236}">
-                  <a16:creationId xmlns:a16="http://schemas.microsoft.com/office/drawing/2014/main" id="{B9663D47-3AEE-4F37-9646-EA4E588C179D}"/>
-                </a:ext>
-              </a:extLst>
-            </p:cNvPr>
-            <p:cNvSpPr txBox="1"/>
+            <p:cNvSpPr/>
             <p:nvPr/>
           </p:nvSpPr>
           <p:spPr>
             <a:xfrm>
-              <a:off x="377498" y="710424"/>
-              <a:ext cx="696791" cy="153888"/>
+              <a:off x="4600272" y="4619965"/>
+              <a:ext cx="2520000" cy="360000"/>
             </a:xfrm>
             <a:prstGeom prst="rect">
               <a:avLst/>
             </a:prstGeom>
             <a:solidFill>
-              <a:srgbClr val="C00000"/>
+              <a:schemeClr val="accent1">
+                <a:lumMod val="75000"/>
+              </a:schemeClr>
             </a:solidFill>
-            <a:ln w="6350">
-              <a:solidFill>
-                <a:schemeClr val="bg1">
-                  <a:lumMod val="85000"/>
-                </a:schemeClr>
-              </a:solidFill>
-            </a:ln>
           </p:spPr>
+          <p:style>
+            <a:lnRef idx="2">
+              <a:schemeClr val="accent1">
+                <a:shade val="50000"/>
+              </a:schemeClr>
+            </a:lnRef>
+            <a:fillRef idx="1">
+              <a:schemeClr val="accent1"/>
+            </a:fillRef>
+            <a:effectRef idx="0">
+              <a:schemeClr val="accent1"/>
+            </a:effectRef>
+            <a:fontRef idx="minor">
+              <a:schemeClr val="lt1"/>
+            </a:fontRef>
+          </p:style>
           <p:txBody>
-            <a:bodyPr wrap="square" lIns="36000" tIns="0" rIns="36000" bIns="0" rtlCol="0">
-              <a:spAutoFit/>
-            </a:bodyPr>
+            <a:bodyPr rtlCol="0" anchor="ctr"/>
             <a:lstStyle/>
             <a:p>
               <a:pPr algn="ctr"/>
               <a:r>
-                <a:rPr lang="de-CH" sz="1000" dirty="0">
-                  <a:solidFill>
-                    <a:schemeClr val="bg1"/>
-                  </a:solidFill>
+                <a:rPr lang="de-CH" sz="1600" dirty="0">
+                  <a:latin typeface="+mj-lt"/>
                 </a:rPr>
-                <a:t>11.05.2017</a:t>
+                <a:t>Dense, 1024</a:t>
               </a:r>
-              <a:endParaRPr lang="LID4096" sz="1000" dirty="0">
-                <a:solidFill>
-                  <a:schemeClr val="bg1"/>
-                </a:solidFill>
+              <a:endParaRPr lang="LID4096" sz="1600" dirty="0">
+                <a:latin typeface="+mj-lt"/>
               </a:endParaRPr>
             </a:p>
           </p:txBody>
         </p:sp>
+        <p:sp>
+          <p:nvSpPr>
+            <p:cNvPr id="108" name="Rectangle 107">
+              <a:extLst>
+                <a:ext uri="{FF2B5EF4-FFF2-40B4-BE49-F238E27FC236}">
+                  <a16:creationId xmlns:a16="http://schemas.microsoft.com/office/drawing/2014/main" id="{E9F0AB63-AE83-473A-8A92-51442EFE388A}"/>
+                </a:ext>
+              </a:extLst>
+            </p:cNvPr>
+            <p:cNvSpPr/>
+            <p:nvPr/>
+          </p:nvSpPr>
+          <p:spPr>
+            <a:xfrm>
+              <a:off x="4600272" y="5040568"/>
+              <a:ext cx="2520000" cy="360000"/>
+            </a:xfrm>
+            <a:prstGeom prst="rect">
+              <a:avLst/>
+            </a:prstGeom>
+            <a:solidFill>
+              <a:schemeClr val="accent1">
+                <a:lumMod val="75000"/>
+              </a:schemeClr>
+            </a:solidFill>
+          </p:spPr>
+          <p:style>
+            <a:lnRef idx="2">
+              <a:schemeClr val="accent1">
+                <a:shade val="50000"/>
+              </a:schemeClr>
+            </a:lnRef>
+            <a:fillRef idx="1">
+              <a:schemeClr val="accent1"/>
+            </a:fillRef>
+            <a:effectRef idx="0">
+              <a:schemeClr val="accent1"/>
+            </a:effectRef>
+            <a:fontRef idx="minor">
+              <a:schemeClr val="lt1"/>
+            </a:fontRef>
+          </p:style>
+          <p:txBody>
+            <a:bodyPr rtlCol="0" anchor="ctr"/>
+            <a:lstStyle/>
+            <a:p>
+              <a:pPr algn="ctr"/>
+              <a:r>
+                <a:rPr lang="de-CH" sz="1600" dirty="0">
+                  <a:latin typeface="+mj-lt"/>
+                </a:rPr>
+                <a:t>Dense, 1024</a:t>
+              </a:r>
+              <a:endParaRPr lang="LID4096" sz="1600" dirty="0">
+                <a:latin typeface="+mj-lt"/>
+              </a:endParaRPr>
+            </a:p>
+          </p:txBody>
+        </p:sp>
+        <p:sp>
+          <p:nvSpPr>
+            <p:cNvPr id="109" name="Rectangle 108">
+              <a:extLst>
+                <a:ext uri="{FF2B5EF4-FFF2-40B4-BE49-F238E27FC236}">
+                  <a16:creationId xmlns:a16="http://schemas.microsoft.com/office/drawing/2014/main" id="{500090E6-41C6-46B9-ACAF-9C1D69D0D062}"/>
+                </a:ext>
+              </a:extLst>
+            </p:cNvPr>
+            <p:cNvSpPr/>
+            <p:nvPr/>
+          </p:nvSpPr>
+          <p:spPr>
+            <a:xfrm>
+              <a:off x="4600272" y="5461171"/>
+              <a:ext cx="2520000" cy="360000"/>
+            </a:xfrm>
+            <a:prstGeom prst="rect">
+              <a:avLst/>
+            </a:prstGeom>
+            <a:solidFill>
+              <a:schemeClr val="accent1">
+                <a:lumMod val="75000"/>
+              </a:schemeClr>
+            </a:solidFill>
+          </p:spPr>
+          <p:style>
+            <a:lnRef idx="2">
+              <a:schemeClr val="accent1">
+                <a:shade val="50000"/>
+              </a:schemeClr>
+            </a:lnRef>
+            <a:fillRef idx="1">
+              <a:schemeClr val="accent1"/>
+            </a:fillRef>
+            <a:effectRef idx="0">
+              <a:schemeClr val="accent1"/>
+            </a:effectRef>
+            <a:fontRef idx="minor">
+              <a:schemeClr val="lt1"/>
+            </a:fontRef>
+          </p:style>
+          <p:txBody>
+            <a:bodyPr rtlCol="0" anchor="ctr"/>
+            <a:lstStyle/>
+            <a:p>
+              <a:pPr algn="ctr"/>
+              <a:r>
+                <a:rPr lang="de-CH" sz="1600" dirty="0">
+                  <a:latin typeface="+mj-lt"/>
+                </a:rPr>
+                <a:t>Dense, 1024</a:t>
+              </a:r>
+              <a:endParaRPr lang="LID4096" sz="1600" dirty="0">
+                <a:latin typeface="+mj-lt"/>
+              </a:endParaRPr>
+            </a:p>
+          </p:txBody>
+        </p:sp>
+        <p:sp>
+          <p:nvSpPr>
+            <p:cNvPr id="110" name="Rectangle 109">
+              <a:extLst>
+                <a:ext uri="{FF2B5EF4-FFF2-40B4-BE49-F238E27FC236}">
+                  <a16:creationId xmlns:a16="http://schemas.microsoft.com/office/drawing/2014/main" id="{DC3F0AB8-DE9D-4869-BF2F-D888BDD0F0E8}"/>
+                </a:ext>
+              </a:extLst>
+            </p:cNvPr>
+            <p:cNvSpPr/>
+            <p:nvPr/>
+          </p:nvSpPr>
+          <p:spPr>
+            <a:xfrm>
+              <a:off x="5271600" y="5881774"/>
+              <a:ext cx="1177344" cy="360000"/>
+            </a:xfrm>
+            <a:prstGeom prst="rect">
+              <a:avLst/>
+            </a:prstGeom>
+            <a:solidFill>
+              <a:schemeClr val="accent2"/>
+            </a:solidFill>
+            <a:ln>
+              <a:solidFill>
+                <a:schemeClr val="accent2"/>
+              </a:solidFill>
+            </a:ln>
+          </p:spPr>
+          <p:style>
+            <a:lnRef idx="2">
+              <a:schemeClr val="accent1">
+                <a:shade val="50000"/>
+              </a:schemeClr>
+            </a:lnRef>
+            <a:fillRef idx="1">
+              <a:schemeClr val="accent1"/>
+            </a:fillRef>
+            <a:effectRef idx="0">
+              <a:schemeClr val="accent1"/>
+            </a:effectRef>
+            <a:fontRef idx="minor">
+              <a:schemeClr val="lt1"/>
+            </a:fontRef>
+          </p:style>
+          <p:txBody>
+            <a:bodyPr rtlCol="0" anchor="ctr"/>
+            <a:lstStyle/>
+            <a:p>
+              <a:pPr algn="ctr"/>
+              <a:r>
+                <a:rPr lang="de-CH" sz="1600" dirty="0">
+                  <a:latin typeface="+mj-lt"/>
+                </a:rPr>
+                <a:t>Dense, 1</a:t>
+              </a:r>
+              <a:endParaRPr lang="LID4096" sz="1600" dirty="0">
+                <a:latin typeface="+mj-lt"/>
+              </a:endParaRPr>
+            </a:p>
+          </p:txBody>
+        </p:sp>
+        <p:grpSp>
+          <p:nvGrpSpPr>
+            <p:cNvPr id="115" name="Group 114">
+              <a:extLst>
+                <a:ext uri="{FF2B5EF4-FFF2-40B4-BE49-F238E27FC236}">
+                  <a16:creationId xmlns:a16="http://schemas.microsoft.com/office/drawing/2014/main" id="{DC8E8CB7-E2FF-4426-87F8-C33D2B4173A8}"/>
+                </a:ext>
+              </a:extLst>
+            </p:cNvPr>
+            <p:cNvGrpSpPr/>
+            <p:nvPr/>
+          </p:nvGrpSpPr>
+          <p:grpSpPr>
+            <a:xfrm>
+              <a:off x="3250354" y="2856456"/>
+              <a:ext cx="6885000" cy="441097"/>
+              <a:chOff x="3261000" y="1682902"/>
+              <a:chExt cx="6885000" cy="441097"/>
+            </a:xfrm>
+          </p:grpSpPr>
+          <p:sp>
+            <p:nvSpPr>
+              <p:cNvPr id="116" name="Rectangle 115">
+                <a:extLst>
+                  <a:ext uri="{FF2B5EF4-FFF2-40B4-BE49-F238E27FC236}">
+                    <a16:creationId xmlns:a16="http://schemas.microsoft.com/office/drawing/2014/main" id="{94C3AEEB-1EF7-4A72-9D6D-7ABD9C82604B}"/>
+                  </a:ext>
+                </a:extLst>
+              </p:cNvPr>
+              <p:cNvSpPr/>
+              <p:nvPr/>
+            </p:nvSpPr>
+            <p:spPr>
+              <a:xfrm>
+                <a:off x="3261000" y="1682902"/>
+                <a:ext cx="6885000" cy="441097"/>
+              </a:xfrm>
+              <a:prstGeom prst="rect">
+                <a:avLst/>
+              </a:prstGeom>
+              <a:solidFill>
+                <a:schemeClr val="bg1">
+                  <a:lumMod val="50000"/>
+                </a:schemeClr>
+              </a:solidFill>
+            </p:spPr>
+            <p:style>
+              <a:lnRef idx="2">
+                <a:schemeClr val="accent1">
+                  <a:shade val="50000"/>
+                </a:schemeClr>
+              </a:lnRef>
+              <a:fillRef idx="1">
+                <a:schemeClr val="accent1"/>
+              </a:fillRef>
+              <a:effectRef idx="0">
+                <a:schemeClr val="accent1"/>
+              </a:effectRef>
+              <a:fontRef idx="minor">
+                <a:schemeClr val="lt1"/>
+              </a:fontRef>
+            </p:style>
+            <p:txBody>
+              <a:bodyPr rtlCol="0" anchor="ctr"/>
+              <a:lstStyle/>
+              <a:p>
+                <a:pPr algn="r"/>
+                <a:r>
+                  <a:rPr lang="de-CH" sz="1600" dirty="0">
+                    <a:latin typeface="+mj-lt"/>
+                  </a:rPr>
+                  <a:t>TimeDistributed</a:t>
+                </a:r>
+                <a:endParaRPr lang="LID4096" sz="1600" dirty="0">
+                  <a:latin typeface="+mj-lt"/>
+                </a:endParaRPr>
+              </a:p>
+            </p:txBody>
+          </p:sp>
+          <p:sp>
+            <p:nvSpPr>
+              <p:cNvPr id="117" name="Rectangle 116">
+                <a:extLst>
+                  <a:ext uri="{FF2B5EF4-FFF2-40B4-BE49-F238E27FC236}">
+                    <a16:creationId xmlns:a16="http://schemas.microsoft.com/office/drawing/2014/main" id="{6DD689BF-069A-4887-867E-B03E59488F65}"/>
+                  </a:ext>
+                </a:extLst>
+              </p:cNvPr>
+              <p:cNvSpPr/>
+              <p:nvPr/>
+            </p:nvSpPr>
+            <p:spPr>
+              <a:xfrm>
+                <a:off x="3310816" y="1743505"/>
+                <a:ext cx="1665000" cy="315000"/>
+              </a:xfrm>
+              <a:prstGeom prst="rect">
+                <a:avLst/>
+              </a:prstGeom>
+              <a:solidFill>
+                <a:schemeClr val="accent1">
+                  <a:lumMod val="75000"/>
+                </a:schemeClr>
+              </a:solidFill>
+              <a:ln>
+                <a:solidFill>
+                  <a:schemeClr val="bg1"/>
+                </a:solidFill>
+              </a:ln>
+            </p:spPr>
+            <p:style>
+              <a:lnRef idx="2">
+                <a:schemeClr val="accent1">
+                  <a:shade val="50000"/>
+                </a:schemeClr>
+              </a:lnRef>
+              <a:fillRef idx="1">
+                <a:schemeClr val="accent1"/>
+              </a:fillRef>
+              <a:effectRef idx="0">
+                <a:schemeClr val="accent1"/>
+              </a:effectRef>
+              <a:fontRef idx="minor">
+                <a:schemeClr val="lt1"/>
+              </a:fontRef>
+            </p:style>
+            <p:txBody>
+              <a:bodyPr rtlCol="0" anchor="ctr"/>
+              <a:lstStyle/>
+              <a:p>
+                <a:pPr algn="ctr"/>
+                <a:r>
+                  <a:rPr lang="de-CH" sz="1400" dirty="0">
+                    <a:latin typeface="+mj-lt"/>
+                  </a:rPr>
+                  <a:t>MaxPool2D, 2x2</a:t>
+                </a:r>
+                <a:endParaRPr lang="LID4096" sz="1400" dirty="0">
+                  <a:latin typeface="+mj-lt"/>
+                </a:endParaRPr>
+              </a:p>
+            </p:txBody>
+          </p:sp>
+          <p:sp>
+            <p:nvSpPr>
+              <p:cNvPr id="118" name="Rectangle 117">
+                <a:extLst>
+                  <a:ext uri="{FF2B5EF4-FFF2-40B4-BE49-F238E27FC236}">
+                    <a16:creationId xmlns:a16="http://schemas.microsoft.com/office/drawing/2014/main" id="{859CB908-AF64-4128-A880-17CA20CCF0C4}"/>
+                  </a:ext>
+                </a:extLst>
+              </p:cNvPr>
+              <p:cNvSpPr/>
+              <p:nvPr/>
+            </p:nvSpPr>
+            <p:spPr>
+              <a:xfrm>
+                <a:off x="5032250" y="1743505"/>
+                <a:ext cx="1665000" cy="315000"/>
+              </a:xfrm>
+              <a:prstGeom prst="rect">
+                <a:avLst/>
+              </a:prstGeom>
+              <a:solidFill>
+                <a:schemeClr val="accent1">
+                  <a:lumMod val="75000"/>
+                </a:schemeClr>
+              </a:solidFill>
+              <a:ln>
+                <a:solidFill>
+                  <a:schemeClr val="bg1"/>
+                </a:solidFill>
+              </a:ln>
+            </p:spPr>
+            <p:style>
+              <a:lnRef idx="2">
+                <a:schemeClr val="accent1">
+                  <a:shade val="50000"/>
+                </a:schemeClr>
+              </a:lnRef>
+              <a:fillRef idx="1">
+                <a:schemeClr val="accent1"/>
+              </a:fillRef>
+              <a:effectRef idx="0">
+                <a:schemeClr val="accent1"/>
+              </a:effectRef>
+              <a:fontRef idx="minor">
+                <a:schemeClr val="lt1"/>
+              </a:fontRef>
+            </p:style>
+            <p:txBody>
+              <a:bodyPr rtlCol="0" anchor="ctr"/>
+              <a:lstStyle/>
+              <a:p>
+                <a:pPr algn="ctr"/>
+                <a:r>
+                  <a:rPr lang="de-CH" sz="1400" dirty="0">
+                    <a:latin typeface="+mj-lt"/>
+                  </a:rPr>
+                  <a:t>MaxPool2D, 2x2</a:t>
+                </a:r>
+                <a:endParaRPr lang="LID4096" sz="1400" dirty="0">
+                  <a:latin typeface="+mj-lt"/>
+                </a:endParaRPr>
+              </a:p>
+            </p:txBody>
+          </p:sp>
+          <p:sp>
+            <p:nvSpPr>
+              <p:cNvPr id="119" name="Rectangle 118">
+                <a:extLst>
+                  <a:ext uri="{FF2B5EF4-FFF2-40B4-BE49-F238E27FC236}">
+                    <a16:creationId xmlns:a16="http://schemas.microsoft.com/office/drawing/2014/main" id="{5E81B4A4-CC87-4F77-98BC-FEBAD9471DD5}"/>
+                  </a:ext>
+                </a:extLst>
+              </p:cNvPr>
+              <p:cNvSpPr/>
+              <p:nvPr/>
+            </p:nvSpPr>
+            <p:spPr>
+              <a:xfrm>
+                <a:off x="6757423" y="1743505"/>
+                <a:ext cx="1665000" cy="315000"/>
+              </a:xfrm>
+              <a:prstGeom prst="rect">
+                <a:avLst/>
+              </a:prstGeom>
+              <a:solidFill>
+                <a:schemeClr val="accent1">
+                  <a:lumMod val="75000"/>
+                </a:schemeClr>
+              </a:solidFill>
+              <a:ln>
+                <a:solidFill>
+                  <a:schemeClr val="bg1"/>
+                </a:solidFill>
+              </a:ln>
+            </p:spPr>
+            <p:style>
+              <a:lnRef idx="2">
+                <a:schemeClr val="accent1">
+                  <a:shade val="50000"/>
+                </a:schemeClr>
+              </a:lnRef>
+              <a:fillRef idx="1">
+                <a:schemeClr val="accent1"/>
+              </a:fillRef>
+              <a:effectRef idx="0">
+                <a:schemeClr val="accent1"/>
+              </a:effectRef>
+              <a:fontRef idx="minor">
+                <a:schemeClr val="lt1"/>
+              </a:fontRef>
+            </p:style>
+            <p:txBody>
+              <a:bodyPr rtlCol="0" anchor="ctr"/>
+              <a:lstStyle/>
+              <a:p>
+                <a:pPr algn="ctr"/>
+                <a:r>
+                  <a:rPr lang="de-CH" sz="1400" dirty="0">
+                    <a:latin typeface="+mj-lt"/>
+                  </a:rPr>
+                  <a:t>MaxPool2D, 2x2</a:t>
+                </a:r>
+                <a:endParaRPr lang="LID4096" sz="1400" dirty="0">
+                  <a:latin typeface="+mj-lt"/>
+                </a:endParaRPr>
+              </a:p>
+            </p:txBody>
+          </p:sp>
+        </p:grpSp>
       </p:grpSp>
-      <p:sp>
-        <p:nvSpPr>
-          <p:cNvPr id="16" name="Rectangle 15">
-            <a:extLst>
-              <a:ext uri="{FF2B5EF4-FFF2-40B4-BE49-F238E27FC236}">
-                <a16:creationId xmlns:a16="http://schemas.microsoft.com/office/drawing/2014/main" id="{C205BCA1-13D8-4A8B-AF6E-6C1B2777170A}"/>
-              </a:ext>
-            </a:extLst>
-          </p:cNvPr>
-          <p:cNvSpPr/>
-          <p:nvPr/>
-        </p:nvSpPr>
-        <p:spPr>
-          <a:xfrm>
-            <a:off x="713568" y="706500"/>
-            <a:ext cx="270000" cy="135000"/>
-          </a:xfrm>
-          <a:prstGeom prst="rect">
-            <a:avLst/>
-          </a:prstGeom>
-          <a:noFill/>
-          <a:ln>
-            <a:solidFill>
-              <a:srgbClr val="C00000"/>
-            </a:solidFill>
-          </a:ln>
-        </p:spPr>
-        <p:style>
-          <a:lnRef idx="2">
-            <a:schemeClr val="accent1">
-              <a:shade val="50000"/>
-            </a:schemeClr>
-          </a:lnRef>
-          <a:fillRef idx="1">
-            <a:schemeClr val="accent1"/>
-          </a:fillRef>
-          <a:effectRef idx="0">
-            <a:schemeClr val="accent1"/>
-          </a:effectRef>
-          <a:fontRef idx="minor">
-            <a:schemeClr val="lt1"/>
-          </a:fontRef>
-        </p:style>
-        <p:txBody>
-          <a:bodyPr rtlCol="0" anchor="ctr"/>
-          <a:lstStyle/>
-          <a:p>
-            <a:pPr algn="ctr"/>
-            <a:endParaRPr lang="LID4096">
-              <a:noFill/>
-            </a:endParaRPr>
-          </a:p>
-        </p:txBody>
-      </p:sp>
-      <p:sp>
-        <p:nvSpPr>
-          <p:cNvPr id="20" name="Rectangle 19">
-            <a:extLst>
-              <a:ext uri="{FF2B5EF4-FFF2-40B4-BE49-F238E27FC236}">
-                <a16:creationId xmlns:a16="http://schemas.microsoft.com/office/drawing/2014/main" id="{229CD512-F147-45C1-9C96-9F972E5333C7}"/>
-              </a:ext>
-            </a:extLst>
-          </p:cNvPr>
-          <p:cNvSpPr/>
-          <p:nvPr/>
-        </p:nvSpPr>
-        <p:spPr>
-          <a:xfrm>
-            <a:off x="3413568" y="706500"/>
-            <a:ext cx="270000" cy="135000"/>
-          </a:xfrm>
-          <a:prstGeom prst="rect">
-            <a:avLst/>
-          </a:prstGeom>
-          <a:noFill/>
-          <a:ln>
-            <a:solidFill>
-              <a:srgbClr val="C00000"/>
-            </a:solidFill>
-          </a:ln>
-        </p:spPr>
-        <p:style>
-          <a:lnRef idx="2">
-            <a:schemeClr val="accent1">
-              <a:shade val="50000"/>
-            </a:schemeClr>
-          </a:lnRef>
-          <a:fillRef idx="1">
-            <a:schemeClr val="accent1"/>
-          </a:fillRef>
-          <a:effectRef idx="0">
-            <a:schemeClr val="accent1"/>
-          </a:effectRef>
-          <a:fontRef idx="minor">
-            <a:schemeClr val="lt1"/>
-          </a:fontRef>
-        </p:style>
-        <p:txBody>
-          <a:bodyPr rtlCol="0" anchor="ctr"/>
-          <a:lstStyle/>
-          <a:p>
-            <a:pPr algn="ctr"/>
-            <a:endParaRPr lang="LID4096">
-              <a:noFill/>
-            </a:endParaRPr>
-          </a:p>
-        </p:txBody>
-      </p:sp>
-      <p:sp>
-        <p:nvSpPr>
-          <p:cNvPr id="21" name="Rectangle 20">
-            <a:extLst>
-              <a:ext uri="{FF2B5EF4-FFF2-40B4-BE49-F238E27FC236}">
-                <a16:creationId xmlns:a16="http://schemas.microsoft.com/office/drawing/2014/main" id="{8B2D14F3-45AD-439F-A218-468AE4531F07}"/>
-              </a:ext>
-            </a:extLst>
-          </p:cNvPr>
-          <p:cNvSpPr/>
-          <p:nvPr/>
-        </p:nvSpPr>
-        <p:spPr>
-          <a:xfrm>
-            <a:off x="6124426" y="706500"/>
-            <a:ext cx="270000" cy="135000"/>
-          </a:xfrm>
-          <a:prstGeom prst="rect">
-            <a:avLst/>
-          </a:prstGeom>
-          <a:noFill/>
-          <a:ln>
-            <a:solidFill>
-              <a:srgbClr val="C00000"/>
-            </a:solidFill>
-          </a:ln>
-        </p:spPr>
-        <p:style>
-          <a:lnRef idx="2">
-            <a:schemeClr val="accent1">
-              <a:shade val="50000"/>
-            </a:schemeClr>
-          </a:lnRef>
-          <a:fillRef idx="1">
-            <a:schemeClr val="accent1"/>
-          </a:fillRef>
-          <a:effectRef idx="0">
-            <a:schemeClr val="accent1"/>
-          </a:effectRef>
-          <a:fontRef idx="minor">
-            <a:schemeClr val="lt1"/>
-          </a:fontRef>
-        </p:style>
-        <p:txBody>
-          <a:bodyPr rtlCol="0" anchor="ctr"/>
-          <a:lstStyle/>
-          <a:p>
-            <a:pPr algn="ctr"/>
-            <a:endParaRPr lang="LID4096">
-              <a:noFill/>
-            </a:endParaRPr>
-          </a:p>
-        </p:txBody>
-      </p:sp>
-      <p:sp>
-        <p:nvSpPr>
-          <p:cNvPr id="22" name="Rectangle 21">
-            <a:extLst>
-              <a:ext uri="{FF2B5EF4-FFF2-40B4-BE49-F238E27FC236}">
-                <a16:creationId xmlns:a16="http://schemas.microsoft.com/office/drawing/2014/main" id="{4894FFCE-4CAA-4F5D-8883-51262BAC0ADE}"/>
-              </a:ext>
-            </a:extLst>
-          </p:cNvPr>
-          <p:cNvSpPr/>
-          <p:nvPr/>
-        </p:nvSpPr>
-        <p:spPr>
-          <a:xfrm>
-            <a:off x="8840357" y="706500"/>
-            <a:ext cx="270000" cy="135000"/>
-          </a:xfrm>
-          <a:prstGeom prst="rect">
-            <a:avLst/>
-          </a:prstGeom>
-          <a:noFill/>
-          <a:ln>
-            <a:solidFill>
-              <a:srgbClr val="C00000"/>
-            </a:solidFill>
-          </a:ln>
-        </p:spPr>
-        <p:style>
-          <a:lnRef idx="2">
-            <a:schemeClr val="accent1">
-              <a:shade val="50000"/>
-            </a:schemeClr>
-          </a:lnRef>
-          <a:fillRef idx="1">
-            <a:schemeClr val="accent1"/>
-          </a:fillRef>
-          <a:effectRef idx="0">
-            <a:schemeClr val="accent1"/>
-          </a:effectRef>
-          <a:fontRef idx="minor">
-            <a:schemeClr val="lt1"/>
-          </a:fontRef>
-        </p:style>
-        <p:txBody>
-          <a:bodyPr rtlCol="0" anchor="ctr"/>
-          <a:lstStyle/>
-          <a:p>
-            <a:pPr algn="ctr"/>
-            <a:endParaRPr lang="LID4096">
-              <a:noFill/>
-            </a:endParaRPr>
-          </a:p>
-        </p:txBody>
-      </p:sp>
     </p:spTree>
     <p:extLst>
       <p:ext uri="{BB962C8B-B14F-4D97-AF65-F5344CB8AC3E}">
-        <p14:creationId xmlns:p14="http://schemas.microsoft.com/office/powerpoint/2010/main" val="3722058136"/>
+        <p14:creationId xmlns:p14="http://schemas.microsoft.com/office/powerpoint/2010/main" val="2762141666"/>
       </p:ext>
     </p:extLst>
   </p:cSld>

--- a/thesis/Visualizations.pptx
+++ b/thesis/Visualizations.pptx
@@ -5,8 +5,9 @@
     <p:sldMasterId id="2147483648" r:id="rId1"/>
   </p:sldMasterIdLst>
   <p:sldIdLst>
-    <p:sldId id="257" r:id="rId2"/>
-    <p:sldId id="258" r:id="rId3"/>
+    <p:sldId id="259" r:id="rId2"/>
+    <p:sldId id="257" r:id="rId3"/>
+    <p:sldId id="258" r:id="rId4"/>
   </p:sldIdLst>
   <p:sldSz cx="12192000" cy="6858000"/>
   <p:notesSz cx="6858000" cy="9144000"/>
@@ -277,7 +278,7 @@
           <a:p>
             <a:fld id="{6699013D-A4EE-48DE-98C9-B10BF44144C0}" type="datetimeFigureOut">
               <a:rPr lang="LID4096" smtClean="0"/>
-              <a:t>01/20/2018</a:t>
+              <a:t>01/29/2018</a:t>
             </a:fld>
             <a:endParaRPr lang="LID4096"/>
           </a:p>
@@ -331,7 +332,7 @@
           <a:p>
             <a:fld id="{DFD37691-6950-4BCA-B792-6C62AE179915}" type="slidenum">
               <a:rPr lang="LID4096" smtClean="0"/>
-              <a:t>‹#›</a:t>
+              <a:t>‹Nr.›</a:t>
             </a:fld>
             <a:endParaRPr lang="LID4096"/>
           </a:p>
@@ -477,7 +478,7 @@
           <a:p>
             <a:fld id="{6699013D-A4EE-48DE-98C9-B10BF44144C0}" type="datetimeFigureOut">
               <a:rPr lang="LID4096" smtClean="0"/>
-              <a:t>01/20/2018</a:t>
+              <a:t>01/29/2018</a:t>
             </a:fld>
             <a:endParaRPr lang="LID4096"/>
           </a:p>
@@ -531,7 +532,7 @@
           <a:p>
             <a:fld id="{DFD37691-6950-4BCA-B792-6C62AE179915}" type="slidenum">
               <a:rPr lang="LID4096" smtClean="0"/>
-              <a:t>‹#›</a:t>
+              <a:t>‹Nr.›</a:t>
             </a:fld>
             <a:endParaRPr lang="LID4096"/>
           </a:p>
@@ -687,7 +688,7 @@
           <a:p>
             <a:fld id="{6699013D-A4EE-48DE-98C9-B10BF44144C0}" type="datetimeFigureOut">
               <a:rPr lang="LID4096" smtClean="0"/>
-              <a:t>01/20/2018</a:t>
+              <a:t>01/29/2018</a:t>
             </a:fld>
             <a:endParaRPr lang="LID4096"/>
           </a:p>
@@ -741,7 +742,7 @@
           <a:p>
             <a:fld id="{DFD37691-6950-4BCA-B792-6C62AE179915}" type="slidenum">
               <a:rPr lang="LID4096" smtClean="0"/>
-              <a:t>‹#›</a:t>
+              <a:t>‹Nr.›</a:t>
             </a:fld>
             <a:endParaRPr lang="LID4096"/>
           </a:p>
@@ -887,7 +888,7 @@
           <a:p>
             <a:fld id="{6699013D-A4EE-48DE-98C9-B10BF44144C0}" type="datetimeFigureOut">
               <a:rPr lang="LID4096" smtClean="0"/>
-              <a:t>01/20/2018</a:t>
+              <a:t>01/29/2018</a:t>
             </a:fld>
             <a:endParaRPr lang="LID4096"/>
           </a:p>
@@ -941,7 +942,7 @@
           <a:p>
             <a:fld id="{DFD37691-6950-4BCA-B792-6C62AE179915}" type="slidenum">
               <a:rPr lang="LID4096" smtClean="0"/>
-              <a:t>‹#›</a:t>
+              <a:t>‹Nr.›</a:t>
             </a:fld>
             <a:endParaRPr lang="LID4096"/>
           </a:p>
@@ -1163,7 +1164,7 @@
           <a:p>
             <a:fld id="{6699013D-A4EE-48DE-98C9-B10BF44144C0}" type="datetimeFigureOut">
               <a:rPr lang="LID4096" smtClean="0"/>
-              <a:t>01/20/2018</a:t>
+              <a:t>01/29/2018</a:t>
             </a:fld>
             <a:endParaRPr lang="LID4096"/>
           </a:p>
@@ -1217,7 +1218,7 @@
           <a:p>
             <a:fld id="{DFD37691-6950-4BCA-B792-6C62AE179915}" type="slidenum">
               <a:rPr lang="LID4096" smtClean="0"/>
-              <a:t>‹#›</a:t>
+              <a:t>‹Nr.›</a:t>
             </a:fld>
             <a:endParaRPr lang="LID4096"/>
           </a:p>
@@ -1431,7 +1432,7 @@
           <a:p>
             <a:fld id="{6699013D-A4EE-48DE-98C9-B10BF44144C0}" type="datetimeFigureOut">
               <a:rPr lang="LID4096" smtClean="0"/>
-              <a:t>01/20/2018</a:t>
+              <a:t>01/29/2018</a:t>
             </a:fld>
             <a:endParaRPr lang="LID4096"/>
           </a:p>
@@ -1485,7 +1486,7 @@
           <a:p>
             <a:fld id="{DFD37691-6950-4BCA-B792-6C62AE179915}" type="slidenum">
               <a:rPr lang="LID4096" smtClean="0"/>
-              <a:t>‹#›</a:t>
+              <a:t>‹Nr.›</a:t>
             </a:fld>
             <a:endParaRPr lang="LID4096"/>
           </a:p>
@@ -1846,7 +1847,7 @@
           <a:p>
             <a:fld id="{6699013D-A4EE-48DE-98C9-B10BF44144C0}" type="datetimeFigureOut">
               <a:rPr lang="LID4096" smtClean="0"/>
-              <a:t>01/20/2018</a:t>
+              <a:t>01/29/2018</a:t>
             </a:fld>
             <a:endParaRPr lang="LID4096"/>
           </a:p>
@@ -1900,7 +1901,7 @@
           <a:p>
             <a:fld id="{DFD37691-6950-4BCA-B792-6C62AE179915}" type="slidenum">
               <a:rPr lang="LID4096" smtClean="0"/>
-              <a:t>‹#›</a:t>
+              <a:t>‹Nr.›</a:t>
             </a:fld>
             <a:endParaRPr lang="LID4096"/>
           </a:p>
@@ -1988,7 +1989,7 @@
           <a:p>
             <a:fld id="{6699013D-A4EE-48DE-98C9-B10BF44144C0}" type="datetimeFigureOut">
               <a:rPr lang="LID4096" smtClean="0"/>
-              <a:t>01/20/2018</a:t>
+              <a:t>01/29/2018</a:t>
             </a:fld>
             <a:endParaRPr lang="LID4096"/>
           </a:p>
@@ -2042,7 +2043,7 @@
           <a:p>
             <a:fld id="{DFD37691-6950-4BCA-B792-6C62AE179915}" type="slidenum">
               <a:rPr lang="LID4096" smtClean="0"/>
-              <a:t>‹#›</a:t>
+              <a:t>‹Nr.›</a:t>
             </a:fld>
             <a:endParaRPr lang="LID4096"/>
           </a:p>
@@ -2101,7 +2102,7 @@
           <a:p>
             <a:fld id="{6699013D-A4EE-48DE-98C9-B10BF44144C0}" type="datetimeFigureOut">
               <a:rPr lang="LID4096" smtClean="0"/>
-              <a:t>01/20/2018</a:t>
+              <a:t>01/29/2018</a:t>
             </a:fld>
             <a:endParaRPr lang="LID4096"/>
           </a:p>
@@ -2155,7 +2156,7 @@
           <a:p>
             <a:fld id="{DFD37691-6950-4BCA-B792-6C62AE179915}" type="slidenum">
               <a:rPr lang="LID4096" smtClean="0"/>
-              <a:t>‹#›</a:t>
+              <a:t>‹Nr.›</a:t>
             </a:fld>
             <a:endParaRPr lang="LID4096"/>
           </a:p>
@@ -2414,7 +2415,7 @@
           <a:p>
             <a:fld id="{6699013D-A4EE-48DE-98C9-B10BF44144C0}" type="datetimeFigureOut">
               <a:rPr lang="LID4096" smtClean="0"/>
-              <a:t>01/20/2018</a:t>
+              <a:t>01/29/2018</a:t>
             </a:fld>
             <a:endParaRPr lang="LID4096"/>
           </a:p>
@@ -2468,7 +2469,7 @@
           <a:p>
             <a:fld id="{DFD37691-6950-4BCA-B792-6C62AE179915}" type="slidenum">
               <a:rPr lang="LID4096" smtClean="0"/>
-              <a:t>‹#›</a:t>
+              <a:t>‹Nr.›</a:t>
             </a:fld>
             <a:endParaRPr lang="LID4096"/>
           </a:p>
@@ -2703,7 +2704,7 @@
           <a:p>
             <a:fld id="{6699013D-A4EE-48DE-98C9-B10BF44144C0}" type="datetimeFigureOut">
               <a:rPr lang="LID4096" smtClean="0"/>
-              <a:t>01/20/2018</a:t>
+              <a:t>01/29/2018</a:t>
             </a:fld>
             <a:endParaRPr lang="LID4096"/>
           </a:p>
@@ -2757,7 +2758,7 @@
           <a:p>
             <a:fld id="{DFD37691-6950-4BCA-B792-6C62AE179915}" type="slidenum">
               <a:rPr lang="LID4096" smtClean="0"/>
-              <a:t>‹#›</a:t>
+              <a:t>‹Nr.›</a:t>
             </a:fld>
             <a:endParaRPr lang="LID4096"/>
           </a:p>
@@ -2946,7 +2947,7 @@
           <a:p>
             <a:fld id="{6699013D-A4EE-48DE-98C9-B10BF44144C0}" type="datetimeFigureOut">
               <a:rPr lang="LID4096" smtClean="0"/>
-              <a:t>01/20/2018</a:t>
+              <a:t>01/29/2018</a:t>
             </a:fld>
             <a:endParaRPr lang="LID4096"/>
           </a:p>
@@ -3036,7 +3037,7 @@
           <a:p>
             <a:fld id="{DFD37691-6950-4BCA-B792-6C62AE179915}" type="slidenum">
               <a:rPr lang="LID4096" smtClean="0"/>
-              <a:t>‹#›</a:t>
+              <a:t>‹Nr.›</a:t>
             </a:fld>
             <a:endParaRPr lang="LID4096"/>
           </a:p>
@@ -3363,6 +3364,468 @@
           <a:chExt cx="0" cy="0"/>
         </a:xfrm>
       </p:grpSpPr>
+      <p:pic>
+        <p:nvPicPr>
+          <p:cNvPr id="2" name="Picture 269">
+            <a:extLst>
+              <a:ext uri="{FF2B5EF4-FFF2-40B4-BE49-F238E27FC236}">
+                <a16:creationId xmlns:a16="http://schemas.microsoft.com/office/drawing/2014/main" id="{24ED4514-EF97-4BF8-89C7-C155AD06341B}"/>
+              </a:ext>
+            </a:extLst>
+          </p:cNvPr>
+          <p:cNvPicPr>
+            <a:picLocks noChangeAspect="1"/>
+          </p:cNvPicPr>
+          <p:nvPr/>
+        </p:nvPicPr>
+        <p:blipFill rotWithShape="1">
+          <a:blip r:embed="rId2"/>
+          <a:srcRect l="1976" t="2981" r="2028" b="4155"/>
+          <a:stretch/>
+        </p:blipFill>
+        <p:spPr>
+          <a:xfrm>
+            <a:off x="393326" y="61110"/>
+            <a:ext cx="3501599" cy="1880682"/>
+          </a:xfrm>
+          <a:prstGeom prst="rect">
+            <a:avLst/>
+          </a:prstGeom>
+          <a:ln w="6350">
+            <a:solidFill>
+              <a:schemeClr val="tx1"/>
+            </a:solidFill>
+          </a:ln>
+        </p:spPr>
+      </p:pic>
+      <p:pic>
+        <p:nvPicPr>
+          <p:cNvPr id="4" name="Picture 267">
+            <a:extLst>
+              <a:ext uri="{FF2B5EF4-FFF2-40B4-BE49-F238E27FC236}">
+                <a16:creationId xmlns:a16="http://schemas.microsoft.com/office/drawing/2014/main" id="{BE576F3B-107A-4053-8D65-E55387B514F1}"/>
+              </a:ext>
+            </a:extLst>
+          </p:cNvPr>
+          <p:cNvPicPr>
+            <a:picLocks noChangeAspect="1"/>
+          </p:cNvPicPr>
+          <p:nvPr/>
+        </p:nvPicPr>
+        <p:blipFill rotWithShape="1">
+          <a:blip r:embed="rId2"/>
+          <a:srcRect l="1976" t="2981" r="2028" b="4155"/>
+          <a:stretch/>
+        </p:blipFill>
+        <p:spPr>
+          <a:xfrm>
+            <a:off x="235060" y="276580"/>
+            <a:ext cx="3501599" cy="1880682"/>
+          </a:xfrm>
+          <a:prstGeom prst="rect">
+            <a:avLst/>
+          </a:prstGeom>
+          <a:ln w="6350">
+            <a:solidFill>
+              <a:schemeClr val="tx1"/>
+            </a:solidFill>
+          </a:ln>
+        </p:spPr>
+      </p:pic>
+      <p:pic>
+        <p:nvPicPr>
+          <p:cNvPr id="6" name="Picture 265">
+            <a:extLst>
+              <a:ext uri="{FF2B5EF4-FFF2-40B4-BE49-F238E27FC236}">
+                <a16:creationId xmlns:a16="http://schemas.microsoft.com/office/drawing/2014/main" id="{CEEB9CAE-560B-4DE0-8274-B9E9AAD12FE1}"/>
+              </a:ext>
+            </a:extLst>
+          </p:cNvPr>
+          <p:cNvPicPr>
+            <a:picLocks noChangeAspect="1"/>
+          </p:cNvPicPr>
+          <p:nvPr/>
+        </p:nvPicPr>
+        <p:blipFill rotWithShape="1">
+          <a:blip r:embed="rId2"/>
+          <a:srcRect l="1976" t="2981" r="2028" b="4155"/>
+          <a:stretch/>
+        </p:blipFill>
+        <p:spPr>
+          <a:xfrm>
+            <a:off x="66000" y="504000"/>
+            <a:ext cx="3501597" cy="1880682"/>
+          </a:xfrm>
+          <a:prstGeom prst="rect">
+            <a:avLst/>
+          </a:prstGeom>
+          <a:ln w="6350">
+            <a:solidFill>
+              <a:schemeClr val="tx1"/>
+            </a:solidFill>
+          </a:ln>
+        </p:spPr>
+      </p:pic>
+      <p:sp>
+        <p:nvSpPr>
+          <p:cNvPr id="7" name="TextBox 266">
+            <a:extLst>
+              <a:ext uri="{FF2B5EF4-FFF2-40B4-BE49-F238E27FC236}">
+                <a16:creationId xmlns:a16="http://schemas.microsoft.com/office/drawing/2014/main" id="{13602FBD-D70C-4268-99A9-4421CD9BC1CE}"/>
+              </a:ext>
+            </a:extLst>
+          </p:cNvPr>
+          <p:cNvSpPr txBox="1"/>
+          <p:nvPr/>
+        </p:nvSpPr>
+        <p:spPr>
+          <a:xfrm>
+            <a:off x="1686000" y="501682"/>
+            <a:ext cx="1880222" cy="161583"/>
+          </a:xfrm>
+          <a:prstGeom prst="rect">
+            <a:avLst/>
+          </a:prstGeom>
+          <a:solidFill>
+            <a:srgbClr val="C00000">
+              <a:alpha val="89804"/>
+            </a:srgbClr>
+          </a:solidFill>
+          <a:ln w="3175">
+            <a:solidFill>
+              <a:schemeClr val="tx1"/>
+            </a:solidFill>
+          </a:ln>
+        </p:spPr>
+        <p:txBody>
+          <a:bodyPr wrap="square" lIns="36000" tIns="0" rIns="36000" bIns="0" rtlCol="0">
+            <a:spAutoFit/>
+          </a:bodyPr>
+          <a:lstStyle/>
+          <a:p>
+            <a:pPr algn="ctr"/>
+            <a:r>
+              <a:rPr lang="de-CH" sz="1050" dirty="0">
+                <a:solidFill>
+                  <a:schemeClr val="bg1"/>
+                </a:solidFill>
+                <a:latin typeface="+mj-lt"/>
+              </a:rPr>
+              <a:t>Temperature</a:t>
+            </a:r>
+            <a:endParaRPr lang="LID4096" sz="1050" dirty="0">
+              <a:solidFill>
+                <a:schemeClr val="bg1"/>
+              </a:solidFill>
+              <a:latin typeface="+mj-lt"/>
+            </a:endParaRPr>
+          </a:p>
+        </p:txBody>
+      </p:sp>
+      <p:sp>
+        <p:nvSpPr>
+          <p:cNvPr id="9" name="TextBox 266">
+            <a:extLst>
+              <a:ext uri="{FF2B5EF4-FFF2-40B4-BE49-F238E27FC236}">
+                <a16:creationId xmlns:a16="http://schemas.microsoft.com/office/drawing/2014/main" id="{B42B2137-0030-4189-B6B8-37967BD126F5}"/>
+              </a:ext>
+            </a:extLst>
+          </p:cNvPr>
+          <p:cNvSpPr txBox="1"/>
+          <p:nvPr/>
+        </p:nvSpPr>
+        <p:spPr>
+          <a:xfrm>
+            <a:off x="1856437" y="274262"/>
+            <a:ext cx="1880222" cy="161583"/>
+          </a:xfrm>
+          <a:prstGeom prst="rect">
+            <a:avLst/>
+          </a:prstGeom>
+          <a:solidFill>
+            <a:srgbClr val="C00000">
+              <a:alpha val="89804"/>
+            </a:srgbClr>
+          </a:solidFill>
+          <a:ln w="3175">
+            <a:solidFill>
+              <a:schemeClr val="tx1"/>
+            </a:solidFill>
+          </a:ln>
+        </p:spPr>
+        <p:txBody>
+          <a:bodyPr wrap="square" lIns="36000" tIns="0" rIns="36000" bIns="0" rtlCol="0">
+            <a:spAutoFit/>
+          </a:bodyPr>
+          <a:lstStyle/>
+          <a:p>
+            <a:pPr algn="ctr"/>
+            <a:r>
+              <a:rPr lang="de-CH" sz="1050" dirty="0">
+                <a:solidFill>
+                  <a:schemeClr val="bg1"/>
+                </a:solidFill>
+                <a:latin typeface="+mj-lt"/>
+              </a:rPr>
+              <a:t>Relative </a:t>
+            </a:r>
+            <a:r>
+              <a:rPr lang="de-CH" sz="1050" dirty="0" err="1">
+                <a:solidFill>
+                  <a:schemeClr val="bg1"/>
+                </a:solidFill>
+                <a:latin typeface="+mj-lt"/>
+              </a:rPr>
+              <a:t>Humidity</a:t>
+            </a:r>
+            <a:endParaRPr lang="LID4096" sz="1050" dirty="0">
+              <a:solidFill>
+                <a:schemeClr val="bg1"/>
+              </a:solidFill>
+              <a:latin typeface="+mj-lt"/>
+            </a:endParaRPr>
+          </a:p>
+        </p:txBody>
+      </p:sp>
+      <p:sp>
+        <p:nvSpPr>
+          <p:cNvPr id="10" name="TextBox 266">
+            <a:extLst>
+              <a:ext uri="{FF2B5EF4-FFF2-40B4-BE49-F238E27FC236}">
+                <a16:creationId xmlns:a16="http://schemas.microsoft.com/office/drawing/2014/main" id="{83E60064-2339-4FC1-B711-D758620182B7}"/>
+              </a:ext>
+            </a:extLst>
+          </p:cNvPr>
+          <p:cNvSpPr txBox="1"/>
+          <p:nvPr/>
+        </p:nvSpPr>
+        <p:spPr>
+          <a:xfrm>
+            <a:off x="2014703" y="48281"/>
+            <a:ext cx="1880222" cy="161583"/>
+          </a:xfrm>
+          <a:prstGeom prst="rect">
+            <a:avLst/>
+          </a:prstGeom>
+          <a:solidFill>
+            <a:srgbClr val="C00000">
+              <a:alpha val="89804"/>
+            </a:srgbClr>
+          </a:solidFill>
+          <a:ln w="3175">
+            <a:solidFill>
+              <a:schemeClr val="tx1"/>
+            </a:solidFill>
+          </a:ln>
+        </p:spPr>
+        <p:txBody>
+          <a:bodyPr wrap="square" lIns="36000" tIns="0" rIns="36000" bIns="0" rtlCol="0">
+            <a:spAutoFit/>
+          </a:bodyPr>
+          <a:lstStyle/>
+          <a:p>
+            <a:pPr algn="ctr"/>
+            <a:r>
+              <a:rPr lang="de-CH" sz="1050" dirty="0">
+                <a:solidFill>
+                  <a:schemeClr val="bg1"/>
+                </a:solidFill>
+                <a:latin typeface="+mj-lt"/>
+              </a:rPr>
+              <a:t>…</a:t>
+            </a:r>
+            <a:endParaRPr lang="LID4096" sz="1050" dirty="0">
+              <a:solidFill>
+                <a:schemeClr val="bg1"/>
+              </a:solidFill>
+              <a:latin typeface="+mj-lt"/>
+            </a:endParaRPr>
+          </a:p>
+        </p:txBody>
+      </p:sp>
+      <p:sp>
+        <p:nvSpPr>
+          <p:cNvPr id="11" name="TextBox 253">
+            <a:extLst>
+              <a:ext uri="{FF2B5EF4-FFF2-40B4-BE49-F238E27FC236}">
+                <a16:creationId xmlns:a16="http://schemas.microsoft.com/office/drawing/2014/main" id="{AAC4B8A9-74FB-4EAE-8889-5B6B58E5CB85}"/>
+              </a:ext>
+            </a:extLst>
+          </p:cNvPr>
+          <p:cNvSpPr txBox="1"/>
+          <p:nvPr/>
+        </p:nvSpPr>
+        <p:spPr>
+          <a:xfrm>
+            <a:off x="1011000" y="1966571"/>
+            <a:ext cx="2160000" cy="323165"/>
+          </a:xfrm>
+          <a:prstGeom prst="rect">
+            <a:avLst/>
+          </a:prstGeom>
+          <a:solidFill>
+            <a:schemeClr val="accent2"/>
+          </a:solidFill>
+          <a:ln w="3175">
+            <a:solidFill>
+              <a:schemeClr val="tx1"/>
+            </a:solidFill>
+          </a:ln>
+        </p:spPr>
+        <p:txBody>
+          <a:bodyPr wrap="square" lIns="36000" tIns="0" rIns="36000" bIns="0" rtlCol="0">
+            <a:spAutoFit/>
+          </a:bodyPr>
+          <a:lstStyle/>
+          <a:p>
+            <a:pPr algn="ctr"/>
+            <a:r>
+              <a:rPr lang="de-CH" sz="1050" dirty="0">
+                <a:solidFill>
+                  <a:schemeClr val="bg1"/>
+                </a:solidFill>
+                <a:latin typeface="+mj-lt"/>
+              </a:rPr>
+              <a:t>3D-Tensor </a:t>
+            </a:r>
+            <a:r>
+              <a:rPr lang="de-CH" sz="1050" dirty="0" err="1">
+                <a:solidFill>
+                  <a:schemeClr val="bg1"/>
+                </a:solidFill>
+                <a:latin typeface="+mj-lt"/>
+              </a:rPr>
+              <a:t>containing</a:t>
+            </a:r>
+            <a:r>
+              <a:rPr lang="de-CH" sz="1050" dirty="0">
+                <a:solidFill>
+                  <a:schemeClr val="bg1"/>
+                </a:solidFill>
+                <a:latin typeface="+mj-lt"/>
+              </a:rPr>
+              <a:t> </a:t>
+            </a:r>
+            <a:r>
+              <a:rPr lang="de-CH" sz="1050" dirty="0" err="1">
+                <a:solidFill>
+                  <a:schemeClr val="bg1"/>
+                </a:solidFill>
+                <a:latin typeface="+mj-lt"/>
+              </a:rPr>
+              <a:t>values</a:t>
+            </a:r>
+            <a:r>
+              <a:rPr lang="de-CH" sz="1050" dirty="0">
+                <a:solidFill>
+                  <a:schemeClr val="bg1"/>
+                </a:solidFill>
+                <a:latin typeface="+mj-lt"/>
+              </a:rPr>
+              <a:t> of </a:t>
+            </a:r>
+            <a:r>
+              <a:rPr lang="de-CH" sz="1050" dirty="0" err="1">
+                <a:solidFill>
+                  <a:schemeClr val="bg1"/>
+                </a:solidFill>
+                <a:latin typeface="+mj-lt"/>
+              </a:rPr>
+              <a:t>three</a:t>
+            </a:r>
+            <a:r>
+              <a:rPr lang="de-CH" sz="1050" dirty="0">
+                <a:solidFill>
+                  <a:schemeClr val="bg1"/>
+                </a:solidFill>
+                <a:latin typeface="+mj-lt"/>
+              </a:rPr>
+              <a:t> </a:t>
+            </a:r>
+            <a:r>
+              <a:rPr lang="de-CH" sz="1050" dirty="0" err="1">
+                <a:solidFill>
+                  <a:schemeClr val="bg1"/>
+                </a:solidFill>
+                <a:latin typeface="+mj-lt"/>
+              </a:rPr>
+              <a:t>features</a:t>
+            </a:r>
+            <a:r>
+              <a:rPr lang="de-CH" sz="1050" dirty="0">
+                <a:solidFill>
+                  <a:schemeClr val="bg1"/>
+                </a:solidFill>
+                <a:latin typeface="+mj-lt"/>
+              </a:rPr>
+              <a:t> at a </a:t>
+            </a:r>
+            <a:r>
+              <a:rPr lang="de-CH" sz="1050" dirty="0" err="1">
+                <a:solidFill>
+                  <a:schemeClr val="bg1"/>
+                </a:solidFill>
+                <a:latin typeface="+mj-lt"/>
+              </a:rPr>
+              <a:t>single</a:t>
+            </a:r>
+            <a:r>
+              <a:rPr lang="de-CH" sz="1050" dirty="0">
+                <a:solidFill>
+                  <a:schemeClr val="bg1"/>
+                </a:solidFill>
+                <a:latin typeface="+mj-lt"/>
+              </a:rPr>
+              <a:t> </a:t>
+            </a:r>
+            <a:r>
+              <a:rPr lang="de-CH" sz="1050" dirty="0" err="1">
+                <a:solidFill>
+                  <a:schemeClr val="bg1"/>
+                </a:solidFill>
+                <a:latin typeface="+mj-lt"/>
+              </a:rPr>
+              <a:t>timestep</a:t>
+            </a:r>
+            <a:endParaRPr lang="LID4096" sz="1050" dirty="0">
+              <a:solidFill>
+                <a:schemeClr val="bg1"/>
+              </a:solidFill>
+              <a:latin typeface="+mj-lt"/>
+            </a:endParaRPr>
+          </a:p>
+        </p:txBody>
+      </p:sp>
+    </p:spTree>
+    <p:extLst>
+      <p:ext uri="{BB962C8B-B14F-4D97-AF65-F5344CB8AC3E}">
+        <p14:creationId xmlns:p14="http://schemas.microsoft.com/office/powerpoint/2010/main" val="1610898715"/>
+      </p:ext>
+    </p:extLst>
+  </p:cSld>
+  <p:clrMapOvr>
+    <a:masterClrMapping/>
+  </p:clrMapOvr>
+</p:sld>
+</file>
+
+<file path=ppt/slides/slide2.xml><?xml version="1.0" encoding="utf-8"?>
+<p:sld xmlns:a="http://schemas.openxmlformats.org/drawingml/2006/main" xmlns:r="http://schemas.openxmlformats.org/officeDocument/2006/relationships" xmlns:p="http://schemas.openxmlformats.org/presentationml/2006/main">
+  <p:cSld>
+    <p:spTree>
+      <p:nvGrpSpPr>
+        <p:cNvPr id="1" name=""/>
+        <p:cNvGrpSpPr/>
+        <p:nvPr/>
+      </p:nvGrpSpPr>
+      <p:grpSpPr>
+        <a:xfrm>
+          <a:off x="0" y="0"/>
+          <a:ext cx="0" cy="0"/>
+          <a:chOff x="0" y="0"/>
+          <a:chExt cx="0" cy="0"/>
+        </a:xfrm>
+      </p:grpSpPr>
       <p:grpSp>
         <p:nvGrpSpPr>
           <p:cNvPr id="299" name="Group 298">
@@ -3377,10 +3840,10 @@
         </p:nvGrpSpPr>
         <p:grpSpPr>
           <a:xfrm>
-            <a:off x="32874" y="32673"/>
-            <a:ext cx="7219390" cy="2833831"/>
-            <a:chOff x="271755" y="190170"/>
-            <a:chExt cx="7219390" cy="2833831"/>
+            <a:off x="36173" y="49009"/>
+            <a:ext cx="6638030" cy="2933536"/>
+            <a:chOff x="271755" y="91634"/>
+            <a:chExt cx="6638030" cy="2933536"/>
           </a:xfrm>
         </p:grpSpPr>
         <p:cxnSp>
@@ -3399,8 +3862,8 @@
           </p:nvCxnSpPr>
           <p:spPr>
             <a:xfrm>
-              <a:off x="271755" y="2934000"/>
-              <a:ext cx="7039245" cy="0"/>
+              <a:off x="271755" y="3025170"/>
+              <a:ext cx="6419827" cy="0"/>
             </a:xfrm>
             <a:prstGeom prst="straightConnector1">
               <a:avLst/>
@@ -3441,8 +3904,8 @@
           </p:nvSpPr>
           <p:spPr>
             <a:xfrm rot="5400000">
-              <a:off x="6078472" y="1611328"/>
-              <a:ext cx="2702235" cy="123111"/>
+              <a:off x="5362810" y="1477026"/>
+              <a:ext cx="2932367" cy="161583"/>
             </a:xfrm>
             <a:prstGeom prst="rect">
               <a:avLst/>
@@ -3464,7 +3927,7 @@
             <a:p>
               <a:pPr algn="ctr"/>
               <a:r>
-                <a:rPr lang="de-CH" sz="800" dirty="0">
+                <a:rPr lang="de-CH" sz="1050" dirty="0">
                   <a:solidFill>
                     <a:schemeClr val="bg1"/>
                   </a:solidFill>
@@ -3472,7 +3935,7 @@
                 </a:rPr>
                 <a:t>Monsoon over Kerala (t)</a:t>
               </a:r>
-              <a:endParaRPr lang="LID4096" sz="800" dirty="0">
+              <a:endParaRPr lang="LID4096" sz="1050" dirty="0">
                 <a:solidFill>
                   <a:schemeClr val="bg1"/>
                 </a:solidFill>
@@ -3481,1729 +3944,6 @@
             </a:p>
           </p:txBody>
         </p:sp>
-        <p:grpSp>
-          <p:nvGrpSpPr>
-            <p:cNvPr id="251" name="Group 250">
-              <a:extLst>
-                <a:ext uri="{FF2B5EF4-FFF2-40B4-BE49-F238E27FC236}">
-                  <a16:creationId xmlns:a16="http://schemas.microsoft.com/office/drawing/2014/main" id="{060521B8-E085-4D52-89B7-B9EC5CE00ED1}"/>
-                </a:ext>
-              </a:extLst>
-            </p:cNvPr>
-            <p:cNvGrpSpPr/>
-            <p:nvPr/>
-          </p:nvGrpSpPr>
-          <p:grpSpPr>
-            <a:xfrm>
-              <a:off x="2001000" y="190170"/>
-              <a:ext cx="5206931" cy="1263221"/>
-              <a:chOff x="2001000" y="190170"/>
-              <a:chExt cx="5206931" cy="1263221"/>
-            </a:xfrm>
-          </p:grpSpPr>
-          <p:grpSp>
-            <p:nvGrpSpPr>
-              <p:cNvPr id="202" name="Group 201">
-                <a:extLst>
-                  <a:ext uri="{FF2B5EF4-FFF2-40B4-BE49-F238E27FC236}">
-                    <a16:creationId xmlns:a16="http://schemas.microsoft.com/office/drawing/2014/main" id="{474CA0DE-60D4-4441-B1AB-17719162D5ED}"/>
-                  </a:ext>
-                </a:extLst>
-              </p:cNvPr>
-              <p:cNvGrpSpPr/>
-              <p:nvPr/>
-            </p:nvGrpSpPr>
-            <p:grpSpPr>
-              <a:xfrm>
-                <a:off x="2001000" y="333640"/>
-                <a:ext cx="5206931" cy="1119751"/>
-                <a:chOff x="229242" y="1402883"/>
-                <a:chExt cx="5206931" cy="1119751"/>
-              </a:xfrm>
-            </p:grpSpPr>
-            <p:sp>
-              <p:nvSpPr>
-                <p:cNvPr id="201" name="Rectangle 200">
-                  <a:extLst>
-                    <a:ext uri="{FF2B5EF4-FFF2-40B4-BE49-F238E27FC236}">
-                      <a16:creationId xmlns:a16="http://schemas.microsoft.com/office/drawing/2014/main" id="{40B7A6C6-B7DE-4629-8954-70B5EFFFE0C1}"/>
-                    </a:ext>
-                  </a:extLst>
-                </p:cNvPr>
-                <p:cNvSpPr/>
-                <p:nvPr/>
-              </p:nvSpPr>
-              <p:spPr>
-                <a:xfrm>
-                  <a:off x="229242" y="1402883"/>
-                  <a:ext cx="5206931" cy="1119751"/>
-                </a:xfrm>
-                <a:prstGeom prst="rect">
-                  <a:avLst/>
-                </a:prstGeom>
-                <a:noFill/>
-                <a:ln w="28575">
-                  <a:solidFill>
-                    <a:schemeClr val="accent2"/>
-                  </a:solidFill>
-                </a:ln>
-              </p:spPr>
-              <p:style>
-                <a:lnRef idx="2">
-                  <a:schemeClr val="accent1">
-                    <a:shade val="50000"/>
-                  </a:schemeClr>
-                </a:lnRef>
-                <a:fillRef idx="1">
-                  <a:schemeClr val="accent1"/>
-                </a:fillRef>
-                <a:effectRef idx="0">
-                  <a:schemeClr val="accent1"/>
-                </a:effectRef>
-                <a:fontRef idx="minor">
-                  <a:schemeClr val="lt1"/>
-                </a:fontRef>
-              </p:style>
-              <p:txBody>
-                <a:bodyPr rtlCol="0" anchor="ctr"/>
-                <a:lstStyle/>
-                <a:p>
-                  <a:pPr algn="ctr"/>
-                  <a:endParaRPr lang="LID4096"/>
-                </a:p>
-              </p:txBody>
-            </p:sp>
-            <p:grpSp>
-              <p:nvGrpSpPr>
-                <p:cNvPr id="159" name="Group 158">
-                  <a:extLst>
-                    <a:ext uri="{FF2B5EF4-FFF2-40B4-BE49-F238E27FC236}">
-                      <a16:creationId xmlns:a16="http://schemas.microsoft.com/office/drawing/2014/main" id="{B699EE14-9A66-4C7C-80F1-D6A0AC70913D}"/>
-                    </a:ext>
-                  </a:extLst>
-                </p:cNvPr>
-                <p:cNvGrpSpPr/>
-                <p:nvPr/>
-              </p:nvGrpSpPr>
-              <p:grpSpPr>
-                <a:xfrm>
-                  <a:off x="274401" y="1443600"/>
-                  <a:ext cx="1673518" cy="1037171"/>
-                  <a:chOff x="215774" y="187074"/>
-                  <a:chExt cx="2857606" cy="1771015"/>
-                </a:xfrm>
-              </p:grpSpPr>
-              <p:grpSp>
-                <p:nvGrpSpPr>
-                  <p:cNvPr id="160" name="Group 159">
-                    <a:extLst>
-                      <a:ext uri="{FF2B5EF4-FFF2-40B4-BE49-F238E27FC236}">
-                        <a16:creationId xmlns:a16="http://schemas.microsoft.com/office/drawing/2014/main" id="{97E15939-3A02-4E8A-A710-EA90AE129AFD}"/>
-                      </a:ext>
-                    </a:extLst>
-                  </p:cNvPr>
-                  <p:cNvGrpSpPr/>
-                  <p:nvPr/>
-                </p:nvGrpSpPr>
-                <p:grpSpPr>
-                  <a:xfrm>
-                    <a:off x="471000" y="189000"/>
-                    <a:ext cx="2590590" cy="1393217"/>
-                    <a:chOff x="5237042" y="3580335"/>
-                    <a:chExt cx="2590590" cy="1393217"/>
-                  </a:xfrm>
-                </p:grpSpPr>
-                <p:pic>
-                  <p:nvPicPr>
-                    <p:cNvPr id="171" name="Picture 170">
-                      <a:extLst>
-                        <a:ext uri="{FF2B5EF4-FFF2-40B4-BE49-F238E27FC236}">
-                          <a16:creationId xmlns:a16="http://schemas.microsoft.com/office/drawing/2014/main" id="{32034268-F3E7-42EC-8D49-F6FBCAE019A2}"/>
-                        </a:ext>
-                      </a:extLst>
-                    </p:cNvPr>
-                    <p:cNvPicPr>
-                      <a:picLocks noChangeAspect="1"/>
-                    </p:cNvPicPr>
-                    <p:nvPr/>
-                  </p:nvPicPr>
-                  <p:blipFill rotWithShape="1">
-                    <a:blip r:embed="rId2"/>
-                    <a:srcRect l="1976" t="2981" r="2028" b="4155"/>
-                    <a:stretch/>
-                  </p:blipFill>
-                  <p:spPr>
-                    <a:xfrm>
-                      <a:off x="5241000" y="3584293"/>
-                      <a:ext cx="2586632" cy="1389259"/>
-                    </a:xfrm>
-                    <a:prstGeom prst="rect">
-                      <a:avLst/>
-                    </a:prstGeom>
-                    <a:ln w="6350">
-                      <a:solidFill>
-                        <a:schemeClr val="tx1"/>
-                      </a:solidFill>
-                    </a:ln>
-                  </p:spPr>
-                </p:pic>
-                <p:sp>
-                  <p:nvSpPr>
-                    <p:cNvPr id="172" name="TextBox 171">
-                      <a:extLst>
-                        <a:ext uri="{FF2B5EF4-FFF2-40B4-BE49-F238E27FC236}">
-                          <a16:creationId xmlns:a16="http://schemas.microsoft.com/office/drawing/2014/main" id="{DDF59B03-F58A-4DA5-A328-6E07A5DD0664}"/>
-                        </a:ext>
-                      </a:extLst>
-                    </p:cNvPr>
-                    <p:cNvSpPr txBox="1"/>
-                    <p:nvPr/>
-                  </p:nvSpPr>
-                  <p:spPr>
-                    <a:xfrm>
-                      <a:off x="5237042" y="3580335"/>
-                      <a:ext cx="1440882" cy="210217"/>
-                    </a:xfrm>
-                    <a:prstGeom prst="rect">
-                      <a:avLst/>
-                    </a:prstGeom>
-                    <a:solidFill>
-                      <a:srgbClr val="C00000">
-                        <a:alpha val="89804"/>
-                      </a:srgbClr>
-                    </a:solidFill>
-                    <a:ln w="3175">
-                      <a:solidFill>
-                        <a:schemeClr val="tx1"/>
-                      </a:solidFill>
-                    </a:ln>
-                  </p:spPr>
-                  <p:txBody>
-                    <a:bodyPr wrap="square" lIns="36000" tIns="0" rIns="36000" bIns="0" rtlCol="0">
-                      <a:spAutoFit/>
-                    </a:bodyPr>
-                    <a:lstStyle/>
-                    <a:p>
-                      <a:pPr algn="ctr"/>
-                      <a:r>
-                        <a:rPr lang="de-CH" sz="800" dirty="0">
-                          <a:solidFill>
-                            <a:schemeClr val="bg1"/>
-                          </a:solidFill>
-                          <a:latin typeface="+mj-lt"/>
-                        </a:rPr>
-                        <a:t>...</a:t>
-                      </a:r>
-                      <a:endParaRPr lang="LID4096" sz="800" dirty="0">
-                        <a:solidFill>
-                          <a:schemeClr val="bg1"/>
-                        </a:solidFill>
-                        <a:latin typeface="+mj-lt"/>
-                      </a:endParaRPr>
-                    </a:p>
-                  </p:txBody>
-                </p:sp>
-              </p:grpSp>
-              <p:grpSp>
-                <p:nvGrpSpPr>
-                  <p:cNvPr id="161" name="Group 160">
-                    <a:extLst>
-                      <a:ext uri="{FF2B5EF4-FFF2-40B4-BE49-F238E27FC236}">
-                        <a16:creationId xmlns:a16="http://schemas.microsoft.com/office/drawing/2014/main" id="{187DE78A-DBC5-4ADC-8011-AFA59BDFA355}"/>
-                      </a:ext>
-                    </a:extLst>
-                  </p:cNvPr>
-                  <p:cNvGrpSpPr/>
-                  <p:nvPr/>
-                </p:nvGrpSpPr>
-                <p:grpSpPr>
-                  <a:xfrm>
-                    <a:off x="354434" y="375028"/>
-                    <a:ext cx="2590592" cy="1393217"/>
-                    <a:chOff x="5237040" y="3580335"/>
-                    <a:chExt cx="2590592" cy="1393217"/>
-                  </a:xfrm>
-                </p:grpSpPr>
-                <p:pic>
-                  <p:nvPicPr>
-                    <p:cNvPr id="169" name="Picture 168">
-                      <a:extLst>
-                        <a:ext uri="{FF2B5EF4-FFF2-40B4-BE49-F238E27FC236}">
-                          <a16:creationId xmlns:a16="http://schemas.microsoft.com/office/drawing/2014/main" id="{90B3696C-76B8-4BF5-9A88-554E313F7ED7}"/>
-                        </a:ext>
-                      </a:extLst>
-                    </p:cNvPr>
-                    <p:cNvPicPr>
-                      <a:picLocks noChangeAspect="1"/>
-                    </p:cNvPicPr>
-                    <p:nvPr/>
-                  </p:nvPicPr>
-                  <p:blipFill rotWithShape="1">
-                    <a:blip r:embed="rId2"/>
-                    <a:srcRect l="1976" t="2981" r="2028" b="4155"/>
-                    <a:stretch/>
-                  </p:blipFill>
-                  <p:spPr>
-                    <a:xfrm>
-                      <a:off x="5241000" y="3584293"/>
-                      <a:ext cx="2586632" cy="1389259"/>
-                    </a:xfrm>
-                    <a:prstGeom prst="rect">
-                      <a:avLst/>
-                    </a:prstGeom>
-                    <a:ln w="6350">
-                      <a:solidFill>
-                        <a:schemeClr val="tx1"/>
-                      </a:solidFill>
-                    </a:ln>
-                  </p:spPr>
-                </p:pic>
-                <p:sp>
-                  <p:nvSpPr>
-                    <p:cNvPr id="170" name="TextBox 169">
-                      <a:extLst>
-                        <a:ext uri="{FF2B5EF4-FFF2-40B4-BE49-F238E27FC236}">
-                          <a16:creationId xmlns:a16="http://schemas.microsoft.com/office/drawing/2014/main" id="{61A05FE9-8FAA-4C58-A95A-8C7C0BE9AEFC}"/>
-                        </a:ext>
-                      </a:extLst>
-                    </p:cNvPr>
-                    <p:cNvSpPr txBox="1"/>
-                    <p:nvPr/>
-                  </p:nvSpPr>
-                  <p:spPr>
-                    <a:xfrm>
-                      <a:off x="5237040" y="3580335"/>
-                      <a:ext cx="1480610" cy="210217"/>
-                    </a:xfrm>
-                    <a:prstGeom prst="rect">
-                      <a:avLst/>
-                    </a:prstGeom>
-                    <a:solidFill>
-                      <a:srgbClr val="C00000">
-                        <a:alpha val="89804"/>
-                      </a:srgbClr>
-                    </a:solidFill>
-                    <a:ln w="3175">
-                      <a:solidFill>
-                        <a:schemeClr val="tx1"/>
-                      </a:solidFill>
-                    </a:ln>
-                  </p:spPr>
-                  <p:txBody>
-                    <a:bodyPr wrap="square" lIns="36000" tIns="0" rIns="36000" bIns="0" rtlCol="0">
-                      <a:spAutoFit/>
-                    </a:bodyPr>
-                    <a:lstStyle/>
-                    <a:p>
-                      <a:pPr algn="ctr"/>
-                      <a:r>
-                        <a:rPr lang="de-CH" sz="800" dirty="0">
-                          <a:solidFill>
-                            <a:schemeClr val="bg1"/>
-                          </a:solidFill>
-                          <a:latin typeface="+mj-lt"/>
-                        </a:rPr>
-                        <a:t>Relative Humidity</a:t>
-                      </a:r>
-                      <a:endParaRPr lang="LID4096" sz="800" dirty="0">
-                        <a:solidFill>
-                          <a:schemeClr val="bg1"/>
-                        </a:solidFill>
-                        <a:latin typeface="+mj-lt"/>
-                      </a:endParaRPr>
-                    </a:p>
-                  </p:txBody>
-                </p:sp>
-              </p:grpSp>
-              <p:grpSp>
-                <p:nvGrpSpPr>
-                  <p:cNvPr id="162" name="Group 161">
-                    <a:extLst>
-                      <a:ext uri="{FF2B5EF4-FFF2-40B4-BE49-F238E27FC236}">
-                        <a16:creationId xmlns:a16="http://schemas.microsoft.com/office/drawing/2014/main" id="{2BEEF885-290D-4639-B071-E6BAEE484BE1}"/>
-                      </a:ext>
-                    </a:extLst>
-                  </p:cNvPr>
-                  <p:cNvGrpSpPr/>
-                  <p:nvPr/>
-                </p:nvGrpSpPr>
-                <p:grpSpPr>
-                  <a:xfrm>
-                    <a:off x="219436" y="561057"/>
-                    <a:ext cx="2590590" cy="1393217"/>
-                    <a:chOff x="5237042" y="3580335"/>
-                    <a:chExt cx="2590590" cy="1393217"/>
-                  </a:xfrm>
-                </p:grpSpPr>
-                <p:pic>
-                  <p:nvPicPr>
-                    <p:cNvPr id="167" name="Picture 166">
-                      <a:extLst>
-                        <a:ext uri="{FF2B5EF4-FFF2-40B4-BE49-F238E27FC236}">
-                          <a16:creationId xmlns:a16="http://schemas.microsoft.com/office/drawing/2014/main" id="{B2EE5788-C3EA-4B83-94EE-F7E0D19D2E69}"/>
-                        </a:ext>
-                      </a:extLst>
-                    </p:cNvPr>
-                    <p:cNvPicPr>
-                      <a:picLocks noChangeAspect="1"/>
-                    </p:cNvPicPr>
-                    <p:nvPr/>
-                  </p:nvPicPr>
-                  <p:blipFill rotWithShape="1">
-                    <a:blip r:embed="rId2"/>
-                    <a:srcRect l="1976" t="2981" r="2028" b="4155"/>
-                    <a:stretch/>
-                  </p:blipFill>
-                  <p:spPr>
-                    <a:xfrm>
-                      <a:off x="5241000" y="3584293"/>
-                      <a:ext cx="2586632" cy="1389259"/>
-                    </a:xfrm>
-                    <a:prstGeom prst="rect">
-                      <a:avLst/>
-                    </a:prstGeom>
-                    <a:ln w="6350">
-                      <a:solidFill>
-                        <a:schemeClr val="tx1"/>
-                      </a:solidFill>
-                    </a:ln>
-                  </p:spPr>
-                </p:pic>
-                <p:sp>
-                  <p:nvSpPr>
-                    <p:cNvPr id="168" name="TextBox 167">
-                      <a:extLst>
-                        <a:ext uri="{FF2B5EF4-FFF2-40B4-BE49-F238E27FC236}">
-                          <a16:creationId xmlns:a16="http://schemas.microsoft.com/office/drawing/2014/main" id="{764A88A5-D7AD-408C-A8BA-5C867BEA7D9C}"/>
-                        </a:ext>
-                      </a:extLst>
-                    </p:cNvPr>
-                    <p:cNvSpPr txBox="1"/>
-                    <p:nvPr/>
-                  </p:nvSpPr>
-                  <p:spPr>
-                    <a:xfrm>
-                      <a:off x="5237042" y="3580335"/>
-                      <a:ext cx="1538767" cy="210217"/>
-                    </a:xfrm>
-                    <a:prstGeom prst="rect">
-                      <a:avLst/>
-                    </a:prstGeom>
-                    <a:solidFill>
-                      <a:srgbClr val="C00000">
-                        <a:alpha val="89804"/>
-                      </a:srgbClr>
-                    </a:solidFill>
-                    <a:ln w="3175">
-                      <a:solidFill>
-                        <a:schemeClr val="tx1"/>
-                      </a:solidFill>
-                    </a:ln>
-                  </p:spPr>
-                  <p:txBody>
-                    <a:bodyPr wrap="square" lIns="36000" tIns="0" rIns="36000" bIns="0" rtlCol="0">
-                      <a:spAutoFit/>
-                    </a:bodyPr>
-                    <a:lstStyle/>
-                    <a:p>
-                      <a:pPr algn="ctr"/>
-                      <a:r>
-                        <a:rPr lang="de-CH" sz="800" dirty="0">
-                          <a:solidFill>
-                            <a:schemeClr val="bg1"/>
-                          </a:solidFill>
-                          <a:latin typeface="+mj-lt"/>
-                        </a:rPr>
-                        <a:t>Temperature</a:t>
-                      </a:r>
-                      <a:endParaRPr lang="LID4096" sz="800" dirty="0">
-                        <a:solidFill>
-                          <a:schemeClr val="bg1"/>
-                        </a:solidFill>
-                        <a:latin typeface="+mj-lt"/>
-                      </a:endParaRPr>
-                    </a:p>
-                  </p:txBody>
-                </p:sp>
-              </p:grpSp>
-              <p:cxnSp>
-                <p:nvCxnSpPr>
-                  <p:cNvPr id="163" name="Straight Connector 162">
-                    <a:extLst>
-                      <a:ext uri="{FF2B5EF4-FFF2-40B4-BE49-F238E27FC236}">
-                        <a16:creationId xmlns:a16="http://schemas.microsoft.com/office/drawing/2014/main" id="{D321AB42-9577-4828-8D6D-94A1C6A3B2FE}"/>
-                      </a:ext>
-                    </a:extLst>
-                  </p:cNvPr>
-                  <p:cNvCxnSpPr>
-                    <a:cxnSpLocks/>
-                  </p:cNvCxnSpPr>
-                  <p:nvPr/>
-                </p:nvCxnSpPr>
-                <p:spPr>
-                  <a:xfrm flipV="1">
-                    <a:off x="2821816" y="1586032"/>
-                    <a:ext cx="251564" cy="372057"/>
-                  </a:xfrm>
-                  <a:prstGeom prst="line">
-                    <a:avLst/>
-                  </a:prstGeom>
-                  <a:ln w="6350"/>
-                </p:spPr>
-                <p:style>
-                  <a:lnRef idx="1">
-                    <a:schemeClr val="dk1"/>
-                  </a:lnRef>
-                  <a:fillRef idx="0">
-                    <a:schemeClr val="dk1"/>
-                  </a:fillRef>
-                  <a:effectRef idx="0">
-                    <a:schemeClr val="dk1"/>
-                  </a:effectRef>
-                  <a:fontRef idx="minor">
-                    <a:schemeClr val="tx1"/>
-                  </a:fontRef>
-                </p:style>
-              </p:cxnSp>
-              <p:cxnSp>
-                <p:nvCxnSpPr>
-                  <p:cNvPr id="164" name="Straight Connector 163">
-                    <a:extLst>
-                      <a:ext uri="{FF2B5EF4-FFF2-40B4-BE49-F238E27FC236}">
-                        <a16:creationId xmlns:a16="http://schemas.microsoft.com/office/drawing/2014/main" id="{00844D28-FD4D-48FD-8425-0BD73CF1E520}"/>
-                      </a:ext>
-                    </a:extLst>
-                  </p:cNvPr>
-                  <p:cNvCxnSpPr>
-                    <a:cxnSpLocks/>
-                  </p:cNvCxnSpPr>
-                  <p:nvPr/>
-                </p:nvCxnSpPr>
-                <p:spPr>
-                  <a:xfrm flipV="1">
-                    <a:off x="2802406" y="192957"/>
-                    <a:ext cx="259184" cy="378284"/>
-                  </a:xfrm>
-                  <a:prstGeom prst="line">
-                    <a:avLst/>
-                  </a:prstGeom>
-                  <a:ln w="6350"/>
-                </p:spPr>
-                <p:style>
-                  <a:lnRef idx="1">
-                    <a:schemeClr val="dk1"/>
-                  </a:lnRef>
-                  <a:fillRef idx="0">
-                    <a:schemeClr val="dk1"/>
-                  </a:fillRef>
-                  <a:effectRef idx="0">
-                    <a:schemeClr val="dk1"/>
-                  </a:effectRef>
-                  <a:fontRef idx="minor">
-                    <a:schemeClr val="tx1"/>
-                  </a:fontRef>
-                </p:style>
-              </p:cxnSp>
-              <p:sp>
-                <p:nvSpPr>
-                  <p:cNvPr id="165" name="TextBox 164">
-                    <a:extLst>
-                      <a:ext uri="{FF2B5EF4-FFF2-40B4-BE49-F238E27FC236}">
-                        <a16:creationId xmlns:a16="http://schemas.microsoft.com/office/drawing/2014/main" id="{12C0C696-200C-4830-9EEA-8A4B437288A7}"/>
-                      </a:ext>
-                    </a:extLst>
-                  </p:cNvPr>
-                  <p:cNvSpPr txBox="1"/>
-                  <p:nvPr/>
-                </p:nvSpPr>
-                <p:spPr>
-                  <a:xfrm>
-                    <a:off x="959380" y="1708053"/>
-                    <a:ext cx="1113677" cy="210217"/>
-                  </a:xfrm>
-                  <a:prstGeom prst="rect">
-                    <a:avLst/>
-                  </a:prstGeom>
-                  <a:solidFill>
-                    <a:srgbClr val="C00000"/>
-                  </a:solidFill>
-                  <a:ln w="3175">
-                    <a:solidFill>
-                      <a:schemeClr val="tx1"/>
-                    </a:solidFill>
-                  </a:ln>
-                </p:spPr>
-                <p:txBody>
-                  <a:bodyPr wrap="square" lIns="36000" tIns="0" rIns="36000" bIns="0" rtlCol="0">
-                    <a:spAutoFit/>
-                  </a:bodyPr>
-                  <a:lstStyle/>
-                  <a:p>
-                    <a:pPr algn="ctr"/>
-                    <a:r>
-                      <a:rPr lang="de-CH" sz="800" dirty="0">
-                        <a:solidFill>
-                          <a:schemeClr val="bg1"/>
-                        </a:solidFill>
-                        <a:latin typeface="+mj-lt"/>
-                      </a:rPr>
-                      <a:t>t - 60</a:t>
-                    </a:r>
-                    <a:endParaRPr lang="LID4096" sz="800" dirty="0">
-                      <a:solidFill>
-                        <a:schemeClr val="bg1"/>
-                      </a:solidFill>
-                      <a:latin typeface="+mj-lt"/>
-                    </a:endParaRPr>
-                  </a:p>
-                </p:txBody>
-              </p:sp>
-              <p:cxnSp>
-                <p:nvCxnSpPr>
-                  <p:cNvPr id="166" name="Straight Connector 165">
-                    <a:extLst>
-                      <a:ext uri="{FF2B5EF4-FFF2-40B4-BE49-F238E27FC236}">
-                        <a16:creationId xmlns:a16="http://schemas.microsoft.com/office/drawing/2014/main" id="{518128E5-A51B-401F-8A90-7A5D5095E80A}"/>
-                      </a:ext>
-                    </a:extLst>
-                  </p:cNvPr>
-                  <p:cNvCxnSpPr>
-                    <a:cxnSpLocks/>
-                  </p:cNvCxnSpPr>
-                  <p:nvPr/>
-                </p:nvCxnSpPr>
-                <p:spPr>
-                  <a:xfrm flipV="1">
-                    <a:off x="215774" y="187074"/>
-                    <a:ext cx="259184" cy="378284"/>
-                  </a:xfrm>
-                  <a:prstGeom prst="line">
-                    <a:avLst/>
-                  </a:prstGeom>
-                  <a:ln w="6350"/>
-                </p:spPr>
-                <p:style>
-                  <a:lnRef idx="1">
-                    <a:schemeClr val="dk1"/>
-                  </a:lnRef>
-                  <a:fillRef idx="0">
-                    <a:schemeClr val="dk1"/>
-                  </a:fillRef>
-                  <a:effectRef idx="0">
-                    <a:schemeClr val="dk1"/>
-                  </a:effectRef>
-                  <a:fontRef idx="minor">
-                    <a:schemeClr val="tx1"/>
-                  </a:fontRef>
-                </p:style>
-              </p:cxnSp>
-            </p:grpSp>
-            <p:grpSp>
-              <p:nvGrpSpPr>
-                <p:cNvPr id="173" name="Group 172">
-                  <a:extLst>
-                    <a:ext uri="{FF2B5EF4-FFF2-40B4-BE49-F238E27FC236}">
-                      <a16:creationId xmlns:a16="http://schemas.microsoft.com/office/drawing/2014/main" id="{CFBD31A3-DF8A-4C5D-88A5-1C253B8A453F}"/>
-                    </a:ext>
-                  </a:extLst>
-                </p:cNvPr>
-                <p:cNvGrpSpPr/>
-                <p:nvPr/>
-              </p:nvGrpSpPr>
-              <p:grpSpPr>
-                <a:xfrm>
-                  <a:off x="1990962" y="1448068"/>
-                  <a:ext cx="1673518" cy="1037171"/>
-                  <a:chOff x="215774" y="187074"/>
-                  <a:chExt cx="2857606" cy="1771015"/>
-                </a:xfrm>
-              </p:grpSpPr>
-              <p:grpSp>
-                <p:nvGrpSpPr>
-                  <p:cNvPr id="174" name="Group 173">
-                    <a:extLst>
-                      <a:ext uri="{FF2B5EF4-FFF2-40B4-BE49-F238E27FC236}">
-                        <a16:creationId xmlns:a16="http://schemas.microsoft.com/office/drawing/2014/main" id="{8BE68AAC-969D-43D3-8768-154563928CC8}"/>
-                      </a:ext>
-                    </a:extLst>
-                  </p:cNvPr>
-                  <p:cNvGrpSpPr/>
-                  <p:nvPr/>
-                </p:nvGrpSpPr>
-                <p:grpSpPr>
-                  <a:xfrm>
-                    <a:off x="471000" y="189000"/>
-                    <a:ext cx="2590590" cy="1393217"/>
-                    <a:chOff x="5237042" y="3580335"/>
-                    <a:chExt cx="2590590" cy="1393217"/>
-                  </a:xfrm>
-                </p:grpSpPr>
-                <p:pic>
-                  <p:nvPicPr>
-                    <p:cNvPr id="185" name="Picture 184">
-                      <a:extLst>
-                        <a:ext uri="{FF2B5EF4-FFF2-40B4-BE49-F238E27FC236}">
-                          <a16:creationId xmlns:a16="http://schemas.microsoft.com/office/drawing/2014/main" id="{9446540C-6A60-43D5-AF45-9CDC4B6BFF39}"/>
-                        </a:ext>
-                      </a:extLst>
-                    </p:cNvPr>
-                    <p:cNvPicPr>
-                      <a:picLocks noChangeAspect="1"/>
-                    </p:cNvPicPr>
-                    <p:nvPr/>
-                  </p:nvPicPr>
-                  <p:blipFill rotWithShape="1">
-                    <a:blip r:embed="rId2"/>
-                    <a:srcRect l="1976" t="2981" r="2028" b="4155"/>
-                    <a:stretch/>
-                  </p:blipFill>
-                  <p:spPr>
-                    <a:xfrm>
-                      <a:off x="5241000" y="3584293"/>
-                      <a:ext cx="2586632" cy="1389259"/>
-                    </a:xfrm>
-                    <a:prstGeom prst="rect">
-                      <a:avLst/>
-                    </a:prstGeom>
-                    <a:ln w="6350">
-                      <a:solidFill>
-                        <a:schemeClr val="tx1"/>
-                      </a:solidFill>
-                    </a:ln>
-                  </p:spPr>
-                </p:pic>
-                <p:sp>
-                  <p:nvSpPr>
-                    <p:cNvPr id="186" name="TextBox 185">
-                      <a:extLst>
-                        <a:ext uri="{FF2B5EF4-FFF2-40B4-BE49-F238E27FC236}">
-                          <a16:creationId xmlns:a16="http://schemas.microsoft.com/office/drawing/2014/main" id="{5E19603D-33B5-4707-A04C-BBFA8BBBCC70}"/>
-                        </a:ext>
-                      </a:extLst>
-                    </p:cNvPr>
-                    <p:cNvSpPr txBox="1"/>
-                    <p:nvPr/>
-                  </p:nvSpPr>
-                  <p:spPr>
-                    <a:xfrm>
-                      <a:off x="5237042" y="3580335"/>
-                      <a:ext cx="1440882" cy="210217"/>
-                    </a:xfrm>
-                    <a:prstGeom prst="rect">
-                      <a:avLst/>
-                    </a:prstGeom>
-                    <a:solidFill>
-                      <a:srgbClr val="C00000">
-                        <a:alpha val="89804"/>
-                      </a:srgbClr>
-                    </a:solidFill>
-                    <a:ln w="3175">
-                      <a:solidFill>
-                        <a:schemeClr val="tx1"/>
-                      </a:solidFill>
-                    </a:ln>
-                  </p:spPr>
-                  <p:txBody>
-                    <a:bodyPr wrap="square" lIns="36000" tIns="0" rIns="36000" bIns="0" rtlCol="0">
-                      <a:spAutoFit/>
-                    </a:bodyPr>
-                    <a:lstStyle/>
-                    <a:p>
-                      <a:pPr algn="ctr"/>
-                      <a:r>
-                        <a:rPr lang="de-CH" sz="800" dirty="0">
-                          <a:solidFill>
-                            <a:schemeClr val="bg1"/>
-                          </a:solidFill>
-                          <a:latin typeface="+mj-lt"/>
-                        </a:rPr>
-                        <a:t>...</a:t>
-                      </a:r>
-                      <a:endParaRPr lang="LID4096" sz="800" dirty="0">
-                        <a:solidFill>
-                          <a:schemeClr val="bg1"/>
-                        </a:solidFill>
-                        <a:latin typeface="+mj-lt"/>
-                      </a:endParaRPr>
-                    </a:p>
-                  </p:txBody>
-                </p:sp>
-              </p:grpSp>
-              <p:grpSp>
-                <p:nvGrpSpPr>
-                  <p:cNvPr id="175" name="Group 174">
-                    <a:extLst>
-                      <a:ext uri="{FF2B5EF4-FFF2-40B4-BE49-F238E27FC236}">
-                        <a16:creationId xmlns:a16="http://schemas.microsoft.com/office/drawing/2014/main" id="{654D2E8E-13B3-465E-ACB4-5E1DC6460C7D}"/>
-                      </a:ext>
-                    </a:extLst>
-                  </p:cNvPr>
-                  <p:cNvGrpSpPr/>
-                  <p:nvPr/>
-                </p:nvGrpSpPr>
-                <p:grpSpPr>
-                  <a:xfrm>
-                    <a:off x="354434" y="375028"/>
-                    <a:ext cx="2590592" cy="1393217"/>
-                    <a:chOff x="5237040" y="3580335"/>
-                    <a:chExt cx="2590592" cy="1393217"/>
-                  </a:xfrm>
-                </p:grpSpPr>
-                <p:pic>
-                  <p:nvPicPr>
-                    <p:cNvPr id="183" name="Picture 182">
-                      <a:extLst>
-                        <a:ext uri="{FF2B5EF4-FFF2-40B4-BE49-F238E27FC236}">
-                          <a16:creationId xmlns:a16="http://schemas.microsoft.com/office/drawing/2014/main" id="{39BCE61D-C411-4BC7-A179-CCCEFB45D500}"/>
-                        </a:ext>
-                      </a:extLst>
-                    </p:cNvPr>
-                    <p:cNvPicPr>
-                      <a:picLocks noChangeAspect="1"/>
-                    </p:cNvPicPr>
-                    <p:nvPr/>
-                  </p:nvPicPr>
-                  <p:blipFill rotWithShape="1">
-                    <a:blip r:embed="rId2"/>
-                    <a:srcRect l="1976" t="2981" r="2028" b="4155"/>
-                    <a:stretch/>
-                  </p:blipFill>
-                  <p:spPr>
-                    <a:xfrm>
-                      <a:off x="5241000" y="3584293"/>
-                      <a:ext cx="2586632" cy="1389259"/>
-                    </a:xfrm>
-                    <a:prstGeom prst="rect">
-                      <a:avLst/>
-                    </a:prstGeom>
-                    <a:ln w="6350">
-                      <a:solidFill>
-                        <a:schemeClr val="tx1"/>
-                      </a:solidFill>
-                    </a:ln>
-                  </p:spPr>
-                </p:pic>
-                <p:sp>
-                  <p:nvSpPr>
-                    <p:cNvPr id="184" name="TextBox 183">
-                      <a:extLst>
-                        <a:ext uri="{FF2B5EF4-FFF2-40B4-BE49-F238E27FC236}">
-                          <a16:creationId xmlns:a16="http://schemas.microsoft.com/office/drawing/2014/main" id="{9AC31A60-B372-4B3C-B7FB-9812A03A3910}"/>
-                        </a:ext>
-                      </a:extLst>
-                    </p:cNvPr>
-                    <p:cNvSpPr txBox="1"/>
-                    <p:nvPr/>
-                  </p:nvSpPr>
-                  <p:spPr>
-                    <a:xfrm>
-                      <a:off x="5237040" y="3580335"/>
-                      <a:ext cx="1480610" cy="210217"/>
-                    </a:xfrm>
-                    <a:prstGeom prst="rect">
-                      <a:avLst/>
-                    </a:prstGeom>
-                    <a:solidFill>
-                      <a:srgbClr val="C00000">
-                        <a:alpha val="89804"/>
-                      </a:srgbClr>
-                    </a:solidFill>
-                    <a:ln w="3175">
-                      <a:solidFill>
-                        <a:schemeClr val="tx1"/>
-                      </a:solidFill>
-                    </a:ln>
-                  </p:spPr>
-                  <p:txBody>
-                    <a:bodyPr wrap="square" lIns="36000" tIns="0" rIns="36000" bIns="0" rtlCol="0">
-                      <a:spAutoFit/>
-                    </a:bodyPr>
-                    <a:lstStyle/>
-                    <a:p>
-                      <a:pPr algn="ctr"/>
-                      <a:r>
-                        <a:rPr lang="de-CH" sz="800" dirty="0">
-                          <a:solidFill>
-                            <a:schemeClr val="bg1"/>
-                          </a:solidFill>
-                          <a:latin typeface="+mj-lt"/>
-                        </a:rPr>
-                        <a:t>Relative Humidity</a:t>
-                      </a:r>
-                      <a:endParaRPr lang="LID4096" sz="800" dirty="0">
-                        <a:solidFill>
-                          <a:schemeClr val="bg1"/>
-                        </a:solidFill>
-                        <a:latin typeface="+mj-lt"/>
-                      </a:endParaRPr>
-                    </a:p>
-                  </p:txBody>
-                </p:sp>
-              </p:grpSp>
-              <p:grpSp>
-                <p:nvGrpSpPr>
-                  <p:cNvPr id="176" name="Group 175">
-                    <a:extLst>
-                      <a:ext uri="{FF2B5EF4-FFF2-40B4-BE49-F238E27FC236}">
-                        <a16:creationId xmlns:a16="http://schemas.microsoft.com/office/drawing/2014/main" id="{2EA16CA7-77EF-4FEA-8230-4A2972BB70A6}"/>
-                      </a:ext>
-                    </a:extLst>
-                  </p:cNvPr>
-                  <p:cNvGrpSpPr/>
-                  <p:nvPr/>
-                </p:nvGrpSpPr>
-                <p:grpSpPr>
-                  <a:xfrm>
-                    <a:off x="219436" y="561057"/>
-                    <a:ext cx="2590590" cy="1393217"/>
-                    <a:chOff x="5237042" y="3580335"/>
-                    <a:chExt cx="2590590" cy="1393217"/>
-                  </a:xfrm>
-                </p:grpSpPr>
-                <p:pic>
-                  <p:nvPicPr>
-                    <p:cNvPr id="181" name="Picture 180">
-                      <a:extLst>
-                        <a:ext uri="{FF2B5EF4-FFF2-40B4-BE49-F238E27FC236}">
-                          <a16:creationId xmlns:a16="http://schemas.microsoft.com/office/drawing/2014/main" id="{81C9C642-76CD-4463-AB3C-0D4FF0A96985}"/>
-                        </a:ext>
-                      </a:extLst>
-                    </p:cNvPr>
-                    <p:cNvPicPr>
-                      <a:picLocks noChangeAspect="1"/>
-                    </p:cNvPicPr>
-                    <p:nvPr/>
-                  </p:nvPicPr>
-                  <p:blipFill rotWithShape="1">
-                    <a:blip r:embed="rId2"/>
-                    <a:srcRect l="1976" t="2981" r="2028" b="4155"/>
-                    <a:stretch/>
-                  </p:blipFill>
-                  <p:spPr>
-                    <a:xfrm>
-                      <a:off x="5241000" y="3584293"/>
-                      <a:ext cx="2586632" cy="1389259"/>
-                    </a:xfrm>
-                    <a:prstGeom prst="rect">
-                      <a:avLst/>
-                    </a:prstGeom>
-                    <a:ln w="6350">
-                      <a:solidFill>
-                        <a:schemeClr val="tx1"/>
-                      </a:solidFill>
-                    </a:ln>
-                  </p:spPr>
-                </p:pic>
-                <p:sp>
-                  <p:nvSpPr>
-                    <p:cNvPr id="182" name="TextBox 181">
-                      <a:extLst>
-                        <a:ext uri="{FF2B5EF4-FFF2-40B4-BE49-F238E27FC236}">
-                          <a16:creationId xmlns:a16="http://schemas.microsoft.com/office/drawing/2014/main" id="{9A7E56E9-907F-4740-8572-D5FA70D4E34C}"/>
-                        </a:ext>
-                      </a:extLst>
-                    </p:cNvPr>
-                    <p:cNvSpPr txBox="1"/>
-                    <p:nvPr/>
-                  </p:nvSpPr>
-                  <p:spPr>
-                    <a:xfrm>
-                      <a:off x="5237042" y="3580335"/>
-                      <a:ext cx="1538767" cy="210217"/>
-                    </a:xfrm>
-                    <a:prstGeom prst="rect">
-                      <a:avLst/>
-                    </a:prstGeom>
-                    <a:solidFill>
-                      <a:srgbClr val="C00000">
-                        <a:alpha val="89804"/>
-                      </a:srgbClr>
-                    </a:solidFill>
-                    <a:ln w="3175">
-                      <a:solidFill>
-                        <a:schemeClr val="tx1"/>
-                      </a:solidFill>
-                    </a:ln>
-                  </p:spPr>
-                  <p:txBody>
-                    <a:bodyPr wrap="square" lIns="36000" tIns="0" rIns="36000" bIns="0" rtlCol="0">
-                      <a:spAutoFit/>
-                    </a:bodyPr>
-                    <a:lstStyle/>
-                    <a:p>
-                      <a:pPr algn="ctr"/>
-                      <a:r>
-                        <a:rPr lang="de-CH" sz="800" dirty="0">
-                          <a:solidFill>
-                            <a:schemeClr val="bg1"/>
-                          </a:solidFill>
-                          <a:latin typeface="+mj-lt"/>
-                        </a:rPr>
-                        <a:t>Temperature</a:t>
-                      </a:r>
-                      <a:endParaRPr lang="LID4096" sz="800" dirty="0">
-                        <a:solidFill>
-                          <a:schemeClr val="bg1"/>
-                        </a:solidFill>
-                        <a:latin typeface="+mj-lt"/>
-                      </a:endParaRPr>
-                    </a:p>
-                  </p:txBody>
-                </p:sp>
-              </p:grpSp>
-              <p:cxnSp>
-                <p:nvCxnSpPr>
-                  <p:cNvPr id="177" name="Straight Connector 176">
-                    <a:extLst>
-                      <a:ext uri="{FF2B5EF4-FFF2-40B4-BE49-F238E27FC236}">
-                        <a16:creationId xmlns:a16="http://schemas.microsoft.com/office/drawing/2014/main" id="{2BD629E5-5ACA-472B-ACFF-7BE6759733A6}"/>
-                      </a:ext>
-                    </a:extLst>
-                  </p:cNvPr>
-                  <p:cNvCxnSpPr>
-                    <a:cxnSpLocks/>
-                  </p:cNvCxnSpPr>
-                  <p:nvPr/>
-                </p:nvCxnSpPr>
-                <p:spPr>
-                  <a:xfrm flipV="1">
-                    <a:off x="2821816" y="1586032"/>
-                    <a:ext cx="251564" cy="372057"/>
-                  </a:xfrm>
-                  <a:prstGeom prst="line">
-                    <a:avLst/>
-                  </a:prstGeom>
-                  <a:ln w="6350"/>
-                </p:spPr>
-                <p:style>
-                  <a:lnRef idx="1">
-                    <a:schemeClr val="dk1"/>
-                  </a:lnRef>
-                  <a:fillRef idx="0">
-                    <a:schemeClr val="dk1"/>
-                  </a:fillRef>
-                  <a:effectRef idx="0">
-                    <a:schemeClr val="dk1"/>
-                  </a:effectRef>
-                  <a:fontRef idx="minor">
-                    <a:schemeClr val="tx1"/>
-                  </a:fontRef>
-                </p:style>
-              </p:cxnSp>
-              <p:cxnSp>
-                <p:nvCxnSpPr>
-                  <p:cNvPr id="178" name="Straight Connector 177">
-                    <a:extLst>
-                      <a:ext uri="{FF2B5EF4-FFF2-40B4-BE49-F238E27FC236}">
-                        <a16:creationId xmlns:a16="http://schemas.microsoft.com/office/drawing/2014/main" id="{8CA5621C-2B2E-42AF-8CAB-B61B6A140699}"/>
-                      </a:ext>
-                    </a:extLst>
-                  </p:cNvPr>
-                  <p:cNvCxnSpPr>
-                    <a:cxnSpLocks/>
-                  </p:cNvCxnSpPr>
-                  <p:nvPr/>
-                </p:nvCxnSpPr>
-                <p:spPr>
-                  <a:xfrm flipV="1">
-                    <a:off x="2802406" y="192957"/>
-                    <a:ext cx="259184" cy="378284"/>
-                  </a:xfrm>
-                  <a:prstGeom prst="line">
-                    <a:avLst/>
-                  </a:prstGeom>
-                  <a:ln w="6350"/>
-                </p:spPr>
-                <p:style>
-                  <a:lnRef idx="1">
-                    <a:schemeClr val="dk1"/>
-                  </a:lnRef>
-                  <a:fillRef idx="0">
-                    <a:schemeClr val="dk1"/>
-                  </a:fillRef>
-                  <a:effectRef idx="0">
-                    <a:schemeClr val="dk1"/>
-                  </a:effectRef>
-                  <a:fontRef idx="minor">
-                    <a:schemeClr val="tx1"/>
-                  </a:fontRef>
-                </p:style>
-              </p:cxnSp>
-              <p:sp>
-                <p:nvSpPr>
-                  <p:cNvPr id="179" name="TextBox 178">
-                    <a:extLst>
-                      <a:ext uri="{FF2B5EF4-FFF2-40B4-BE49-F238E27FC236}">
-                        <a16:creationId xmlns:a16="http://schemas.microsoft.com/office/drawing/2014/main" id="{44624689-36BA-47CD-A7F2-51584024CD90}"/>
-                      </a:ext>
-                    </a:extLst>
-                  </p:cNvPr>
-                  <p:cNvSpPr txBox="1"/>
-                  <p:nvPr/>
-                </p:nvSpPr>
-                <p:spPr>
-                  <a:xfrm>
-                    <a:off x="959380" y="1708053"/>
-                    <a:ext cx="1113677" cy="210217"/>
-                  </a:xfrm>
-                  <a:prstGeom prst="rect">
-                    <a:avLst/>
-                  </a:prstGeom>
-                  <a:solidFill>
-                    <a:srgbClr val="C00000"/>
-                  </a:solidFill>
-                  <a:ln w="3175">
-                    <a:solidFill>
-                      <a:schemeClr val="tx1"/>
-                    </a:solidFill>
-                  </a:ln>
-                </p:spPr>
-                <p:txBody>
-                  <a:bodyPr wrap="square" lIns="36000" tIns="0" rIns="36000" bIns="0" rtlCol="0">
-                    <a:spAutoFit/>
-                  </a:bodyPr>
-                  <a:lstStyle/>
-                  <a:p>
-                    <a:pPr algn="ctr"/>
-                    <a:r>
-                      <a:rPr lang="de-CH" sz="800" dirty="0">
-                        <a:solidFill>
-                          <a:schemeClr val="bg1"/>
-                        </a:solidFill>
-                        <a:latin typeface="+mj-lt"/>
-                      </a:rPr>
-                      <a:t>...</a:t>
-                    </a:r>
-                    <a:endParaRPr lang="LID4096" sz="800" dirty="0">
-                      <a:solidFill>
-                        <a:schemeClr val="bg1"/>
-                      </a:solidFill>
-                      <a:latin typeface="+mj-lt"/>
-                    </a:endParaRPr>
-                  </a:p>
-                </p:txBody>
-              </p:sp>
-              <p:cxnSp>
-                <p:nvCxnSpPr>
-                  <p:cNvPr id="180" name="Straight Connector 179">
-                    <a:extLst>
-                      <a:ext uri="{FF2B5EF4-FFF2-40B4-BE49-F238E27FC236}">
-                        <a16:creationId xmlns:a16="http://schemas.microsoft.com/office/drawing/2014/main" id="{A19F213C-27D0-4AFC-8365-BEDB0FBA9C3E}"/>
-                      </a:ext>
-                    </a:extLst>
-                  </p:cNvPr>
-                  <p:cNvCxnSpPr>
-                    <a:cxnSpLocks/>
-                  </p:cNvCxnSpPr>
-                  <p:nvPr/>
-                </p:nvCxnSpPr>
-                <p:spPr>
-                  <a:xfrm flipV="1">
-                    <a:off x="215774" y="187074"/>
-                    <a:ext cx="259184" cy="378284"/>
-                  </a:xfrm>
-                  <a:prstGeom prst="line">
-                    <a:avLst/>
-                  </a:prstGeom>
-                  <a:ln w="6350"/>
-                </p:spPr>
-                <p:style>
-                  <a:lnRef idx="1">
-                    <a:schemeClr val="dk1"/>
-                  </a:lnRef>
-                  <a:fillRef idx="0">
-                    <a:schemeClr val="dk1"/>
-                  </a:fillRef>
-                  <a:effectRef idx="0">
-                    <a:schemeClr val="dk1"/>
-                  </a:effectRef>
-                  <a:fontRef idx="minor">
-                    <a:schemeClr val="tx1"/>
-                  </a:fontRef>
-                </p:style>
-              </p:cxnSp>
-            </p:grpSp>
-            <p:grpSp>
-              <p:nvGrpSpPr>
-                <p:cNvPr id="187" name="Group 186">
-                  <a:extLst>
-                    <a:ext uri="{FF2B5EF4-FFF2-40B4-BE49-F238E27FC236}">
-                      <a16:creationId xmlns:a16="http://schemas.microsoft.com/office/drawing/2014/main" id="{F6F4974F-5BD7-4610-9FF3-8986409A03AE}"/>
-                    </a:ext>
-                  </a:extLst>
-                </p:cNvPr>
-                <p:cNvGrpSpPr/>
-                <p:nvPr/>
-              </p:nvGrpSpPr>
-              <p:grpSpPr>
-                <a:xfrm>
-                  <a:off x="3716135" y="1445834"/>
-                  <a:ext cx="1673518" cy="1037171"/>
-                  <a:chOff x="215774" y="187074"/>
-                  <a:chExt cx="2857606" cy="1771015"/>
-                </a:xfrm>
-              </p:grpSpPr>
-              <p:grpSp>
-                <p:nvGrpSpPr>
-                  <p:cNvPr id="188" name="Group 187">
-                    <a:extLst>
-                      <a:ext uri="{FF2B5EF4-FFF2-40B4-BE49-F238E27FC236}">
-                        <a16:creationId xmlns:a16="http://schemas.microsoft.com/office/drawing/2014/main" id="{4D081FD4-BD53-4A73-B991-27C710A4236E}"/>
-                      </a:ext>
-                    </a:extLst>
-                  </p:cNvPr>
-                  <p:cNvGrpSpPr/>
-                  <p:nvPr/>
-                </p:nvGrpSpPr>
-                <p:grpSpPr>
-                  <a:xfrm>
-                    <a:off x="471000" y="189000"/>
-                    <a:ext cx="2590590" cy="1393217"/>
-                    <a:chOff x="5237042" y="3580335"/>
-                    <a:chExt cx="2590590" cy="1393217"/>
-                  </a:xfrm>
-                </p:grpSpPr>
-                <p:pic>
-                  <p:nvPicPr>
-                    <p:cNvPr id="199" name="Picture 198">
-                      <a:extLst>
-                        <a:ext uri="{FF2B5EF4-FFF2-40B4-BE49-F238E27FC236}">
-                          <a16:creationId xmlns:a16="http://schemas.microsoft.com/office/drawing/2014/main" id="{F316729E-94E9-4995-B3D7-AE2FAF558117}"/>
-                        </a:ext>
-                      </a:extLst>
-                    </p:cNvPr>
-                    <p:cNvPicPr>
-                      <a:picLocks noChangeAspect="1"/>
-                    </p:cNvPicPr>
-                    <p:nvPr/>
-                  </p:nvPicPr>
-                  <p:blipFill rotWithShape="1">
-                    <a:blip r:embed="rId2"/>
-                    <a:srcRect l="1976" t="2981" r="2028" b="4155"/>
-                    <a:stretch/>
-                  </p:blipFill>
-                  <p:spPr>
-                    <a:xfrm>
-                      <a:off x="5241000" y="3584293"/>
-                      <a:ext cx="2586632" cy="1389259"/>
-                    </a:xfrm>
-                    <a:prstGeom prst="rect">
-                      <a:avLst/>
-                    </a:prstGeom>
-                    <a:ln w="6350">
-                      <a:solidFill>
-                        <a:schemeClr val="tx1"/>
-                      </a:solidFill>
-                    </a:ln>
-                  </p:spPr>
-                </p:pic>
-                <p:sp>
-                  <p:nvSpPr>
-                    <p:cNvPr id="200" name="TextBox 199">
-                      <a:extLst>
-                        <a:ext uri="{FF2B5EF4-FFF2-40B4-BE49-F238E27FC236}">
-                          <a16:creationId xmlns:a16="http://schemas.microsoft.com/office/drawing/2014/main" id="{D4BE51E0-0168-4D6F-827B-85A521389676}"/>
-                        </a:ext>
-                      </a:extLst>
-                    </p:cNvPr>
-                    <p:cNvSpPr txBox="1"/>
-                    <p:nvPr/>
-                  </p:nvSpPr>
-                  <p:spPr>
-                    <a:xfrm>
-                      <a:off x="5237042" y="3580335"/>
-                      <a:ext cx="1440882" cy="210217"/>
-                    </a:xfrm>
-                    <a:prstGeom prst="rect">
-                      <a:avLst/>
-                    </a:prstGeom>
-                    <a:solidFill>
-                      <a:srgbClr val="C00000">
-                        <a:alpha val="89804"/>
-                      </a:srgbClr>
-                    </a:solidFill>
-                    <a:ln w="3175">
-                      <a:solidFill>
-                        <a:schemeClr val="tx1"/>
-                      </a:solidFill>
-                    </a:ln>
-                  </p:spPr>
-                  <p:txBody>
-                    <a:bodyPr wrap="square" lIns="36000" tIns="0" rIns="36000" bIns="0" rtlCol="0">
-                      <a:spAutoFit/>
-                    </a:bodyPr>
-                    <a:lstStyle/>
-                    <a:p>
-                      <a:pPr algn="ctr"/>
-                      <a:r>
-                        <a:rPr lang="de-CH" sz="800" dirty="0">
-                          <a:solidFill>
-                            <a:schemeClr val="bg1"/>
-                          </a:solidFill>
-                          <a:latin typeface="+mj-lt"/>
-                        </a:rPr>
-                        <a:t>...</a:t>
-                      </a:r>
-                      <a:endParaRPr lang="LID4096" sz="800" dirty="0">
-                        <a:solidFill>
-                          <a:schemeClr val="bg1"/>
-                        </a:solidFill>
-                        <a:latin typeface="+mj-lt"/>
-                      </a:endParaRPr>
-                    </a:p>
-                  </p:txBody>
-                </p:sp>
-              </p:grpSp>
-              <p:grpSp>
-                <p:nvGrpSpPr>
-                  <p:cNvPr id="189" name="Group 188">
-                    <a:extLst>
-                      <a:ext uri="{FF2B5EF4-FFF2-40B4-BE49-F238E27FC236}">
-                        <a16:creationId xmlns:a16="http://schemas.microsoft.com/office/drawing/2014/main" id="{F71B5C8A-3FDA-463D-B620-5AE20005A7B2}"/>
-                      </a:ext>
-                    </a:extLst>
-                  </p:cNvPr>
-                  <p:cNvGrpSpPr/>
-                  <p:nvPr/>
-                </p:nvGrpSpPr>
-                <p:grpSpPr>
-                  <a:xfrm>
-                    <a:off x="354434" y="375028"/>
-                    <a:ext cx="2590592" cy="1393217"/>
-                    <a:chOff x="5237040" y="3580335"/>
-                    <a:chExt cx="2590592" cy="1393217"/>
-                  </a:xfrm>
-                </p:grpSpPr>
-                <p:pic>
-                  <p:nvPicPr>
-                    <p:cNvPr id="197" name="Picture 196">
-                      <a:extLst>
-                        <a:ext uri="{FF2B5EF4-FFF2-40B4-BE49-F238E27FC236}">
-                          <a16:creationId xmlns:a16="http://schemas.microsoft.com/office/drawing/2014/main" id="{592494CE-BA61-45C6-879E-CA33A52793AD}"/>
-                        </a:ext>
-                      </a:extLst>
-                    </p:cNvPr>
-                    <p:cNvPicPr>
-                      <a:picLocks noChangeAspect="1"/>
-                    </p:cNvPicPr>
-                    <p:nvPr/>
-                  </p:nvPicPr>
-                  <p:blipFill rotWithShape="1">
-                    <a:blip r:embed="rId2"/>
-                    <a:srcRect l="1976" t="2981" r="2028" b="4155"/>
-                    <a:stretch/>
-                  </p:blipFill>
-                  <p:spPr>
-                    <a:xfrm>
-                      <a:off x="5241000" y="3584293"/>
-                      <a:ext cx="2586632" cy="1389259"/>
-                    </a:xfrm>
-                    <a:prstGeom prst="rect">
-                      <a:avLst/>
-                    </a:prstGeom>
-                    <a:ln w="6350">
-                      <a:solidFill>
-                        <a:schemeClr val="tx1"/>
-                      </a:solidFill>
-                    </a:ln>
-                  </p:spPr>
-                </p:pic>
-                <p:sp>
-                  <p:nvSpPr>
-                    <p:cNvPr id="198" name="TextBox 197">
-                      <a:extLst>
-                        <a:ext uri="{FF2B5EF4-FFF2-40B4-BE49-F238E27FC236}">
-                          <a16:creationId xmlns:a16="http://schemas.microsoft.com/office/drawing/2014/main" id="{A46D9D38-A2C6-496E-BDAA-AA4E4F5B89AB}"/>
-                        </a:ext>
-                      </a:extLst>
-                    </p:cNvPr>
-                    <p:cNvSpPr txBox="1"/>
-                    <p:nvPr/>
-                  </p:nvSpPr>
-                  <p:spPr>
-                    <a:xfrm>
-                      <a:off x="5237040" y="3580335"/>
-                      <a:ext cx="1480610" cy="210217"/>
-                    </a:xfrm>
-                    <a:prstGeom prst="rect">
-                      <a:avLst/>
-                    </a:prstGeom>
-                    <a:solidFill>
-                      <a:srgbClr val="C00000">
-                        <a:alpha val="89804"/>
-                      </a:srgbClr>
-                    </a:solidFill>
-                    <a:ln w="3175">
-                      <a:solidFill>
-                        <a:schemeClr val="tx1"/>
-                      </a:solidFill>
-                    </a:ln>
-                  </p:spPr>
-                  <p:txBody>
-                    <a:bodyPr wrap="square" lIns="36000" tIns="0" rIns="36000" bIns="0" rtlCol="0">
-                      <a:spAutoFit/>
-                    </a:bodyPr>
-                    <a:lstStyle/>
-                    <a:p>
-                      <a:pPr algn="ctr"/>
-                      <a:r>
-                        <a:rPr lang="de-CH" sz="800" dirty="0">
-                          <a:solidFill>
-                            <a:schemeClr val="bg1"/>
-                          </a:solidFill>
-                          <a:latin typeface="+mj-lt"/>
-                        </a:rPr>
-                        <a:t>Relative Humidity</a:t>
-                      </a:r>
-                      <a:endParaRPr lang="LID4096" sz="800" dirty="0">
-                        <a:solidFill>
-                          <a:schemeClr val="bg1"/>
-                        </a:solidFill>
-                        <a:latin typeface="+mj-lt"/>
-                      </a:endParaRPr>
-                    </a:p>
-                  </p:txBody>
-                </p:sp>
-              </p:grpSp>
-              <p:grpSp>
-                <p:nvGrpSpPr>
-                  <p:cNvPr id="190" name="Group 189">
-                    <a:extLst>
-                      <a:ext uri="{FF2B5EF4-FFF2-40B4-BE49-F238E27FC236}">
-                        <a16:creationId xmlns:a16="http://schemas.microsoft.com/office/drawing/2014/main" id="{99D2B8EE-5574-47D6-89F2-228F70C49A86}"/>
-                      </a:ext>
-                    </a:extLst>
-                  </p:cNvPr>
-                  <p:cNvGrpSpPr/>
-                  <p:nvPr/>
-                </p:nvGrpSpPr>
-                <p:grpSpPr>
-                  <a:xfrm>
-                    <a:off x="219436" y="561057"/>
-                    <a:ext cx="2590590" cy="1393217"/>
-                    <a:chOff x="5237042" y="3580335"/>
-                    <a:chExt cx="2590590" cy="1393217"/>
-                  </a:xfrm>
-                </p:grpSpPr>
-                <p:pic>
-                  <p:nvPicPr>
-                    <p:cNvPr id="195" name="Picture 194">
-                      <a:extLst>
-                        <a:ext uri="{FF2B5EF4-FFF2-40B4-BE49-F238E27FC236}">
-                          <a16:creationId xmlns:a16="http://schemas.microsoft.com/office/drawing/2014/main" id="{57DBB382-3374-4DD1-ADAF-15AFC6541967}"/>
-                        </a:ext>
-                      </a:extLst>
-                    </p:cNvPr>
-                    <p:cNvPicPr>
-                      <a:picLocks noChangeAspect="1"/>
-                    </p:cNvPicPr>
-                    <p:nvPr/>
-                  </p:nvPicPr>
-                  <p:blipFill rotWithShape="1">
-                    <a:blip r:embed="rId2"/>
-                    <a:srcRect l="1976" t="2981" r="2028" b="4155"/>
-                    <a:stretch/>
-                  </p:blipFill>
-                  <p:spPr>
-                    <a:xfrm>
-                      <a:off x="5241000" y="3584293"/>
-                      <a:ext cx="2586632" cy="1389259"/>
-                    </a:xfrm>
-                    <a:prstGeom prst="rect">
-                      <a:avLst/>
-                    </a:prstGeom>
-                    <a:ln w="6350">
-                      <a:solidFill>
-                        <a:schemeClr val="tx1"/>
-                      </a:solidFill>
-                    </a:ln>
-                  </p:spPr>
-                </p:pic>
-                <p:sp>
-                  <p:nvSpPr>
-                    <p:cNvPr id="196" name="TextBox 195">
-                      <a:extLst>
-                        <a:ext uri="{FF2B5EF4-FFF2-40B4-BE49-F238E27FC236}">
-                          <a16:creationId xmlns:a16="http://schemas.microsoft.com/office/drawing/2014/main" id="{89D24603-2EA4-45D5-84D9-BB703B154C0C}"/>
-                        </a:ext>
-                      </a:extLst>
-                    </p:cNvPr>
-                    <p:cNvSpPr txBox="1"/>
-                    <p:nvPr/>
-                  </p:nvSpPr>
-                  <p:spPr>
-                    <a:xfrm>
-                      <a:off x="5237042" y="3580335"/>
-                      <a:ext cx="1538767" cy="210217"/>
-                    </a:xfrm>
-                    <a:prstGeom prst="rect">
-                      <a:avLst/>
-                    </a:prstGeom>
-                    <a:solidFill>
-                      <a:srgbClr val="C00000">
-                        <a:alpha val="89804"/>
-                      </a:srgbClr>
-                    </a:solidFill>
-                    <a:ln w="3175">
-                      <a:solidFill>
-                        <a:schemeClr val="tx1"/>
-                      </a:solidFill>
-                    </a:ln>
-                  </p:spPr>
-                  <p:txBody>
-                    <a:bodyPr wrap="square" lIns="36000" tIns="0" rIns="36000" bIns="0" rtlCol="0">
-                      <a:spAutoFit/>
-                    </a:bodyPr>
-                    <a:lstStyle/>
-                    <a:p>
-                      <a:pPr algn="ctr"/>
-                      <a:r>
-                        <a:rPr lang="de-CH" sz="800" dirty="0">
-                          <a:solidFill>
-                            <a:schemeClr val="bg1"/>
-                          </a:solidFill>
-                          <a:latin typeface="+mj-lt"/>
-                        </a:rPr>
-                        <a:t>Temperature</a:t>
-                      </a:r>
-                      <a:endParaRPr lang="LID4096" sz="800" dirty="0">
-                        <a:solidFill>
-                          <a:schemeClr val="bg1"/>
-                        </a:solidFill>
-                        <a:latin typeface="+mj-lt"/>
-                      </a:endParaRPr>
-                    </a:p>
-                  </p:txBody>
-                </p:sp>
-              </p:grpSp>
-              <p:cxnSp>
-                <p:nvCxnSpPr>
-                  <p:cNvPr id="191" name="Straight Connector 190">
-                    <a:extLst>
-                      <a:ext uri="{FF2B5EF4-FFF2-40B4-BE49-F238E27FC236}">
-                        <a16:creationId xmlns:a16="http://schemas.microsoft.com/office/drawing/2014/main" id="{CFEEEE92-EB17-44AA-902E-BB415E47AA5A}"/>
-                      </a:ext>
-                    </a:extLst>
-                  </p:cNvPr>
-                  <p:cNvCxnSpPr>
-                    <a:cxnSpLocks/>
-                  </p:cNvCxnSpPr>
-                  <p:nvPr/>
-                </p:nvCxnSpPr>
-                <p:spPr>
-                  <a:xfrm flipV="1">
-                    <a:off x="2821816" y="1586032"/>
-                    <a:ext cx="251564" cy="372057"/>
-                  </a:xfrm>
-                  <a:prstGeom prst="line">
-                    <a:avLst/>
-                  </a:prstGeom>
-                  <a:ln w="6350"/>
-                </p:spPr>
-                <p:style>
-                  <a:lnRef idx="1">
-                    <a:schemeClr val="dk1"/>
-                  </a:lnRef>
-                  <a:fillRef idx="0">
-                    <a:schemeClr val="dk1"/>
-                  </a:fillRef>
-                  <a:effectRef idx="0">
-                    <a:schemeClr val="dk1"/>
-                  </a:effectRef>
-                  <a:fontRef idx="minor">
-                    <a:schemeClr val="tx1"/>
-                  </a:fontRef>
-                </p:style>
-              </p:cxnSp>
-              <p:cxnSp>
-                <p:nvCxnSpPr>
-                  <p:cNvPr id="192" name="Straight Connector 191">
-                    <a:extLst>
-                      <a:ext uri="{FF2B5EF4-FFF2-40B4-BE49-F238E27FC236}">
-                        <a16:creationId xmlns:a16="http://schemas.microsoft.com/office/drawing/2014/main" id="{AF7B4065-64B3-455A-A17B-BBB1F37B8048}"/>
-                      </a:ext>
-                    </a:extLst>
-                  </p:cNvPr>
-                  <p:cNvCxnSpPr>
-                    <a:cxnSpLocks/>
-                  </p:cNvCxnSpPr>
-                  <p:nvPr/>
-                </p:nvCxnSpPr>
-                <p:spPr>
-                  <a:xfrm flipV="1">
-                    <a:off x="2802406" y="192957"/>
-                    <a:ext cx="259184" cy="378284"/>
-                  </a:xfrm>
-                  <a:prstGeom prst="line">
-                    <a:avLst/>
-                  </a:prstGeom>
-                  <a:ln w="6350"/>
-                </p:spPr>
-                <p:style>
-                  <a:lnRef idx="1">
-                    <a:schemeClr val="dk1"/>
-                  </a:lnRef>
-                  <a:fillRef idx="0">
-                    <a:schemeClr val="dk1"/>
-                  </a:fillRef>
-                  <a:effectRef idx="0">
-                    <a:schemeClr val="dk1"/>
-                  </a:effectRef>
-                  <a:fontRef idx="minor">
-                    <a:schemeClr val="tx1"/>
-                  </a:fontRef>
-                </p:style>
-              </p:cxnSp>
-              <p:sp>
-                <p:nvSpPr>
-                  <p:cNvPr id="193" name="TextBox 192">
-                    <a:extLst>
-                      <a:ext uri="{FF2B5EF4-FFF2-40B4-BE49-F238E27FC236}">
-                        <a16:creationId xmlns:a16="http://schemas.microsoft.com/office/drawing/2014/main" id="{06F05597-6654-47F8-AFA1-0EDDE4B67420}"/>
-                      </a:ext>
-                    </a:extLst>
-                  </p:cNvPr>
-                  <p:cNvSpPr txBox="1"/>
-                  <p:nvPr/>
-                </p:nvSpPr>
-                <p:spPr>
-                  <a:xfrm>
-                    <a:off x="959380" y="1708053"/>
-                    <a:ext cx="1113677" cy="210217"/>
-                  </a:xfrm>
-                  <a:prstGeom prst="rect">
-                    <a:avLst/>
-                  </a:prstGeom>
-                  <a:solidFill>
-                    <a:srgbClr val="C00000"/>
-                  </a:solidFill>
-                  <a:ln w="3175">
-                    <a:solidFill>
-                      <a:schemeClr val="tx1"/>
-                    </a:solidFill>
-                  </a:ln>
-                </p:spPr>
-                <p:txBody>
-                  <a:bodyPr wrap="square" lIns="36000" tIns="0" rIns="36000" bIns="0" rtlCol="0">
-                    <a:spAutoFit/>
-                  </a:bodyPr>
-                  <a:lstStyle/>
-                  <a:p>
-                    <a:pPr algn="ctr"/>
-                    <a:r>
-                      <a:rPr lang="de-CH" sz="800" dirty="0">
-                        <a:solidFill>
-                          <a:schemeClr val="bg1"/>
-                        </a:solidFill>
-                        <a:latin typeface="+mj-lt"/>
-                      </a:rPr>
-                      <a:t>t - 1</a:t>
-                    </a:r>
-                    <a:endParaRPr lang="LID4096" sz="800" dirty="0">
-                      <a:solidFill>
-                        <a:schemeClr val="bg1"/>
-                      </a:solidFill>
-                      <a:latin typeface="+mj-lt"/>
-                    </a:endParaRPr>
-                  </a:p>
-                </p:txBody>
-              </p:sp>
-              <p:cxnSp>
-                <p:nvCxnSpPr>
-                  <p:cNvPr id="194" name="Straight Connector 193">
-                    <a:extLst>
-                      <a:ext uri="{FF2B5EF4-FFF2-40B4-BE49-F238E27FC236}">
-                        <a16:creationId xmlns:a16="http://schemas.microsoft.com/office/drawing/2014/main" id="{700410FE-E8FE-4E76-8672-BB2C98487EC9}"/>
-                      </a:ext>
-                    </a:extLst>
-                  </p:cNvPr>
-                  <p:cNvCxnSpPr>
-                    <a:cxnSpLocks/>
-                  </p:cNvCxnSpPr>
-                  <p:nvPr/>
-                </p:nvCxnSpPr>
-                <p:spPr>
-                  <a:xfrm flipV="1">
-                    <a:off x="215774" y="187074"/>
-                    <a:ext cx="259184" cy="378284"/>
-                  </a:xfrm>
-                  <a:prstGeom prst="line">
-                    <a:avLst/>
-                  </a:prstGeom>
-                  <a:ln w="6350"/>
-                </p:spPr>
-                <p:style>
-                  <a:lnRef idx="1">
-                    <a:schemeClr val="dk1"/>
-                  </a:lnRef>
-                  <a:fillRef idx="0">
-                    <a:schemeClr val="dk1"/>
-                  </a:fillRef>
-                  <a:effectRef idx="0">
-                    <a:schemeClr val="dk1"/>
-                  </a:effectRef>
-                  <a:fontRef idx="minor">
-                    <a:schemeClr val="tx1"/>
-                  </a:fontRef>
-                </p:style>
-              </p:cxnSp>
-            </p:grpSp>
-          </p:grpSp>
-          <p:sp>
-            <p:nvSpPr>
-              <p:cNvPr id="250" name="TextBox 249">
-                <a:extLst>
-                  <a:ext uri="{FF2B5EF4-FFF2-40B4-BE49-F238E27FC236}">
-                    <a16:creationId xmlns:a16="http://schemas.microsoft.com/office/drawing/2014/main" id="{293F9FC5-F1B5-4398-87E7-AE581D1CEF8F}"/>
-                  </a:ext>
-                </a:extLst>
-              </p:cNvPr>
-              <p:cNvSpPr txBox="1"/>
-              <p:nvPr/>
-            </p:nvSpPr>
-            <p:spPr>
-              <a:xfrm>
-                <a:off x="3945800" y="190170"/>
-                <a:ext cx="1530445" cy="123111"/>
-              </a:xfrm>
-              <a:prstGeom prst="rect">
-                <a:avLst/>
-              </a:prstGeom>
-              <a:solidFill>
-                <a:schemeClr val="accent2"/>
-              </a:solidFill>
-              <a:ln w="3175">
-                <a:solidFill>
-                  <a:schemeClr val="accent2"/>
-                </a:solidFill>
-              </a:ln>
-            </p:spPr>
-            <p:txBody>
-              <a:bodyPr wrap="square" lIns="36000" tIns="0" rIns="36000" bIns="0" rtlCol="0">
-                <a:spAutoFit/>
-              </a:bodyPr>
-              <a:lstStyle/>
-              <a:p>
-                <a:pPr algn="ctr"/>
-                <a:r>
-                  <a:rPr lang="de-CH" sz="800" dirty="0">
-                    <a:solidFill>
-                      <a:schemeClr val="bg1"/>
-                    </a:solidFill>
-                    <a:latin typeface="+mj-lt"/>
-                  </a:rPr>
-                  <a:t>Sequence of length 60 with offset 1</a:t>
-                </a:r>
-                <a:endParaRPr lang="LID4096" sz="800" dirty="0">
-                  <a:solidFill>
-                    <a:schemeClr val="bg1"/>
-                  </a:solidFill>
-                  <a:latin typeface="+mj-lt"/>
-                </a:endParaRPr>
-              </a:p>
-            </p:txBody>
-          </p:sp>
-        </p:grpSp>
         <p:grpSp>
           <p:nvGrpSpPr>
             <p:cNvPr id="252" name="Group 251">
@@ -5219,9 +3959,9 @@
           <p:grpSpPr>
             <a:xfrm>
               <a:off x="283629" y="1526171"/>
-              <a:ext cx="5206931" cy="1263221"/>
+              <a:ext cx="5478126" cy="1321543"/>
               <a:chOff x="2001000" y="190170"/>
-              <a:chExt cx="5206931" cy="1263221"/>
+              <a:chExt cx="5478126" cy="1321543"/>
             </a:xfrm>
           </p:grpSpPr>
           <p:grpSp>
@@ -5238,10 +3978,10 @@
             </p:nvGrpSpPr>
             <p:grpSpPr>
               <a:xfrm>
-                <a:off x="2001000" y="333640"/>
-                <a:ext cx="5206931" cy="1119751"/>
-                <a:chOff x="229242" y="1402883"/>
-                <a:chExt cx="5206931" cy="1119751"/>
+                <a:off x="2001000" y="333641"/>
+                <a:ext cx="5478126" cy="1178072"/>
+                <a:chOff x="229242" y="1402884"/>
+                <a:chExt cx="5478126" cy="1178072"/>
               </a:xfrm>
             </p:grpSpPr>
             <p:sp>
@@ -5258,8 +3998,8 @@
               </p:nvSpPr>
               <p:spPr>
                 <a:xfrm>
-                  <a:off x="229242" y="1402883"/>
-                  <a:ext cx="5206931" cy="1119751"/>
+                  <a:off x="229242" y="1402884"/>
+                  <a:ext cx="5478126" cy="1178072"/>
                 </a:xfrm>
                 <a:prstGeom prst="rect">
                   <a:avLst/>
@@ -5310,10 +4050,10 @@
               </p:nvGrpSpPr>
               <p:grpSpPr>
                 <a:xfrm>
-                  <a:off x="274401" y="1443600"/>
-                  <a:ext cx="1673518" cy="1037171"/>
-                  <a:chOff x="215774" y="187074"/>
-                  <a:chExt cx="2857606" cy="1771015"/>
+                  <a:off x="274401" y="1438949"/>
+                  <a:ext cx="1776730" cy="1106592"/>
+                  <a:chOff x="215774" y="179132"/>
+                  <a:chExt cx="3033845" cy="1889554"/>
                 </a:xfrm>
               </p:grpSpPr>
               <p:grpSp>
@@ -5331,9 +4071,9 @@
                 <p:grpSpPr>
                   <a:xfrm>
                     <a:off x="471000" y="189000"/>
-                    <a:ext cx="2590590" cy="1393217"/>
+                    <a:ext cx="2765836" cy="1487341"/>
                     <a:chOff x="5237042" y="3580335"/>
-                    <a:chExt cx="2590590" cy="1393217"/>
+                    <a:chExt cx="2765836" cy="1487341"/>
                   </a:xfrm>
                 </p:grpSpPr>
                 <p:pic>
@@ -5358,7 +4098,7 @@
                   <p:spPr>
                     <a:xfrm>
                       <a:off x="5241000" y="3584293"/>
-                      <a:ext cx="2586632" cy="1389259"/>
+                      <a:ext cx="2761878" cy="1483383"/>
                     </a:xfrm>
                     <a:prstGeom prst="rect">
                       <a:avLst/>
@@ -5442,9 +4182,9 @@
                 <p:grpSpPr>
                   <a:xfrm>
                     <a:off x="354434" y="375028"/>
-                    <a:ext cx="2590592" cy="1393217"/>
+                    <a:ext cx="2765837" cy="1487341"/>
                     <a:chOff x="5237040" y="3580335"/>
-                    <a:chExt cx="2590592" cy="1393217"/>
+                    <a:chExt cx="2765837" cy="1487341"/>
                   </a:xfrm>
                 </p:grpSpPr>
                 <p:pic>
@@ -5469,7 +4209,7 @@
                   <p:spPr>
                     <a:xfrm>
                       <a:off x="5241000" y="3584293"/>
-                      <a:ext cx="2586632" cy="1389259"/>
+                      <a:ext cx="2761877" cy="1483383"/>
                     </a:xfrm>
                     <a:prstGeom prst="rect">
                       <a:avLst/>
@@ -5553,9 +4293,9 @@
                 <p:grpSpPr>
                   <a:xfrm>
                     <a:off x="219436" y="561057"/>
-                    <a:ext cx="2590590" cy="1393217"/>
+                    <a:ext cx="2765836" cy="1487340"/>
                     <a:chOff x="5237042" y="3580335"/>
-                    <a:chExt cx="2590590" cy="1393217"/>
+                    <a:chExt cx="2765836" cy="1487340"/>
                   </a:xfrm>
                 </p:grpSpPr>
                 <p:pic>
@@ -5580,7 +4320,7 @@
                   <p:spPr>
                     <a:xfrm>
                       <a:off x="5241000" y="3584293"/>
-                      <a:ext cx="2586632" cy="1389259"/>
+                      <a:ext cx="2761878" cy="1483382"/>
                     </a:xfrm>
                     <a:prstGeom prst="rect">
                       <a:avLst/>
@@ -5665,7 +4405,7 @@
                 </p:nvCxnSpPr>
                 <p:spPr>
                   <a:xfrm flipV="1">
-                    <a:off x="2821816" y="1586032"/>
+                    <a:off x="2988133" y="1696629"/>
                     <a:ext cx="251564" cy="372057"/>
                   </a:xfrm>
                   <a:prstGeom prst="line">
@@ -5704,8 +4444,8 @@
                 </p:nvCxnSpPr>
                 <p:spPr>
                   <a:xfrm flipV="1">
-                    <a:off x="2802406" y="192957"/>
-                    <a:ext cx="259184" cy="378284"/>
+                    <a:off x="2990434" y="179132"/>
+                    <a:ext cx="259185" cy="378284"/>
                   </a:xfrm>
                   <a:prstGeom prst="line">
                     <a:avLst/>
@@ -5741,7 +4481,7 @@
                 </p:nvSpPr>
                 <p:spPr>
                   <a:xfrm>
-                    <a:off x="959380" y="1708053"/>
+                    <a:off x="1038995" y="1709352"/>
                     <a:ext cx="1113677" cy="210217"/>
                   </a:xfrm>
                   <a:prstGeom prst="rect">
@@ -5835,10 +4575,10 @@
               </p:nvGrpSpPr>
               <p:grpSpPr>
                 <a:xfrm>
-                  <a:off x="1990962" y="1448068"/>
-                  <a:ext cx="1673518" cy="1037171"/>
-                  <a:chOff x="215774" y="187074"/>
-                  <a:chExt cx="2857606" cy="1771015"/>
+                  <a:off x="1990962" y="1438860"/>
+                  <a:ext cx="1776214" cy="1108434"/>
+                  <a:chOff x="215774" y="171351"/>
+                  <a:chExt cx="3032964" cy="1892700"/>
                 </a:xfrm>
               </p:grpSpPr>
               <p:grpSp>
@@ -5856,9 +4596,9 @@
                 <p:grpSpPr>
                   <a:xfrm>
                     <a:off x="471000" y="189000"/>
-                    <a:ext cx="2590590" cy="1393217"/>
+                    <a:ext cx="2764504" cy="1486625"/>
                     <a:chOff x="5237042" y="3580335"/>
-                    <a:chExt cx="2590590" cy="1393217"/>
+                    <a:chExt cx="2764504" cy="1486625"/>
                   </a:xfrm>
                 </p:grpSpPr>
                 <p:pic>
@@ -5883,7 +4623,7 @@
                   <p:spPr>
                     <a:xfrm>
                       <a:off x="5241000" y="3584293"/>
-                      <a:ext cx="2586632" cy="1389259"/>
+                      <a:ext cx="2760546" cy="1482667"/>
                     </a:xfrm>
                     <a:prstGeom prst="rect">
                       <a:avLst/>
@@ -5967,9 +4707,9 @@
                 <p:grpSpPr>
                   <a:xfrm>
                     <a:off x="354434" y="375028"/>
-                    <a:ext cx="2590592" cy="1393217"/>
+                    <a:ext cx="2764505" cy="1486625"/>
                     <a:chOff x="5237040" y="3580335"/>
-                    <a:chExt cx="2590592" cy="1393217"/>
+                    <a:chExt cx="2764505" cy="1486625"/>
                   </a:xfrm>
                 </p:grpSpPr>
                 <p:pic>
@@ -5994,7 +4734,7 @@
                   <p:spPr>
                     <a:xfrm>
                       <a:off x="5241000" y="3584293"/>
-                      <a:ext cx="2586632" cy="1389259"/>
+                      <a:ext cx="2760545" cy="1482667"/>
                     </a:xfrm>
                     <a:prstGeom prst="rect">
                       <a:avLst/>
@@ -6078,9 +4818,9 @@
                 <p:grpSpPr>
                   <a:xfrm>
                     <a:off x="219436" y="561057"/>
-                    <a:ext cx="2590590" cy="1393217"/>
+                    <a:ext cx="2764503" cy="1486625"/>
                     <a:chOff x="5237042" y="3580335"/>
-                    <a:chExt cx="2590590" cy="1393217"/>
+                    <a:chExt cx="2764503" cy="1486625"/>
                   </a:xfrm>
                 </p:grpSpPr>
                 <p:pic>
@@ -6105,7 +4845,7 @@
                   <p:spPr>
                     <a:xfrm>
                       <a:off x="5241000" y="3584293"/>
-                      <a:ext cx="2586632" cy="1389259"/>
+                      <a:ext cx="2760545" cy="1482667"/>
                     </a:xfrm>
                     <a:prstGeom prst="rect">
                       <a:avLst/>
@@ -6190,7 +4930,7 @@
                 </p:nvCxnSpPr>
                 <p:spPr>
                   <a:xfrm flipV="1">
-                    <a:off x="2821816" y="1586032"/>
+                    <a:off x="2985138" y="1691994"/>
                     <a:ext cx="251564" cy="372057"/>
                   </a:xfrm>
                   <a:prstGeom prst="line">
@@ -6229,8 +4969,8 @@
                 </p:nvCxnSpPr>
                 <p:spPr>
                   <a:xfrm flipV="1">
-                    <a:off x="2802406" y="192957"/>
-                    <a:ext cx="259184" cy="378284"/>
+                    <a:off x="2989553" y="171351"/>
+                    <a:ext cx="259185" cy="378284"/>
                   </a:xfrm>
                   <a:prstGeom prst="line">
                     <a:avLst/>
@@ -6266,7 +5006,7 @@
                 </p:nvSpPr>
                 <p:spPr>
                   <a:xfrm>
-                    <a:off x="959380" y="1708053"/>
+                    <a:off x="1046827" y="1700455"/>
                     <a:ext cx="1113677" cy="210217"/>
                   </a:xfrm>
                   <a:prstGeom prst="rect">
@@ -6360,10 +5100,10 @@
               </p:nvGrpSpPr>
               <p:grpSpPr>
                 <a:xfrm>
-                  <a:off x="3716135" y="1445834"/>
-                  <a:ext cx="1673518" cy="1037171"/>
-                  <a:chOff x="215774" y="187074"/>
-                  <a:chExt cx="2857606" cy="1771015"/>
+                  <a:off x="3716135" y="1440111"/>
+                  <a:ext cx="1777085" cy="1101199"/>
+                  <a:chOff x="215774" y="177302"/>
+                  <a:chExt cx="3034452" cy="1880345"/>
                 </a:xfrm>
               </p:grpSpPr>
               <p:grpSp>
@@ -6381,9 +5121,9 @@
                 <p:grpSpPr>
                   <a:xfrm>
                     <a:off x="471000" y="189000"/>
-                    <a:ext cx="2590590" cy="1393217"/>
+                    <a:ext cx="2771607" cy="1490439"/>
                     <a:chOff x="5237042" y="3580335"/>
-                    <a:chExt cx="2590590" cy="1393217"/>
+                    <a:chExt cx="2771607" cy="1490439"/>
                   </a:xfrm>
                 </p:grpSpPr>
                 <p:pic>
@@ -6408,7 +5148,7 @@
                   <p:spPr>
                     <a:xfrm>
                       <a:off x="5241000" y="3584293"/>
-                      <a:ext cx="2586632" cy="1389259"/>
+                      <a:ext cx="2767649" cy="1486481"/>
                     </a:xfrm>
                     <a:prstGeom prst="rect">
                       <a:avLst/>
@@ -6492,9 +5232,9 @@
                 <p:grpSpPr>
                   <a:xfrm>
                     <a:off x="354434" y="375028"/>
-                    <a:ext cx="2590592" cy="1393217"/>
+                    <a:ext cx="2771607" cy="1490439"/>
                     <a:chOff x="5237040" y="3580335"/>
-                    <a:chExt cx="2590592" cy="1393217"/>
+                    <a:chExt cx="2771607" cy="1490439"/>
                   </a:xfrm>
                 </p:grpSpPr>
                 <p:pic>
@@ -6518,8 +5258,8 @@
                   </p:blipFill>
                   <p:spPr>
                     <a:xfrm>
-                      <a:off x="5241000" y="3584293"/>
-                      <a:ext cx="2586632" cy="1389259"/>
+                      <a:off x="5240998" y="3584293"/>
+                      <a:ext cx="2767649" cy="1486481"/>
                     </a:xfrm>
                     <a:prstGeom prst="rect">
                       <a:avLst/>
@@ -6603,9 +5343,9 @@
                 <p:grpSpPr>
                   <a:xfrm>
                     <a:off x="219436" y="561057"/>
-                    <a:ext cx="2590590" cy="1393217"/>
+                    <a:ext cx="2771604" cy="1490439"/>
                     <a:chOff x="5237042" y="3580335"/>
-                    <a:chExt cx="2590590" cy="1393217"/>
+                    <a:chExt cx="2771604" cy="1490439"/>
                   </a:xfrm>
                 </p:grpSpPr>
                 <p:pic>
@@ -6630,7 +5370,7 @@
                   <p:spPr>
                     <a:xfrm>
                       <a:off x="5241000" y="3584293"/>
-                      <a:ext cx="2586632" cy="1389259"/>
+                      <a:ext cx="2767646" cy="1486481"/>
                     </a:xfrm>
                     <a:prstGeom prst="rect">
                       <a:avLst/>
@@ -6715,7 +5455,7 @@
                 </p:nvCxnSpPr>
                 <p:spPr>
                   <a:xfrm flipV="1">
-                    <a:off x="2821816" y="1586032"/>
+                    <a:off x="2980014" y="1685590"/>
                     <a:ext cx="251564" cy="372057"/>
                   </a:xfrm>
                   <a:prstGeom prst="line">
@@ -6754,8 +5494,8 @@
                 </p:nvCxnSpPr>
                 <p:spPr>
                   <a:xfrm flipV="1">
-                    <a:off x="2802406" y="192957"/>
-                    <a:ext cx="259184" cy="378284"/>
+                    <a:off x="2991041" y="177302"/>
+                    <a:ext cx="259185" cy="378284"/>
                   </a:xfrm>
                   <a:prstGeom prst="line">
                     <a:avLst/>
@@ -6791,8 +5531,8 @@
                 </p:nvSpPr>
                 <p:spPr>
                   <a:xfrm>
-                    <a:off x="959380" y="1708053"/>
-                    <a:ext cx="1113677" cy="210217"/>
+                    <a:off x="1039881" y="1714205"/>
+                    <a:ext cx="1113678" cy="210217"/>
                   </a:xfrm>
                   <a:prstGeom prst="rect">
                     <a:avLst/>
@@ -6887,7 +5627,7 @@
             <p:spPr>
               <a:xfrm>
                 <a:off x="3945800" y="190170"/>
-                <a:ext cx="1530445" cy="123111"/>
+                <a:ext cx="1530445" cy="323165"/>
               </a:xfrm>
               <a:prstGeom prst="rect">
                 <a:avLst/>
@@ -6897,7 +5637,7 @@
               </a:solidFill>
               <a:ln w="3175">
                 <a:solidFill>
-                  <a:schemeClr val="accent2"/>
+                  <a:schemeClr val="tx1"/>
                 </a:solidFill>
               </a:ln>
             </p:spPr>
@@ -6909,7 +5649,7 @@
               <a:p>
                 <a:pPr algn="ctr"/>
                 <a:r>
-                  <a:rPr lang="de-CH" sz="800" dirty="0">
+                  <a:rPr lang="de-CH" sz="1050" dirty="0">
                     <a:solidFill>
                       <a:schemeClr val="bg1"/>
                     </a:solidFill>
@@ -6917,7 +5657,7 @@
                   </a:rPr>
                   <a:t>Sequence of length 60 with offset 2</a:t>
                 </a:r>
-                <a:endParaRPr lang="LID4096" sz="800" dirty="0">
+                <a:endParaRPr lang="LID4096" sz="1050" dirty="0">
                   <a:solidFill>
                     <a:schemeClr val="bg1"/>
                   </a:solidFill>
@@ -6928,6 +5668,1396 @@
           </p:sp>
         </p:grpSp>
       </p:grpSp>
+      <p:sp>
+        <p:nvSpPr>
+          <p:cNvPr id="97" name="Rectangle 254">
+            <a:extLst>
+              <a:ext uri="{FF2B5EF4-FFF2-40B4-BE49-F238E27FC236}">
+                <a16:creationId xmlns:a16="http://schemas.microsoft.com/office/drawing/2014/main" id="{CC3FC343-71EC-4EF1-B612-2A4D67343F3D}"/>
+              </a:ext>
+            </a:extLst>
+          </p:cNvPr>
+          <p:cNvSpPr/>
+          <p:nvPr/>
+        </p:nvSpPr>
+        <p:spPr>
+          <a:xfrm>
+            <a:off x="819817" y="192480"/>
+            <a:ext cx="5478126" cy="1178072"/>
+          </a:xfrm>
+          <a:prstGeom prst="rect">
+            <a:avLst/>
+          </a:prstGeom>
+          <a:noFill/>
+          <a:ln w="28575">
+            <a:solidFill>
+              <a:schemeClr val="accent2"/>
+            </a:solidFill>
+          </a:ln>
+        </p:spPr>
+        <p:style>
+          <a:lnRef idx="2">
+            <a:schemeClr val="accent1">
+              <a:shade val="50000"/>
+            </a:schemeClr>
+          </a:lnRef>
+          <a:fillRef idx="1">
+            <a:schemeClr val="accent1"/>
+          </a:fillRef>
+          <a:effectRef idx="0">
+            <a:schemeClr val="accent1"/>
+          </a:effectRef>
+          <a:fontRef idx="minor">
+            <a:schemeClr val="lt1"/>
+          </a:fontRef>
+        </p:style>
+        <p:txBody>
+          <a:bodyPr rtlCol="0" anchor="ctr"/>
+          <a:lstStyle/>
+          <a:p>
+            <a:pPr algn="ctr"/>
+            <a:endParaRPr lang="LID4096"/>
+          </a:p>
+        </p:txBody>
+      </p:sp>
+      <p:pic>
+        <p:nvPicPr>
+          <p:cNvPr id="98" name="Picture 295">
+            <a:extLst>
+              <a:ext uri="{FF2B5EF4-FFF2-40B4-BE49-F238E27FC236}">
+                <a16:creationId xmlns:a16="http://schemas.microsoft.com/office/drawing/2014/main" id="{3026B1BC-6DE1-4046-A594-5DFCBEDBC984}"/>
+              </a:ext>
+            </a:extLst>
+          </p:cNvPr>
+          <p:cNvPicPr>
+            <a:picLocks noChangeAspect="1"/>
+          </p:cNvPicPr>
+          <p:nvPr/>
+        </p:nvPicPr>
+        <p:blipFill rotWithShape="1">
+          <a:blip r:embed="rId2"/>
+          <a:srcRect l="1976" t="2981" r="2028" b="4155"/>
+          <a:stretch/>
+        </p:blipFill>
+        <p:spPr>
+          <a:xfrm>
+            <a:off x="1016764" y="236642"/>
+            <a:ext cx="1617456" cy="868723"/>
+          </a:xfrm>
+          <a:prstGeom prst="rect">
+            <a:avLst/>
+          </a:prstGeom>
+          <a:ln w="6350">
+            <a:solidFill>
+              <a:schemeClr val="tx1"/>
+            </a:solidFill>
+          </a:ln>
+        </p:spPr>
+      </p:pic>
+      <p:sp>
+        <p:nvSpPr>
+          <p:cNvPr id="99" name="TextBox 296">
+            <a:extLst>
+              <a:ext uri="{FF2B5EF4-FFF2-40B4-BE49-F238E27FC236}">
+                <a16:creationId xmlns:a16="http://schemas.microsoft.com/office/drawing/2014/main" id="{C831FF87-7361-4E46-B09A-A4394B0561EA}"/>
+              </a:ext>
+            </a:extLst>
+          </p:cNvPr>
+          <p:cNvSpPr txBox="1"/>
+          <p:nvPr/>
+        </p:nvSpPr>
+        <p:spPr>
+          <a:xfrm>
+            <a:off x="1014446" y="234324"/>
+            <a:ext cx="843833" cy="123111"/>
+          </a:xfrm>
+          <a:prstGeom prst="rect">
+            <a:avLst/>
+          </a:prstGeom>
+          <a:solidFill>
+            <a:srgbClr val="C00000">
+              <a:alpha val="89804"/>
+            </a:srgbClr>
+          </a:solidFill>
+          <a:ln w="3175">
+            <a:solidFill>
+              <a:schemeClr val="tx1"/>
+            </a:solidFill>
+          </a:ln>
+        </p:spPr>
+        <p:txBody>
+          <a:bodyPr wrap="square" lIns="36000" tIns="0" rIns="36000" bIns="0" rtlCol="0">
+            <a:spAutoFit/>
+          </a:bodyPr>
+          <a:lstStyle/>
+          <a:p>
+            <a:pPr algn="ctr"/>
+            <a:r>
+              <a:rPr lang="de-CH" sz="800" dirty="0">
+                <a:solidFill>
+                  <a:schemeClr val="bg1"/>
+                </a:solidFill>
+                <a:latin typeface="+mj-lt"/>
+              </a:rPr>
+              <a:t>...</a:t>
+            </a:r>
+            <a:endParaRPr lang="LID4096" sz="800" dirty="0">
+              <a:solidFill>
+                <a:schemeClr val="bg1"/>
+              </a:solidFill>
+              <a:latin typeface="+mj-lt"/>
+            </a:endParaRPr>
+          </a:p>
+        </p:txBody>
+      </p:sp>
+      <p:pic>
+        <p:nvPicPr>
+          <p:cNvPr id="100" name="Picture 293">
+            <a:extLst>
+              <a:ext uri="{FF2B5EF4-FFF2-40B4-BE49-F238E27FC236}">
+                <a16:creationId xmlns:a16="http://schemas.microsoft.com/office/drawing/2014/main" id="{5009B35F-A30A-4864-A50C-21AAA5A1B2D3}"/>
+              </a:ext>
+            </a:extLst>
+          </p:cNvPr>
+          <p:cNvPicPr>
+            <a:picLocks noChangeAspect="1"/>
+          </p:cNvPicPr>
+          <p:nvPr/>
+        </p:nvPicPr>
+        <p:blipFill rotWithShape="1">
+          <a:blip r:embed="rId2"/>
+          <a:srcRect l="1976" t="2981" r="2028" b="4155"/>
+          <a:stretch/>
+        </p:blipFill>
+        <p:spPr>
+          <a:xfrm>
+            <a:off x="948499" y="345587"/>
+            <a:ext cx="1617456" cy="868723"/>
+          </a:xfrm>
+          <a:prstGeom prst="rect">
+            <a:avLst/>
+          </a:prstGeom>
+          <a:ln w="6350">
+            <a:solidFill>
+              <a:schemeClr val="tx1"/>
+            </a:solidFill>
+          </a:ln>
+        </p:spPr>
+      </p:pic>
+      <p:sp>
+        <p:nvSpPr>
+          <p:cNvPr id="101" name="TextBox 294">
+            <a:extLst>
+              <a:ext uri="{FF2B5EF4-FFF2-40B4-BE49-F238E27FC236}">
+                <a16:creationId xmlns:a16="http://schemas.microsoft.com/office/drawing/2014/main" id="{7875C609-F4D3-48C7-BDC5-6D818B477CFB}"/>
+              </a:ext>
+            </a:extLst>
+          </p:cNvPr>
+          <p:cNvSpPr txBox="1"/>
+          <p:nvPr/>
+        </p:nvSpPr>
+        <p:spPr>
+          <a:xfrm>
+            <a:off x="946180" y="343269"/>
+            <a:ext cx="867099" cy="123111"/>
+          </a:xfrm>
+          <a:prstGeom prst="rect">
+            <a:avLst/>
+          </a:prstGeom>
+          <a:solidFill>
+            <a:srgbClr val="C00000">
+              <a:alpha val="89804"/>
+            </a:srgbClr>
+          </a:solidFill>
+          <a:ln w="3175">
+            <a:solidFill>
+              <a:schemeClr val="tx1"/>
+            </a:solidFill>
+          </a:ln>
+        </p:spPr>
+        <p:txBody>
+          <a:bodyPr wrap="square" lIns="36000" tIns="0" rIns="36000" bIns="0" rtlCol="0">
+            <a:spAutoFit/>
+          </a:bodyPr>
+          <a:lstStyle/>
+          <a:p>
+            <a:pPr algn="ctr"/>
+            <a:r>
+              <a:rPr lang="de-CH" sz="800" dirty="0">
+                <a:solidFill>
+                  <a:schemeClr val="bg1"/>
+                </a:solidFill>
+                <a:latin typeface="+mj-lt"/>
+              </a:rPr>
+              <a:t>Relative Humidity</a:t>
+            </a:r>
+            <a:endParaRPr lang="LID4096" sz="800" dirty="0">
+              <a:solidFill>
+                <a:schemeClr val="bg1"/>
+              </a:solidFill>
+              <a:latin typeface="+mj-lt"/>
+            </a:endParaRPr>
+          </a:p>
+        </p:txBody>
+      </p:sp>
+      <p:pic>
+        <p:nvPicPr>
+          <p:cNvPr id="102" name="Picture 291">
+            <a:extLst>
+              <a:ext uri="{FF2B5EF4-FFF2-40B4-BE49-F238E27FC236}">
+                <a16:creationId xmlns:a16="http://schemas.microsoft.com/office/drawing/2014/main" id="{952ADC9E-41D5-4668-A1BD-766A1640B1F4}"/>
+              </a:ext>
+            </a:extLst>
+          </p:cNvPr>
+          <p:cNvPicPr>
+            <a:picLocks noChangeAspect="1"/>
+          </p:cNvPicPr>
+          <p:nvPr/>
+        </p:nvPicPr>
+        <p:blipFill rotWithShape="1">
+          <a:blip r:embed="rId2"/>
+          <a:srcRect l="1976" t="2981" r="2028" b="4155"/>
+          <a:stretch/>
+        </p:blipFill>
+        <p:spPr>
+          <a:xfrm>
+            <a:off x="869439" y="454532"/>
+            <a:ext cx="1617456" cy="868723"/>
+          </a:xfrm>
+          <a:prstGeom prst="rect">
+            <a:avLst/>
+          </a:prstGeom>
+          <a:ln w="6350">
+            <a:solidFill>
+              <a:schemeClr val="tx1"/>
+            </a:solidFill>
+          </a:ln>
+        </p:spPr>
+      </p:pic>
+      <p:sp>
+        <p:nvSpPr>
+          <p:cNvPr id="103" name="TextBox 292">
+            <a:extLst>
+              <a:ext uri="{FF2B5EF4-FFF2-40B4-BE49-F238E27FC236}">
+                <a16:creationId xmlns:a16="http://schemas.microsoft.com/office/drawing/2014/main" id="{CACE790A-8CCB-42BA-8D41-009D5AD9C144}"/>
+              </a:ext>
+            </a:extLst>
+          </p:cNvPr>
+          <p:cNvSpPr txBox="1"/>
+          <p:nvPr/>
+        </p:nvSpPr>
+        <p:spPr>
+          <a:xfrm>
+            <a:off x="867121" y="452214"/>
+            <a:ext cx="901158" cy="123111"/>
+          </a:xfrm>
+          <a:prstGeom prst="rect">
+            <a:avLst/>
+          </a:prstGeom>
+          <a:solidFill>
+            <a:srgbClr val="C00000">
+              <a:alpha val="89804"/>
+            </a:srgbClr>
+          </a:solidFill>
+          <a:ln w="3175">
+            <a:solidFill>
+              <a:schemeClr val="tx1"/>
+            </a:solidFill>
+          </a:ln>
+        </p:spPr>
+        <p:txBody>
+          <a:bodyPr wrap="square" lIns="36000" tIns="0" rIns="36000" bIns="0" rtlCol="0">
+            <a:spAutoFit/>
+          </a:bodyPr>
+          <a:lstStyle/>
+          <a:p>
+            <a:pPr algn="ctr"/>
+            <a:r>
+              <a:rPr lang="de-CH" sz="800" dirty="0">
+                <a:solidFill>
+                  <a:schemeClr val="bg1"/>
+                </a:solidFill>
+                <a:latin typeface="+mj-lt"/>
+              </a:rPr>
+              <a:t>Temperature</a:t>
+            </a:r>
+            <a:endParaRPr lang="LID4096" sz="800" dirty="0">
+              <a:solidFill>
+                <a:schemeClr val="bg1"/>
+              </a:solidFill>
+              <a:latin typeface="+mj-lt"/>
+            </a:endParaRPr>
+          </a:p>
+        </p:txBody>
+      </p:sp>
+      <p:cxnSp>
+        <p:nvCxnSpPr>
+          <p:cNvPr id="104" name="Straight Connector 287">
+            <a:extLst>
+              <a:ext uri="{FF2B5EF4-FFF2-40B4-BE49-F238E27FC236}">
+                <a16:creationId xmlns:a16="http://schemas.microsoft.com/office/drawing/2014/main" id="{41C3E4FF-B5D6-4DAD-BC60-F026ADE7F19A}"/>
+              </a:ext>
+            </a:extLst>
+          </p:cNvPr>
+          <p:cNvCxnSpPr>
+            <a:cxnSpLocks/>
+          </p:cNvCxnSpPr>
+          <p:nvPr/>
+        </p:nvCxnSpPr>
+        <p:spPr>
+          <a:xfrm flipV="1">
+            <a:off x="2488570" y="1117247"/>
+            <a:ext cx="147325" cy="217890"/>
+          </a:xfrm>
+          <a:prstGeom prst="line">
+            <a:avLst/>
+          </a:prstGeom>
+          <a:ln w="6350"/>
+        </p:spPr>
+        <p:style>
+          <a:lnRef idx="1">
+            <a:schemeClr val="dk1"/>
+          </a:lnRef>
+          <a:fillRef idx="0">
+            <a:schemeClr val="dk1"/>
+          </a:fillRef>
+          <a:effectRef idx="0">
+            <a:schemeClr val="dk1"/>
+          </a:effectRef>
+          <a:fontRef idx="minor">
+            <a:schemeClr val="tx1"/>
+          </a:fontRef>
+        </p:style>
+      </p:cxnSp>
+      <p:cxnSp>
+        <p:nvCxnSpPr>
+          <p:cNvPr id="105" name="Straight Connector 288">
+            <a:extLst>
+              <a:ext uri="{FF2B5EF4-FFF2-40B4-BE49-F238E27FC236}">
+                <a16:creationId xmlns:a16="http://schemas.microsoft.com/office/drawing/2014/main" id="{B74B067A-2121-4C6A-8800-941600D7C28A}"/>
+              </a:ext>
+            </a:extLst>
+          </p:cNvPr>
+          <p:cNvCxnSpPr>
+            <a:cxnSpLocks/>
+          </p:cNvCxnSpPr>
+          <p:nvPr/>
+        </p:nvCxnSpPr>
+        <p:spPr>
+          <a:xfrm flipV="1">
+            <a:off x="2489918" y="228545"/>
+            <a:ext cx="151788" cy="221537"/>
+          </a:xfrm>
+          <a:prstGeom prst="line">
+            <a:avLst/>
+          </a:prstGeom>
+          <a:ln w="6350"/>
+        </p:spPr>
+        <p:style>
+          <a:lnRef idx="1">
+            <a:schemeClr val="dk1"/>
+          </a:lnRef>
+          <a:fillRef idx="0">
+            <a:schemeClr val="dk1"/>
+          </a:fillRef>
+          <a:effectRef idx="0">
+            <a:schemeClr val="dk1"/>
+          </a:effectRef>
+          <a:fontRef idx="minor">
+            <a:schemeClr val="tx1"/>
+          </a:fontRef>
+        </p:style>
+      </p:cxnSp>
+      <p:sp>
+        <p:nvSpPr>
+          <p:cNvPr id="106" name="TextBox 289">
+            <a:extLst>
+              <a:ext uri="{FF2B5EF4-FFF2-40B4-BE49-F238E27FC236}">
+                <a16:creationId xmlns:a16="http://schemas.microsoft.com/office/drawing/2014/main" id="{B16C4B2E-6B35-439B-A0A5-DDC3C2A90E48}"/>
+              </a:ext>
+            </a:extLst>
+          </p:cNvPr>
+          <p:cNvSpPr txBox="1"/>
+          <p:nvPr/>
+        </p:nvSpPr>
+        <p:spPr>
+          <a:xfrm>
+            <a:off x="1354105" y="1125546"/>
+            <a:ext cx="652210" cy="123111"/>
+          </a:xfrm>
+          <a:prstGeom prst="rect">
+            <a:avLst/>
+          </a:prstGeom>
+          <a:solidFill>
+            <a:srgbClr val="C00000"/>
+          </a:solidFill>
+          <a:ln w="3175">
+            <a:solidFill>
+              <a:schemeClr val="tx1"/>
+            </a:solidFill>
+          </a:ln>
+        </p:spPr>
+        <p:txBody>
+          <a:bodyPr wrap="square" lIns="36000" tIns="0" rIns="36000" bIns="0" rtlCol="0">
+            <a:spAutoFit/>
+          </a:bodyPr>
+          <a:lstStyle/>
+          <a:p>
+            <a:pPr algn="ctr"/>
+            <a:r>
+              <a:rPr lang="de-CH" sz="800" dirty="0">
+                <a:solidFill>
+                  <a:schemeClr val="bg1"/>
+                </a:solidFill>
+                <a:latin typeface="+mj-lt"/>
+              </a:rPr>
+              <a:t>t - 60</a:t>
+            </a:r>
+            <a:endParaRPr lang="LID4096" sz="800" dirty="0">
+              <a:solidFill>
+                <a:schemeClr val="bg1"/>
+              </a:solidFill>
+              <a:latin typeface="+mj-lt"/>
+            </a:endParaRPr>
+          </a:p>
+        </p:txBody>
+      </p:sp>
+      <p:cxnSp>
+        <p:nvCxnSpPr>
+          <p:cNvPr id="107" name="Straight Connector 290">
+            <a:extLst>
+              <a:ext uri="{FF2B5EF4-FFF2-40B4-BE49-F238E27FC236}">
+                <a16:creationId xmlns:a16="http://schemas.microsoft.com/office/drawing/2014/main" id="{108EC810-5811-40F0-8312-39E1D9FBB78A}"/>
+              </a:ext>
+            </a:extLst>
+          </p:cNvPr>
+          <p:cNvCxnSpPr>
+            <a:cxnSpLocks/>
+          </p:cNvCxnSpPr>
+          <p:nvPr/>
+        </p:nvCxnSpPr>
+        <p:spPr>
+          <a:xfrm flipV="1">
+            <a:off x="864976" y="233196"/>
+            <a:ext cx="151788" cy="221537"/>
+          </a:xfrm>
+          <a:prstGeom prst="line">
+            <a:avLst/>
+          </a:prstGeom>
+          <a:ln w="6350"/>
+        </p:spPr>
+        <p:style>
+          <a:lnRef idx="1">
+            <a:schemeClr val="dk1"/>
+          </a:lnRef>
+          <a:fillRef idx="0">
+            <a:schemeClr val="dk1"/>
+          </a:fillRef>
+          <a:effectRef idx="0">
+            <a:schemeClr val="dk1"/>
+          </a:effectRef>
+          <a:fontRef idx="minor">
+            <a:schemeClr val="tx1"/>
+          </a:fontRef>
+        </p:style>
+      </p:cxnSp>
+      <p:pic>
+        <p:nvPicPr>
+          <p:cNvPr id="108" name="Picture 282">
+            <a:extLst>
+              <a:ext uri="{FF2B5EF4-FFF2-40B4-BE49-F238E27FC236}">
+                <a16:creationId xmlns:a16="http://schemas.microsoft.com/office/drawing/2014/main" id="{EEA44874-ED09-445E-846E-7D65DAA7BA00}"/>
+              </a:ext>
+            </a:extLst>
+          </p:cNvPr>
+          <p:cNvPicPr>
+            <a:picLocks noChangeAspect="1"/>
+          </p:cNvPicPr>
+          <p:nvPr/>
+        </p:nvPicPr>
+        <p:blipFill rotWithShape="1">
+          <a:blip r:embed="rId2"/>
+          <a:srcRect l="1976" t="2981" r="2028" b="4155"/>
+          <a:stretch/>
+        </p:blipFill>
+        <p:spPr>
+          <a:xfrm>
+            <a:off x="2733325" y="241110"/>
+            <a:ext cx="1616676" cy="868304"/>
+          </a:xfrm>
+          <a:prstGeom prst="rect">
+            <a:avLst/>
+          </a:prstGeom>
+          <a:ln w="6350">
+            <a:solidFill>
+              <a:schemeClr val="tx1"/>
+            </a:solidFill>
+          </a:ln>
+        </p:spPr>
+      </p:pic>
+      <p:sp>
+        <p:nvSpPr>
+          <p:cNvPr id="109" name="TextBox 283">
+            <a:extLst>
+              <a:ext uri="{FF2B5EF4-FFF2-40B4-BE49-F238E27FC236}">
+                <a16:creationId xmlns:a16="http://schemas.microsoft.com/office/drawing/2014/main" id="{D19B6AEB-6DCC-47FB-BE48-E1978376948B}"/>
+              </a:ext>
+            </a:extLst>
+          </p:cNvPr>
+          <p:cNvSpPr txBox="1"/>
+          <p:nvPr/>
+        </p:nvSpPr>
+        <p:spPr>
+          <a:xfrm>
+            <a:off x="2731007" y="238792"/>
+            <a:ext cx="843833" cy="123111"/>
+          </a:xfrm>
+          <a:prstGeom prst="rect">
+            <a:avLst/>
+          </a:prstGeom>
+          <a:solidFill>
+            <a:srgbClr val="C00000">
+              <a:alpha val="89804"/>
+            </a:srgbClr>
+          </a:solidFill>
+          <a:ln w="3175">
+            <a:solidFill>
+              <a:schemeClr val="tx1"/>
+            </a:solidFill>
+          </a:ln>
+        </p:spPr>
+        <p:txBody>
+          <a:bodyPr wrap="square" lIns="36000" tIns="0" rIns="36000" bIns="0" rtlCol="0">
+            <a:spAutoFit/>
+          </a:bodyPr>
+          <a:lstStyle/>
+          <a:p>
+            <a:pPr algn="ctr"/>
+            <a:r>
+              <a:rPr lang="de-CH" sz="800" dirty="0">
+                <a:solidFill>
+                  <a:schemeClr val="bg1"/>
+                </a:solidFill>
+                <a:latin typeface="+mj-lt"/>
+              </a:rPr>
+              <a:t>...</a:t>
+            </a:r>
+            <a:endParaRPr lang="LID4096" sz="800" dirty="0">
+              <a:solidFill>
+                <a:schemeClr val="bg1"/>
+              </a:solidFill>
+              <a:latin typeface="+mj-lt"/>
+            </a:endParaRPr>
+          </a:p>
+        </p:txBody>
+      </p:sp>
+      <p:pic>
+        <p:nvPicPr>
+          <p:cNvPr id="110" name="Picture 280">
+            <a:extLst>
+              <a:ext uri="{FF2B5EF4-FFF2-40B4-BE49-F238E27FC236}">
+                <a16:creationId xmlns:a16="http://schemas.microsoft.com/office/drawing/2014/main" id="{3AB6A47A-D959-4A1F-9168-953E3A83E5CF}"/>
+              </a:ext>
+            </a:extLst>
+          </p:cNvPr>
+          <p:cNvPicPr>
+            <a:picLocks noChangeAspect="1"/>
+          </p:cNvPicPr>
+          <p:nvPr/>
+        </p:nvPicPr>
+        <p:blipFill rotWithShape="1">
+          <a:blip r:embed="rId2"/>
+          <a:srcRect l="1976" t="2981" r="2028" b="4155"/>
+          <a:stretch/>
+        </p:blipFill>
+        <p:spPr>
+          <a:xfrm>
+            <a:off x="2665060" y="350055"/>
+            <a:ext cx="1616676" cy="868304"/>
+          </a:xfrm>
+          <a:prstGeom prst="rect">
+            <a:avLst/>
+          </a:prstGeom>
+          <a:ln w="6350">
+            <a:solidFill>
+              <a:schemeClr val="tx1"/>
+            </a:solidFill>
+          </a:ln>
+        </p:spPr>
+      </p:pic>
+      <p:sp>
+        <p:nvSpPr>
+          <p:cNvPr id="111" name="TextBox 281">
+            <a:extLst>
+              <a:ext uri="{FF2B5EF4-FFF2-40B4-BE49-F238E27FC236}">
+                <a16:creationId xmlns:a16="http://schemas.microsoft.com/office/drawing/2014/main" id="{E040BAFF-5E8B-4D1B-B4FB-0FEC337F70CA}"/>
+              </a:ext>
+            </a:extLst>
+          </p:cNvPr>
+          <p:cNvSpPr txBox="1"/>
+          <p:nvPr/>
+        </p:nvSpPr>
+        <p:spPr>
+          <a:xfrm>
+            <a:off x="2662741" y="347737"/>
+            <a:ext cx="867099" cy="123111"/>
+          </a:xfrm>
+          <a:prstGeom prst="rect">
+            <a:avLst/>
+          </a:prstGeom>
+          <a:solidFill>
+            <a:srgbClr val="C00000">
+              <a:alpha val="89804"/>
+            </a:srgbClr>
+          </a:solidFill>
+          <a:ln w="3175">
+            <a:solidFill>
+              <a:schemeClr val="tx1"/>
+            </a:solidFill>
+          </a:ln>
+        </p:spPr>
+        <p:txBody>
+          <a:bodyPr wrap="square" lIns="36000" tIns="0" rIns="36000" bIns="0" rtlCol="0">
+            <a:spAutoFit/>
+          </a:bodyPr>
+          <a:lstStyle/>
+          <a:p>
+            <a:pPr algn="ctr"/>
+            <a:r>
+              <a:rPr lang="de-CH" sz="800" dirty="0">
+                <a:solidFill>
+                  <a:schemeClr val="bg1"/>
+                </a:solidFill>
+                <a:latin typeface="+mj-lt"/>
+              </a:rPr>
+              <a:t>Relative Humidity</a:t>
+            </a:r>
+            <a:endParaRPr lang="LID4096" sz="800" dirty="0">
+              <a:solidFill>
+                <a:schemeClr val="bg1"/>
+              </a:solidFill>
+              <a:latin typeface="+mj-lt"/>
+            </a:endParaRPr>
+          </a:p>
+        </p:txBody>
+      </p:sp>
+      <p:pic>
+        <p:nvPicPr>
+          <p:cNvPr id="112" name="Picture 278">
+            <a:extLst>
+              <a:ext uri="{FF2B5EF4-FFF2-40B4-BE49-F238E27FC236}">
+                <a16:creationId xmlns:a16="http://schemas.microsoft.com/office/drawing/2014/main" id="{05EE705C-5AA3-44BB-9BE7-498AE124F126}"/>
+              </a:ext>
+            </a:extLst>
+          </p:cNvPr>
+          <p:cNvPicPr>
+            <a:picLocks noChangeAspect="1"/>
+          </p:cNvPicPr>
+          <p:nvPr/>
+        </p:nvPicPr>
+        <p:blipFill rotWithShape="1">
+          <a:blip r:embed="rId2"/>
+          <a:srcRect l="1976" t="2981" r="2028" b="4155"/>
+          <a:stretch/>
+        </p:blipFill>
+        <p:spPr>
+          <a:xfrm>
+            <a:off x="2586000" y="459000"/>
+            <a:ext cx="1616675" cy="868304"/>
+          </a:xfrm>
+          <a:prstGeom prst="rect">
+            <a:avLst/>
+          </a:prstGeom>
+          <a:ln w="6350">
+            <a:solidFill>
+              <a:schemeClr val="tx1"/>
+            </a:solidFill>
+          </a:ln>
+        </p:spPr>
+      </p:pic>
+      <p:cxnSp>
+        <p:nvCxnSpPr>
+          <p:cNvPr id="113" name="Straight Connector 274">
+            <a:extLst>
+              <a:ext uri="{FF2B5EF4-FFF2-40B4-BE49-F238E27FC236}">
+                <a16:creationId xmlns:a16="http://schemas.microsoft.com/office/drawing/2014/main" id="{F388CDF0-C8E9-4BE5-AD94-7F7C24A15316}"/>
+              </a:ext>
+            </a:extLst>
+          </p:cNvPr>
+          <p:cNvCxnSpPr>
+            <a:cxnSpLocks/>
+          </p:cNvCxnSpPr>
+          <p:nvPr/>
+        </p:nvCxnSpPr>
+        <p:spPr>
+          <a:xfrm flipV="1">
+            <a:off x="4203377" y="1119000"/>
+            <a:ext cx="147325" cy="217890"/>
+          </a:xfrm>
+          <a:prstGeom prst="line">
+            <a:avLst/>
+          </a:prstGeom>
+          <a:ln w="6350"/>
+        </p:spPr>
+        <p:style>
+          <a:lnRef idx="1">
+            <a:schemeClr val="dk1"/>
+          </a:lnRef>
+          <a:fillRef idx="0">
+            <a:schemeClr val="dk1"/>
+          </a:fillRef>
+          <a:effectRef idx="0">
+            <a:schemeClr val="dk1"/>
+          </a:effectRef>
+          <a:fontRef idx="minor">
+            <a:schemeClr val="tx1"/>
+          </a:fontRef>
+        </p:style>
+      </p:cxnSp>
+      <p:cxnSp>
+        <p:nvCxnSpPr>
+          <p:cNvPr id="114" name="Straight Connector 277">
+            <a:extLst>
+              <a:ext uri="{FF2B5EF4-FFF2-40B4-BE49-F238E27FC236}">
+                <a16:creationId xmlns:a16="http://schemas.microsoft.com/office/drawing/2014/main" id="{B72EC38D-9B01-426A-9F3E-1A67DAD3A759}"/>
+              </a:ext>
+            </a:extLst>
+          </p:cNvPr>
+          <p:cNvCxnSpPr>
+            <a:cxnSpLocks/>
+          </p:cNvCxnSpPr>
+          <p:nvPr/>
+        </p:nvCxnSpPr>
+        <p:spPr>
+          <a:xfrm flipV="1">
+            <a:off x="2581537" y="237664"/>
+            <a:ext cx="151788" cy="221537"/>
+          </a:xfrm>
+          <a:prstGeom prst="line">
+            <a:avLst/>
+          </a:prstGeom>
+          <a:ln w="6350"/>
+        </p:spPr>
+        <p:style>
+          <a:lnRef idx="1">
+            <a:schemeClr val="dk1"/>
+          </a:lnRef>
+          <a:fillRef idx="0">
+            <a:schemeClr val="dk1"/>
+          </a:fillRef>
+          <a:effectRef idx="0">
+            <a:schemeClr val="dk1"/>
+          </a:effectRef>
+          <a:fontRef idx="minor">
+            <a:schemeClr val="tx1"/>
+          </a:fontRef>
+        </p:style>
+      </p:cxnSp>
+      <p:pic>
+        <p:nvPicPr>
+          <p:cNvPr id="115" name="Picture 269">
+            <a:extLst>
+              <a:ext uri="{FF2B5EF4-FFF2-40B4-BE49-F238E27FC236}">
+                <a16:creationId xmlns:a16="http://schemas.microsoft.com/office/drawing/2014/main" id="{62A5942C-969F-464B-A167-2D3C6F8BDFC5}"/>
+              </a:ext>
+            </a:extLst>
+          </p:cNvPr>
+          <p:cNvPicPr>
+            <a:picLocks noChangeAspect="1"/>
+          </p:cNvPicPr>
+          <p:nvPr/>
+        </p:nvPicPr>
+        <p:blipFill rotWithShape="1">
+          <a:blip r:embed="rId2"/>
+          <a:srcRect l="1976" t="2981" r="2028" b="4155"/>
+          <a:stretch/>
+        </p:blipFill>
+        <p:spPr>
+          <a:xfrm>
+            <a:off x="4458498" y="238876"/>
+            <a:ext cx="1620835" cy="870538"/>
+          </a:xfrm>
+          <a:prstGeom prst="rect">
+            <a:avLst/>
+          </a:prstGeom>
+          <a:ln w="6350">
+            <a:solidFill>
+              <a:schemeClr val="tx1"/>
+            </a:solidFill>
+          </a:ln>
+        </p:spPr>
+      </p:pic>
+      <p:sp>
+        <p:nvSpPr>
+          <p:cNvPr id="116" name="TextBox 270">
+            <a:extLst>
+              <a:ext uri="{FF2B5EF4-FFF2-40B4-BE49-F238E27FC236}">
+                <a16:creationId xmlns:a16="http://schemas.microsoft.com/office/drawing/2014/main" id="{2CFE65C1-06FB-4430-B35C-0DC394CF13D7}"/>
+              </a:ext>
+            </a:extLst>
+          </p:cNvPr>
+          <p:cNvSpPr txBox="1"/>
+          <p:nvPr/>
+        </p:nvSpPr>
+        <p:spPr>
+          <a:xfrm>
+            <a:off x="4456180" y="236558"/>
+            <a:ext cx="843832" cy="123111"/>
+          </a:xfrm>
+          <a:prstGeom prst="rect">
+            <a:avLst/>
+          </a:prstGeom>
+          <a:solidFill>
+            <a:srgbClr val="C00000">
+              <a:alpha val="89804"/>
+            </a:srgbClr>
+          </a:solidFill>
+          <a:ln w="3175">
+            <a:solidFill>
+              <a:schemeClr val="tx1"/>
+            </a:solidFill>
+          </a:ln>
+        </p:spPr>
+        <p:txBody>
+          <a:bodyPr wrap="square" lIns="36000" tIns="0" rIns="36000" bIns="0" rtlCol="0">
+            <a:spAutoFit/>
+          </a:bodyPr>
+          <a:lstStyle/>
+          <a:p>
+            <a:pPr algn="ctr"/>
+            <a:r>
+              <a:rPr lang="de-CH" sz="800" dirty="0">
+                <a:solidFill>
+                  <a:schemeClr val="bg1"/>
+                </a:solidFill>
+                <a:latin typeface="+mj-lt"/>
+              </a:rPr>
+              <a:t>...</a:t>
+            </a:r>
+            <a:endParaRPr lang="LID4096" sz="800" dirty="0">
+              <a:solidFill>
+                <a:schemeClr val="bg1"/>
+              </a:solidFill>
+              <a:latin typeface="+mj-lt"/>
+            </a:endParaRPr>
+          </a:p>
+        </p:txBody>
+      </p:sp>
+      <p:pic>
+        <p:nvPicPr>
+          <p:cNvPr id="117" name="Picture 267">
+            <a:extLst>
+              <a:ext uri="{FF2B5EF4-FFF2-40B4-BE49-F238E27FC236}">
+                <a16:creationId xmlns:a16="http://schemas.microsoft.com/office/drawing/2014/main" id="{C9EA42C0-6735-45E5-824A-ED5B3FC9685E}"/>
+              </a:ext>
+            </a:extLst>
+          </p:cNvPr>
+          <p:cNvPicPr>
+            <a:picLocks noChangeAspect="1"/>
+          </p:cNvPicPr>
+          <p:nvPr/>
+        </p:nvPicPr>
+        <p:blipFill rotWithShape="1">
+          <a:blip r:embed="rId2"/>
+          <a:srcRect l="1976" t="2981" r="2028" b="4155"/>
+          <a:stretch/>
+        </p:blipFill>
+        <p:spPr>
+          <a:xfrm>
+            <a:off x="4390232" y="347821"/>
+            <a:ext cx="1620835" cy="870538"/>
+          </a:xfrm>
+          <a:prstGeom prst="rect">
+            <a:avLst/>
+          </a:prstGeom>
+          <a:ln w="6350">
+            <a:solidFill>
+              <a:schemeClr val="tx1"/>
+            </a:solidFill>
+          </a:ln>
+        </p:spPr>
+      </p:pic>
+      <p:sp>
+        <p:nvSpPr>
+          <p:cNvPr id="118" name="TextBox 268">
+            <a:extLst>
+              <a:ext uri="{FF2B5EF4-FFF2-40B4-BE49-F238E27FC236}">
+                <a16:creationId xmlns:a16="http://schemas.microsoft.com/office/drawing/2014/main" id="{9FF92424-E31B-4D6D-8D05-A94FA3778404}"/>
+              </a:ext>
+            </a:extLst>
+          </p:cNvPr>
+          <p:cNvSpPr txBox="1"/>
+          <p:nvPr/>
+        </p:nvSpPr>
+        <p:spPr>
+          <a:xfrm>
+            <a:off x="4387914" y="345503"/>
+            <a:ext cx="867099" cy="123111"/>
+          </a:xfrm>
+          <a:prstGeom prst="rect">
+            <a:avLst/>
+          </a:prstGeom>
+          <a:solidFill>
+            <a:srgbClr val="C00000">
+              <a:alpha val="89804"/>
+            </a:srgbClr>
+          </a:solidFill>
+          <a:ln w="3175">
+            <a:solidFill>
+              <a:schemeClr val="tx1"/>
+            </a:solidFill>
+          </a:ln>
+        </p:spPr>
+        <p:txBody>
+          <a:bodyPr wrap="square" lIns="36000" tIns="0" rIns="36000" bIns="0" rtlCol="0">
+            <a:spAutoFit/>
+          </a:bodyPr>
+          <a:lstStyle/>
+          <a:p>
+            <a:pPr algn="ctr"/>
+            <a:r>
+              <a:rPr lang="de-CH" sz="800" dirty="0">
+                <a:solidFill>
+                  <a:schemeClr val="bg1"/>
+                </a:solidFill>
+                <a:latin typeface="+mj-lt"/>
+              </a:rPr>
+              <a:t>Relative Humidity</a:t>
+            </a:r>
+            <a:endParaRPr lang="LID4096" sz="800" dirty="0">
+              <a:solidFill>
+                <a:schemeClr val="bg1"/>
+              </a:solidFill>
+              <a:latin typeface="+mj-lt"/>
+            </a:endParaRPr>
+          </a:p>
+        </p:txBody>
+      </p:sp>
+      <p:pic>
+        <p:nvPicPr>
+          <p:cNvPr id="119" name="Picture 265">
+            <a:extLst>
+              <a:ext uri="{FF2B5EF4-FFF2-40B4-BE49-F238E27FC236}">
+                <a16:creationId xmlns:a16="http://schemas.microsoft.com/office/drawing/2014/main" id="{B58EA1D8-1E8D-4A36-A9F8-F21904DA6510}"/>
+              </a:ext>
+            </a:extLst>
+          </p:cNvPr>
+          <p:cNvPicPr>
+            <a:picLocks noChangeAspect="1"/>
+          </p:cNvPicPr>
+          <p:nvPr/>
+        </p:nvPicPr>
+        <p:blipFill rotWithShape="1">
+          <a:blip r:embed="rId2"/>
+          <a:srcRect l="1976" t="2981" r="2028" b="4155"/>
+          <a:stretch/>
+        </p:blipFill>
+        <p:spPr>
+          <a:xfrm>
+            <a:off x="4311173" y="456766"/>
+            <a:ext cx="1620834" cy="870538"/>
+          </a:xfrm>
+          <a:prstGeom prst="rect">
+            <a:avLst/>
+          </a:prstGeom>
+          <a:ln w="6350">
+            <a:solidFill>
+              <a:schemeClr val="tx1"/>
+            </a:solidFill>
+          </a:ln>
+        </p:spPr>
+      </p:pic>
+      <p:sp>
+        <p:nvSpPr>
+          <p:cNvPr id="120" name="TextBox 266">
+            <a:extLst>
+              <a:ext uri="{FF2B5EF4-FFF2-40B4-BE49-F238E27FC236}">
+                <a16:creationId xmlns:a16="http://schemas.microsoft.com/office/drawing/2014/main" id="{AB1C3D64-9BBB-4981-814A-4156BDDB07FD}"/>
+              </a:ext>
+            </a:extLst>
+          </p:cNvPr>
+          <p:cNvSpPr txBox="1"/>
+          <p:nvPr/>
+        </p:nvSpPr>
+        <p:spPr>
+          <a:xfrm>
+            <a:off x="4308855" y="454448"/>
+            <a:ext cx="901158" cy="123111"/>
+          </a:xfrm>
+          <a:prstGeom prst="rect">
+            <a:avLst/>
+          </a:prstGeom>
+          <a:solidFill>
+            <a:srgbClr val="C00000">
+              <a:alpha val="89804"/>
+            </a:srgbClr>
+          </a:solidFill>
+          <a:ln w="3175">
+            <a:solidFill>
+              <a:schemeClr val="tx1"/>
+            </a:solidFill>
+          </a:ln>
+        </p:spPr>
+        <p:txBody>
+          <a:bodyPr wrap="square" lIns="36000" tIns="0" rIns="36000" bIns="0" rtlCol="0">
+            <a:spAutoFit/>
+          </a:bodyPr>
+          <a:lstStyle/>
+          <a:p>
+            <a:pPr algn="ctr"/>
+            <a:r>
+              <a:rPr lang="de-CH" sz="800" dirty="0">
+                <a:solidFill>
+                  <a:schemeClr val="bg1"/>
+                </a:solidFill>
+                <a:latin typeface="+mj-lt"/>
+              </a:rPr>
+              <a:t>Temperature</a:t>
+            </a:r>
+            <a:endParaRPr lang="LID4096" sz="800" dirty="0">
+              <a:solidFill>
+                <a:schemeClr val="bg1"/>
+              </a:solidFill>
+              <a:latin typeface="+mj-lt"/>
+            </a:endParaRPr>
+          </a:p>
+        </p:txBody>
+      </p:sp>
+      <p:cxnSp>
+        <p:nvCxnSpPr>
+          <p:cNvPr id="121" name="Straight Connector 261">
+            <a:extLst>
+              <a:ext uri="{FF2B5EF4-FFF2-40B4-BE49-F238E27FC236}">
+                <a16:creationId xmlns:a16="http://schemas.microsoft.com/office/drawing/2014/main" id="{5735B495-A709-47D4-A925-3BEF76D7B2B8}"/>
+              </a:ext>
+            </a:extLst>
+          </p:cNvPr>
+          <p:cNvCxnSpPr>
+            <a:cxnSpLocks/>
+          </p:cNvCxnSpPr>
+          <p:nvPr/>
+        </p:nvCxnSpPr>
+        <p:spPr>
+          <a:xfrm flipV="1">
+            <a:off x="5925549" y="1113016"/>
+            <a:ext cx="147325" cy="217890"/>
+          </a:xfrm>
+          <a:prstGeom prst="line">
+            <a:avLst/>
+          </a:prstGeom>
+          <a:ln w="6350"/>
+        </p:spPr>
+        <p:style>
+          <a:lnRef idx="1">
+            <a:schemeClr val="dk1"/>
+          </a:lnRef>
+          <a:fillRef idx="0">
+            <a:schemeClr val="dk1"/>
+          </a:fillRef>
+          <a:effectRef idx="0">
+            <a:schemeClr val="dk1"/>
+          </a:effectRef>
+          <a:fontRef idx="minor">
+            <a:schemeClr val="tx1"/>
+          </a:fontRef>
+        </p:style>
+      </p:cxnSp>
+      <p:cxnSp>
+        <p:nvCxnSpPr>
+          <p:cNvPr id="122" name="Straight Connector 262">
+            <a:extLst>
+              <a:ext uri="{FF2B5EF4-FFF2-40B4-BE49-F238E27FC236}">
+                <a16:creationId xmlns:a16="http://schemas.microsoft.com/office/drawing/2014/main" id="{6D58D0BD-3A12-4D8C-9202-65368AF67DFB}"/>
+              </a:ext>
+            </a:extLst>
+          </p:cNvPr>
+          <p:cNvCxnSpPr>
+            <a:cxnSpLocks/>
+          </p:cNvCxnSpPr>
+          <p:nvPr/>
+        </p:nvCxnSpPr>
+        <p:spPr>
+          <a:xfrm flipV="1">
+            <a:off x="5932007" y="229707"/>
+            <a:ext cx="151788" cy="221537"/>
+          </a:xfrm>
+          <a:prstGeom prst="line">
+            <a:avLst/>
+          </a:prstGeom>
+          <a:ln w="6350"/>
+        </p:spPr>
+        <p:style>
+          <a:lnRef idx="1">
+            <a:schemeClr val="dk1"/>
+          </a:lnRef>
+          <a:fillRef idx="0">
+            <a:schemeClr val="dk1"/>
+          </a:fillRef>
+          <a:effectRef idx="0">
+            <a:schemeClr val="dk1"/>
+          </a:effectRef>
+          <a:fontRef idx="minor">
+            <a:schemeClr val="tx1"/>
+          </a:fontRef>
+        </p:style>
+      </p:cxnSp>
+      <p:sp>
+        <p:nvSpPr>
+          <p:cNvPr id="123" name="TextBox 263">
+            <a:extLst>
+              <a:ext uri="{FF2B5EF4-FFF2-40B4-BE49-F238E27FC236}">
+                <a16:creationId xmlns:a16="http://schemas.microsoft.com/office/drawing/2014/main" id="{AC08E738-526C-467D-ACAD-4857D786A9E3}"/>
+              </a:ext>
+            </a:extLst>
+          </p:cNvPr>
+          <p:cNvSpPr txBox="1"/>
+          <p:nvPr/>
+        </p:nvSpPr>
+        <p:spPr>
+          <a:xfrm>
+            <a:off x="4795485" y="1125546"/>
+            <a:ext cx="652210" cy="123111"/>
+          </a:xfrm>
+          <a:prstGeom prst="rect">
+            <a:avLst/>
+          </a:prstGeom>
+          <a:solidFill>
+            <a:srgbClr val="C00000"/>
+          </a:solidFill>
+          <a:ln w="3175">
+            <a:solidFill>
+              <a:schemeClr val="tx1"/>
+            </a:solidFill>
+          </a:ln>
+        </p:spPr>
+        <p:txBody>
+          <a:bodyPr wrap="square" lIns="36000" tIns="0" rIns="36000" bIns="0" rtlCol="0">
+            <a:spAutoFit/>
+          </a:bodyPr>
+          <a:lstStyle/>
+          <a:p>
+            <a:pPr algn="ctr"/>
+            <a:r>
+              <a:rPr lang="de-CH" sz="800" dirty="0">
+                <a:solidFill>
+                  <a:schemeClr val="bg1"/>
+                </a:solidFill>
+                <a:latin typeface="+mj-lt"/>
+              </a:rPr>
+              <a:t>t - 1</a:t>
+            </a:r>
+            <a:endParaRPr lang="LID4096" sz="800" dirty="0">
+              <a:solidFill>
+                <a:schemeClr val="bg1"/>
+              </a:solidFill>
+              <a:latin typeface="+mj-lt"/>
+            </a:endParaRPr>
+          </a:p>
+        </p:txBody>
+      </p:sp>
+      <p:cxnSp>
+        <p:nvCxnSpPr>
+          <p:cNvPr id="126" name="Straight Connector 275">
+            <a:extLst>
+              <a:ext uri="{FF2B5EF4-FFF2-40B4-BE49-F238E27FC236}">
+                <a16:creationId xmlns:a16="http://schemas.microsoft.com/office/drawing/2014/main" id="{6BAE4E0C-6E43-4C66-AFF3-3CD092A844A3}"/>
+              </a:ext>
+            </a:extLst>
+          </p:cNvPr>
+          <p:cNvCxnSpPr>
+            <a:cxnSpLocks/>
+          </p:cNvCxnSpPr>
+          <p:nvPr/>
+        </p:nvCxnSpPr>
+        <p:spPr>
+          <a:xfrm flipV="1">
+            <a:off x="4198280" y="229534"/>
+            <a:ext cx="151788" cy="221537"/>
+          </a:xfrm>
+          <a:prstGeom prst="line">
+            <a:avLst/>
+          </a:prstGeom>
+          <a:ln w="6350"/>
+        </p:spPr>
+        <p:style>
+          <a:lnRef idx="1">
+            <a:schemeClr val="dk1"/>
+          </a:lnRef>
+          <a:fillRef idx="0">
+            <a:schemeClr val="dk1"/>
+          </a:fillRef>
+          <a:effectRef idx="0">
+            <a:schemeClr val="dk1"/>
+          </a:effectRef>
+          <a:fontRef idx="minor">
+            <a:schemeClr val="tx1"/>
+          </a:fontRef>
+        </p:style>
+      </p:cxnSp>
+      <p:sp>
+        <p:nvSpPr>
+          <p:cNvPr id="124" name="TextBox 253">
+            <a:extLst>
+              <a:ext uri="{FF2B5EF4-FFF2-40B4-BE49-F238E27FC236}">
+                <a16:creationId xmlns:a16="http://schemas.microsoft.com/office/drawing/2014/main" id="{961A0D46-E414-4729-824B-FCC7A43DF708}"/>
+              </a:ext>
+            </a:extLst>
+          </p:cNvPr>
+          <p:cNvSpPr txBox="1"/>
+          <p:nvPr/>
+        </p:nvSpPr>
+        <p:spPr>
+          <a:xfrm>
+            <a:off x="2764617" y="49009"/>
+            <a:ext cx="1530445" cy="323165"/>
+          </a:xfrm>
+          <a:prstGeom prst="rect">
+            <a:avLst/>
+          </a:prstGeom>
+          <a:solidFill>
+            <a:schemeClr val="accent2"/>
+          </a:solidFill>
+          <a:ln w="3175">
+            <a:solidFill>
+              <a:schemeClr val="tx1"/>
+            </a:solidFill>
+          </a:ln>
+        </p:spPr>
+        <p:txBody>
+          <a:bodyPr wrap="square" lIns="36000" tIns="0" rIns="36000" bIns="0" rtlCol="0">
+            <a:spAutoFit/>
+          </a:bodyPr>
+          <a:lstStyle/>
+          <a:p>
+            <a:pPr algn="ctr"/>
+            <a:r>
+              <a:rPr lang="de-CH" sz="1050" dirty="0">
+                <a:solidFill>
+                  <a:schemeClr val="bg1"/>
+                </a:solidFill>
+                <a:latin typeface="+mj-lt"/>
+              </a:rPr>
+              <a:t>Sequence of length 60 with offset 2</a:t>
+            </a:r>
+            <a:endParaRPr lang="LID4096" sz="1050" dirty="0">
+              <a:solidFill>
+                <a:schemeClr val="bg1"/>
+              </a:solidFill>
+              <a:latin typeface="+mj-lt"/>
+            </a:endParaRPr>
+          </a:p>
+        </p:txBody>
+      </p:sp>
+      <p:sp>
+        <p:nvSpPr>
+          <p:cNvPr id="125" name="TextBox 279">
+            <a:extLst>
+              <a:ext uri="{FF2B5EF4-FFF2-40B4-BE49-F238E27FC236}">
+                <a16:creationId xmlns:a16="http://schemas.microsoft.com/office/drawing/2014/main" id="{2E5F3D05-0074-4C9C-95A6-2D36F1158F85}"/>
+              </a:ext>
+            </a:extLst>
+          </p:cNvPr>
+          <p:cNvSpPr txBox="1"/>
+          <p:nvPr/>
+        </p:nvSpPr>
+        <p:spPr>
+          <a:xfrm>
+            <a:off x="2575999" y="457760"/>
+            <a:ext cx="901158" cy="123111"/>
+          </a:xfrm>
+          <a:prstGeom prst="rect">
+            <a:avLst/>
+          </a:prstGeom>
+          <a:solidFill>
+            <a:srgbClr val="C00000">
+              <a:alpha val="89804"/>
+            </a:srgbClr>
+          </a:solidFill>
+          <a:ln w="3175">
+            <a:solidFill>
+              <a:schemeClr val="tx1"/>
+            </a:solidFill>
+          </a:ln>
+        </p:spPr>
+        <p:txBody>
+          <a:bodyPr wrap="square" lIns="36000" tIns="0" rIns="36000" bIns="0" rtlCol="0">
+            <a:spAutoFit/>
+          </a:bodyPr>
+          <a:lstStyle/>
+          <a:p>
+            <a:pPr algn="ctr"/>
+            <a:r>
+              <a:rPr lang="de-CH" sz="800" dirty="0">
+                <a:solidFill>
+                  <a:schemeClr val="bg1"/>
+                </a:solidFill>
+                <a:latin typeface="+mj-lt"/>
+              </a:rPr>
+              <a:t>Temperature</a:t>
+            </a:r>
+            <a:endParaRPr lang="LID4096" sz="800" dirty="0">
+              <a:solidFill>
+                <a:schemeClr val="bg1"/>
+              </a:solidFill>
+              <a:latin typeface="+mj-lt"/>
+            </a:endParaRPr>
+          </a:p>
+        </p:txBody>
+      </p:sp>
+      <p:sp>
+        <p:nvSpPr>
+          <p:cNvPr id="127" name="TextBox 276">
+            <a:extLst>
+              <a:ext uri="{FF2B5EF4-FFF2-40B4-BE49-F238E27FC236}">
+                <a16:creationId xmlns:a16="http://schemas.microsoft.com/office/drawing/2014/main" id="{DAB6DF1D-BDF9-4BFA-ACD2-9FC96105174D}"/>
+              </a:ext>
+            </a:extLst>
+          </p:cNvPr>
+          <p:cNvSpPr txBox="1"/>
+          <p:nvPr/>
+        </p:nvSpPr>
+        <p:spPr>
+          <a:xfrm>
+            <a:off x="3067285" y="1131138"/>
+            <a:ext cx="652210" cy="123111"/>
+          </a:xfrm>
+          <a:prstGeom prst="rect">
+            <a:avLst/>
+          </a:prstGeom>
+          <a:solidFill>
+            <a:srgbClr val="C00000"/>
+          </a:solidFill>
+          <a:ln w="3175">
+            <a:solidFill>
+              <a:schemeClr val="tx1"/>
+            </a:solidFill>
+          </a:ln>
+        </p:spPr>
+        <p:txBody>
+          <a:bodyPr wrap="square" lIns="36000" tIns="0" rIns="36000" bIns="0" rtlCol="0">
+            <a:spAutoFit/>
+          </a:bodyPr>
+          <a:lstStyle/>
+          <a:p>
+            <a:pPr algn="ctr"/>
+            <a:r>
+              <a:rPr lang="de-CH" sz="800" dirty="0">
+                <a:solidFill>
+                  <a:schemeClr val="bg1"/>
+                </a:solidFill>
+                <a:latin typeface="+mj-lt"/>
+              </a:rPr>
+              <a:t>...</a:t>
+            </a:r>
+            <a:endParaRPr lang="LID4096" sz="800" dirty="0">
+              <a:solidFill>
+                <a:schemeClr val="bg1"/>
+              </a:solidFill>
+              <a:latin typeface="+mj-lt"/>
+            </a:endParaRPr>
+          </a:p>
+        </p:txBody>
+      </p:sp>
     </p:spTree>
     <p:extLst>
       <p:ext uri="{BB962C8B-B14F-4D97-AF65-F5344CB8AC3E}">
@@ -6941,7 +7071,7 @@
 </p:sld>
 </file>
 
-<file path=ppt/slides/slide2.xml><?xml version="1.0" encoding="utf-8"?>
+<file path=ppt/slides/slide3.xml><?xml version="1.0" encoding="utf-8"?>
 <p:sld xmlns:a="http://schemas.openxmlformats.org/drawingml/2006/main" xmlns:r="http://schemas.openxmlformats.org/officeDocument/2006/relationships" xmlns:p="http://schemas.openxmlformats.org/presentationml/2006/main">
   <p:cSld>
     <p:spTree>
@@ -8825,7 +8955,7 @@
                   <a:rPr lang="de-CH" sz="1400" dirty="0">
                     <a:latin typeface="+mj-lt"/>
                   </a:rPr>
-                  <a:t>Conv2D, 16, 3x3</a:t>
+                  <a:t>…</a:t>
                 </a:r>
                 <a:endParaRPr lang="LID4096" sz="1400" dirty="0">
                   <a:latin typeface="+mj-lt"/>
@@ -9156,7 +9286,7 @@
                   <a:rPr lang="de-CH" sz="1400" dirty="0">
                     <a:latin typeface="+mj-lt"/>
                   </a:rPr>
-                  <a:t>Conv2D, 16, 3x3</a:t>
+                  <a:t>…</a:t>
                 </a:r>
                 <a:endParaRPr lang="LID4096" sz="1400" dirty="0">
                   <a:latin typeface="+mj-lt"/>
@@ -9785,7 +9915,7 @@
                   <a:rPr lang="de-CH" sz="1400" dirty="0">
                     <a:latin typeface="+mj-lt"/>
                   </a:rPr>
-                  <a:t>MaxPool2D, 2x2</a:t>
+                  <a:t>…</a:t>
                 </a:r>
                 <a:endParaRPr lang="LID4096" sz="1400" dirty="0">
                   <a:latin typeface="+mj-lt"/>

--- a/thesis/Visualizations.pptx
+++ b/thesis/Visualizations.pptx
@@ -9989,6 +9989,96 @@
           </p:sp>
         </p:grpSp>
       </p:grpSp>
+      <p:sp>
+        <p:nvSpPr>
+          <p:cNvPr id="69" name="TextBox 253">
+            <a:extLst>
+              <a:ext uri="{FF2B5EF4-FFF2-40B4-BE49-F238E27FC236}">
+                <a16:creationId xmlns:a16="http://schemas.microsoft.com/office/drawing/2014/main" id="{6A8C5575-DCA8-4E59-A2FE-67E421BB01AF}"/>
+              </a:ext>
+            </a:extLst>
+          </p:cNvPr>
+          <p:cNvSpPr txBox="1"/>
+          <p:nvPr/>
+        </p:nvSpPr>
+        <p:spPr>
+          <a:xfrm>
+            <a:off x="1673279" y="620140"/>
+            <a:ext cx="1926739" cy="184666"/>
+          </a:xfrm>
+          <a:prstGeom prst="rect">
+            <a:avLst/>
+          </a:prstGeom>
+          <a:solidFill>
+            <a:schemeClr val="accent2"/>
+          </a:solidFill>
+          <a:ln w="3175">
+            <a:solidFill>
+              <a:schemeClr val="tx1"/>
+            </a:solidFill>
+          </a:ln>
+        </p:spPr>
+        <p:txBody>
+          <a:bodyPr wrap="square" lIns="36000" tIns="0" rIns="36000" bIns="0" rtlCol="0">
+            <a:spAutoFit/>
+          </a:bodyPr>
+          <a:lstStyle/>
+          <a:p>
+            <a:pPr algn="ctr"/>
+            <a:r>
+              <a:rPr lang="de-CH" sz="1200" dirty="0" err="1">
+                <a:solidFill>
+                  <a:schemeClr val="bg1"/>
+                </a:solidFill>
+                <a:latin typeface="+mj-lt"/>
+              </a:rPr>
+              <a:t>Exemplary</a:t>
+            </a:r>
+            <a:r>
+              <a:rPr lang="de-CH" sz="1200" dirty="0">
+                <a:solidFill>
+                  <a:schemeClr val="bg1"/>
+                </a:solidFill>
+                <a:latin typeface="+mj-lt"/>
+              </a:rPr>
+              <a:t> </a:t>
+            </a:r>
+            <a:r>
+              <a:rPr lang="de-CH" sz="1200" dirty="0" err="1">
+                <a:solidFill>
+                  <a:schemeClr val="bg1"/>
+                </a:solidFill>
+                <a:latin typeface="+mj-lt"/>
+              </a:rPr>
+              <a:t>training</a:t>
+            </a:r>
+            <a:r>
+              <a:rPr lang="de-CH" sz="1200" dirty="0">
+                <a:solidFill>
+                  <a:schemeClr val="bg1"/>
+                </a:solidFill>
+                <a:latin typeface="+mj-lt"/>
+              </a:rPr>
+              <a:t> </a:t>
+            </a:r>
+            <a:r>
+              <a:rPr lang="de-CH" sz="1200" dirty="0" err="1">
+                <a:solidFill>
+                  <a:schemeClr val="bg1"/>
+                </a:solidFill>
+                <a:latin typeface="+mj-lt"/>
+              </a:rPr>
+              <a:t>sequence</a:t>
+            </a:r>
+            <a:endParaRPr lang="LID4096" sz="1200" dirty="0">
+              <a:solidFill>
+                <a:schemeClr val="bg1"/>
+              </a:solidFill>
+              <a:latin typeface="+mj-lt"/>
+            </a:endParaRPr>
+          </a:p>
+        </p:txBody>
+      </p:sp>
     </p:spTree>
     <p:extLst>
       <p:ext uri="{BB962C8B-B14F-4D97-AF65-F5344CB8AC3E}">
